--- a/m1/ppt/1.pptx
+++ b/m1/ppt/1.pptx
@@ -11,24 +11,24 @@
   <p:sldIdLst>
     <p:sldId id="431" r:id="rId3"/>
     <p:sldId id="502" r:id="rId4"/>
-    <p:sldId id="332" r:id="rId5"/>
-    <p:sldId id="412" r:id="rId6"/>
-    <p:sldId id="428" r:id="rId7"/>
-    <p:sldId id="318" r:id="rId8"/>
-    <p:sldId id="430" r:id="rId9"/>
-    <p:sldId id="501" r:id="rId10"/>
-    <p:sldId id="342" r:id="rId11"/>
-    <p:sldId id="422" r:id="rId12"/>
-    <p:sldId id="423" r:id="rId13"/>
-    <p:sldId id="424" r:id="rId14"/>
-    <p:sldId id="425" r:id="rId15"/>
-    <p:sldId id="426" r:id="rId16"/>
-    <p:sldId id="503" r:id="rId17"/>
-    <p:sldId id="504" r:id="rId18"/>
-    <p:sldId id="257" r:id="rId19"/>
-    <p:sldId id="429" r:id="rId20"/>
-    <p:sldId id="363" r:id="rId21"/>
-    <p:sldId id="265" r:id="rId22"/>
+    <p:sldId id="505" r:id="rId5"/>
+    <p:sldId id="332" r:id="rId6"/>
+    <p:sldId id="412" r:id="rId7"/>
+    <p:sldId id="428" r:id="rId8"/>
+    <p:sldId id="318" r:id="rId9"/>
+    <p:sldId id="430" r:id="rId10"/>
+    <p:sldId id="501" r:id="rId11"/>
+    <p:sldId id="506" r:id="rId12"/>
+    <p:sldId id="422" r:id="rId13"/>
+    <p:sldId id="423" r:id="rId14"/>
+    <p:sldId id="424" r:id="rId15"/>
+    <p:sldId id="425" r:id="rId16"/>
+    <p:sldId id="426" r:id="rId17"/>
+    <p:sldId id="503" r:id="rId18"/>
+    <p:sldId id="504" r:id="rId19"/>
+    <p:sldId id="257" r:id="rId20"/>
+    <p:sldId id="429" r:id="rId21"/>
+    <p:sldId id="363" r:id="rId22"/>
   </p:sldIdLst>
   <p:sldSz cx="9144000" cy="5143500" type="screen16x9"/>
   <p:notesSz cx="7559675" cy="10691813"/>
@@ -217,7 +217,7 @@
           <a:p>
             <a:fld id="{7A6A0595-55A8-48ED-89D9-94EF8A794717}" type="datetimeFigureOut">
               <a:rPr lang="ru-RU" smtClean="0"/>
-              <a:t>06.11.2024</a:t>
+              <a:t>07.11.2024</a:t>
             </a:fld>
             <a:endParaRPr lang="ru-RU"/>
           </a:p>
@@ -1220,226 +1220,6 @@
 </file>
 
 <file path=ppt/slideLayouts/slideLayout14.xml><?xml version="1.0" encoding="utf-8"?>
-<p:sldLayout xmlns:a="http://schemas.openxmlformats.org/drawingml/2006/main" xmlns:r="http://schemas.openxmlformats.org/officeDocument/2006/relationships" xmlns:p="http://schemas.openxmlformats.org/presentationml/2006/main" type="title">
-  <p:cSld name="Титульный слайд">
-    <p:spTree>
-      <p:nvGrpSpPr>
-        <p:cNvPr id="1" name=""/>
-        <p:cNvGrpSpPr/>
-        <p:nvPr/>
-      </p:nvGrpSpPr>
-      <p:grpSpPr>
-        <a:xfrm>
-          <a:off x="0" y="0"/>
-          <a:ext cx="0" cy="0"/>
-          <a:chOff x="0" y="0"/>
-          <a:chExt cx="0" cy="0"/>
-        </a:xfrm>
-      </p:grpSpPr>
-      <p:sp>
-        <p:nvSpPr>
-          <p:cNvPr id="2" name="Заголовок 1">
-            <a:extLst>
-              <a:ext uri="{FF2B5EF4-FFF2-40B4-BE49-F238E27FC236}">
-                <a16:creationId xmlns:a16="http://schemas.microsoft.com/office/drawing/2014/main" id="{021FF6B9-6C7F-4C1B-8747-C0E19B7B7DF0}"/>
-              </a:ext>
-            </a:extLst>
-          </p:cNvPr>
-          <p:cNvSpPr>
-            <a:spLocks noGrp="1"/>
-          </p:cNvSpPr>
-          <p:nvPr>
-            <p:ph type="ctrTitle"/>
-          </p:nvPr>
-        </p:nvSpPr>
-        <p:spPr>
-          <a:xfrm>
-            <a:off x="1143000" y="841772"/>
-            <a:ext cx="6858000" cy="1790700"/>
-          </a:xfrm>
-        </p:spPr>
-        <p:txBody>
-          <a:bodyPr anchor="b"/>
-          <a:lstStyle>
-            <a:lvl1pPr algn="ctr">
-              <a:defRPr sz="4500"/>
-            </a:lvl1pPr>
-          </a:lstStyle>
-          <a:p>
-            <a:r>
-              <a:rPr lang="ru-RU"/>
-              <a:t>Образец заголовка</a:t>
-            </a:r>
-          </a:p>
-        </p:txBody>
-      </p:sp>
-      <p:sp>
-        <p:nvSpPr>
-          <p:cNvPr id="3" name="Подзаголовок 2">
-            <a:extLst>
-              <a:ext uri="{FF2B5EF4-FFF2-40B4-BE49-F238E27FC236}">
-                <a16:creationId xmlns:a16="http://schemas.microsoft.com/office/drawing/2014/main" id="{D2570718-41B5-48DC-8312-8489EE4DF099}"/>
-              </a:ext>
-            </a:extLst>
-          </p:cNvPr>
-          <p:cNvSpPr>
-            <a:spLocks noGrp="1"/>
-          </p:cNvSpPr>
-          <p:nvPr>
-            <p:ph type="subTitle" idx="1"/>
-          </p:nvPr>
-        </p:nvSpPr>
-        <p:spPr>
-          <a:xfrm>
-            <a:off x="1143000" y="2701528"/>
-            <a:ext cx="6858000" cy="1241822"/>
-          </a:xfrm>
-        </p:spPr>
-        <p:txBody>
-          <a:bodyPr/>
-          <a:lstStyle>
-            <a:lvl1pPr marL="0" indent="0" algn="ctr">
-              <a:buNone/>
-              <a:defRPr sz="1800"/>
-            </a:lvl1pPr>
-            <a:lvl2pPr marL="342892" indent="0" algn="ctr">
-              <a:buNone/>
-              <a:defRPr sz="1500"/>
-            </a:lvl2pPr>
-            <a:lvl3pPr marL="685783" indent="0" algn="ctr">
-              <a:buNone/>
-              <a:defRPr sz="1350"/>
-            </a:lvl3pPr>
-            <a:lvl4pPr marL="1028675" indent="0" algn="ctr">
-              <a:buNone/>
-              <a:defRPr sz="1200"/>
-            </a:lvl4pPr>
-            <a:lvl5pPr marL="1371566" indent="0" algn="ctr">
-              <a:buNone/>
-              <a:defRPr sz="1200"/>
-            </a:lvl5pPr>
-            <a:lvl6pPr marL="1714457" indent="0" algn="ctr">
-              <a:buNone/>
-              <a:defRPr sz="1200"/>
-            </a:lvl6pPr>
-            <a:lvl7pPr marL="2057348" indent="0" algn="ctr">
-              <a:buNone/>
-              <a:defRPr sz="1200"/>
-            </a:lvl7pPr>
-            <a:lvl8pPr marL="2400240" indent="0" algn="ctr">
-              <a:buNone/>
-              <a:defRPr sz="1200"/>
-            </a:lvl8pPr>
-            <a:lvl9pPr marL="2743132" indent="0" algn="ctr">
-              <a:buNone/>
-              <a:defRPr sz="1200"/>
-            </a:lvl9pPr>
-          </a:lstStyle>
-          <a:p>
-            <a:r>
-              <a:rPr lang="ru-RU"/>
-              <a:t>Образец подзаголовка</a:t>
-            </a:r>
-          </a:p>
-        </p:txBody>
-      </p:sp>
-      <p:sp>
-        <p:nvSpPr>
-          <p:cNvPr id="4" name="Дата 3">
-            <a:extLst>
-              <a:ext uri="{FF2B5EF4-FFF2-40B4-BE49-F238E27FC236}">
-                <a16:creationId xmlns:a16="http://schemas.microsoft.com/office/drawing/2014/main" id="{F75B52F1-46A2-46BB-936E-89C2BF9312A2}"/>
-              </a:ext>
-            </a:extLst>
-          </p:cNvPr>
-          <p:cNvSpPr>
-            <a:spLocks noGrp="1"/>
-          </p:cNvSpPr>
-          <p:nvPr>
-            <p:ph type="dt" sz="half" idx="10"/>
-          </p:nvPr>
-        </p:nvSpPr>
-        <p:spPr/>
-        <p:txBody>
-          <a:bodyPr/>
-          <a:lstStyle/>
-          <a:p>
-            <a:fld id="{EF790F8C-5FB9-4EFE-BCC7-F735A3026FD8}" type="datetimeFigureOut">
-              <a:rPr lang="ru-RU" smtClean="0"/>
-              <a:t>06.11.2024</a:t>
-            </a:fld>
-            <a:endParaRPr lang="ru-RU"/>
-          </a:p>
-        </p:txBody>
-      </p:sp>
-      <p:sp>
-        <p:nvSpPr>
-          <p:cNvPr id="5" name="Нижний колонтитул 4">
-            <a:extLst>
-              <a:ext uri="{FF2B5EF4-FFF2-40B4-BE49-F238E27FC236}">
-                <a16:creationId xmlns:a16="http://schemas.microsoft.com/office/drawing/2014/main" id="{C4198FDE-1923-462C-9DED-45DD19A56C39}"/>
-              </a:ext>
-            </a:extLst>
-          </p:cNvPr>
-          <p:cNvSpPr>
-            <a:spLocks noGrp="1"/>
-          </p:cNvSpPr>
-          <p:nvPr>
-            <p:ph type="ftr" sz="quarter" idx="11"/>
-          </p:nvPr>
-        </p:nvSpPr>
-        <p:spPr/>
-        <p:txBody>
-          <a:bodyPr/>
-          <a:lstStyle/>
-          <a:p>
-            <a:endParaRPr lang="ru-RU"/>
-          </a:p>
-        </p:txBody>
-      </p:sp>
-      <p:sp>
-        <p:nvSpPr>
-          <p:cNvPr id="6" name="Номер слайда 5">
-            <a:extLst>
-              <a:ext uri="{FF2B5EF4-FFF2-40B4-BE49-F238E27FC236}">
-                <a16:creationId xmlns:a16="http://schemas.microsoft.com/office/drawing/2014/main" id="{72C2C86E-E221-42EE-B1FF-D007F0DD1F77}"/>
-              </a:ext>
-            </a:extLst>
-          </p:cNvPr>
-          <p:cNvSpPr>
-            <a:spLocks noGrp="1"/>
-          </p:cNvSpPr>
-          <p:nvPr>
-            <p:ph type="sldNum" sz="quarter" idx="12"/>
-          </p:nvPr>
-        </p:nvSpPr>
-        <p:spPr/>
-        <p:txBody>
-          <a:bodyPr/>
-          <a:lstStyle/>
-          <a:p>
-            <a:fld id="{6D691D55-44CC-4FEC-81B8-DCF2DD6927BA}" type="slidenum">
-              <a:rPr lang="ru-RU" smtClean="0"/>
-              <a:t>‹#›</a:t>
-            </a:fld>
-            <a:endParaRPr lang="ru-RU"/>
-          </a:p>
-        </p:txBody>
-      </p:sp>
-    </p:spTree>
-    <p:extLst>
-      <p:ext uri="{BB962C8B-B14F-4D97-AF65-F5344CB8AC3E}">
-        <p14:creationId xmlns:p14="http://schemas.microsoft.com/office/powerpoint/2010/main" val="2781874329"/>
-      </p:ext>
-    </p:extLst>
-  </p:cSld>
-  <p:clrMapOvr>
-    <a:masterClrMapping/>
-  </p:clrMapOvr>
-</p:sldLayout>
-</file>
-
-<file path=ppt/slideLayouts/slideLayout15.xml><?xml version="1.0" encoding="utf-8"?>
 <p:sldLayout xmlns:a="http://schemas.openxmlformats.org/drawingml/2006/main" xmlns:r="http://schemas.openxmlformats.org/officeDocument/2006/relationships" xmlns:p="http://schemas.openxmlformats.org/presentationml/2006/main" userDrawn="1">
   <p:cSld name="Заголовок, текст, картинка справа">
     <p:spTree>
@@ -1653,7 +1433,7 @@
 </p:sldLayout>
 </file>
 
-<file path=ppt/slideLayouts/slideLayout16.xml><?xml version="1.0" encoding="utf-8"?>
+<file path=ppt/slideLayouts/slideLayout15.xml><?xml version="1.0" encoding="utf-8"?>
 <p:sldLayout xmlns:a="http://schemas.openxmlformats.org/drawingml/2006/main" xmlns:r="http://schemas.openxmlformats.org/officeDocument/2006/relationships" xmlns:p="http://schemas.openxmlformats.org/presentationml/2006/main" userDrawn="1">
   <p:cSld name="Заголовок и объект">
     <p:spTree>
@@ -1858,7 +1638,7 @@
 </p:sldLayout>
 </file>
 
-<file path=ppt/slideLayouts/slideLayout17.xml><?xml version="1.0" encoding="utf-8"?>
+<file path=ppt/slideLayouts/slideLayout16.xml><?xml version="1.0" encoding="utf-8"?>
 <p:sldLayout xmlns:a="http://schemas.openxmlformats.org/drawingml/2006/main" xmlns:r="http://schemas.openxmlformats.org/officeDocument/2006/relationships" xmlns:p="http://schemas.openxmlformats.org/presentationml/2006/main" userDrawn="1">
   <p:cSld name="Заголовок + подзаголовок">
     <p:spTree>
@@ -2075,154 +1855,7 @@
 </p:sldLayout>
 </file>
 
-<file path=ppt/slideLayouts/slideLayout18.xml><?xml version="1.0" encoding="utf-8"?>
-<p:sldLayout xmlns:a="http://schemas.openxmlformats.org/drawingml/2006/main" xmlns:r="http://schemas.openxmlformats.org/officeDocument/2006/relationships" xmlns:p="http://schemas.openxmlformats.org/presentationml/2006/main" showMasterSp="0" userDrawn="1">
-  <p:cSld name="Слайд для разделения модулей">
-    <p:bg>
-      <p:bgPr>
-        <a:blipFill dpi="0" rotWithShape="1">
-          <a:blip r:embed="rId2">
-            <a:lum/>
-          </a:blip>
-          <a:srcRect/>
-          <a:stretch>
-            <a:fillRect/>
-          </a:stretch>
-        </a:blipFill>
-        <a:effectLst/>
-      </p:bgPr>
-    </p:bg>
-    <p:spTree>
-      <p:nvGrpSpPr>
-        <p:cNvPr id="1" name=""/>
-        <p:cNvGrpSpPr/>
-        <p:nvPr/>
-      </p:nvGrpSpPr>
-      <p:grpSpPr>
-        <a:xfrm>
-          <a:off x="0" y="0"/>
-          <a:ext cx="0" cy="0"/>
-          <a:chOff x="0" y="0"/>
-          <a:chExt cx="0" cy="0"/>
-        </a:xfrm>
-      </p:grpSpPr>
-      <p:sp>
-        <p:nvSpPr>
-          <p:cNvPr id="3" name="Заголовок 1">
-            <a:extLst>
-              <a:ext uri="{FF2B5EF4-FFF2-40B4-BE49-F238E27FC236}">
-                <a16:creationId xmlns:a16="http://schemas.microsoft.com/office/drawing/2014/main" id="{676D43C2-AE01-406A-B0C1-9293B7B42019}"/>
-              </a:ext>
-            </a:extLst>
-          </p:cNvPr>
-          <p:cNvSpPr>
-            <a:spLocks noGrp="1"/>
-          </p:cNvSpPr>
-          <p:nvPr>
-            <p:ph type="ctrTitle"/>
-          </p:nvPr>
-        </p:nvSpPr>
-        <p:spPr>
-          <a:xfrm>
-            <a:off x="631579" y="2011093"/>
-            <a:ext cx="7519745" cy="957176"/>
-          </a:xfrm>
-          <a:prstGeom prst="rect">
-            <a:avLst/>
-          </a:prstGeom>
-        </p:spPr>
-        <p:txBody>
-          <a:bodyPr/>
-          <a:lstStyle>
-            <a:lvl1pPr>
-              <a:defRPr sz="2400">
-                <a:solidFill>
-                  <a:schemeClr val="bg1"/>
-                </a:solidFill>
-              </a:defRPr>
-            </a:lvl1pPr>
-          </a:lstStyle>
-          <a:p>
-            <a:r>
-              <a:rPr lang="ru-RU" dirty="0"/>
-              <a:t>Битрикс24 - администрирование: CRM, коробочная версия, бизнес-процессы</a:t>
-            </a:r>
-          </a:p>
-        </p:txBody>
-      </p:sp>
-      <p:sp>
-        <p:nvSpPr>
-          <p:cNvPr id="4" name="Подзаголовок 2">
-            <a:extLst>
-              <a:ext uri="{FF2B5EF4-FFF2-40B4-BE49-F238E27FC236}">
-                <a16:creationId xmlns:a16="http://schemas.microsoft.com/office/drawing/2014/main" id="{602FA436-796C-4D8F-8A54-C83B58F03550}"/>
-              </a:ext>
-            </a:extLst>
-          </p:cNvPr>
-          <p:cNvSpPr>
-            <a:spLocks noGrp="1"/>
-          </p:cNvSpPr>
-          <p:nvPr>
-            <p:ph type="subTitle" idx="1"/>
-          </p:nvPr>
-        </p:nvSpPr>
-        <p:spPr>
-          <a:xfrm>
-            <a:off x="631579" y="3033222"/>
-            <a:ext cx="6980204" cy="822674"/>
-          </a:xfrm>
-          <a:prstGeom prst="rect">
-            <a:avLst/>
-          </a:prstGeom>
-        </p:spPr>
-        <p:txBody>
-          <a:bodyPr>
-            <a:normAutofit/>
-          </a:bodyPr>
-          <a:lstStyle>
-            <a:lvl1pPr marL="0" indent="0">
-              <a:buFontTx/>
-              <a:buNone/>
-              <a:defRPr sz="1800" b="0">
-                <a:solidFill>
-                  <a:schemeClr val="bg1"/>
-                </a:solidFill>
-              </a:defRPr>
-            </a:lvl1pPr>
-          </a:lstStyle>
-          <a:p>
-            <a:r>
-              <a:rPr lang="ru-RU" sz="1800" dirty="0"/>
-              <a:t>Направление Курсы Бизнес-приложения 16 </a:t>
-            </a:r>
-            <a:r>
-              <a:rPr lang="ru-RU" sz="1800" dirty="0" err="1"/>
-              <a:t>ак.час</a:t>
-            </a:r>
-            <a:r>
-              <a:rPr lang="ru-RU" sz="1800" dirty="0"/>
-              <a:t>.</a:t>
-            </a:r>
-          </a:p>
-          <a:p>
-            <a:endParaRPr lang="ru-RU" sz="1800" dirty="0"/>
-          </a:p>
-        </p:txBody>
-      </p:sp>
-    </p:spTree>
-    <p:extLst>
-      <p:ext uri="{BB962C8B-B14F-4D97-AF65-F5344CB8AC3E}">
-        <p14:creationId xmlns:p14="http://schemas.microsoft.com/office/powerpoint/2010/main" val="1701375219"/>
-      </p:ext>
-    </p:extLst>
-  </p:cSld>
-  <p:clrMapOvr>
-    <a:masterClrMapping/>
-  </p:clrMapOvr>
-</p:sldLayout>
-</file>
-
-<file path=ppt/slideLayouts/slideLayout19.xml><?xml version="1.0" encoding="utf-8"?>
+<file path=ppt/slideLayouts/slideLayout17.xml><?xml version="1.0" encoding="utf-8"?>
 <p:sldLayout xmlns:a="http://schemas.openxmlformats.org/drawingml/2006/main" xmlns:r="http://schemas.openxmlformats.org/officeDocument/2006/relationships" xmlns:p="http://schemas.openxmlformats.org/presentationml/2006/main" type="blank" preserve="1">
   <p:cSld name="Blank Slide">
     <p:spTree>
@@ -2252,6 +1885,200 @@
 </p:sldLayout>
 </file>
 
+<file path=ppt/slideLayouts/slideLayout18.xml><?xml version="1.0" encoding="utf-8"?>
+<p:sldLayout xmlns:a="http://schemas.openxmlformats.org/drawingml/2006/main" xmlns:r="http://schemas.openxmlformats.org/officeDocument/2006/relationships" xmlns:p="http://schemas.openxmlformats.org/presentationml/2006/main" type="tx" preserve="1">
+  <p:cSld name="Title Slide">
+    <p:spTree>
+      <p:nvGrpSpPr>
+        <p:cNvPr id="1" name=""/>
+        <p:cNvGrpSpPr/>
+        <p:nvPr/>
+      </p:nvGrpSpPr>
+      <p:grpSpPr>
+        <a:xfrm>
+          <a:off x="0" y="0"/>
+          <a:ext cx="0" cy="0"/>
+          <a:chOff x="0" y="0"/>
+          <a:chExt cx="0" cy="0"/>
+        </a:xfrm>
+      </p:grpSpPr>
+      <p:sp>
+        <p:nvSpPr>
+          <p:cNvPr id="7" name="PlaceHolder 1"/>
+          <p:cNvSpPr>
+            <a:spLocks noGrp="1"/>
+          </p:cNvSpPr>
+          <p:nvPr>
+            <p:ph type="title"/>
+          </p:nvPr>
+        </p:nvSpPr>
+        <p:spPr>
+          <a:xfrm>
+            <a:off x="628560" y="273960"/>
+            <a:ext cx="7886520" cy="993960"/>
+          </a:xfrm>
+          <a:prstGeom prst="rect">
+            <a:avLst/>
+          </a:prstGeom>
+        </p:spPr>
+        <p:txBody>
+          <a:bodyPr lIns="0" tIns="0" rIns="0" bIns="0" anchor="ctr">
+            <a:noAutofit/>
+          </a:bodyPr>
+          <a:lstStyle/>
+          <a:p>
+            <a:endParaRPr lang="ru-RU" sz="1800" b="0" strike="noStrike" spc="-1">
+              <a:solidFill>
+                <a:srgbClr val="000000"/>
+              </a:solidFill>
+              <a:latin typeface="Calibri"/>
+            </a:endParaRPr>
+          </a:p>
+        </p:txBody>
+      </p:sp>
+      <p:sp>
+        <p:nvSpPr>
+          <p:cNvPr id="8" name="PlaceHolder 2"/>
+          <p:cNvSpPr>
+            <a:spLocks noGrp="1"/>
+          </p:cNvSpPr>
+          <p:nvPr>
+            <p:ph type="subTitle"/>
+          </p:nvPr>
+        </p:nvSpPr>
+        <p:spPr>
+          <a:xfrm>
+            <a:off x="628560" y="1369080"/>
+            <a:ext cx="7886520" cy="3263040"/>
+          </a:xfrm>
+          <a:prstGeom prst="rect">
+            <a:avLst/>
+          </a:prstGeom>
+        </p:spPr>
+        <p:txBody>
+          <a:bodyPr lIns="0" tIns="0" rIns="0" bIns="0" anchor="ctr">
+            <a:noAutofit/>
+          </a:bodyPr>
+          <a:lstStyle/>
+          <a:p>
+            <a:pPr algn="ctr"/>
+            <a:endParaRPr lang="ru-RU" sz="3200" b="0" strike="noStrike" spc="-1">
+              <a:latin typeface="Arial"/>
+            </a:endParaRPr>
+          </a:p>
+        </p:txBody>
+      </p:sp>
+    </p:spTree>
+    <p:extLst>
+      <p:ext uri="{BB962C8B-B14F-4D97-AF65-F5344CB8AC3E}">
+        <p14:creationId xmlns:p14="http://schemas.microsoft.com/office/powerpoint/2010/main" val="948322745"/>
+      </p:ext>
+    </p:extLst>
+  </p:cSld>
+  <p:clrMapOvr>
+    <a:masterClrMapping/>
+  </p:clrMapOvr>
+</p:sldLayout>
+</file>
+
+<file path=ppt/slideLayouts/slideLayout19.xml><?xml version="1.0" encoding="utf-8"?>
+<p:sldLayout xmlns:a="http://schemas.openxmlformats.org/drawingml/2006/main" xmlns:r="http://schemas.openxmlformats.org/officeDocument/2006/relationships" xmlns:p="http://schemas.openxmlformats.org/presentationml/2006/main" type="obj" preserve="1">
+  <p:cSld name="Title, Content">
+    <p:spTree>
+      <p:nvGrpSpPr>
+        <p:cNvPr id="1" name=""/>
+        <p:cNvGrpSpPr/>
+        <p:nvPr/>
+      </p:nvGrpSpPr>
+      <p:grpSpPr>
+        <a:xfrm>
+          <a:off x="0" y="0"/>
+          <a:ext cx="0" cy="0"/>
+          <a:chOff x="0" y="0"/>
+          <a:chExt cx="0" cy="0"/>
+        </a:xfrm>
+      </p:grpSpPr>
+      <p:sp>
+        <p:nvSpPr>
+          <p:cNvPr id="9" name="PlaceHolder 1"/>
+          <p:cNvSpPr>
+            <a:spLocks noGrp="1"/>
+          </p:cNvSpPr>
+          <p:nvPr>
+            <p:ph type="title"/>
+          </p:nvPr>
+        </p:nvSpPr>
+        <p:spPr>
+          <a:xfrm>
+            <a:off x="628560" y="273960"/>
+            <a:ext cx="7886520" cy="993960"/>
+          </a:xfrm>
+          <a:prstGeom prst="rect">
+            <a:avLst/>
+          </a:prstGeom>
+        </p:spPr>
+        <p:txBody>
+          <a:bodyPr lIns="0" tIns="0" rIns="0" bIns="0" anchor="ctr">
+            <a:noAutofit/>
+          </a:bodyPr>
+          <a:lstStyle/>
+          <a:p>
+            <a:endParaRPr lang="ru-RU" sz="1800" b="0" strike="noStrike" spc="-1">
+              <a:solidFill>
+                <a:srgbClr val="000000"/>
+              </a:solidFill>
+              <a:latin typeface="Calibri"/>
+            </a:endParaRPr>
+          </a:p>
+        </p:txBody>
+      </p:sp>
+      <p:sp>
+        <p:nvSpPr>
+          <p:cNvPr id="10" name="PlaceHolder 2"/>
+          <p:cNvSpPr>
+            <a:spLocks noGrp="1"/>
+          </p:cNvSpPr>
+          <p:nvPr>
+            <p:ph type="body"/>
+          </p:nvPr>
+        </p:nvSpPr>
+        <p:spPr>
+          <a:xfrm>
+            <a:off x="628560" y="1369080"/>
+            <a:ext cx="7886520" cy="3263040"/>
+          </a:xfrm>
+          <a:prstGeom prst="rect">
+            <a:avLst/>
+          </a:prstGeom>
+        </p:spPr>
+        <p:txBody>
+          <a:bodyPr lIns="0" tIns="0" rIns="0" bIns="0">
+            <a:normAutofit/>
+          </a:bodyPr>
+          <a:lstStyle/>
+          <a:p>
+            <a:endParaRPr lang="ru-RU" sz="2100" b="0" strike="noStrike" spc="-1">
+              <a:solidFill>
+                <a:srgbClr val="000000"/>
+              </a:solidFill>
+              <a:latin typeface="Calibri"/>
+            </a:endParaRPr>
+          </a:p>
+        </p:txBody>
+      </p:sp>
+    </p:spTree>
+    <p:extLst>
+      <p:ext uri="{BB962C8B-B14F-4D97-AF65-F5344CB8AC3E}">
+        <p14:creationId xmlns:p14="http://schemas.microsoft.com/office/powerpoint/2010/main" val="241222471"/>
+      </p:ext>
+    </p:extLst>
+  </p:cSld>
+  <p:clrMapOvr>
+    <a:masterClrMapping/>
+  </p:clrMapOvr>
+</p:sldLayout>
+</file>
+
 <file path=ppt/slideLayouts/slideLayout2.xml><?xml version="1.0" encoding="utf-8"?>
 <p:sldLayout xmlns:a="http://schemas.openxmlformats.org/drawingml/2006/main" xmlns:r="http://schemas.openxmlformats.org/officeDocument/2006/relationships" xmlns:p="http://schemas.openxmlformats.org/presentationml/2006/main" type="tx" preserve="1">
   <p:cSld name="Title Slide">
@@ -2344,200 +2171,6 @@
 </file>
 
 <file path=ppt/slideLayouts/slideLayout20.xml><?xml version="1.0" encoding="utf-8"?>
-<p:sldLayout xmlns:a="http://schemas.openxmlformats.org/drawingml/2006/main" xmlns:r="http://schemas.openxmlformats.org/officeDocument/2006/relationships" xmlns:p="http://schemas.openxmlformats.org/presentationml/2006/main" type="tx" preserve="1">
-  <p:cSld name="Title Slide">
-    <p:spTree>
-      <p:nvGrpSpPr>
-        <p:cNvPr id="1" name=""/>
-        <p:cNvGrpSpPr/>
-        <p:nvPr/>
-      </p:nvGrpSpPr>
-      <p:grpSpPr>
-        <a:xfrm>
-          <a:off x="0" y="0"/>
-          <a:ext cx="0" cy="0"/>
-          <a:chOff x="0" y="0"/>
-          <a:chExt cx="0" cy="0"/>
-        </a:xfrm>
-      </p:grpSpPr>
-      <p:sp>
-        <p:nvSpPr>
-          <p:cNvPr id="7" name="PlaceHolder 1"/>
-          <p:cNvSpPr>
-            <a:spLocks noGrp="1"/>
-          </p:cNvSpPr>
-          <p:nvPr>
-            <p:ph type="title"/>
-          </p:nvPr>
-        </p:nvSpPr>
-        <p:spPr>
-          <a:xfrm>
-            <a:off x="628560" y="273960"/>
-            <a:ext cx="7886520" cy="993960"/>
-          </a:xfrm>
-          <a:prstGeom prst="rect">
-            <a:avLst/>
-          </a:prstGeom>
-        </p:spPr>
-        <p:txBody>
-          <a:bodyPr lIns="0" tIns="0" rIns="0" bIns="0" anchor="ctr">
-            <a:noAutofit/>
-          </a:bodyPr>
-          <a:lstStyle/>
-          <a:p>
-            <a:endParaRPr lang="ru-RU" sz="1800" b="0" strike="noStrike" spc="-1">
-              <a:solidFill>
-                <a:srgbClr val="000000"/>
-              </a:solidFill>
-              <a:latin typeface="Calibri"/>
-            </a:endParaRPr>
-          </a:p>
-        </p:txBody>
-      </p:sp>
-      <p:sp>
-        <p:nvSpPr>
-          <p:cNvPr id="8" name="PlaceHolder 2"/>
-          <p:cNvSpPr>
-            <a:spLocks noGrp="1"/>
-          </p:cNvSpPr>
-          <p:nvPr>
-            <p:ph type="subTitle"/>
-          </p:nvPr>
-        </p:nvSpPr>
-        <p:spPr>
-          <a:xfrm>
-            <a:off x="628560" y="1369080"/>
-            <a:ext cx="7886520" cy="3263040"/>
-          </a:xfrm>
-          <a:prstGeom prst="rect">
-            <a:avLst/>
-          </a:prstGeom>
-        </p:spPr>
-        <p:txBody>
-          <a:bodyPr lIns="0" tIns="0" rIns="0" bIns="0" anchor="ctr">
-            <a:noAutofit/>
-          </a:bodyPr>
-          <a:lstStyle/>
-          <a:p>
-            <a:pPr algn="ctr"/>
-            <a:endParaRPr lang="ru-RU" sz="3200" b="0" strike="noStrike" spc="-1">
-              <a:latin typeface="Arial"/>
-            </a:endParaRPr>
-          </a:p>
-        </p:txBody>
-      </p:sp>
-    </p:spTree>
-    <p:extLst>
-      <p:ext uri="{BB962C8B-B14F-4D97-AF65-F5344CB8AC3E}">
-        <p14:creationId xmlns:p14="http://schemas.microsoft.com/office/powerpoint/2010/main" val="948322745"/>
-      </p:ext>
-    </p:extLst>
-  </p:cSld>
-  <p:clrMapOvr>
-    <a:masterClrMapping/>
-  </p:clrMapOvr>
-</p:sldLayout>
-</file>
-
-<file path=ppt/slideLayouts/slideLayout21.xml><?xml version="1.0" encoding="utf-8"?>
-<p:sldLayout xmlns:a="http://schemas.openxmlformats.org/drawingml/2006/main" xmlns:r="http://schemas.openxmlformats.org/officeDocument/2006/relationships" xmlns:p="http://schemas.openxmlformats.org/presentationml/2006/main" type="obj" preserve="1">
-  <p:cSld name="Title, Content">
-    <p:spTree>
-      <p:nvGrpSpPr>
-        <p:cNvPr id="1" name=""/>
-        <p:cNvGrpSpPr/>
-        <p:nvPr/>
-      </p:nvGrpSpPr>
-      <p:grpSpPr>
-        <a:xfrm>
-          <a:off x="0" y="0"/>
-          <a:ext cx="0" cy="0"/>
-          <a:chOff x="0" y="0"/>
-          <a:chExt cx="0" cy="0"/>
-        </a:xfrm>
-      </p:grpSpPr>
-      <p:sp>
-        <p:nvSpPr>
-          <p:cNvPr id="9" name="PlaceHolder 1"/>
-          <p:cNvSpPr>
-            <a:spLocks noGrp="1"/>
-          </p:cNvSpPr>
-          <p:nvPr>
-            <p:ph type="title"/>
-          </p:nvPr>
-        </p:nvSpPr>
-        <p:spPr>
-          <a:xfrm>
-            <a:off x="628560" y="273960"/>
-            <a:ext cx="7886520" cy="993960"/>
-          </a:xfrm>
-          <a:prstGeom prst="rect">
-            <a:avLst/>
-          </a:prstGeom>
-        </p:spPr>
-        <p:txBody>
-          <a:bodyPr lIns="0" tIns="0" rIns="0" bIns="0" anchor="ctr">
-            <a:noAutofit/>
-          </a:bodyPr>
-          <a:lstStyle/>
-          <a:p>
-            <a:endParaRPr lang="ru-RU" sz="1800" b="0" strike="noStrike" spc="-1">
-              <a:solidFill>
-                <a:srgbClr val="000000"/>
-              </a:solidFill>
-              <a:latin typeface="Calibri"/>
-            </a:endParaRPr>
-          </a:p>
-        </p:txBody>
-      </p:sp>
-      <p:sp>
-        <p:nvSpPr>
-          <p:cNvPr id="10" name="PlaceHolder 2"/>
-          <p:cNvSpPr>
-            <a:spLocks noGrp="1"/>
-          </p:cNvSpPr>
-          <p:nvPr>
-            <p:ph type="body"/>
-          </p:nvPr>
-        </p:nvSpPr>
-        <p:spPr>
-          <a:xfrm>
-            <a:off x="628560" y="1369080"/>
-            <a:ext cx="7886520" cy="3263040"/>
-          </a:xfrm>
-          <a:prstGeom prst="rect">
-            <a:avLst/>
-          </a:prstGeom>
-        </p:spPr>
-        <p:txBody>
-          <a:bodyPr lIns="0" tIns="0" rIns="0" bIns="0">
-            <a:normAutofit/>
-          </a:bodyPr>
-          <a:lstStyle/>
-          <a:p>
-            <a:endParaRPr lang="ru-RU" sz="2100" b="0" strike="noStrike" spc="-1">
-              <a:solidFill>
-                <a:srgbClr val="000000"/>
-              </a:solidFill>
-              <a:latin typeface="Calibri"/>
-            </a:endParaRPr>
-          </a:p>
-        </p:txBody>
-      </p:sp>
-    </p:spTree>
-    <p:extLst>
-      <p:ext uri="{BB962C8B-B14F-4D97-AF65-F5344CB8AC3E}">
-        <p14:creationId xmlns:p14="http://schemas.microsoft.com/office/powerpoint/2010/main" val="241222471"/>
-      </p:ext>
-    </p:extLst>
-  </p:cSld>
-  <p:clrMapOvr>
-    <a:masterClrMapping/>
-  </p:clrMapOvr>
-</p:sldLayout>
-</file>
-
-<file path=ppt/slideLayouts/slideLayout22.xml><?xml version="1.0" encoding="utf-8"?>
 <p:sldLayout xmlns:a="http://schemas.openxmlformats.org/drawingml/2006/main" xmlns:r="http://schemas.openxmlformats.org/officeDocument/2006/relationships" xmlns:p="http://schemas.openxmlformats.org/presentationml/2006/main" type="twoObj" preserve="1">
   <p:cSld name="Title, 2 Content">
     <p:spTree>
@@ -2669,7 +2302,7 @@
 </p:sldLayout>
 </file>
 
-<file path=ppt/slideLayouts/slideLayout23.xml><?xml version="1.0" encoding="utf-8"?>
+<file path=ppt/slideLayouts/slideLayout21.xml><?xml version="1.0" encoding="utf-8"?>
 <p:sldLayout xmlns:a="http://schemas.openxmlformats.org/drawingml/2006/main" xmlns:r="http://schemas.openxmlformats.org/officeDocument/2006/relationships" xmlns:p="http://schemas.openxmlformats.org/presentationml/2006/main" type="titleOnly" preserve="1">
   <p:cSld name="Title Only">
     <p:spTree>
@@ -2733,7 +2366,7 @@
 </p:sldLayout>
 </file>
 
-<file path=ppt/slideLayouts/slideLayout24.xml><?xml version="1.0" encoding="utf-8"?>
+<file path=ppt/slideLayouts/slideLayout22.xml><?xml version="1.0" encoding="utf-8"?>
 <p:sldLayout xmlns:a="http://schemas.openxmlformats.org/drawingml/2006/main" xmlns:r="http://schemas.openxmlformats.org/officeDocument/2006/relationships" xmlns:p="http://schemas.openxmlformats.org/presentationml/2006/main" type="objOnly" preserve="1">
   <p:cSld name="Centered Text">
     <p:spTree>
@@ -2795,7 +2428,7 @@
 </p:sldLayout>
 </file>
 
-<file path=ppt/slideLayouts/slideLayout25.xml><?xml version="1.0" encoding="utf-8"?>
+<file path=ppt/slideLayouts/slideLayout23.xml><?xml version="1.0" encoding="utf-8"?>
 <p:sldLayout xmlns:a="http://schemas.openxmlformats.org/drawingml/2006/main" xmlns:r="http://schemas.openxmlformats.org/officeDocument/2006/relationships" xmlns:p="http://schemas.openxmlformats.org/presentationml/2006/main" type="twoObjAndObj" preserve="1">
   <p:cSld name="Title, 2 Content and Content">
     <p:spTree>
@@ -2961,7 +2594,7 @@
 </p:sldLayout>
 </file>
 
-<file path=ppt/slideLayouts/slideLayout26.xml><?xml version="1.0" encoding="utf-8"?>
+<file path=ppt/slideLayouts/slideLayout24.xml><?xml version="1.0" encoding="utf-8"?>
 <p:sldLayout xmlns:a="http://schemas.openxmlformats.org/drawingml/2006/main" xmlns:r="http://schemas.openxmlformats.org/officeDocument/2006/relationships" xmlns:p="http://schemas.openxmlformats.org/presentationml/2006/main" type="objAndTwoObj" preserve="1">
   <p:cSld name="Title Content and 2 Content">
     <p:spTree>
@@ -3127,7 +2760,7 @@
 </p:sldLayout>
 </file>
 
-<file path=ppt/slideLayouts/slideLayout27.xml><?xml version="1.0" encoding="utf-8"?>
+<file path=ppt/slideLayouts/slideLayout25.xml><?xml version="1.0" encoding="utf-8"?>
 <p:sldLayout xmlns:a="http://schemas.openxmlformats.org/drawingml/2006/main" xmlns:r="http://schemas.openxmlformats.org/officeDocument/2006/relationships" xmlns:p="http://schemas.openxmlformats.org/presentationml/2006/main" type="twoObjOverTx" preserve="1">
   <p:cSld name="Title, 2 Content over Content">
     <p:spTree>
@@ -3293,7 +2926,7 @@
 </p:sldLayout>
 </file>
 
-<file path=ppt/slideLayouts/slideLayout28.xml><?xml version="1.0" encoding="utf-8"?>
+<file path=ppt/slideLayouts/slideLayout26.xml><?xml version="1.0" encoding="utf-8"?>
 <p:sldLayout xmlns:a="http://schemas.openxmlformats.org/drawingml/2006/main" xmlns:r="http://schemas.openxmlformats.org/officeDocument/2006/relationships" xmlns:p="http://schemas.openxmlformats.org/presentationml/2006/main" type="objOverTx" preserve="1">
   <p:cSld name="Title, Content over Content">
     <p:spTree>
@@ -3425,7 +3058,7 @@
 </p:sldLayout>
 </file>
 
-<file path=ppt/slideLayouts/slideLayout29.xml><?xml version="1.0" encoding="utf-8"?>
+<file path=ppt/slideLayouts/slideLayout27.xml><?xml version="1.0" encoding="utf-8"?>
 <p:sldLayout xmlns:a="http://schemas.openxmlformats.org/drawingml/2006/main" xmlns:r="http://schemas.openxmlformats.org/officeDocument/2006/relationships" xmlns:p="http://schemas.openxmlformats.org/presentationml/2006/main" type="fourObj" preserve="1">
   <p:cSld name="Title, 4 Content">
     <p:spTree>
@@ -3616,6 +3249,399 @@
     <p:extLst>
       <p:ext uri="{BB962C8B-B14F-4D97-AF65-F5344CB8AC3E}">
         <p14:creationId xmlns:p14="http://schemas.microsoft.com/office/powerpoint/2010/main" val="1620740057"/>
+      </p:ext>
+    </p:extLst>
+  </p:cSld>
+  <p:clrMapOvr>
+    <a:masterClrMapping/>
+  </p:clrMapOvr>
+</p:sldLayout>
+</file>
+
+<file path=ppt/slideLayouts/slideLayout28.xml><?xml version="1.0" encoding="utf-8"?>
+<p:sldLayout xmlns:a="http://schemas.openxmlformats.org/drawingml/2006/main" xmlns:r="http://schemas.openxmlformats.org/officeDocument/2006/relationships" xmlns:p="http://schemas.openxmlformats.org/presentationml/2006/main" type="blank" preserve="1">
+  <p:cSld name="Title, 6 Content">
+    <p:spTree>
+      <p:nvGrpSpPr>
+        <p:cNvPr id="1" name=""/>
+        <p:cNvGrpSpPr/>
+        <p:nvPr/>
+      </p:nvGrpSpPr>
+      <p:grpSpPr>
+        <a:xfrm>
+          <a:off x="0" y="0"/>
+          <a:ext cx="0" cy="0"/>
+          <a:chOff x="0" y="0"/>
+          <a:chExt cx="0" cy="0"/>
+        </a:xfrm>
+      </p:grpSpPr>
+      <p:sp>
+        <p:nvSpPr>
+          <p:cNvPr id="36" name="PlaceHolder 1"/>
+          <p:cNvSpPr>
+            <a:spLocks noGrp="1"/>
+          </p:cNvSpPr>
+          <p:nvPr>
+            <p:ph type="title"/>
+          </p:nvPr>
+        </p:nvSpPr>
+        <p:spPr>
+          <a:xfrm>
+            <a:off x="628560" y="273960"/>
+            <a:ext cx="7886520" cy="993960"/>
+          </a:xfrm>
+          <a:prstGeom prst="rect">
+            <a:avLst/>
+          </a:prstGeom>
+        </p:spPr>
+        <p:txBody>
+          <a:bodyPr lIns="0" tIns="0" rIns="0" bIns="0" anchor="ctr">
+            <a:noAutofit/>
+          </a:bodyPr>
+          <a:lstStyle/>
+          <a:p>
+            <a:endParaRPr lang="ru-RU" sz="1800" b="0" strike="noStrike" spc="-1">
+              <a:solidFill>
+                <a:srgbClr val="000000"/>
+              </a:solidFill>
+              <a:latin typeface="Calibri"/>
+            </a:endParaRPr>
+          </a:p>
+        </p:txBody>
+      </p:sp>
+      <p:sp>
+        <p:nvSpPr>
+          <p:cNvPr id="37" name="PlaceHolder 2"/>
+          <p:cNvSpPr>
+            <a:spLocks noGrp="1"/>
+          </p:cNvSpPr>
+          <p:nvPr>
+            <p:ph type="body"/>
+          </p:nvPr>
+        </p:nvSpPr>
+        <p:spPr>
+          <a:xfrm>
+            <a:off x="628560" y="1369080"/>
+            <a:ext cx="2539080" cy="1556280"/>
+          </a:xfrm>
+          <a:prstGeom prst="rect">
+            <a:avLst/>
+          </a:prstGeom>
+        </p:spPr>
+        <p:txBody>
+          <a:bodyPr lIns="0" tIns="0" rIns="0" bIns="0">
+            <a:normAutofit/>
+          </a:bodyPr>
+          <a:lstStyle/>
+          <a:p>
+            <a:endParaRPr lang="ru-RU" sz="2100" b="0" strike="noStrike" spc="-1">
+              <a:solidFill>
+                <a:srgbClr val="000000"/>
+              </a:solidFill>
+              <a:latin typeface="Calibri"/>
+            </a:endParaRPr>
+          </a:p>
+        </p:txBody>
+      </p:sp>
+      <p:sp>
+        <p:nvSpPr>
+          <p:cNvPr id="38" name="PlaceHolder 3"/>
+          <p:cNvSpPr>
+            <a:spLocks noGrp="1"/>
+          </p:cNvSpPr>
+          <p:nvPr>
+            <p:ph type="body"/>
+          </p:nvPr>
+        </p:nvSpPr>
+        <p:spPr>
+          <a:xfrm>
+            <a:off x="3295080" y="1369080"/>
+            <a:ext cx="2539080" cy="1556280"/>
+          </a:xfrm>
+          <a:prstGeom prst="rect">
+            <a:avLst/>
+          </a:prstGeom>
+        </p:spPr>
+        <p:txBody>
+          <a:bodyPr lIns="0" tIns="0" rIns="0" bIns="0">
+            <a:normAutofit/>
+          </a:bodyPr>
+          <a:lstStyle/>
+          <a:p>
+            <a:endParaRPr lang="ru-RU" sz="2100" b="0" strike="noStrike" spc="-1">
+              <a:solidFill>
+                <a:srgbClr val="000000"/>
+              </a:solidFill>
+              <a:latin typeface="Calibri"/>
+            </a:endParaRPr>
+          </a:p>
+        </p:txBody>
+      </p:sp>
+      <p:sp>
+        <p:nvSpPr>
+          <p:cNvPr id="39" name="PlaceHolder 4"/>
+          <p:cNvSpPr>
+            <a:spLocks noGrp="1"/>
+          </p:cNvSpPr>
+          <p:nvPr>
+            <p:ph type="body"/>
+          </p:nvPr>
+        </p:nvSpPr>
+        <p:spPr>
+          <a:xfrm>
+            <a:off x="5961240" y="1369080"/>
+            <a:ext cx="2539080" cy="1556280"/>
+          </a:xfrm>
+          <a:prstGeom prst="rect">
+            <a:avLst/>
+          </a:prstGeom>
+        </p:spPr>
+        <p:txBody>
+          <a:bodyPr lIns="0" tIns="0" rIns="0" bIns="0">
+            <a:normAutofit/>
+          </a:bodyPr>
+          <a:lstStyle/>
+          <a:p>
+            <a:endParaRPr lang="ru-RU" sz="2100" b="0" strike="noStrike" spc="-1">
+              <a:solidFill>
+                <a:srgbClr val="000000"/>
+              </a:solidFill>
+              <a:latin typeface="Calibri"/>
+            </a:endParaRPr>
+          </a:p>
+        </p:txBody>
+      </p:sp>
+      <p:sp>
+        <p:nvSpPr>
+          <p:cNvPr id="40" name="PlaceHolder 5"/>
+          <p:cNvSpPr>
+            <a:spLocks noGrp="1"/>
+          </p:cNvSpPr>
+          <p:nvPr>
+            <p:ph type="body"/>
+          </p:nvPr>
+        </p:nvSpPr>
+        <p:spPr>
+          <a:xfrm>
+            <a:off x="628560" y="3073680"/>
+            <a:ext cx="2539080" cy="1556280"/>
+          </a:xfrm>
+          <a:prstGeom prst="rect">
+            <a:avLst/>
+          </a:prstGeom>
+        </p:spPr>
+        <p:txBody>
+          <a:bodyPr lIns="0" tIns="0" rIns="0" bIns="0">
+            <a:normAutofit/>
+          </a:bodyPr>
+          <a:lstStyle/>
+          <a:p>
+            <a:endParaRPr lang="ru-RU" sz="2100" b="0" strike="noStrike" spc="-1">
+              <a:solidFill>
+                <a:srgbClr val="000000"/>
+              </a:solidFill>
+              <a:latin typeface="Calibri"/>
+            </a:endParaRPr>
+          </a:p>
+        </p:txBody>
+      </p:sp>
+      <p:sp>
+        <p:nvSpPr>
+          <p:cNvPr id="41" name="PlaceHolder 6"/>
+          <p:cNvSpPr>
+            <a:spLocks noGrp="1"/>
+          </p:cNvSpPr>
+          <p:nvPr>
+            <p:ph type="body"/>
+          </p:nvPr>
+        </p:nvSpPr>
+        <p:spPr>
+          <a:xfrm>
+            <a:off x="3295080" y="3073680"/>
+            <a:ext cx="2539080" cy="1556280"/>
+          </a:xfrm>
+          <a:prstGeom prst="rect">
+            <a:avLst/>
+          </a:prstGeom>
+        </p:spPr>
+        <p:txBody>
+          <a:bodyPr lIns="0" tIns="0" rIns="0" bIns="0">
+            <a:normAutofit/>
+          </a:bodyPr>
+          <a:lstStyle/>
+          <a:p>
+            <a:endParaRPr lang="ru-RU" sz="2100" b="0" strike="noStrike" spc="-1">
+              <a:solidFill>
+                <a:srgbClr val="000000"/>
+              </a:solidFill>
+              <a:latin typeface="Calibri"/>
+            </a:endParaRPr>
+          </a:p>
+        </p:txBody>
+      </p:sp>
+      <p:sp>
+        <p:nvSpPr>
+          <p:cNvPr id="42" name="PlaceHolder 7"/>
+          <p:cNvSpPr>
+            <a:spLocks noGrp="1"/>
+          </p:cNvSpPr>
+          <p:nvPr>
+            <p:ph type="body"/>
+          </p:nvPr>
+        </p:nvSpPr>
+        <p:spPr>
+          <a:xfrm>
+            <a:off x="5961240" y="3073680"/>
+            <a:ext cx="2539080" cy="1556280"/>
+          </a:xfrm>
+          <a:prstGeom prst="rect">
+            <a:avLst/>
+          </a:prstGeom>
+        </p:spPr>
+        <p:txBody>
+          <a:bodyPr lIns="0" tIns="0" rIns="0" bIns="0">
+            <a:normAutofit/>
+          </a:bodyPr>
+          <a:lstStyle/>
+          <a:p>
+            <a:endParaRPr lang="ru-RU" sz="2100" b="0" strike="noStrike" spc="-1">
+              <a:solidFill>
+                <a:srgbClr val="000000"/>
+              </a:solidFill>
+              <a:latin typeface="Calibri"/>
+            </a:endParaRPr>
+          </a:p>
+        </p:txBody>
+      </p:sp>
+    </p:spTree>
+    <p:extLst>
+      <p:ext uri="{BB962C8B-B14F-4D97-AF65-F5344CB8AC3E}">
+        <p14:creationId xmlns:p14="http://schemas.microsoft.com/office/powerpoint/2010/main" val="4151311383"/>
+      </p:ext>
+    </p:extLst>
+  </p:cSld>
+  <p:clrMapOvr>
+    <a:masterClrMapping/>
+  </p:clrMapOvr>
+</p:sldLayout>
+</file>
+
+<file path=ppt/slideLayouts/slideLayout29.xml><?xml version="1.0" encoding="utf-8"?>
+<p:sldLayout xmlns:a="http://schemas.openxmlformats.org/drawingml/2006/main" xmlns:r="http://schemas.openxmlformats.org/officeDocument/2006/relationships" xmlns:p="http://schemas.openxmlformats.org/presentationml/2006/main" showMasterSp="0" userDrawn="1">
+  <p:cSld name="Titel und Inhalt">
+    <p:spTree>
+      <p:nvGrpSpPr>
+        <p:cNvPr id="1" name=""/>
+        <p:cNvGrpSpPr/>
+        <p:nvPr/>
+      </p:nvGrpSpPr>
+      <p:grpSpPr>
+        <a:xfrm>
+          <a:off x="0" y="0"/>
+          <a:ext cx="0" cy="0"/>
+          <a:chOff x="0" y="0"/>
+          <a:chExt cx="0" cy="0"/>
+        </a:xfrm>
+      </p:grpSpPr>
+      <p:sp>
+        <p:nvSpPr>
+          <p:cNvPr id="5" name="Заголовок 4"/>
+          <p:cNvSpPr>
+            <a:spLocks noGrp="1"/>
+          </p:cNvSpPr>
+          <p:nvPr>
+            <p:ph type="title"/>
+          </p:nvPr>
+        </p:nvSpPr>
+        <p:spPr/>
+        <p:txBody>
+          <a:bodyPr/>
+          <a:lstStyle/>
+          <a:p>
+            <a:r>
+              <a:rPr lang="ru-RU"/>
+              <a:t>Образец заголовка</a:t>
+            </a:r>
+          </a:p>
+        </p:txBody>
+      </p:sp>
+      <p:sp>
+        <p:nvSpPr>
+          <p:cNvPr id="7" name="Объект 6"/>
+          <p:cNvSpPr>
+            <a:spLocks noGrp="1"/>
+          </p:cNvSpPr>
+          <p:nvPr>
+            <p:ph sz="quarter" idx="11"/>
+          </p:nvPr>
+        </p:nvSpPr>
+        <p:spPr>
+          <a:xfrm>
+            <a:off x="484188" y="1213247"/>
+            <a:ext cx="8229600" cy="3375000"/>
+          </a:xfrm>
+        </p:spPr>
+        <p:txBody>
+          <a:bodyPr/>
+          <a:lstStyle/>
+          <a:p>
+            <a:pPr lvl="0"/>
+            <a:r>
+              <a:rPr lang="ru-RU"/>
+              <a:t>Образец текста</a:t>
+            </a:r>
+          </a:p>
+          <a:p>
+            <a:pPr lvl="1"/>
+            <a:r>
+              <a:rPr lang="ru-RU"/>
+              <a:t>Второй уровень</a:t>
+            </a:r>
+          </a:p>
+          <a:p>
+            <a:pPr lvl="2"/>
+            <a:r>
+              <a:rPr lang="ru-RU"/>
+              <a:t>Третий уровень</a:t>
+            </a:r>
+          </a:p>
+        </p:txBody>
+      </p:sp>
+      <p:sp>
+        <p:nvSpPr>
+          <p:cNvPr id="8" name="Нижний колонтитул 7"/>
+          <p:cNvSpPr>
+            <a:spLocks noGrp="1"/>
+          </p:cNvSpPr>
+          <p:nvPr>
+            <p:ph type="ftr" sz="quarter" idx="12"/>
+          </p:nvPr>
+        </p:nvSpPr>
+        <p:spPr>
+          <a:xfrm>
+            <a:off x="3132000" y="4798556"/>
+            <a:ext cx="2880000" cy="270000"/>
+          </a:xfrm>
+          <a:prstGeom prst="rect">
+            <a:avLst/>
+          </a:prstGeom>
+        </p:spPr>
+        <p:txBody>
+          <a:bodyPr/>
+          <a:lstStyle/>
+          <a:p>
+            <a:r>
+              <a:rPr lang="ru-RU"/>
+              <a:t>Нижний колонтитул</a:t>
+            </a:r>
+            <a:endParaRPr lang="ru-RU" dirty="0"/>
+          </a:p>
+        </p:txBody>
+      </p:sp>
+    </p:spTree>
+    <p:extLst>
+      <p:ext uri="{BB962C8B-B14F-4D97-AF65-F5344CB8AC3E}">
+        <p14:creationId xmlns:p14="http://schemas.microsoft.com/office/powerpoint/2010/main" val="1188197837"/>
       </p:ext>
     </p:extLst>
   </p:cSld>
@@ -3719,399 +3745,6 @@
 </file>
 
 <file path=ppt/slideLayouts/slideLayout30.xml><?xml version="1.0" encoding="utf-8"?>
-<p:sldLayout xmlns:a="http://schemas.openxmlformats.org/drawingml/2006/main" xmlns:r="http://schemas.openxmlformats.org/officeDocument/2006/relationships" xmlns:p="http://schemas.openxmlformats.org/presentationml/2006/main" type="blank" preserve="1">
-  <p:cSld name="Title, 6 Content">
-    <p:spTree>
-      <p:nvGrpSpPr>
-        <p:cNvPr id="1" name=""/>
-        <p:cNvGrpSpPr/>
-        <p:nvPr/>
-      </p:nvGrpSpPr>
-      <p:grpSpPr>
-        <a:xfrm>
-          <a:off x="0" y="0"/>
-          <a:ext cx="0" cy="0"/>
-          <a:chOff x="0" y="0"/>
-          <a:chExt cx="0" cy="0"/>
-        </a:xfrm>
-      </p:grpSpPr>
-      <p:sp>
-        <p:nvSpPr>
-          <p:cNvPr id="36" name="PlaceHolder 1"/>
-          <p:cNvSpPr>
-            <a:spLocks noGrp="1"/>
-          </p:cNvSpPr>
-          <p:nvPr>
-            <p:ph type="title"/>
-          </p:nvPr>
-        </p:nvSpPr>
-        <p:spPr>
-          <a:xfrm>
-            <a:off x="628560" y="273960"/>
-            <a:ext cx="7886520" cy="993960"/>
-          </a:xfrm>
-          <a:prstGeom prst="rect">
-            <a:avLst/>
-          </a:prstGeom>
-        </p:spPr>
-        <p:txBody>
-          <a:bodyPr lIns="0" tIns="0" rIns="0" bIns="0" anchor="ctr">
-            <a:noAutofit/>
-          </a:bodyPr>
-          <a:lstStyle/>
-          <a:p>
-            <a:endParaRPr lang="ru-RU" sz="1800" b="0" strike="noStrike" spc="-1">
-              <a:solidFill>
-                <a:srgbClr val="000000"/>
-              </a:solidFill>
-              <a:latin typeface="Calibri"/>
-            </a:endParaRPr>
-          </a:p>
-        </p:txBody>
-      </p:sp>
-      <p:sp>
-        <p:nvSpPr>
-          <p:cNvPr id="37" name="PlaceHolder 2"/>
-          <p:cNvSpPr>
-            <a:spLocks noGrp="1"/>
-          </p:cNvSpPr>
-          <p:nvPr>
-            <p:ph type="body"/>
-          </p:nvPr>
-        </p:nvSpPr>
-        <p:spPr>
-          <a:xfrm>
-            <a:off x="628560" y="1369080"/>
-            <a:ext cx="2539080" cy="1556280"/>
-          </a:xfrm>
-          <a:prstGeom prst="rect">
-            <a:avLst/>
-          </a:prstGeom>
-        </p:spPr>
-        <p:txBody>
-          <a:bodyPr lIns="0" tIns="0" rIns="0" bIns="0">
-            <a:normAutofit/>
-          </a:bodyPr>
-          <a:lstStyle/>
-          <a:p>
-            <a:endParaRPr lang="ru-RU" sz="2100" b="0" strike="noStrike" spc="-1">
-              <a:solidFill>
-                <a:srgbClr val="000000"/>
-              </a:solidFill>
-              <a:latin typeface="Calibri"/>
-            </a:endParaRPr>
-          </a:p>
-        </p:txBody>
-      </p:sp>
-      <p:sp>
-        <p:nvSpPr>
-          <p:cNvPr id="38" name="PlaceHolder 3"/>
-          <p:cNvSpPr>
-            <a:spLocks noGrp="1"/>
-          </p:cNvSpPr>
-          <p:nvPr>
-            <p:ph type="body"/>
-          </p:nvPr>
-        </p:nvSpPr>
-        <p:spPr>
-          <a:xfrm>
-            <a:off x="3295080" y="1369080"/>
-            <a:ext cx="2539080" cy="1556280"/>
-          </a:xfrm>
-          <a:prstGeom prst="rect">
-            <a:avLst/>
-          </a:prstGeom>
-        </p:spPr>
-        <p:txBody>
-          <a:bodyPr lIns="0" tIns="0" rIns="0" bIns="0">
-            <a:normAutofit/>
-          </a:bodyPr>
-          <a:lstStyle/>
-          <a:p>
-            <a:endParaRPr lang="ru-RU" sz="2100" b="0" strike="noStrike" spc="-1">
-              <a:solidFill>
-                <a:srgbClr val="000000"/>
-              </a:solidFill>
-              <a:latin typeface="Calibri"/>
-            </a:endParaRPr>
-          </a:p>
-        </p:txBody>
-      </p:sp>
-      <p:sp>
-        <p:nvSpPr>
-          <p:cNvPr id="39" name="PlaceHolder 4"/>
-          <p:cNvSpPr>
-            <a:spLocks noGrp="1"/>
-          </p:cNvSpPr>
-          <p:nvPr>
-            <p:ph type="body"/>
-          </p:nvPr>
-        </p:nvSpPr>
-        <p:spPr>
-          <a:xfrm>
-            <a:off x="5961240" y="1369080"/>
-            <a:ext cx="2539080" cy="1556280"/>
-          </a:xfrm>
-          <a:prstGeom prst="rect">
-            <a:avLst/>
-          </a:prstGeom>
-        </p:spPr>
-        <p:txBody>
-          <a:bodyPr lIns="0" tIns="0" rIns="0" bIns="0">
-            <a:normAutofit/>
-          </a:bodyPr>
-          <a:lstStyle/>
-          <a:p>
-            <a:endParaRPr lang="ru-RU" sz="2100" b="0" strike="noStrike" spc="-1">
-              <a:solidFill>
-                <a:srgbClr val="000000"/>
-              </a:solidFill>
-              <a:latin typeface="Calibri"/>
-            </a:endParaRPr>
-          </a:p>
-        </p:txBody>
-      </p:sp>
-      <p:sp>
-        <p:nvSpPr>
-          <p:cNvPr id="40" name="PlaceHolder 5"/>
-          <p:cNvSpPr>
-            <a:spLocks noGrp="1"/>
-          </p:cNvSpPr>
-          <p:nvPr>
-            <p:ph type="body"/>
-          </p:nvPr>
-        </p:nvSpPr>
-        <p:spPr>
-          <a:xfrm>
-            <a:off x="628560" y="3073680"/>
-            <a:ext cx="2539080" cy="1556280"/>
-          </a:xfrm>
-          <a:prstGeom prst="rect">
-            <a:avLst/>
-          </a:prstGeom>
-        </p:spPr>
-        <p:txBody>
-          <a:bodyPr lIns="0" tIns="0" rIns="0" bIns="0">
-            <a:normAutofit/>
-          </a:bodyPr>
-          <a:lstStyle/>
-          <a:p>
-            <a:endParaRPr lang="ru-RU" sz="2100" b="0" strike="noStrike" spc="-1">
-              <a:solidFill>
-                <a:srgbClr val="000000"/>
-              </a:solidFill>
-              <a:latin typeface="Calibri"/>
-            </a:endParaRPr>
-          </a:p>
-        </p:txBody>
-      </p:sp>
-      <p:sp>
-        <p:nvSpPr>
-          <p:cNvPr id="41" name="PlaceHolder 6"/>
-          <p:cNvSpPr>
-            <a:spLocks noGrp="1"/>
-          </p:cNvSpPr>
-          <p:nvPr>
-            <p:ph type="body"/>
-          </p:nvPr>
-        </p:nvSpPr>
-        <p:spPr>
-          <a:xfrm>
-            <a:off x="3295080" y="3073680"/>
-            <a:ext cx="2539080" cy="1556280"/>
-          </a:xfrm>
-          <a:prstGeom prst="rect">
-            <a:avLst/>
-          </a:prstGeom>
-        </p:spPr>
-        <p:txBody>
-          <a:bodyPr lIns="0" tIns="0" rIns="0" bIns="0">
-            <a:normAutofit/>
-          </a:bodyPr>
-          <a:lstStyle/>
-          <a:p>
-            <a:endParaRPr lang="ru-RU" sz="2100" b="0" strike="noStrike" spc="-1">
-              <a:solidFill>
-                <a:srgbClr val="000000"/>
-              </a:solidFill>
-              <a:latin typeface="Calibri"/>
-            </a:endParaRPr>
-          </a:p>
-        </p:txBody>
-      </p:sp>
-      <p:sp>
-        <p:nvSpPr>
-          <p:cNvPr id="42" name="PlaceHolder 7"/>
-          <p:cNvSpPr>
-            <a:spLocks noGrp="1"/>
-          </p:cNvSpPr>
-          <p:nvPr>
-            <p:ph type="body"/>
-          </p:nvPr>
-        </p:nvSpPr>
-        <p:spPr>
-          <a:xfrm>
-            <a:off x="5961240" y="3073680"/>
-            <a:ext cx="2539080" cy="1556280"/>
-          </a:xfrm>
-          <a:prstGeom prst="rect">
-            <a:avLst/>
-          </a:prstGeom>
-        </p:spPr>
-        <p:txBody>
-          <a:bodyPr lIns="0" tIns="0" rIns="0" bIns="0">
-            <a:normAutofit/>
-          </a:bodyPr>
-          <a:lstStyle/>
-          <a:p>
-            <a:endParaRPr lang="ru-RU" sz="2100" b="0" strike="noStrike" spc="-1">
-              <a:solidFill>
-                <a:srgbClr val="000000"/>
-              </a:solidFill>
-              <a:latin typeface="Calibri"/>
-            </a:endParaRPr>
-          </a:p>
-        </p:txBody>
-      </p:sp>
-    </p:spTree>
-    <p:extLst>
-      <p:ext uri="{BB962C8B-B14F-4D97-AF65-F5344CB8AC3E}">
-        <p14:creationId xmlns:p14="http://schemas.microsoft.com/office/powerpoint/2010/main" val="4151311383"/>
-      </p:ext>
-    </p:extLst>
-  </p:cSld>
-  <p:clrMapOvr>
-    <a:masterClrMapping/>
-  </p:clrMapOvr>
-</p:sldLayout>
-</file>
-
-<file path=ppt/slideLayouts/slideLayout31.xml><?xml version="1.0" encoding="utf-8"?>
-<p:sldLayout xmlns:a="http://schemas.openxmlformats.org/drawingml/2006/main" xmlns:r="http://schemas.openxmlformats.org/officeDocument/2006/relationships" xmlns:p="http://schemas.openxmlformats.org/presentationml/2006/main" showMasterSp="0" userDrawn="1">
-  <p:cSld name="Titel und Inhalt">
-    <p:spTree>
-      <p:nvGrpSpPr>
-        <p:cNvPr id="1" name=""/>
-        <p:cNvGrpSpPr/>
-        <p:nvPr/>
-      </p:nvGrpSpPr>
-      <p:grpSpPr>
-        <a:xfrm>
-          <a:off x="0" y="0"/>
-          <a:ext cx="0" cy="0"/>
-          <a:chOff x="0" y="0"/>
-          <a:chExt cx="0" cy="0"/>
-        </a:xfrm>
-      </p:grpSpPr>
-      <p:sp>
-        <p:nvSpPr>
-          <p:cNvPr id="5" name="Заголовок 4"/>
-          <p:cNvSpPr>
-            <a:spLocks noGrp="1"/>
-          </p:cNvSpPr>
-          <p:nvPr>
-            <p:ph type="title"/>
-          </p:nvPr>
-        </p:nvSpPr>
-        <p:spPr/>
-        <p:txBody>
-          <a:bodyPr/>
-          <a:lstStyle/>
-          <a:p>
-            <a:r>
-              <a:rPr lang="ru-RU"/>
-              <a:t>Образец заголовка</a:t>
-            </a:r>
-          </a:p>
-        </p:txBody>
-      </p:sp>
-      <p:sp>
-        <p:nvSpPr>
-          <p:cNvPr id="7" name="Объект 6"/>
-          <p:cNvSpPr>
-            <a:spLocks noGrp="1"/>
-          </p:cNvSpPr>
-          <p:nvPr>
-            <p:ph sz="quarter" idx="11"/>
-          </p:nvPr>
-        </p:nvSpPr>
-        <p:spPr>
-          <a:xfrm>
-            <a:off x="484188" y="1213247"/>
-            <a:ext cx="8229600" cy="3375000"/>
-          </a:xfrm>
-        </p:spPr>
-        <p:txBody>
-          <a:bodyPr/>
-          <a:lstStyle/>
-          <a:p>
-            <a:pPr lvl="0"/>
-            <a:r>
-              <a:rPr lang="ru-RU"/>
-              <a:t>Образец текста</a:t>
-            </a:r>
-          </a:p>
-          <a:p>
-            <a:pPr lvl="1"/>
-            <a:r>
-              <a:rPr lang="ru-RU"/>
-              <a:t>Второй уровень</a:t>
-            </a:r>
-          </a:p>
-          <a:p>
-            <a:pPr lvl="2"/>
-            <a:r>
-              <a:rPr lang="ru-RU"/>
-              <a:t>Третий уровень</a:t>
-            </a:r>
-          </a:p>
-        </p:txBody>
-      </p:sp>
-      <p:sp>
-        <p:nvSpPr>
-          <p:cNvPr id="8" name="Нижний колонтитул 7"/>
-          <p:cNvSpPr>
-            <a:spLocks noGrp="1"/>
-          </p:cNvSpPr>
-          <p:nvPr>
-            <p:ph type="ftr" sz="quarter" idx="12"/>
-          </p:nvPr>
-        </p:nvSpPr>
-        <p:spPr>
-          <a:xfrm>
-            <a:off x="3132000" y="4798556"/>
-            <a:ext cx="2880000" cy="270000"/>
-          </a:xfrm>
-          <a:prstGeom prst="rect">
-            <a:avLst/>
-          </a:prstGeom>
-        </p:spPr>
-        <p:txBody>
-          <a:bodyPr/>
-          <a:lstStyle/>
-          <a:p>
-            <a:r>
-              <a:rPr lang="ru-RU"/>
-              <a:t>Нижний колонтитул</a:t>
-            </a:r>
-            <a:endParaRPr lang="ru-RU" dirty="0"/>
-          </a:p>
-        </p:txBody>
-      </p:sp>
-    </p:spTree>
-    <p:extLst>
-      <p:ext uri="{BB962C8B-B14F-4D97-AF65-F5344CB8AC3E}">
-        <p14:creationId xmlns:p14="http://schemas.microsoft.com/office/powerpoint/2010/main" val="1188197837"/>
-      </p:ext>
-    </p:extLst>
-  </p:cSld>
-  <p:clrMapOvr>
-    <a:masterClrMapping/>
-  </p:clrMapOvr>
-</p:sldLayout>
-</file>
-
-<file path=ppt/slideLayouts/slideLayout32.xml><?xml version="1.0" encoding="utf-8"?>
 <p:sldLayout xmlns:a="http://schemas.openxmlformats.org/drawingml/2006/main" xmlns:r="http://schemas.openxmlformats.org/officeDocument/2006/relationships" xmlns:p="http://schemas.openxmlformats.org/presentationml/2006/main" type="title">
   <p:cSld name="Титульный слайд">
     <p:spTree>
@@ -4258,7 +3891,7 @@
           <a:p>
             <a:fld id="{EF790F8C-5FB9-4EFE-BCC7-F735A3026FD8}" type="datetimeFigureOut">
               <a:rPr lang="ru-RU" smtClean="0"/>
-              <a:t>06.11.2024</a:t>
+              <a:t>07.11.2024</a:t>
             </a:fld>
             <a:endParaRPr lang="ru-RU"/>
           </a:p>
@@ -5425,7 +5058,7 @@
             </a:pathLst>
           </a:custGeom>
           <a:blipFill rotWithShape="0">
-            <a:blip r:embed="rId20"/>
+            <a:blip r:embed="rId18"/>
             <a:stretch/>
           </a:blipFill>
           <a:ln w="0">
@@ -5484,7 +5117,7 @@
             </a:pathLst>
           </a:custGeom>
           <a:blipFill rotWithShape="0">
-            <a:blip r:embed="rId21">
+            <a:blip r:embed="rId19">
               <a:alphaModFix amt="50000"/>
             </a:blip>
             <a:stretch/>
@@ -5523,11 +5156,9 @@
     <p:sldLayoutId id="2147483659" r:id="rId11"/>
     <p:sldLayoutId id="2147483660" r:id="rId12"/>
     <p:sldLayoutId id="2147483674" r:id="rId13"/>
-    <p:sldLayoutId id="2147483676" r:id="rId14"/>
-    <p:sldLayoutId id="2147483677" r:id="rId15"/>
-    <p:sldLayoutId id="2147483678" r:id="rId16"/>
-    <p:sldLayoutId id="2147483679" r:id="rId17"/>
-    <p:sldLayoutId id="2147483680" r:id="rId18"/>
+    <p:sldLayoutId id="2147483677" r:id="rId14"/>
+    <p:sldLayoutId id="2147483678" r:id="rId15"/>
+    <p:sldLayoutId id="2147483679" r:id="rId16"/>
   </p:sldLayoutIdLst>
   <p:txStyles>
     <p:titleStyle>
@@ -6743,6 +6374,392 @@
           <a:chExt cx="0" cy="0"/>
         </a:xfrm>
       </p:grpSpPr>
+      <p:sp>
+        <p:nvSpPr>
+          <p:cNvPr id="4" name="Заголовок 1">
+            <a:extLst>
+              <a:ext uri="{FF2B5EF4-FFF2-40B4-BE49-F238E27FC236}">
+                <a16:creationId xmlns:a16="http://schemas.microsoft.com/office/drawing/2014/main" id="{11FA8981-A2D9-4616-9140-06BCE3C18F48}"/>
+              </a:ext>
+            </a:extLst>
+          </p:cNvPr>
+          <p:cNvSpPr txBox="1">
+            <a:spLocks/>
+          </p:cNvSpPr>
+          <p:nvPr/>
+        </p:nvSpPr>
+        <p:spPr>
+          <a:xfrm>
+            <a:off x="318608" y="521892"/>
+            <a:ext cx="7562649" cy="560657"/>
+          </a:xfrm>
+          <a:prstGeom prst="rect">
+            <a:avLst/>
+          </a:prstGeom>
+        </p:spPr>
+        <p:txBody>
+          <a:bodyPr lIns="0" tIns="0" rIns="0" bIns="0" anchor="ctr">
+            <a:noAutofit/>
+          </a:bodyPr>
+          <a:lstStyle>
+            <a:lvl1pPr algn="l" defTabSz="914400" rtl="0" eaLnBrk="1" latinLnBrk="0" hangingPunct="1">
+              <a:lnSpc>
+                <a:spcPct val="90000"/>
+              </a:lnSpc>
+              <a:spcBef>
+                <a:spcPct val="0"/>
+              </a:spcBef>
+              <a:buNone/>
+              <a:defRPr sz="4400" kern="1200">
+                <a:solidFill>
+                  <a:schemeClr val="tx1"/>
+                </a:solidFill>
+                <a:latin typeface="+mj-lt"/>
+                <a:ea typeface="+mj-ea"/>
+                <a:cs typeface="+mj-cs"/>
+              </a:defRPr>
+            </a:lvl1pPr>
+          </a:lstStyle>
+          <a:p>
+            <a:r>
+              <a:rPr lang="ru-RU" sz="3600" b="1" dirty="0">
+                <a:solidFill>
+                  <a:schemeClr val="tx1">
+                    <a:lumMod val="95000"/>
+                    <a:lumOff val="5000"/>
+                  </a:schemeClr>
+                </a:solidFill>
+                <a:latin typeface="Yandex Sans Text Light" panose="02000000000000000000" pitchFamily="2" charset="-52"/>
+              </a:rPr>
+              <a:t>Модуль </a:t>
+            </a:r>
+            <a:r>
+              <a:rPr lang="en-US" sz="3600" b="1" dirty="0">
+                <a:solidFill>
+                  <a:schemeClr val="tx1">
+                    <a:lumMod val="95000"/>
+                    <a:lumOff val="5000"/>
+                  </a:schemeClr>
+                </a:solidFill>
+                <a:latin typeface="Yandex Sans Text Light" panose="02000000000000000000" pitchFamily="2" charset="-52"/>
+              </a:rPr>
+              <a:t>1</a:t>
+            </a:r>
+            <a:r>
+              <a:rPr lang="ru-RU" sz="3600" b="1" dirty="0">
+                <a:solidFill>
+                  <a:schemeClr val="tx1">
+                    <a:lumMod val="95000"/>
+                    <a:lumOff val="5000"/>
+                  </a:schemeClr>
+                </a:solidFill>
+                <a:latin typeface="Yandex Sans Text Light" panose="02000000000000000000" pitchFamily="2" charset="-52"/>
+              </a:rPr>
+              <a:t>. Функциональное программирование</a:t>
+            </a:r>
+          </a:p>
+        </p:txBody>
+      </p:sp>
+      <p:sp>
+        <p:nvSpPr>
+          <p:cNvPr id="5" name="Прямоугольник 4">
+            <a:extLst>
+              <a:ext uri="{FF2B5EF4-FFF2-40B4-BE49-F238E27FC236}">
+                <a16:creationId xmlns:a16="http://schemas.microsoft.com/office/drawing/2014/main" id="{295D0025-0DC1-412B-AED6-ADED939D6CC6}"/>
+              </a:ext>
+            </a:extLst>
+          </p:cNvPr>
+          <p:cNvSpPr/>
+          <p:nvPr/>
+        </p:nvSpPr>
+        <p:spPr>
+          <a:xfrm>
+            <a:off x="178713" y="1974898"/>
+            <a:ext cx="8596793" cy="2308324"/>
+          </a:xfrm>
+          <a:prstGeom prst="rect">
+            <a:avLst/>
+          </a:prstGeom>
+        </p:spPr>
+        <p:txBody>
+          <a:bodyPr wrap="square">
+            <a:spAutoFit/>
+          </a:bodyPr>
+          <a:lstStyle/>
+          <a:p>
+            <a:pPr marL="342900" lvl="0" indent="-342900">
+              <a:buFont typeface="+mj-lt"/>
+              <a:buAutoNum type="arabicPeriod"/>
+            </a:pPr>
+            <a:r>
+              <a:rPr lang="ru-RU" sz="2400" dirty="0">
+                <a:solidFill>
+                  <a:schemeClr val="tx1">
+                    <a:lumMod val="95000"/>
+                    <a:lumOff val="5000"/>
+                  </a:schemeClr>
+                </a:solidFill>
+              </a:rPr>
+              <a:t>Функция как объект. Паттерн «Фабрика функций»</a:t>
+            </a:r>
+          </a:p>
+          <a:p>
+            <a:pPr marL="342900" lvl="0" indent="-342900">
+              <a:buFont typeface="+mj-lt"/>
+              <a:buAutoNum type="arabicPeriod"/>
+            </a:pPr>
+            <a:r>
+              <a:rPr lang="ru-RU" sz="2400" dirty="0">
+                <a:solidFill>
+                  <a:schemeClr val="tx1">
+                    <a:lumMod val="95000"/>
+                    <a:lumOff val="5000"/>
+                  </a:schemeClr>
+                </a:solidFill>
+              </a:rPr>
+              <a:t>Анонимные функции. Сортировка коллекций по ключу</a:t>
+            </a:r>
+          </a:p>
+          <a:p>
+            <a:pPr marL="342900" lvl="0" indent="-342900">
+              <a:buFont typeface="+mj-lt"/>
+              <a:buAutoNum type="arabicPeriod"/>
+            </a:pPr>
+            <a:r>
+              <a:rPr lang="ru-RU" sz="2400" dirty="0">
+                <a:solidFill>
+                  <a:schemeClr val="tx1">
+                    <a:lumMod val="95000"/>
+                    <a:lumOff val="5000"/>
+                  </a:schemeClr>
+                </a:solidFill>
+              </a:rPr>
+              <a:t>Применение функций </a:t>
+            </a:r>
+            <a:r>
+              <a:rPr lang="en-US" sz="2400" dirty="0">
+                <a:solidFill>
+                  <a:schemeClr val="tx1">
+                    <a:lumMod val="95000"/>
+                    <a:lumOff val="5000"/>
+                  </a:schemeClr>
+                </a:solidFill>
+              </a:rPr>
+              <a:t>all</a:t>
+            </a:r>
+            <a:r>
+              <a:rPr lang="ru-RU" sz="2400" dirty="0">
+                <a:solidFill>
+                  <a:schemeClr val="tx1">
+                    <a:lumMod val="95000"/>
+                    <a:lumOff val="5000"/>
+                  </a:schemeClr>
+                </a:solidFill>
+              </a:rPr>
+              <a:t> и </a:t>
+            </a:r>
+            <a:r>
+              <a:rPr lang="en-US" sz="2400" dirty="0">
+                <a:solidFill>
+                  <a:schemeClr val="tx1">
+                    <a:lumMod val="95000"/>
+                    <a:lumOff val="5000"/>
+                  </a:schemeClr>
+                </a:solidFill>
+              </a:rPr>
+              <a:t>any</a:t>
+            </a:r>
+            <a:endParaRPr lang="ru-RU" sz="2400" dirty="0">
+              <a:solidFill>
+                <a:schemeClr val="tx1">
+                  <a:lumMod val="95000"/>
+                  <a:lumOff val="5000"/>
+                </a:schemeClr>
+              </a:solidFill>
+            </a:endParaRPr>
+          </a:p>
+          <a:p>
+            <a:pPr marL="342900" lvl="0" indent="-342900">
+              <a:buFont typeface="+mj-lt"/>
+              <a:buAutoNum type="arabicPeriod"/>
+            </a:pPr>
+            <a:r>
+              <a:rPr lang="ru-RU" sz="2400" dirty="0">
+                <a:solidFill>
+                  <a:schemeClr val="tx1">
+                    <a:lumMod val="95000"/>
+                    <a:lumOff val="5000"/>
+                  </a:schemeClr>
+                </a:solidFill>
+              </a:rPr>
+              <a:t>Функции высшего порядка (</a:t>
+            </a:r>
+            <a:r>
+              <a:rPr lang="en-US" sz="2400" dirty="0">
+                <a:solidFill>
+                  <a:schemeClr val="tx1">
+                    <a:lumMod val="95000"/>
+                    <a:lumOff val="5000"/>
+                  </a:schemeClr>
+                </a:solidFill>
+              </a:rPr>
+              <a:t>map</a:t>
+            </a:r>
+            <a:r>
+              <a:rPr lang="ru-RU" sz="2400" dirty="0">
+                <a:solidFill>
+                  <a:schemeClr val="tx1">
+                    <a:lumMod val="95000"/>
+                    <a:lumOff val="5000"/>
+                  </a:schemeClr>
+                </a:solidFill>
+              </a:rPr>
+              <a:t>, </a:t>
+            </a:r>
+            <a:r>
+              <a:rPr lang="en-US" sz="2400" dirty="0">
+                <a:solidFill>
+                  <a:schemeClr val="tx1">
+                    <a:lumMod val="95000"/>
+                    <a:lumOff val="5000"/>
+                  </a:schemeClr>
+                </a:solidFill>
+              </a:rPr>
+              <a:t>filter</a:t>
+            </a:r>
+            <a:r>
+              <a:rPr lang="ru-RU" sz="2400" dirty="0">
+                <a:solidFill>
+                  <a:schemeClr val="tx1">
+                    <a:lumMod val="95000"/>
+                    <a:lumOff val="5000"/>
+                  </a:schemeClr>
+                </a:solidFill>
+              </a:rPr>
+              <a:t>, </a:t>
+            </a:r>
+            <a:r>
+              <a:rPr lang="en-US" sz="2400" dirty="0">
+                <a:solidFill>
+                  <a:schemeClr val="tx1">
+                    <a:lumMod val="95000"/>
+                    <a:lumOff val="5000"/>
+                  </a:schemeClr>
+                </a:solidFill>
+              </a:rPr>
+              <a:t>reduce</a:t>
+            </a:r>
+            <a:r>
+              <a:rPr lang="ru-RU" sz="2400" dirty="0">
+                <a:solidFill>
+                  <a:schemeClr val="tx1">
+                    <a:lumMod val="95000"/>
+                    <a:lumOff val="5000"/>
+                  </a:schemeClr>
+                </a:solidFill>
+              </a:rPr>
+              <a:t>)</a:t>
+            </a:r>
+          </a:p>
+          <a:p>
+            <a:pPr marL="342900" lvl="0" indent="-342900">
+              <a:buFont typeface="+mj-lt"/>
+              <a:buAutoNum type="arabicPeriod"/>
+            </a:pPr>
+            <a:r>
+              <a:rPr lang="ru-RU" sz="2400" dirty="0">
+                <a:solidFill>
+                  <a:schemeClr val="tx1">
+                    <a:lumMod val="95000"/>
+                    <a:lumOff val="5000"/>
+                  </a:schemeClr>
+                </a:solidFill>
+              </a:rPr>
+              <a:t>Модуль </a:t>
+            </a:r>
+            <a:r>
+              <a:rPr lang="en-US" sz="2400" dirty="0" err="1">
+                <a:solidFill>
+                  <a:schemeClr val="tx1">
+                    <a:lumMod val="95000"/>
+                    <a:lumOff val="5000"/>
+                  </a:schemeClr>
+                </a:solidFill>
+              </a:rPr>
+              <a:t>itertools</a:t>
+            </a:r>
+            <a:r>
+              <a:rPr lang="en-US" sz="2400" dirty="0">
+                <a:solidFill>
+                  <a:schemeClr val="tx1">
+                    <a:lumMod val="95000"/>
+                    <a:lumOff val="5000"/>
+                  </a:schemeClr>
+                </a:solidFill>
+              </a:rPr>
+              <a:t> </a:t>
+            </a:r>
+            <a:r>
+              <a:rPr lang="ru-RU" sz="2400" dirty="0">
+                <a:solidFill>
+                  <a:schemeClr val="tx1">
+                    <a:lumMod val="95000"/>
+                    <a:lumOff val="5000"/>
+                  </a:schemeClr>
+                </a:solidFill>
+              </a:rPr>
+              <a:t>и комбинаторика</a:t>
+            </a:r>
+          </a:p>
+          <a:p>
+            <a:pPr marL="342900" lvl="0" indent="-342900">
+              <a:buFont typeface="+mj-lt"/>
+              <a:buAutoNum type="arabicPeriod"/>
+            </a:pPr>
+            <a:r>
+              <a:rPr lang="ru-RU" sz="2400" dirty="0">
+                <a:solidFill>
+                  <a:schemeClr val="tx1">
+                    <a:lumMod val="95000"/>
+                    <a:lumOff val="5000"/>
+                  </a:schemeClr>
+                </a:solidFill>
+              </a:rPr>
+              <a:t>Практические задачи</a:t>
+            </a:r>
+          </a:p>
+        </p:txBody>
+      </p:sp>
+    </p:spTree>
+    <p:extLst>
+      <p:ext uri="{BB962C8B-B14F-4D97-AF65-F5344CB8AC3E}">
+        <p14:creationId xmlns:p14="http://schemas.microsoft.com/office/powerpoint/2010/main" val="8449535"/>
+      </p:ext>
+    </p:extLst>
+  </p:cSld>
+  <p:clrMapOvr>
+    <a:masterClrMapping/>
+  </p:clrMapOvr>
+</p:sld>
+</file>
+
+<file path=ppt/slides/slide11.xml><?xml version="1.0" encoding="utf-8"?>
+<p:sld xmlns:a="http://schemas.openxmlformats.org/drawingml/2006/main" xmlns:r="http://schemas.openxmlformats.org/officeDocument/2006/relationships" xmlns:p="http://schemas.openxmlformats.org/presentationml/2006/main">
+  <p:cSld>
+    <p:spTree>
+      <p:nvGrpSpPr>
+        <p:cNvPr id="1" name=""/>
+        <p:cNvGrpSpPr/>
+        <p:nvPr/>
+      </p:nvGrpSpPr>
+      <p:grpSpPr>
+        <a:xfrm>
+          <a:off x="0" y="0"/>
+          <a:ext cx="0" cy="0"/>
+          <a:chOff x="0" y="0"/>
+          <a:chExt cx="0" cy="0"/>
+        </a:xfrm>
+      </p:grpSpPr>
       <p:pic>
         <p:nvPicPr>
           <p:cNvPr id="4" name="Рисунок 3">
@@ -7086,7 +7103,7 @@
 </p:sld>
 </file>
 
-<file path=ppt/slides/slide11.xml><?xml version="1.0" encoding="utf-8"?>
+<file path=ppt/slides/slide12.xml><?xml version="1.0" encoding="utf-8"?>
 <p:sld xmlns:a="http://schemas.openxmlformats.org/drawingml/2006/main" xmlns:r="http://schemas.openxmlformats.org/officeDocument/2006/relationships" xmlns:p="http://schemas.openxmlformats.org/presentationml/2006/main">
   <p:cSld>
     <p:spTree>
@@ -7371,7 +7388,7 @@
 </p:sld>
 </file>
 
-<file path=ppt/slides/slide12.xml><?xml version="1.0" encoding="utf-8"?>
+<file path=ppt/slides/slide13.xml><?xml version="1.0" encoding="utf-8"?>
 <p:sld xmlns:a="http://schemas.openxmlformats.org/drawingml/2006/main" xmlns:r="http://schemas.openxmlformats.org/officeDocument/2006/relationships" xmlns:p="http://schemas.openxmlformats.org/presentationml/2006/main">
   <p:cSld>
     <p:spTree>
@@ -7656,7 +7673,7 @@
 </p:sld>
 </file>
 
-<file path=ppt/slides/slide13.xml><?xml version="1.0" encoding="utf-8"?>
+<file path=ppt/slides/slide14.xml><?xml version="1.0" encoding="utf-8"?>
 <p:sld xmlns:a="http://schemas.openxmlformats.org/drawingml/2006/main" xmlns:r="http://schemas.openxmlformats.org/officeDocument/2006/relationships" xmlns:p="http://schemas.openxmlformats.org/presentationml/2006/main">
   <p:cSld>
     <p:spTree>
@@ -7866,7 +7883,7 @@
 </p:sld>
 </file>
 
-<file path=ppt/slides/slide14.xml><?xml version="1.0" encoding="utf-8"?>
+<file path=ppt/slides/slide15.xml><?xml version="1.0" encoding="utf-8"?>
 <p:sld xmlns:a="http://schemas.openxmlformats.org/drawingml/2006/main" xmlns:r="http://schemas.openxmlformats.org/officeDocument/2006/relationships" xmlns:p="http://schemas.openxmlformats.org/presentationml/2006/main">
   <p:cSld>
     <p:spTree>
@@ -8151,7 +8168,7 @@
 </p:sld>
 </file>
 
-<file path=ppt/slides/slide15.xml><?xml version="1.0" encoding="utf-8"?>
+<file path=ppt/slides/slide16.xml><?xml version="1.0" encoding="utf-8"?>
 <p:sld xmlns:a="http://schemas.openxmlformats.org/drawingml/2006/main" xmlns:r="http://schemas.openxmlformats.org/officeDocument/2006/relationships" xmlns:p="http://schemas.openxmlformats.org/presentationml/2006/main">
   <p:cSld>
     <p:spTree>
@@ -8191,7 +8208,7 @@
                 </a:solidFill>
               </a:rPr>
               <a:pPr defTabSz="685800"/>
-              <a:t>15</a:t>
+              <a:t>16</a:t>
             </a:fld>
             <a:endParaRPr lang="ru-RU" dirty="0">
               <a:solidFill>
@@ -8244,7 +8261,7 @@
 </p:sld>
 </file>
 
-<file path=ppt/slides/slide16.xml><?xml version="1.0" encoding="utf-8"?>
+<file path=ppt/slides/slide17.xml><?xml version="1.0" encoding="utf-8"?>
 <p:sld xmlns:a="http://schemas.openxmlformats.org/drawingml/2006/main" xmlns:r="http://schemas.openxmlformats.org/officeDocument/2006/relationships" xmlns:p="http://schemas.openxmlformats.org/presentationml/2006/main">
   <p:cSld>
     <p:spTree>
@@ -8284,7 +8301,7 @@
                 </a:solidFill>
               </a:rPr>
               <a:pPr defTabSz="685800"/>
-              <a:t>16</a:t>
+              <a:t>17</a:t>
             </a:fld>
             <a:endParaRPr lang="ru-RU" dirty="0">
               <a:solidFill>
@@ -8354,7 +8371,7 @@
 </p:sld>
 </file>
 
-<file path=ppt/slides/slide17.xml><?xml version="1.0" encoding="utf-8"?>
+<file path=ppt/slides/slide18.xml><?xml version="1.0" encoding="utf-8"?>
 <p:sld xmlns:a="http://schemas.openxmlformats.org/drawingml/2006/main" xmlns:r="http://schemas.openxmlformats.org/officeDocument/2006/relationships" xmlns:p="http://schemas.openxmlformats.org/presentationml/2006/main">
   <p:cSld>
     <p:spTree>
@@ -8394,7 +8411,7 @@
                 </a:solidFill>
               </a:rPr>
               <a:pPr defTabSz="685800"/>
-              <a:t>17</a:t>
+              <a:t>18</a:t>
             </a:fld>
             <a:endParaRPr lang="ru-RU" dirty="0">
               <a:solidFill>
@@ -8464,7 +8481,7 @@
 </p:sld>
 </file>
 
-<file path=ppt/slides/slide18.xml><?xml version="1.0" encoding="utf-8"?>
+<file path=ppt/slides/slide19.xml><?xml version="1.0" encoding="utf-8"?>
 <p:sld xmlns:a="http://schemas.openxmlformats.org/drawingml/2006/main" xmlns:r="http://schemas.openxmlformats.org/officeDocument/2006/relationships" xmlns:p="http://schemas.openxmlformats.org/presentationml/2006/main">
   <p:cSld>
     <p:spTree>
@@ -8504,7 +8521,7 @@
                 </a:solidFill>
               </a:rPr>
               <a:pPr defTabSz="685800"/>
-              <a:t>18</a:t>
+              <a:t>19</a:t>
             </a:fld>
             <a:endParaRPr lang="ru-RU" dirty="0">
               <a:solidFill>
@@ -8565,292 +8582,6 @@
     <p:extLst>
       <p:ext uri="{BB962C8B-B14F-4D97-AF65-F5344CB8AC3E}">
         <p14:creationId xmlns:p14="http://schemas.microsoft.com/office/powerpoint/2010/main" val="3655367807"/>
-      </p:ext>
-    </p:extLst>
-  </p:cSld>
-  <p:clrMapOvr>
-    <a:masterClrMapping/>
-  </p:clrMapOvr>
-</p:sld>
-</file>
-
-<file path=ppt/slides/slide19.xml><?xml version="1.0" encoding="utf-8"?>
-<p:sld xmlns:a="http://schemas.openxmlformats.org/drawingml/2006/main" xmlns:r="http://schemas.openxmlformats.org/officeDocument/2006/relationships" xmlns:p="http://schemas.openxmlformats.org/presentationml/2006/main">
-  <p:cSld>
-    <p:spTree>
-      <p:nvGrpSpPr>
-        <p:cNvPr id="1" name=""/>
-        <p:cNvGrpSpPr/>
-        <p:nvPr/>
-      </p:nvGrpSpPr>
-      <p:grpSpPr>
-        <a:xfrm>
-          <a:off x="0" y="0"/>
-          <a:ext cx="0" cy="0"/>
-          <a:chOff x="0" y="0"/>
-          <a:chExt cx="0" cy="0"/>
-        </a:xfrm>
-      </p:grpSpPr>
-      <p:sp>
-        <p:nvSpPr>
-          <p:cNvPr id="9" name="Заголовок 1">
-            <a:extLst>
-              <a:ext uri="{FF2B5EF4-FFF2-40B4-BE49-F238E27FC236}">
-                <a16:creationId xmlns:a16="http://schemas.microsoft.com/office/drawing/2014/main" id="{296E8557-2C11-4E65-A7DC-4FD9955DF42A}"/>
-              </a:ext>
-            </a:extLst>
-          </p:cNvPr>
-          <p:cNvSpPr txBox="1">
-            <a:spLocks/>
-          </p:cNvSpPr>
-          <p:nvPr/>
-        </p:nvSpPr>
-        <p:spPr>
-          <a:xfrm>
-            <a:off x="950096" y="2002143"/>
-            <a:ext cx="2738120" cy="954341"/>
-          </a:xfrm>
-          <a:prstGeom prst="rect">
-            <a:avLst/>
-          </a:prstGeom>
-        </p:spPr>
-        <p:txBody>
-          <a:bodyPr vert="horz" lIns="68580" tIns="34290" rIns="68580" bIns="34290" rtlCol="0" anchor="t">
-            <a:normAutofit fontScale="92500" lnSpcReduction="20000"/>
-          </a:bodyPr>
-          <a:lstStyle>
-            <a:lvl1pPr algn="l" defTabSz="457200" rtl="0" eaLnBrk="1" latinLnBrk="0" hangingPunct="1">
-              <a:spcBef>
-                <a:spcPct val="0"/>
-              </a:spcBef>
-              <a:buNone/>
-              <a:defRPr sz="3600" b="1" kern="1200">
-                <a:solidFill>
-                  <a:schemeClr val="accent2"/>
-                </a:solidFill>
-                <a:latin typeface="Open Sans" panose="020B0606030504020204" pitchFamily="34" charset="0"/>
-                <a:ea typeface="Open Sans" panose="020B0606030504020204" pitchFamily="34" charset="0"/>
-                <a:cs typeface="Open Sans" panose="020B0606030504020204" pitchFamily="34" charset="0"/>
-              </a:defRPr>
-            </a:lvl1pPr>
-            <a:lvl2pPr eaLnBrk="1" hangingPunct="1">
-              <a:defRPr>
-                <a:solidFill>
-                  <a:schemeClr val="tx2"/>
-                </a:solidFill>
-              </a:defRPr>
-            </a:lvl2pPr>
-            <a:lvl3pPr eaLnBrk="1" hangingPunct="1">
-              <a:defRPr>
-                <a:solidFill>
-                  <a:schemeClr val="tx2"/>
-                </a:solidFill>
-              </a:defRPr>
-            </a:lvl3pPr>
-            <a:lvl4pPr eaLnBrk="1" hangingPunct="1">
-              <a:defRPr>
-                <a:solidFill>
-                  <a:schemeClr val="tx2"/>
-                </a:solidFill>
-              </a:defRPr>
-            </a:lvl4pPr>
-            <a:lvl5pPr eaLnBrk="1" hangingPunct="1">
-              <a:defRPr>
-                <a:solidFill>
-                  <a:schemeClr val="tx2"/>
-                </a:solidFill>
-              </a:defRPr>
-            </a:lvl5pPr>
-            <a:lvl6pPr eaLnBrk="1" hangingPunct="1">
-              <a:defRPr>
-                <a:solidFill>
-                  <a:schemeClr val="tx2"/>
-                </a:solidFill>
-              </a:defRPr>
-            </a:lvl6pPr>
-            <a:lvl7pPr eaLnBrk="1" hangingPunct="1">
-              <a:defRPr>
-                <a:solidFill>
-                  <a:schemeClr val="tx2"/>
-                </a:solidFill>
-              </a:defRPr>
-            </a:lvl7pPr>
-            <a:lvl8pPr eaLnBrk="1" hangingPunct="1">
-              <a:defRPr>
-                <a:solidFill>
-                  <a:schemeClr val="tx2"/>
-                </a:solidFill>
-              </a:defRPr>
-            </a:lvl8pPr>
-            <a:lvl9pPr eaLnBrk="1" hangingPunct="1">
-              <a:defRPr>
-                <a:solidFill>
-                  <a:schemeClr val="tx2"/>
-                </a:solidFill>
-              </a:defRPr>
-            </a:lvl9pPr>
-          </a:lstStyle>
-          <a:p>
-            <a:r>
-              <a:rPr lang="ru-RU" sz="4350" dirty="0"/>
-              <a:t>Спасибо </a:t>
-            </a:r>
-          </a:p>
-          <a:p>
-            <a:r>
-              <a:rPr lang="ru-RU" sz="2700" dirty="0"/>
-              <a:t>за внимание!</a:t>
-            </a:r>
-          </a:p>
-        </p:txBody>
-      </p:sp>
-      <p:sp>
-        <p:nvSpPr>
-          <p:cNvPr id="10" name="Заголовок 1">
-            <a:extLst>
-              <a:ext uri="{FF2B5EF4-FFF2-40B4-BE49-F238E27FC236}">
-                <a16:creationId xmlns:a16="http://schemas.microsoft.com/office/drawing/2014/main" id="{94F517F1-B040-4C23-A1FC-87F348A889F9}"/>
-              </a:ext>
-            </a:extLst>
-          </p:cNvPr>
-          <p:cNvSpPr txBox="1">
-            <a:spLocks/>
-          </p:cNvSpPr>
-          <p:nvPr/>
-        </p:nvSpPr>
-        <p:spPr>
-          <a:xfrm>
-            <a:off x="950096" y="2907074"/>
-            <a:ext cx="2738120" cy="568158"/>
-          </a:xfrm>
-          <a:prstGeom prst="rect">
-            <a:avLst/>
-          </a:prstGeom>
-        </p:spPr>
-        <p:txBody>
-          <a:bodyPr vert="horz" lIns="68580" tIns="34290" rIns="68580" bIns="34290" rtlCol="0" anchor="t">
-            <a:normAutofit/>
-          </a:bodyPr>
-          <a:lstStyle>
-            <a:lvl1pPr algn="l" defTabSz="457200" rtl="0" eaLnBrk="1" latinLnBrk="0" hangingPunct="1">
-              <a:spcBef>
-                <a:spcPct val="0"/>
-              </a:spcBef>
-              <a:buNone/>
-              <a:defRPr sz="3600" b="1" kern="1200">
-                <a:solidFill>
-                  <a:schemeClr val="accent2"/>
-                </a:solidFill>
-                <a:latin typeface="Open Sans" panose="020B0606030504020204" pitchFamily="34" charset="0"/>
-                <a:ea typeface="Open Sans" panose="020B0606030504020204" pitchFamily="34" charset="0"/>
-                <a:cs typeface="Open Sans" panose="020B0606030504020204" pitchFamily="34" charset="0"/>
-              </a:defRPr>
-            </a:lvl1pPr>
-            <a:lvl2pPr eaLnBrk="1" hangingPunct="1">
-              <a:defRPr>
-                <a:solidFill>
-                  <a:schemeClr val="tx2"/>
-                </a:solidFill>
-              </a:defRPr>
-            </a:lvl2pPr>
-            <a:lvl3pPr eaLnBrk="1" hangingPunct="1">
-              <a:defRPr>
-                <a:solidFill>
-                  <a:schemeClr val="tx2"/>
-                </a:solidFill>
-              </a:defRPr>
-            </a:lvl3pPr>
-            <a:lvl4pPr eaLnBrk="1" hangingPunct="1">
-              <a:defRPr>
-                <a:solidFill>
-                  <a:schemeClr val="tx2"/>
-                </a:solidFill>
-              </a:defRPr>
-            </a:lvl4pPr>
-            <a:lvl5pPr eaLnBrk="1" hangingPunct="1">
-              <a:defRPr>
-                <a:solidFill>
-                  <a:schemeClr val="tx2"/>
-                </a:solidFill>
-              </a:defRPr>
-            </a:lvl5pPr>
-            <a:lvl6pPr eaLnBrk="1" hangingPunct="1">
-              <a:defRPr>
-                <a:solidFill>
-                  <a:schemeClr val="tx2"/>
-                </a:solidFill>
-              </a:defRPr>
-            </a:lvl6pPr>
-            <a:lvl7pPr eaLnBrk="1" hangingPunct="1">
-              <a:defRPr>
-                <a:solidFill>
-                  <a:schemeClr val="tx2"/>
-                </a:solidFill>
-              </a:defRPr>
-            </a:lvl7pPr>
-            <a:lvl8pPr eaLnBrk="1" hangingPunct="1">
-              <a:defRPr>
-                <a:solidFill>
-                  <a:schemeClr val="tx2"/>
-                </a:solidFill>
-              </a:defRPr>
-            </a:lvl8pPr>
-            <a:lvl9pPr eaLnBrk="1" hangingPunct="1">
-              <a:defRPr>
-                <a:solidFill>
-                  <a:schemeClr val="tx2"/>
-                </a:solidFill>
-              </a:defRPr>
-            </a:lvl9pPr>
-          </a:lstStyle>
-          <a:p>
-            <a:r>
-              <a:rPr lang="ru-RU" sz="2400" b="0" dirty="0"/>
-              <a:t>Ваши вопросы…</a:t>
-            </a:r>
-          </a:p>
-        </p:txBody>
-      </p:sp>
-      <p:pic>
-        <p:nvPicPr>
-          <p:cNvPr id="3" name="Рисунок 2">
-            <a:extLst>
-              <a:ext uri="{FF2B5EF4-FFF2-40B4-BE49-F238E27FC236}">
-                <a16:creationId xmlns:a16="http://schemas.microsoft.com/office/drawing/2014/main" id="{C81D53B5-DE19-479B-83BD-E3D8F3DB288E}"/>
-              </a:ext>
-            </a:extLst>
-          </p:cNvPr>
-          <p:cNvPicPr>
-            <a:picLocks noChangeAspect="1"/>
-          </p:cNvPicPr>
-          <p:nvPr/>
-        </p:nvPicPr>
-        <p:blipFill>
-          <a:blip r:embed="rId2">
-            <a:extLst>
-              <a:ext uri="{96DAC541-7B7A-43D3-8B79-37D633B846F1}">
-                <asvg:svgBlip xmlns:asvg="http://schemas.microsoft.com/office/drawing/2016/SVG/main" r:embed="rId3"/>
-              </a:ext>
-            </a:extLst>
-          </a:blip>
-          <a:stretch>
-            <a:fillRect/>
-          </a:stretch>
-        </p:blipFill>
-        <p:spPr>
-          <a:xfrm>
-            <a:off x="3315140" y="259241"/>
-            <a:ext cx="4803326" cy="4803326"/>
-          </a:xfrm>
-          <a:prstGeom prst="rect">
-            <a:avLst/>
-          </a:prstGeom>
-        </p:spPr>
-      </p:pic>
-    </p:spTree>
-    <p:extLst>
-      <p:ext uri="{BB962C8B-B14F-4D97-AF65-F5344CB8AC3E}">
-        <p14:creationId xmlns:p14="http://schemas.microsoft.com/office/powerpoint/2010/main" val="1405911375"/>
       </p:ext>
     </p:extLst>
   </p:cSld>
@@ -9279,8 +9010,8 @@
         </p:nvSpPr>
         <p:spPr>
           <a:xfrm>
-            <a:off x="2387948" y="100960"/>
-            <a:ext cx="5905500" cy="2908920"/>
+            <a:off x="2387947" y="100960"/>
+            <a:ext cx="6572405" cy="2908920"/>
           </a:xfrm>
           <a:prstGeom prst="rect">
             <a:avLst/>
@@ -9661,27 +9392,8 @@
                 <a:ea typeface="Open Sans" pitchFamily="2" charset="0"/>
                 <a:cs typeface="Open Sans" pitchFamily="2" charset="0"/>
               </a:rPr>
-              <a:t>, Django, Flask, Vue, </a:t>
-            </a:r>
-            <a:r>
-              <a:rPr lang="en-US" sz="1600" kern="0" dirty="0" err="1">
-                <a:solidFill>
-                  <a:srgbClr val="002060"/>
-                </a:solidFill>
-                <a:latin typeface="Yandex Sans Text Light" panose="02000000000000000000" pitchFamily="2" charset="-52"/>
-                <a:ea typeface="Open Sans" pitchFamily="2" charset="0"/>
-                <a:cs typeface="Open Sans" pitchFamily="2" charset="0"/>
-              </a:rPr>
-              <a:t>Pg</a:t>
-            </a:r>
-            <a:endParaRPr lang="en-US" sz="1600" kern="0" dirty="0">
-              <a:solidFill>
-                <a:srgbClr val="002060"/>
-              </a:solidFill>
-              <a:latin typeface="Yandex Sans Text Light" panose="02000000000000000000" pitchFamily="2" charset="-52"/>
-              <a:ea typeface="Open Sans" pitchFamily="2" charset="0"/>
-              <a:cs typeface="Open Sans" pitchFamily="2" charset="0"/>
-            </a:endParaRPr>
+              <a:t>, Django, Flask, Vue, PostgreSQL</a:t>
+            </a:r>
           </a:p>
           <a:p>
             <a:pPr marL="609585" indent="-474121" defTabSz="1219170">
@@ -10334,7 +10046,7 @@
 </file>
 
 <file path=ppt/slides/slide20.xml><?xml version="1.0" encoding="utf-8"?>
-<p:sld xmlns:a="http://schemas.openxmlformats.org/drawingml/2006/main" xmlns:r="http://schemas.openxmlformats.org/officeDocument/2006/relationships" xmlns:p="http://schemas.openxmlformats.org/presentationml/2006/main" showMasterSp="0">
+<p:sld xmlns:a="http://schemas.openxmlformats.org/drawingml/2006/main" xmlns:r="http://schemas.openxmlformats.org/officeDocument/2006/relationships" xmlns:p="http://schemas.openxmlformats.org/presentationml/2006/main">
   <p:cSld>
     <p:spTree>
       <p:nvGrpSpPr>
@@ -10350,10 +10062,266 @@
           <a:chExt cx="0" cy="0"/>
         </a:xfrm>
       </p:grpSpPr>
+      <p:sp>
+        <p:nvSpPr>
+          <p:cNvPr id="9" name="Заголовок 1">
+            <a:extLst>
+              <a:ext uri="{FF2B5EF4-FFF2-40B4-BE49-F238E27FC236}">
+                <a16:creationId xmlns:a16="http://schemas.microsoft.com/office/drawing/2014/main" id="{296E8557-2C11-4E65-A7DC-4FD9955DF42A}"/>
+              </a:ext>
+            </a:extLst>
+          </p:cNvPr>
+          <p:cNvSpPr txBox="1">
+            <a:spLocks/>
+          </p:cNvSpPr>
+          <p:nvPr/>
+        </p:nvSpPr>
+        <p:spPr>
+          <a:xfrm>
+            <a:off x="950096" y="2002143"/>
+            <a:ext cx="2738120" cy="954341"/>
+          </a:xfrm>
+          <a:prstGeom prst="rect">
+            <a:avLst/>
+          </a:prstGeom>
+        </p:spPr>
+        <p:txBody>
+          <a:bodyPr vert="horz" lIns="68580" tIns="34290" rIns="68580" bIns="34290" rtlCol="0" anchor="t">
+            <a:normAutofit fontScale="92500" lnSpcReduction="20000"/>
+          </a:bodyPr>
+          <a:lstStyle>
+            <a:lvl1pPr algn="l" defTabSz="457200" rtl="0" eaLnBrk="1" latinLnBrk="0" hangingPunct="1">
+              <a:spcBef>
+                <a:spcPct val="0"/>
+              </a:spcBef>
+              <a:buNone/>
+              <a:defRPr sz="3600" b="1" kern="1200">
+                <a:solidFill>
+                  <a:schemeClr val="accent2"/>
+                </a:solidFill>
+                <a:latin typeface="Open Sans" panose="020B0606030504020204" pitchFamily="34" charset="0"/>
+                <a:ea typeface="Open Sans" panose="020B0606030504020204" pitchFamily="34" charset="0"/>
+                <a:cs typeface="Open Sans" panose="020B0606030504020204" pitchFamily="34" charset="0"/>
+              </a:defRPr>
+            </a:lvl1pPr>
+            <a:lvl2pPr eaLnBrk="1" hangingPunct="1">
+              <a:defRPr>
+                <a:solidFill>
+                  <a:schemeClr val="tx2"/>
+                </a:solidFill>
+              </a:defRPr>
+            </a:lvl2pPr>
+            <a:lvl3pPr eaLnBrk="1" hangingPunct="1">
+              <a:defRPr>
+                <a:solidFill>
+                  <a:schemeClr val="tx2"/>
+                </a:solidFill>
+              </a:defRPr>
+            </a:lvl3pPr>
+            <a:lvl4pPr eaLnBrk="1" hangingPunct="1">
+              <a:defRPr>
+                <a:solidFill>
+                  <a:schemeClr val="tx2"/>
+                </a:solidFill>
+              </a:defRPr>
+            </a:lvl4pPr>
+            <a:lvl5pPr eaLnBrk="1" hangingPunct="1">
+              <a:defRPr>
+                <a:solidFill>
+                  <a:schemeClr val="tx2"/>
+                </a:solidFill>
+              </a:defRPr>
+            </a:lvl5pPr>
+            <a:lvl6pPr eaLnBrk="1" hangingPunct="1">
+              <a:defRPr>
+                <a:solidFill>
+                  <a:schemeClr val="tx2"/>
+                </a:solidFill>
+              </a:defRPr>
+            </a:lvl6pPr>
+            <a:lvl7pPr eaLnBrk="1" hangingPunct="1">
+              <a:defRPr>
+                <a:solidFill>
+                  <a:schemeClr val="tx2"/>
+                </a:solidFill>
+              </a:defRPr>
+            </a:lvl7pPr>
+            <a:lvl8pPr eaLnBrk="1" hangingPunct="1">
+              <a:defRPr>
+                <a:solidFill>
+                  <a:schemeClr val="tx2"/>
+                </a:solidFill>
+              </a:defRPr>
+            </a:lvl8pPr>
+            <a:lvl9pPr eaLnBrk="1" hangingPunct="1">
+              <a:defRPr>
+                <a:solidFill>
+                  <a:schemeClr val="tx2"/>
+                </a:solidFill>
+              </a:defRPr>
+            </a:lvl9pPr>
+          </a:lstStyle>
+          <a:p>
+            <a:r>
+              <a:rPr lang="ru-RU" sz="4350" dirty="0"/>
+              <a:t>Спасибо </a:t>
+            </a:r>
+          </a:p>
+          <a:p>
+            <a:r>
+              <a:rPr lang="ru-RU" sz="2700" dirty="0"/>
+              <a:t>за внимание!</a:t>
+            </a:r>
+          </a:p>
+        </p:txBody>
+      </p:sp>
+      <p:sp>
+        <p:nvSpPr>
+          <p:cNvPr id="10" name="Заголовок 1">
+            <a:extLst>
+              <a:ext uri="{FF2B5EF4-FFF2-40B4-BE49-F238E27FC236}">
+                <a16:creationId xmlns:a16="http://schemas.microsoft.com/office/drawing/2014/main" id="{94F517F1-B040-4C23-A1FC-87F348A889F9}"/>
+              </a:ext>
+            </a:extLst>
+          </p:cNvPr>
+          <p:cNvSpPr txBox="1">
+            <a:spLocks/>
+          </p:cNvSpPr>
+          <p:nvPr/>
+        </p:nvSpPr>
+        <p:spPr>
+          <a:xfrm>
+            <a:off x="950096" y="2907074"/>
+            <a:ext cx="2738120" cy="568158"/>
+          </a:xfrm>
+          <a:prstGeom prst="rect">
+            <a:avLst/>
+          </a:prstGeom>
+        </p:spPr>
+        <p:txBody>
+          <a:bodyPr vert="horz" lIns="68580" tIns="34290" rIns="68580" bIns="34290" rtlCol="0" anchor="t">
+            <a:normAutofit/>
+          </a:bodyPr>
+          <a:lstStyle>
+            <a:lvl1pPr algn="l" defTabSz="457200" rtl="0" eaLnBrk="1" latinLnBrk="0" hangingPunct="1">
+              <a:spcBef>
+                <a:spcPct val="0"/>
+              </a:spcBef>
+              <a:buNone/>
+              <a:defRPr sz="3600" b="1" kern="1200">
+                <a:solidFill>
+                  <a:schemeClr val="accent2"/>
+                </a:solidFill>
+                <a:latin typeface="Open Sans" panose="020B0606030504020204" pitchFamily="34" charset="0"/>
+                <a:ea typeface="Open Sans" panose="020B0606030504020204" pitchFamily="34" charset="0"/>
+                <a:cs typeface="Open Sans" panose="020B0606030504020204" pitchFamily="34" charset="0"/>
+              </a:defRPr>
+            </a:lvl1pPr>
+            <a:lvl2pPr eaLnBrk="1" hangingPunct="1">
+              <a:defRPr>
+                <a:solidFill>
+                  <a:schemeClr val="tx2"/>
+                </a:solidFill>
+              </a:defRPr>
+            </a:lvl2pPr>
+            <a:lvl3pPr eaLnBrk="1" hangingPunct="1">
+              <a:defRPr>
+                <a:solidFill>
+                  <a:schemeClr val="tx2"/>
+                </a:solidFill>
+              </a:defRPr>
+            </a:lvl3pPr>
+            <a:lvl4pPr eaLnBrk="1" hangingPunct="1">
+              <a:defRPr>
+                <a:solidFill>
+                  <a:schemeClr val="tx2"/>
+                </a:solidFill>
+              </a:defRPr>
+            </a:lvl4pPr>
+            <a:lvl5pPr eaLnBrk="1" hangingPunct="1">
+              <a:defRPr>
+                <a:solidFill>
+                  <a:schemeClr val="tx2"/>
+                </a:solidFill>
+              </a:defRPr>
+            </a:lvl5pPr>
+            <a:lvl6pPr eaLnBrk="1" hangingPunct="1">
+              <a:defRPr>
+                <a:solidFill>
+                  <a:schemeClr val="tx2"/>
+                </a:solidFill>
+              </a:defRPr>
+            </a:lvl6pPr>
+            <a:lvl7pPr eaLnBrk="1" hangingPunct="1">
+              <a:defRPr>
+                <a:solidFill>
+                  <a:schemeClr val="tx2"/>
+                </a:solidFill>
+              </a:defRPr>
+            </a:lvl7pPr>
+            <a:lvl8pPr eaLnBrk="1" hangingPunct="1">
+              <a:defRPr>
+                <a:solidFill>
+                  <a:schemeClr val="tx2"/>
+                </a:solidFill>
+              </a:defRPr>
+            </a:lvl8pPr>
+            <a:lvl9pPr eaLnBrk="1" hangingPunct="1">
+              <a:defRPr>
+                <a:solidFill>
+                  <a:schemeClr val="tx2"/>
+                </a:solidFill>
+              </a:defRPr>
+            </a:lvl9pPr>
+          </a:lstStyle>
+          <a:p>
+            <a:r>
+              <a:rPr lang="ru-RU" sz="2400" b="0" dirty="0"/>
+              <a:t>Ваши вопросы…</a:t>
+            </a:r>
+          </a:p>
+        </p:txBody>
+      </p:sp>
+      <p:pic>
+        <p:nvPicPr>
+          <p:cNvPr id="3" name="Рисунок 2">
+            <a:extLst>
+              <a:ext uri="{FF2B5EF4-FFF2-40B4-BE49-F238E27FC236}">
+                <a16:creationId xmlns:a16="http://schemas.microsoft.com/office/drawing/2014/main" id="{C81D53B5-DE19-479B-83BD-E3D8F3DB288E}"/>
+              </a:ext>
+            </a:extLst>
+          </p:cNvPr>
+          <p:cNvPicPr>
+            <a:picLocks noChangeAspect="1"/>
+          </p:cNvPicPr>
+          <p:nvPr/>
+        </p:nvPicPr>
+        <p:blipFill>
+          <a:blip r:embed="rId2">
+            <a:extLst>
+              <a:ext uri="{96DAC541-7B7A-43D3-8B79-37D633B846F1}">
+                <asvg:svgBlip xmlns:asvg="http://schemas.microsoft.com/office/drawing/2016/SVG/main" r:embed="rId3"/>
+              </a:ext>
+            </a:extLst>
+          </a:blip>
+          <a:stretch>
+            <a:fillRect/>
+          </a:stretch>
+        </p:blipFill>
+        <p:spPr>
+          <a:xfrm>
+            <a:off x="3315140" y="259241"/>
+            <a:ext cx="4803326" cy="4803326"/>
+          </a:xfrm>
+          <a:prstGeom prst="rect">
+            <a:avLst/>
+          </a:prstGeom>
+        </p:spPr>
+      </p:pic>
     </p:spTree>
     <p:extLst>
       <p:ext uri="{BB962C8B-B14F-4D97-AF65-F5344CB8AC3E}">
-        <p14:creationId xmlns:p14="http://schemas.microsoft.com/office/powerpoint/2010/main" val="1970770602"/>
+        <p14:creationId xmlns:p14="http://schemas.microsoft.com/office/powerpoint/2010/main" val="1405911375"/>
       </p:ext>
     </p:extLst>
   </p:cSld>
@@ -10364,6 +10332,458 @@
 </file>
 
 <file path=ppt/slides/slide3.xml><?xml version="1.0" encoding="utf-8"?>
+<p:sld xmlns:a="http://schemas.openxmlformats.org/drawingml/2006/main" xmlns:r="http://schemas.openxmlformats.org/officeDocument/2006/relationships" xmlns:p="http://schemas.openxmlformats.org/presentationml/2006/main">
+  <p:cSld>
+    <p:spTree>
+      <p:nvGrpSpPr>
+        <p:cNvPr id="1" name=""/>
+        <p:cNvGrpSpPr/>
+        <p:nvPr/>
+      </p:nvGrpSpPr>
+      <p:grpSpPr>
+        <a:xfrm>
+          <a:off x="0" y="0"/>
+          <a:ext cx="0" cy="0"/>
+          <a:chOff x="0" y="0"/>
+          <a:chExt cx="0" cy="0"/>
+        </a:xfrm>
+      </p:grpSpPr>
+      <p:sp>
+        <p:nvSpPr>
+          <p:cNvPr id="2" name="Заголовок 1"/>
+          <p:cNvSpPr>
+            <a:spLocks noGrp="1"/>
+          </p:cNvSpPr>
+          <p:nvPr>
+            <p:ph type="title"/>
+          </p:nvPr>
+        </p:nvSpPr>
+        <p:spPr/>
+        <p:txBody>
+          <a:bodyPr>
+            <a:normAutofit fontScale="90000"/>
+          </a:bodyPr>
+          <a:lstStyle/>
+          <a:p>
+            <a:r>
+              <a:rPr lang="ru-RU" dirty="0">
+                <a:latin typeface="Segoe UI Light" panose="020B0502040204020203" pitchFamily="34" charset="0"/>
+                <a:cs typeface="Segoe UI Light" panose="020B0502040204020203" pitchFamily="34" charset="0"/>
+              </a:rPr>
+              <a:t>Организационные </a:t>
+            </a:r>
+            <a:br>
+              <a:rPr lang="en-US" dirty="0">
+                <a:latin typeface="Segoe UI Light" panose="020B0502040204020203" pitchFamily="34" charset="0"/>
+                <a:cs typeface="Segoe UI Light" panose="020B0502040204020203" pitchFamily="34" charset="0"/>
+              </a:rPr>
+            </a:br>
+            <a:r>
+              <a:rPr lang="ru-RU" dirty="0">
+                <a:latin typeface="Segoe UI Light" panose="020B0502040204020203" pitchFamily="34" charset="0"/>
+                <a:cs typeface="Segoe UI Light" panose="020B0502040204020203" pitchFamily="34" charset="0"/>
+              </a:rPr>
+              <a:t>моменты</a:t>
+            </a:r>
+          </a:p>
+        </p:txBody>
+      </p:sp>
+      <p:sp>
+        <p:nvSpPr>
+          <p:cNvPr id="3" name="Объект 2"/>
+          <p:cNvSpPr>
+            <a:spLocks noGrp="1"/>
+          </p:cNvSpPr>
+          <p:nvPr>
+            <p:ph type="subTitle"/>
+          </p:nvPr>
+        </p:nvSpPr>
+        <p:spPr>
+          <a:xfrm>
+            <a:off x="628560" y="1400830"/>
+            <a:ext cx="7886520" cy="3263040"/>
+          </a:xfrm>
+        </p:spPr>
+        <p:txBody>
+          <a:bodyPr numCol="2">
+            <a:noAutofit/>
+          </a:bodyPr>
+          <a:lstStyle/>
+          <a:p>
+            <a:pPr marL="0" indent="0">
+              <a:buNone/>
+            </a:pPr>
+            <a:r>
+              <a:rPr lang="ru-RU" sz="2000" i="1" u="sng" dirty="0">
+                <a:latin typeface="Segoe UI Light" panose="020B0502040204020203" pitchFamily="34" charset="0"/>
+                <a:cs typeface="Segoe UI Light" panose="020B0502040204020203" pitchFamily="34" charset="0"/>
+              </a:rPr>
+              <a:t>Правила совместной работы:</a:t>
+            </a:r>
+            <a:endParaRPr lang="ru-RU" sz="2000" dirty="0">
+              <a:solidFill>
+                <a:srgbClr val="0070C0"/>
+              </a:solidFill>
+              <a:latin typeface="Segoe UI Light" panose="020B0502040204020203" pitchFamily="34" charset="0"/>
+              <a:cs typeface="Segoe UI Light" panose="020B0502040204020203" pitchFamily="34" charset="0"/>
+            </a:endParaRPr>
+          </a:p>
+          <a:p>
+            <a:pPr marL="0" indent="0">
+              <a:buNone/>
+            </a:pPr>
+            <a:r>
+              <a:rPr lang="ru-RU" sz="2000" dirty="0">
+                <a:solidFill>
+                  <a:srgbClr val="86AA00"/>
+                </a:solidFill>
+                <a:latin typeface="Segoe UI Light" panose="020B0502040204020203" pitchFamily="34" charset="0"/>
+                <a:cs typeface="Segoe UI Light" panose="020B0502040204020203" pitchFamily="34" charset="0"/>
+              </a:rPr>
+              <a:t> </a:t>
+            </a:r>
+            <a:r>
+              <a:rPr lang="ru-RU" sz="2000" dirty="0">
+                <a:solidFill>
+                  <a:srgbClr val="2D2D2A"/>
+                </a:solidFill>
+                <a:latin typeface="Segoe UI Light" panose="020B0502040204020203" pitchFamily="34" charset="0"/>
+                <a:cs typeface="Segoe UI Light" panose="020B0502040204020203" pitchFamily="34" charset="0"/>
+              </a:rPr>
+              <a:t>Вопросы преподавателю</a:t>
+            </a:r>
+            <a:br>
+              <a:rPr lang="ru-RU" sz="2000" dirty="0">
+                <a:solidFill>
+                  <a:srgbClr val="2D2D2A"/>
+                </a:solidFill>
+                <a:latin typeface="Segoe UI Light" panose="020B0502040204020203" pitchFamily="34" charset="0"/>
+                <a:cs typeface="Segoe UI Light" panose="020B0502040204020203" pitchFamily="34" charset="0"/>
+              </a:rPr>
+            </a:br>
+            <a:r>
+              <a:rPr lang="ru-RU" sz="2000" dirty="0">
+                <a:solidFill>
+                  <a:srgbClr val="86AA00"/>
+                </a:solidFill>
+                <a:latin typeface="Segoe UI Light" panose="020B0502040204020203" pitchFamily="34" charset="0"/>
+                <a:cs typeface="Segoe UI Light" panose="020B0502040204020203" pitchFamily="34" charset="0"/>
+              </a:rPr>
+              <a:t> </a:t>
+            </a:r>
+            <a:r>
+              <a:rPr lang="ru-RU" sz="2000" dirty="0">
+                <a:solidFill>
+                  <a:srgbClr val="2D2D2A"/>
+                </a:solidFill>
+                <a:latin typeface="Segoe UI Light" panose="020B0502040204020203" pitchFamily="34" charset="0"/>
+                <a:cs typeface="Segoe UI Light" panose="020B0502040204020203" pitchFamily="34" charset="0"/>
+              </a:rPr>
+              <a:t>Правило поднятой руки</a:t>
+            </a:r>
+            <a:br>
+              <a:rPr lang="ru-RU" sz="2000" dirty="0">
+                <a:solidFill>
+                  <a:srgbClr val="2D2D2A"/>
+                </a:solidFill>
+                <a:latin typeface="Segoe UI Light" panose="020B0502040204020203" pitchFamily="34" charset="0"/>
+                <a:cs typeface="Segoe UI Light" panose="020B0502040204020203" pitchFamily="34" charset="0"/>
+              </a:rPr>
+            </a:br>
+            <a:r>
+              <a:rPr lang="ru-RU" sz="2000" dirty="0">
+                <a:solidFill>
+                  <a:srgbClr val="86AA00"/>
+                </a:solidFill>
+                <a:latin typeface="Segoe UI Light" panose="020B0502040204020203" pitchFamily="34" charset="0"/>
+                <a:cs typeface="Segoe UI Light" panose="020B0502040204020203" pitchFamily="34" charset="0"/>
+              </a:rPr>
+              <a:t> </a:t>
+            </a:r>
+            <a:r>
+              <a:rPr lang="ru-RU" sz="2000" dirty="0">
+                <a:solidFill>
+                  <a:srgbClr val="2D2D2A"/>
+                </a:solidFill>
+                <a:latin typeface="Segoe UI Light" panose="020B0502040204020203" pitchFamily="34" charset="0"/>
+                <a:cs typeface="Segoe UI Light" panose="020B0502040204020203" pitchFamily="34" charset="0"/>
+              </a:rPr>
+              <a:t>Уважение к мнению других участников</a:t>
+            </a:r>
+            <a:br>
+              <a:rPr lang="ru-RU" sz="2000" dirty="0">
+                <a:solidFill>
+                  <a:srgbClr val="2D2D2A"/>
+                </a:solidFill>
+                <a:latin typeface="Segoe UI Light" panose="020B0502040204020203" pitchFamily="34" charset="0"/>
+                <a:cs typeface="Segoe UI Light" panose="020B0502040204020203" pitchFamily="34" charset="0"/>
+              </a:rPr>
+            </a:br>
+            <a:endParaRPr lang="ru-RU" sz="2000" dirty="0">
+              <a:solidFill>
+                <a:srgbClr val="2D2D2A"/>
+              </a:solidFill>
+              <a:latin typeface="Segoe UI Light" panose="020B0502040204020203" pitchFamily="34" charset="0"/>
+              <a:cs typeface="Segoe UI Light" panose="020B0502040204020203" pitchFamily="34" charset="0"/>
+            </a:endParaRPr>
+          </a:p>
+          <a:p>
+            <a:pPr marL="0" indent="0">
+              <a:buNone/>
+            </a:pPr>
+            <a:r>
+              <a:rPr lang="ru-RU" sz="1400" i="1" u="sng" dirty="0">
+                <a:latin typeface="Segoe UI Light" panose="020B0502040204020203" pitchFamily="34" charset="0"/>
+                <a:cs typeface="Segoe UI Light" panose="020B0502040204020203" pitchFamily="34" charset="0"/>
+              </a:rPr>
+              <a:t>Давайте знакомиться</a:t>
+            </a:r>
+          </a:p>
+          <a:p>
+            <a:pPr>
+              <a:buFont typeface="Wingdings" panose="05000000000000000000" pitchFamily="2" charset="2"/>
+              <a:buChar char="q"/>
+            </a:pPr>
+            <a:r>
+              <a:rPr lang="ru-RU" sz="2000" dirty="0">
+                <a:solidFill>
+                  <a:srgbClr val="2D2D2A"/>
+                </a:solidFill>
+                <a:latin typeface="Segoe UI Light" panose="020B0502040204020203" pitchFamily="34" charset="0"/>
+                <a:cs typeface="Segoe UI Light" panose="020B0502040204020203" pitchFamily="34" charset="0"/>
+              </a:rPr>
+              <a:t> Имя</a:t>
+            </a:r>
+          </a:p>
+          <a:p>
+            <a:pPr>
+              <a:buFont typeface="Wingdings" panose="05000000000000000000" pitchFamily="2" charset="2"/>
+              <a:buChar char="q"/>
+            </a:pPr>
+            <a:r>
+              <a:rPr lang="ru-RU" sz="2000" dirty="0">
+                <a:solidFill>
+                  <a:srgbClr val="2D2D2A"/>
+                </a:solidFill>
+                <a:latin typeface="Segoe UI Light" panose="020B0502040204020203" pitchFamily="34" charset="0"/>
+                <a:cs typeface="Segoe UI Light" panose="020B0502040204020203" pitchFamily="34" charset="0"/>
+              </a:rPr>
+              <a:t> Компания</a:t>
+            </a:r>
+          </a:p>
+          <a:p>
+            <a:pPr>
+              <a:buFont typeface="Wingdings" panose="05000000000000000000" pitchFamily="2" charset="2"/>
+              <a:buChar char="q"/>
+            </a:pPr>
+            <a:r>
+              <a:rPr lang="ru-RU" sz="2000" dirty="0">
+                <a:solidFill>
+                  <a:srgbClr val="2D2D2A"/>
+                </a:solidFill>
+                <a:latin typeface="Segoe UI Light" panose="020B0502040204020203" pitchFamily="34" charset="0"/>
+                <a:cs typeface="Segoe UI Light" panose="020B0502040204020203" pitchFamily="34" charset="0"/>
+              </a:rPr>
+              <a:t> Должность, роль</a:t>
+            </a:r>
+          </a:p>
+          <a:p>
+            <a:pPr>
+              <a:buFont typeface="Wingdings" panose="05000000000000000000" pitchFamily="2" charset="2"/>
+              <a:buChar char="q"/>
+            </a:pPr>
+            <a:r>
+              <a:rPr lang="ru-RU" sz="2000" dirty="0">
+                <a:solidFill>
+                  <a:srgbClr val="2D2D2A"/>
+                </a:solidFill>
+                <a:latin typeface="Segoe UI Light" panose="020B0502040204020203" pitchFamily="34" charset="0"/>
+                <a:cs typeface="Segoe UI Light" panose="020B0502040204020203" pitchFamily="34" charset="0"/>
+              </a:rPr>
+              <a:t> Ожидания от курса</a:t>
+            </a:r>
+            <a:br>
+              <a:rPr lang="ru-RU" sz="2000" dirty="0">
+                <a:solidFill>
+                  <a:srgbClr val="2D2D2A"/>
+                </a:solidFill>
+                <a:latin typeface="Segoe UI Light" panose="020B0502040204020203" pitchFamily="34" charset="0"/>
+                <a:cs typeface="Segoe UI Light" panose="020B0502040204020203" pitchFamily="34" charset="0"/>
+              </a:rPr>
+            </a:br>
+            <a:endParaRPr lang="ru-RU" sz="2000" dirty="0">
+              <a:solidFill>
+                <a:srgbClr val="2D2D2A"/>
+              </a:solidFill>
+              <a:latin typeface="Segoe UI Light" panose="020B0502040204020203" pitchFamily="34" charset="0"/>
+              <a:cs typeface="Segoe UI Light" panose="020B0502040204020203" pitchFamily="34" charset="0"/>
+            </a:endParaRPr>
+          </a:p>
+          <a:p>
+            <a:pPr marL="0" indent="0">
+              <a:buNone/>
+            </a:pPr>
+            <a:endParaRPr lang="ru-RU" sz="2000" dirty="0">
+              <a:solidFill>
+                <a:srgbClr val="2D2D2A"/>
+              </a:solidFill>
+              <a:latin typeface="Segoe UI Light" panose="020B0502040204020203" pitchFamily="34" charset="0"/>
+              <a:cs typeface="Segoe UI Light" panose="020B0502040204020203" pitchFamily="34" charset="0"/>
+            </a:endParaRPr>
+          </a:p>
+          <a:p>
+            <a:pPr marL="0" indent="0">
+              <a:buNone/>
+            </a:pPr>
+            <a:endParaRPr lang="ru-RU" sz="2000" dirty="0">
+              <a:solidFill>
+                <a:srgbClr val="2D2D2A"/>
+              </a:solidFill>
+              <a:latin typeface="Segoe UI Light" panose="020B0502040204020203" pitchFamily="34" charset="0"/>
+              <a:cs typeface="Segoe UI Light" panose="020B0502040204020203" pitchFamily="34" charset="0"/>
+            </a:endParaRPr>
+          </a:p>
+          <a:p>
+            <a:pPr marL="0" indent="0">
+              <a:buNone/>
+            </a:pPr>
+            <a:endParaRPr lang="ru-RU" sz="2000" dirty="0">
+              <a:solidFill>
+                <a:srgbClr val="2D2D2A"/>
+              </a:solidFill>
+              <a:latin typeface="Segoe UI Light" panose="020B0502040204020203" pitchFamily="34" charset="0"/>
+              <a:cs typeface="Segoe UI Light" panose="020B0502040204020203" pitchFamily="34" charset="0"/>
+            </a:endParaRPr>
+          </a:p>
+          <a:p>
+            <a:pPr marL="0" indent="0">
+              <a:buNone/>
+            </a:pPr>
+            <a:endParaRPr lang="ru-RU" sz="2000" dirty="0">
+              <a:solidFill>
+                <a:srgbClr val="2D2D2A"/>
+              </a:solidFill>
+              <a:latin typeface="Segoe UI Light" panose="020B0502040204020203" pitchFamily="34" charset="0"/>
+              <a:cs typeface="Segoe UI Light" panose="020B0502040204020203" pitchFamily="34" charset="0"/>
+            </a:endParaRPr>
+          </a:p>
+          <a:p>
+            <a:pPr marL="136922" indent="0">
+              <a:buNone/>
+            </a:pPr>
+            <a:endParaRPr lang="ru-RU" sz="2000" dirty="0">
+              <a:solidFill>
+                <a:srgbClr val="FF0000"/>
+              </a:solidFill>
+              <a:latin typeface="Segoe UI Light" panose="020B0502040204020203" pitchFamily="34" charset="0"/>
+              <a:cs typeface="Segoe UI Light" panose="020B0502040204020203" pitchFamily="34" charset="0"/>
+            </a:endParaRPr>
+          </a:p>
+          <a:p>
+            <a:pPr marL="136922" indent="0">
+              <a:buNone/>
+            </a:pPr>
+            <a:r>
+              <a:rPr lang="ru-RU" sz="2000" dirty="0">
+                <a:solidFill>
+                  <a:srgbClr val="FF0000"/>
+                </a:solidFill>
+                <a:latin typeface="Segoe UI Light" panose="020B0502040204020203" pitchFamily="34" charset="0"/>
+                <a:cs typeface="Segoe UI Light" panose="020B0502040204020203" pitchFamily="34" charset="0"/>
+              </a:rPr>
+              <a:t> </a:t>
+            </a:r>
+            <a:r>
+              <a:rPr lang="ru-RU" sz="2000" dirty="0">
+                <a:latin typeface="Segoe UI Light" panose="020B0502040204020203" pitchFamily="34" charset="0"/>
+                <a:cs typeface="Segoe UI Light" panose="020B0502040204020203" pitchFamily="34" charset="0"/>
+              </a:rPr>
+              <a:t>Мобильные телефоны</a:t>
+            </a:r>
+            <a:br>
+              <a:rPr lang="ru-RU" sz="2000" dirty="0">
+                <a:solidFill>
+                  <a:srgbClr val="2D2D2A"/>
+                </a:solidFill>
+                <a:latin typeface="Segoe UI Light" panose="020B0502040204020203" pitchFamily="34" charset="0"/>
+                <a:cs typeface="Segoe UI Light" panose="020B0502040204020203" pitchFamily="34" charset="0"/>
+              </a:rPr>
+            </a:br>
+            <a:r>
+              <a:rPr lang="ru-RU" sz="2000" dirty="0">
+                <a:solidFill>
+                  <a:srgbClr val="FF0000"/>
+                </a:solidFill>
+                <a:latin typeface="Segoe UI Light" panose="020B0502040204020203" pitchFamily="34" charset="0"/>
+                <a:cs typeface="Segoe UI Light" panose="020B0502040204020203" pitchFamily="34" charset="0"/>
+              </a:rPr>
+              <a:t> </a:t>
+            </a:r>
+            <a:r>
+              <a:rPr lang="ru-RU" sz="2000" dirty="0">
+                <a:solidFill>
+                  <a:srgbClr val="2D2D2A"/>
+                </a:solidFill>
+                <a:latin typeface="Segoe UI Light" panose="020B0502040204020203" pitchFamily="34" charset="0"/>
+                <a:cs typeface="Segoe UI Light" panose="020B0502040204020203" pitchFamily="34" charset="0"/>
+              </a:rPr>
+              <a:t>Опоздания</a:t>
+            </a:r>
+            <a:br>
+              <a:rPr lang="ru-RU" sz="2000" dirty="0">
+                <a:solidFill>
+                  <a:srgbClr val="2D2D2A"/>
+                </a:solidFill>
+                <a:latin typeface="Segoe UI Light" panose="020B0502040204020203" pitchFamily="34" charset="0"/>
+                <a:cs typeface="Segoe UI Light" panose="020B0502040204020203" pitchFamily="34" charset="0"/>
+              </a:rPr>
+            </a:br>
+            <a:r>
+              <a:rPr lang="ru-RU" sz="2000" dirty="0">
+                <a:solidFill>
+                  <a:srgbClr val="FF0000"/>
+                </a:solidFill>
+                <a:latin typeface="Segoe UI Light" panose="020B0502040204020203" pitchFamily="34" charset="0"/>
+                <a:cs typeface="Segoe UI Light" panose="020B0502040204020203" pitchFamily="34" charset="0"/>
+              </a:rPr>
+              <a:t> </a:t>
+            </a:r>
+            <a:r>
+              <a:rPr lang="ru-RU" sz="2000" dirty="0">
+                <a:solidFill>
+                  <a:srgbClr val="2D2D2A"/>
+                </a:solidFill>
+                <a:latin typeface="Segoe UI Light" panose="020B0502040204020203" pitchFamily="34" charset="0"/>
+                <a:cs typeface="Segoe UI Light" panose="020B0502040204020203" pitchFamily="34" charset="0"/>
+              </a:rPr>
+              <a:t>Приватные обсуждения</a:t>
+            </a:r>
+          </a:p>
+          <a:p>
+            <a:pPr marL="136922" indent="0">
+              <a:buNone/>
+            </a:pPr>
+            <a:endParaRPr lang="ru-RU" sz="2000" dirty="0">
+              <a:latin typeface="Segoe UI Light" panose="020B0502040204020203" pitchFamily="34" charset="0"/>
+              <a:cs typeface="Segoe UI Light" panose="020B0502040204020203" pitchFamily="34" charset="0"/>
+            </a:endParaRPr>
+          </a:p>
+        </p:txBody>
+      </p:sp>
+    </p:spTree>
+    <p:extLst>
+      <p:ext uri="{BB962C8B-B14F-4D97-AF65-F5344CB8AC3E}">
+        <p14:creationId xmlns:p14="http://schemas.microsoft.com/office/powerpoint/2010/main" val="1761173560"/>
+      </p:ext>
+    </p:extLst>
+  </p:cSld>
+  <p:clrMapOvr>
+    <a:masterClrMapping/>
+  </p:clrMapOvr>
+</p:sld>
+</file>
+
+<file path=ppt/slides/slide4.xml><?xml version="1.0" encoding="utf-8"?>
 <p:sld xmlns:a="http://schemas.openxmlformats.org/drawingml/2006/main" xmlns:r="http://schemas.openxmlformats.org/officeDocument/2006/relationships" xmlns:p="http://schemas.openxmlformats.org/presentationml/2006/main" show="0">
   <p:cSld>
     <p:spTree>
@@ -10541,7 +10961,7 @@
 </p:sld>
 </file>
 
-<file path=ppt/slides/slide4.xml><?xml version="1.0" encoding="utf-8"?>
+<file path=ppt/slides/slide5.xml><?xml version="1.0" encoding="utf-8"?>
 <p:sld xmlns:a="http://schemas.openxmlformats.org/drawingml/2006/main" xmlns:r="http://schemas.openxmlformats.org/officeDocument/2006/relationships" xmlns:p="http://schemas.openxmlformats.org/presentationml/2006/main" show="0">
   <p:cSld>
     <p:spTree>
@@ -10639,7 +11059,7 @@
 </p:sld>
 </file>
 
-<file path=ppt/slides/slide5.xml><?xml version="1.0" encoding="utf-8"?>
+<file path=ppt/slides/slide6.xml><?xml version="1.0" encoding="utf-8"?>
 <p:sld xmlns:a="http://schemas.openxmlformats.org/drawingml/2006/main" xmlns:r="http://schemas.openxmlformats.org/officeDocument/2006/relationships" xmlns:p="http://schemas.openxmlformats.org/presentationml/2006/main">
   <p:cSld>
     <p:spTree>
@@ -10838,7 +11258,7 @@
 </p:sld>
 </file>
 
-<file path=ppt/slides/slide6.xml><?xml version="1.0" encoding="utf-8"?>
+<file path=ppt/slides/slide7.xml><?xml version="1.0" encoding="utf-8"?>
 <p:sld xmlns:a="http://schemas.openxmlformats.org/drawingml/2006/main" xmlns:r="http://schemas.openxmlformats.org/officeDocument/2006/relationships" xmlns:p="http://schemas.openxmlformats.org/presentationml/2006/main" show="0">
   <p:cSld>
     <p:spTree>
@@ -11079,72 +11499,6 @@
     <p:extLst>
       <p:ext uri="{BB962C8B-B14F-4D97-AF65-F5344CB8AC3E}">
         <p14:creationId xmlns:p14="http://schemas.microsoft.com/office/powerpoint/2010/main" val="4261881514"/>
-      </p:ext>
-    </p:extLst>
-  </p:cSld>
-  <p:clrMapOvr>
-    <a:masterClrMapping/>
-  </p:clrMapOvr>
-</p:sld>
-</file>
-
-<file path=ppt/slides/slide7.xml><?xml version="1.0" encoding="utf-8"?>
-<p:sld xmlns:a="http://schemas.openxmlformats.org/drawingml/2006/main" xmlns:r="http://schemas.openxmlformats.org/officeDocument/2006/relationships" xmlns:p="http://schemas.openxmlformats.org/presentationml/2006/main">
-  <p:cSld>
-    <p:spTree>
-      <p:nvGrpSpPr>
-        <p:cNvPr id="1" name=""/>
-        <p:cNvGrpSpPr/>
-        <p:nvPr/>
-      </p:nvGrpSpPr>
-      <p:grpSpPr>
-        <a:xfrm>
-          <a:off x="0" y="0"/>
-          <a:ext cx="0" cy="0"/>
-          <a:chOff x="0" y="0"/>
-          <a:chExt cx="0" cy="0"/>
-        </a:xfrm>
-      </p:grpSpPr>
-      <p:sp>
-        <p:nvSpPr>
-          <p:cNvPr id="2" name="Заголовок 1">
-            <a:extLst>
-              <a:ext uri="{FF2B5EF4-FFF2-40B4-BE49-F238E27FC236}">
-                <a16:creationId xmlns:a16="http://schemas.microsoft.com/office/drawing/2014/main" id="{5D01570B-C6CA-45CC-A11F-81156A700023}"/>
-              </a:ext>
-            </a:extLst>
-          </p:cNvPr>
-          <p:cNvSpPr>
-            <a:spLocks noGrp="1"/>
-          </p:cNvSpPr>
-          <p:nvPr>
-            <p:ph type="title"/>
-          </p:nvPr>
-        </p:nvSpPr>
-        <p:spPr>
-          <a:xfrm>
-            <a:off x="423746" y="2275759"/>
-            <a:ext cx="8296508" cy="425624"/>
-          </a:xfrm>
-        </p:spPr>
-        <p:txBody>
-          <a:bodyPr>
-            <a:noAutofit/>
-          </a:bodyPr>
-          <a:lstStyle/>
-          <a:p>
-            <a:r>
-              <a:rPr lang="en-US" sz="3750" dirty="0"/>
-              <a:t>https://github.com/nesrv/python-2</a:t>
-            </a:r>
-            <a:endParaRPr lang="ru-RU" sz="3750" dirty="0"/>
-          </a:p>
-        </p:txBody>
-      </p:sp>
-    </p:spTree>
-    <p:extLst>
-      <p:ext uri="{BB962C8B-B14F-4D97-AF65-F5344CB8AC3E}">
-        <p14:creationId xmlns:p14="http://schemas.microsoft.com/office/powerpoint/2010/main" val="859185646"/>
       </p:ext>
     </p:extLst>
   </p:cSld>
@@ -11173,7 +11527,13 @@
       </p:grpSpPr>
       <p:sp>
         <p:nvSpPr>
-          <p:cNvPr id="2" name="Заголовок 1"/>
+          <p:cNvPr id="2" name="Заголовок 1">
+            <a:extLst>
+              <a:ext uri="{FF2B5EF4-FFF2-40B4-BE49-F238E27FC236}">
+                <a16:creationId xmlns:a16="http://schemas.microsoft.com/office/drawing/2014/main" id="{5D01570B-C6CA-45CC-A11F-81156A700023}"/>
+              </a:ext>
+            </a:extLst>
+          </p:cNvPr>
           <p:cNvSpPr>
             <a:spLocks noGrp="1"/>
           </p:cNvSpPr>
@@ -11181,422 +11541,30 @@
             <p:ph type="title"/>
           </p:nvPr>
         </p:nvSpPr>
-        <p:spPr/>
+        <p:spPr>
+          <a:xfrm>
+            <a:off x="423746" y="2275759"/>
+            <a:ext cx="8296508" cy="425624"/>
+          </a:xfrm>
+        </p:spPr>
         <p:txBody>
           <a:bodyPr>
-            <a:normAutofit fontScale="90000"/>
-          </a:bodyPr>
-          <a:lstStyle/>
-          <a:p>
-            <a:r>
-              <a:rPr lang="ru-RU" dirty="0">
-                <a:latin typeface="Segoe UI Light" panose="020B0502040204020203" pitchFamily="34" charset="0"/>
-                <a:cs typeface="Segoe UI Light" panose="020B0502040204020203" pitchFamily="34" charset="0"/>
-              </a:rPr>
-              <a:t>Организационные </a:t>
-            </a:r>
-            <a:br>
-              <a:rPr lang="en-US" dirty="0">
-                <a:latin typeface="Segoe UI Light" panose="020B0502040204020203" pitchFamily="34" charset="0"/>
-                <a:cs typeface="Segoe UI Light" panose="020B0502040204020203" pitchFamily="34" charset="0"/>
-              </a:rPr>
-            </a:br>
-            <a:r>
-              <a:rPr lang="ru-RU" dirty="0">
-                <a:latin typeface="Segoe UI Light" panose="020B0502040204020203" pitchFamily="34" charset="0"/>
-                <a:cs typeface="Segoe UI Light" panose="020B0502040204020203" pitchFamily="34" charset="0"/>
-              </a:rPr>
-              <a:t>моменты</a:t>
-            </a:r>
-          </a:p>
-        </p:txBody>
-      </p:sp>
-      <p:sp>
-        <p:nvSpPr>
-          <p:cNvPr id="3" name="Объект 2"/>
-          <p:cNvSpPr>
-            <a:spLocks noGrp="1"/>
-          </p:cNvSpPr>
-          <p:nvPr>
-            <p:ph type="subTitle"/>
-          </p:nvPr>
-        </p:nvSpPr>
-        <p:spPr>
-          <a:xfrm>
-            <a:off x="628560" y="1400830"/>
-            <a:ext cx="7886520" cy="3263040"/>
-          </a:xfrm>
-        </p:spPr>
-        <p:txBody>
-          <a:bodyPr numCol="2">
             <a:noAutofit/>
           </a:bodyPr>
           <a:lstStyle/>
           <a:p>
-            <a:pPr marL="0" indent="0">
-              <a:buNone/>
-            </a:pPr>
-            <a:r>
-              <a:rPr lang="ru-RU" sz="2000" i="1" u="sng" dirty="0">
-                <a:latin typeface="Segoe UI Light" panose="020B0502040204020203" pitchFamily="34" charset="0"/>
-                <a:cs typeface="Segoe UI Light" panose="020B0502040204020203" pitchFamily="34" charset="0"/>
-              </a:rPr>
-              <a:t>Правила совместной работы:</a:t>
-            </a:r>
-            <a:endParaRPr lang="ru-RU" sz="2000" dirty="0">
-              <a:solidFill>
-                <a:srgbClr val="0070C0"/>
-              </a:solidFill>
-              <a:latin typeface="Segoe UI Light" panose="020B0502040204020203" pitchFamily="34" charset="0"/>
-              <a:cs typeface="Segoe UI Light" panose="020B0502040204020203" pitchFamily="34" charset="0"/>
-            </a:endParaRPr>
-          </a:p>
-          <a:p>
-            <a:pPr marL="0" indent="0">
-              <a:buNone/>
-            </a:pPr>
-            <a:r>
-              <a:rPr lang="ru-RU" sz="2000" dirty="0">
-                <a:solidFill>
-                  <a:srgbClr val="86AA00"/>
-                </a:solidFill>
-                <a:latin typeface="Segoe UI Light" panose="020B0502040204020203" pitchFamily="34" charset="0"/>
-                <a:cs typeface="Segoe UI Light" panose="020B0502040204020203" pitchFamily="34" charset="0"/>
-              </a:rPr>
-              <a:t> </a:t>
-            </a:r>
-            <a:r>
-              <a:rPr lang="ru-RU" sz="2000" dirty="0">
-                <a:solidFill>
-                  <a:srgbClr val="2D2D2A"/>
-                </a:solidFill>
-                <a:latin typeface="Segoe UI Light" panose="020B0502040204020203" pitchFamily="34" charset="0"/>
-                <a:cs typeface="Segoe UI Light" panose="020B0502040204020203" pitchFamily="34" charset="0"/>
-              </a:rPr>
-              <a:t>Вопросы преподавателю</a:t>
-            </a:r>
-            <a:br>
-              <a:rPr lang="ru-RU" sz="2000" dirty="0">
-                <a:solidFill>
-                  <a:srgbClr val="2D2D2A"/>
-                </a:solidFill>
-                <a:latin typeface="Segoe UI Light" panose="020B0502040204020203" pitchFamily="34" charset="0"/>
-                <a:cs typeface="Segoe UI Light" panose="020B0502040204020203" pitchFamily="34" charset="0"/>
-              </a:rPr>
-            </a:br>
-            <a:r>
-              <a:rPr lang="ru-RU" sz="2000" dirty="0">
-                <a:solidFill>
-                  <a:srgbClr val="86AA00"/>
-                </a:solidFill>
-                <a:latin typeface="Segoe UI Light" panose="020B0502040204020203" pitchFamily="34" charset="0"/>
-                <a:cs typeface="Segoe UI Light" panose="020B0502040204020203" pitchFamily="34" charset="0"/>
-              </a:rPr>
-              <a:t> </a:t>
-            </a:r>
-            <a:r>
-              <a:rPr lang="ru-RU" sz="2000" dirty="0">
-                <a:solidFill>
-                  <a:srgbClr val="2D2D2A"/>
-                </a:solidFill>
-                <a:latin typeface="Segoe UI Light" panose="020B0502040204020203" pitchFamily="34" charset="0"/>
-                <a:cs typeface="Segoe UI Light" panose="020B0502040204020203" pitchFamily="34" charset="0"/>
-              </a:rPr>
-              <a:t>Правило поднятой руки</a:t>
-            </a:r>
-            <a:br>
-              <a:rPr lang="ru-RU" sz="2000" dirty="0">
-                <a:solidFill>
-                  <a:srgbClr val="2D2D2A"/>
-                </a:solidFill>
-                <a:latin typeface="Segoe UI Light" panose="020B0502040204020203" pitchFamily="34" charset="0"/>
-                <a:cs typeface="Segoe UI Light" panose="020B0502040204020203" pitchFamily="34" charset="0"/>
-              </a:rPr>
-            </a:br>
-            <a:r>
-              <a:rPr lang="ru-RU" sz="2000" dirty="0">
-                <a:solidFill>
-                  <a:srgbClr val="86AA00"/>
-                </a:solidFill>
-                <a:latin typeface="Segoe UI Light" panose="020B0502040204020203" pitchFamily="34" charset="0"/>
-                <a:cs typeface="Segoe UI Light" panose="020B0502040204020203" pitchFamily="34" charset="0"/>
-              </a:rPr>
-              <a:t> </a:t>
-            </a:r>
-            <a:r>
-              <a:rPr lang="ru-RU" sz="2000" dirty="0">
-                <a:solidFill>
-                  <a:srgbClr val="2D2D2A"/>
-                </a:solidFill>
-                <a:latin typeface="Segoe UI Light" panose="020B0502040204020203" pitchFamily="34" charset="0"/>
-                <a:cs typeface="Segoe UI Light" panose="020B0502040204020203" pitchFamily="34" charset="0"/>
-              </a:rPr>
-              <a:t>Уважение к мнению других участников</a:t>
-            </a:r>
-            <a:br>
-              <a:rPr lang="ru-RU" sz="2000" dirty="0">
-                <a:solidFill>
-                  <a:srgbClr val="2D2D2A"/>
-                </a:solidFill>
-                <a:latin typeface="Segoe UI Light" panose="020B0502040204020203" pitchFamily="34" charset="0"/>
-                <a:cs typeface="Segoe UI Light" panose="020B0502040204020203" pitchFamily="34" charset="0"/>
-              </a:rPr>
-            </a:br>
-            <a:endParaRPr lang="ru-RU" sz="2000" dirty="0">
-              <a:solidFill>
-                <a:srgbClr val="2D2D2A"/>
-              </a:solidFill>
-              <a:latin typeface="Segoe UI Light" panose="020B0502040204020203" pitchFamily="34" charset="0"/>
-              <a:cs typeface="Segoe UI Light" panose="020B0502040204020203" pitchFamily="34" charset="0"/>
-            </a:endParaRPr>
-          </a:p>
-          <a:p>
-            <a:pPr marL="0" indent="0">
-              <a:buNone/>
-            </a:pPr>
-            <a:r>
-              <a:rPr lang="ru-RU" sz="1400" i="1" u="sng" dirty="0">
-                <a:latin typeface="Segoe UI Light" panose="020B0502040204020203" pitchFamily="34" charset="0"/>
-                <a:cs typeface="Segoe UI Light" panose="020B0502040204020203" pitchFamily="34" charset="0"/>
-              </a:rPr>
-              <a:t>Давайте знакомиться</a:t>
-            </a:r>
-          </a:p>
-          <a:p>
-            <a:pPr>
-              <a:buFont typeface="Wingdings" panose="05000000000000000000" pitchFamily="2" charset="2"/>
-              <a:buChar char="q"/>
-            </a:pPr>
-            <a:r>
-              <a:rPr lang="ru-RU" sz="2000" dirty="0">
-                <a:solidFill>
-                  <a:srgbClr val="2D2D2A"/>
-                </a:solidFill>
-                <a:latin typeface="Segoe UI Light" panose="020B0502040204020203" pitchFamily="34" charset="0"/>
-                <a:cs typeface="Segoe UI Light" panose="020B0502040204020203" pitchFamily="34" charset="0"/>
-              </a:rPr>
-              <a:t> Имя</a:t>
-            </a:r>
-          </a:p>
-          <a:p>
-            <a:pPr>
-              <a:buFont typeface="Wingdings" panose="05000000000000000000" pitchFamily="2" charset="2"/>
-              <a:buChar char="q"/>
-            </a:pPr>
-            <a:r>
-              <a:rPr lang="ru-RU" sz="2000" dirty="0">
-                <a:solidFill>
-                  <a:srgbClr val="2D2D2A"/>
-                </a:solidFill>
-                <a:latin typeface="Segoe UI Light" panose="020B0502040204020203" pitchFamily="34" charset="0"/>
-                <a:cs typeface="Segoe UI Light" panose="020B0502040204020203" pitchFamily="34" charset="0"/>
-              </a:rPr>
-              <a:t> Компания</a:t>
-            </a:r>
-          </a:p>
-          <a:p>
-            <a:pPr>
-              <a:buFont typeface="Wingdings" panose="05000000000000000000" pitchFamily="2" charset="2"/>
-              <a:buChar char="q"/>
-            </a:pPr>
-            <a:r>
-              <a:rPr lang="ru-RU" sz="2000" dirty="0">
-                <a:solidFill>
-                  <a:srgbClr val="2D2D2A"/>
-                </a:solidFill>
-                <a:latin typeface="Segoe UI Light" panose="020B0502040204020203" pitchFamily="34" charset="0"/>
-                <a:cs typeface="Segoe UI Light" panose="020B0502040204020203" pitchFamily="34" charset="0"/>
-              </a:rPr>
-              <a:t> Должность, роль</a:t>
-            </a:r>
-          </a:p>
-          <a:p>
-            <a:pPr>
-              <a:buFont typeface="Wingdings" panose="05000000000000000000" pitchFamily="2" charset="2"/>
-              <a:buChar char="q"/>
-            </a:pPr>
-            <a:r>
-              <a:rPr lang="ru-RU" sz="2000" dirty="0">
-                <a:solidFill>
-                  <a:srgbClr val="2D2D2A"/>
-                </a:solidFill>
-                <a:latin typeface="Segoe UI Light" panose="020B0502040204020203" pitchFamily="34" charset="0"/>
-                <a:cs typeface="Segoe UI Light" panose="020B0502040204020203" pitchFamily="34" charset="0"/>
-              </a:rPr>
-              <a:t> Ожидания от курса</a:t>
-            </a:r>
-            <a:br>
-              <a:rPr lang="ru-RU" sz="2000" dirty="0">
-                <a:solidFill>
-                  <a:srgbClr val="2D2D2A"/>
-                </a:solidFill>
-                <a:latin typeface="Segoe UI Light" panose="020B0502040204020203" pitchFamily="34" charset="0"/>
-                <a:cs typeface="Segoe UI Light" panose="020B0502040204020203" pitchFamily="34" charset="0"/>
-              </a:rPr>
-            </a:br>
-            <a:endParaRPr lang="ru-RU" sz="2000" dirty="0">
-              <a:solidFill>
-                <a:srgbClr val="2D2D2A"/>
-              </a:solidFill>
-              <a:latin typeface="Segoe UI Light" panose="020B0502040204020203" pitchFamily="34" charset="0"/>
-              <a:cs typeface="Segoe UI Light" panose="020B0502040204020203" pitchFamily="34" charset="0"/>
-            </a:endParaRPr>
-          </a:p>
-          <a:p>
-            <a:pPr marL="0" indent="0">
-              <a:buNone/>
-            </a:pPr>
-            <a:endParaRPr lang="ru-RU" sz="2000" dirty="0">
-              <a:solidFill>
-                <a:srgbClr val="2D2D2A"/>
-              </a:solidFill>
-              <a:latin typeface="Segoe UI Light" panose="020B0502040204020203" pitchFamily="34" charset="0"/>
-              <a:cs typeface="Segoe UI Light" panose="020B0502040204020203" pitchFamily="34" charset="0"/>
-            </a:endParaRPr>
-          </a:p>
-          <a:p>
-            <a:pPr marL="0" indent="0">
-              <a:buNone/>
-            </a:pPr>
-            <a:endParaRPr lang="ru-RU" sz="2000" dirty="0">
-              <a:solidFill>
-                <a:srgbClr val="2D2D2A"/>
-              </a:solidFill>
-              <a:latin typeface="Segoe UI Light" panose="020B0502040204020203" pitchFamily="34" charset="0"/>
-              <a:cs typeface="Segoe UI Light" panose="020B0502040204020203" pitchFamily="34" charset="0"/>
-            </a:endParaRPr>
-          </a:p>
-          <a:p>
-            <a:pPr marL="0" indent="0">
-              <a:buNone/>
-            </a:pPr>
-            <a:endParaRPr lang="ru-RU" sz="2000" dirty="0">
-              <a:solidFill>
-                <a:srgbClr val="2D2D2A"/>
-              </a:solidFill>
-              <a:latin typeface="Segoe UI Light" panose="020B0502040204020203" pitchFamily="34" charset="0"/>
-              <a:cs typeface="Segoe UI Light" panose="020B0502040204020203" pitchFamily="34" charset="0"/>
-            </a:endParaRPr>
-          </a:p>
-          <a:p>
-            <a:pPr marL="0" indent="0">
-              <a:buNone/>
-            </a:pPr>
-            <a:endParaRPr lang="ru-RU" sz="2000" dirty="0">
-              <a:solidFill>
-                <a:srgbClr val="2D2D2A"/>
-              </a:solidFill>
-              <a:latin typeface="Segoe UI Light" panose="020B0502040204020203" pitchFamily="34" charset="0"/>
-              <a:cs typeface="Segoe UI Light" panose="020B0502040204020203" pitchFamily="34" charset="0"/>
-            </a:endParaRPr>
-          </a:p>
-          <a:p>
-            <a:pPr marL="136922" indent="0">
-              <a:buNone/>
-            </a:pPr>
-            <a:endParaRPr lang="ru-RU" sz="2000" dirty="0">
-              <a:solidFill>
-                <a:srgbClr val="FF0000"/>
-              </a:solidFill>
-              <a:latin typeface="Segoe UI Light" panose="020B0502040204020203" pitchFamily="34" charset="0"/>
-              <a:cs typeface="Segoe UI Light" panose="020B0502040204020203" pitchFamily="34" charset="0"/>
-            </a:endParaRPr>
-          </a:p>
-          <a:p>
-            <a:pPr marL="136922" indent="0">
-              <a:buNone/>
-            </a:pPr>
-            <a:r>
-              <a:rPr lang="ru-RU" sz="2000" dirty="0">
-                <a:solidFill>
-                  <a:srgbClr val="FF0000"/>
-                </a:solidFill>
-                <a:latin typeface="Segoe UI Light" panose="020B0502040204020203" pitchFamily="34" charset="0"/>
-                <a:cs typeface="Segoe UI Light" panose="020B0502040204020203" pitchFamily="34" charset="0"/>
-              </a:rPr>
-              <a:t> </a:t>
-            </a:r>
-            <a:r>
-              <a:rPr lang="ru-RU" sz="2000" dirty="0">
-                <a:latin typeface="Segoe UI Light" panose="020B0502040204020203" pitchFamily="34" charset="0"/>
-                <a:cs typeface="Segoe UI Light" panose="020B0502040204020203" pitchFamily="34" charset="0"/>
-              </a:rPr>
-              <a:t>Мобильные телефоны</a:t>
-            </a:r>
-            <a:br>
-              <a:rPr lang="ru-RU" sz="2000" dirty="0">
-                <a:solidFill>
-                  <a:srgbClr val="2D2D2A"/>
-                </a:solidFill>
-                <a:latin typeface="Segoe UI Light" panose="020B0502040204020203" pitchFamily="34" charset="0"/>
-                <a:cs typeface="Segoe UI Light" panose="020B0502040204020203" pitchFamily="34" charset="0"/>
-              </a:rPr>
-            </a:br>
-            <a:r>
-              <a:rPr lang="ru-RU" sz="2000" dirty="0">
-                <a:solidFill>
-                  <a:srgbClr val="FF0000"/>
-                </a:solidFill>
-                <a:latin typeface="Segoe UI Light" panose="020B0502040204020203" pitchFamily="34" charset="0"/>
-                <a:cs typeface="Segoe UI Light" panose="020B0502040204020203" pitchFamily="34" charset="0"/>
-              </a:rPr>
-              <a:t> </a:t>
-            </a:r>
-            <a:r>
-              <a:rPr lang="ru-RU" sz="2000" dirty="0">
-                <a:solidFill>
-                  <a:srgbClr val="2D2D2A"/>
-                </a:solidFill>
-                <a:latin typeface="Segoe UI Light" panose="020B0502040204020203" pitchFamily="34" charset="0"/>
-                <a:cs typeface="Segoe UI Light" panose="020B0502040204020203" pitchFamily="34" charset="0"/>
-              </a:rPr>
-              <a:t>Опоздания</a:t>
-            </a:r>
-            <a:br>
-              <a:rPr lang="ru-RU" sz="2000" dirty="0">
-                <a:solidFill>
-                  <a:srgbClr val="2D2D2A"/>
-                </a:solidFill>
-                <a:latin typeface="Segoe UI Light" panose="020B0502040204020203" pitchFamily="34" charset="0"/>
-                <a:cs typeface="Segoe UI Light" panose="020B0502040204020203" pitchFamily="34" charset="0"/>
-              </a:rPr>
-            </a:br>
-            <a:r>
-              <a:rPr lang="ru-RU" sz="2000" dirty="0">
-                <a:solidFill>
-                  <a:srgbClr val="FF0000"/>
-                </a:solidFill>
-                <a:latin typeface="Segoe UI Light" panose="020B0502040204020203" pitchFamily="34" charset="0"/>
-                <a:cs typeface="Segoe UI Light" panose="020B0502040204020203" pitchFamily="34" charset="0"/>
-              </a:rPr>
-              <a:t> </a:t>
-            </a:r>
-            <a:r>
-              <a:rPr lang="ru-RU" sz="2000" dirty="0">
-                <a:solidFill>
-                  <a:srgbClr val="2D2D2A"/>
-                </a:solidFill>
-                <a:latin typeface="Segoe UI Light" panose="020B0502040204020203" pitchFamily="34" charset="0"/>
-                <a:cs typeface="Segoe UI Light" panose="020B0502040204020203" pitchFamily="34" charset="0"/>
-              </a:rPr>
-              <a:t>Приватные обсуждения</a:t>
-            </a:r>
-          </a:p>
-          <a:p>
-            <a:pPr marL="136922" indent="0">
-              <a:buNone/>
-            </a:pPr>
-            <a:endParaRPr lang="ru-RU" sz="2000" dirty="0">
-              <a:latin typeface="Segoe UI Light" panose="020B0502040204020203" pitchFamily="34" charset="0"/>
-              <a:cs typeface="Segoe UI Light" panose="020B0502040204020203" pitchFamily="34" charset="0"/>
-            </a:endParaRPr>
+            <a:r>
+              <a:rPr lang="en-US" sz="3750" dirty="0"/>
+              <a:t>https://github.com/nesrv/pt-2.1</a:t>
+            </a:r>
+            <a:endParaRPr lang="ru-RU" sz="3750" dirty="0"/>
           </a:p>
         </p:txBody>
       </p:sp>
     </p:spTree>
     <p:extLst>
       <p:ext uri="{BB962C8B-B14F-4D97-AF65-F5344CB8AC3E}">
-        <p14:creationId xmlns:p14="http://schemas.microsoft.com/office/powerpoint/2010/main" val="2783297049"/>
+        <p14:creationId xmlns:p14="http://schemas.microsoft.com/office/powerpoint/2010/main" val="859185646"/>
       </p:ext>
     </p:extLst>
   </p:cSld>
@@ -11625,268 +11593,430 @@
       </p:grpSpPr>
       <p:sp>
         <p:nvSpPr>
-          <p:cNvPr id="8" name="Заголовок 1">
-            <a:extLst>
-              <a:ext uri="{FF2B5EF4-FFF2-40B4-BE49-F238E27FC236}">
-                <a16:creationId xmlns:a16="http://schemas.microsoft.com/office/drawing/2014/main" id="{961B2C69-729B-4C9C-84F5-80430BDD0097}"/>
-              </a:ext>
-            </a:extLst>
-          </p:cNvPr>
+          <p:cNvPr id="2" name="Заголовок 1"/>
           <p:cNvSpPr>
             <a:spLocks noGrp="1"/>
           </p:cNvSpPr>
           <p:nvPr>
-            <p:ph type="ctrTitle"/>
+            <p:ph type="title"/>
           </p:nvPr>
         </p:nvSpPr>
-        <p:spPr>
-          <a:xfrm>
-            <a:off x="318608" y="646520"/>
-            <a:ext cx="8825392" cy="560657"/>
-          </a:xfrm>
-        </p:spPr>
-        <p:txBody>
-          <a:bodyPr/>
-          <a:lstStyle/>
-          <a:p>
-            <a:r>
-              <a:rPr lang="ru-RU" sz="3600" dirty="0">
-                <a:latin typeface="Yandex Sans Text Light" panose="02000000000000000000" pitchFamily="2" charset="-52"/>
-              </a:rPr>
-              <a:t>Модуль </a:t>
-            </a:r>
-            <a:r>
-              <a:rPr lang="en-US" sz="3600" dirty="0">
-                <a:latin typeface="Yandex Sans Text Light" panose="02000000000000000000" pitchFamily="2" charset="-52"/>
-              </a:rPr>
-              <a:t>1</a:t>
-            </a:r>
-            <a:r>
-              <a:rPr lang="ru-RU" sz="3600" dirty="0">
-                <a:latin typeface="Yandex Sans Text Light" panose="02000000000000000000" pitchFamily="2" charset="-52"/>
-              </a:rPr>
-              <a:t>. Функциональное программирование</a:t>
-            </a:r>
-          </a:p>
-        </p:txBody>
-      </p:sp>
-      <p:sp>
-        <p:nvSpPr>
-          <p:cNvPr id="3" name="Прямоугольник 2">
-            <a:extLst>
-              <a:ext uri="{FF2B5EF4-FFF2-40B4-BE49-F238E27FC236}">
-                <a16:creationId xmlns:a16="http://schemas.microsoft.com/office/drawing/2014/main" id="{C8F94433-70AB-4C77-8764-021B0506F233}"/>
-              </a:ext>
-            </a:extLst>
-          </p:cNvPr>
-          <p:cNvSpPr/>
-          <p:nvPr/>
-        </p:nvSpPr>
-        <p:spPr>
-          <a:xfrm>
-            <a:off x="178713" y="1793470"/>
-            <a:ext cx="8596793" cy="2308324"/>
-          </a:xfrm>
-          <a:prstGeom prst="rect">
-            <a:avLst/>
-          </a:prstGeom>
-        </p:spPr>
-        <p:txBody>
-          <a:bodyPr wrap="square">
-            <a:spAutoFit/>
+        <p:spPr/>
+        <p:txBody>
+          <a:bodyPr>
+            <a:normAutofit fontScale="90000"/>
           </a:bodyPr>
           <a:lstStyle/>
           <a:p>
-            <a:pPr marL="342900" lvl="0" indent="-342900">
-              <a:buFont typeface="+mj-lt"/>
-              <a:buAutoNum type="arabicPeriod"/>
+            <a:r>
+              <a:rPr lang="ru-RU" dirty="0">
+                <a:latin typeface="Segoe UI Light" panose="020B0502040204020203" pitchFamily="34" charset="0"/>
+                <a:cs typeface="Segoe UI Light" panose="020B0502040204020203" pitchFamily="34" charset="0"/>
+              </a:rPr>
+              <a:t>Организационные </a:t>
+            </a:r>
+            <a:br>
+              <a:rPr lang="en-US" dirty="0">
+                <a:latin typeface="Segoe UI Light" panose="020B0502040204020203" pitchFamily="34" charset="0"/>
+                <a:cs typeface="Segoe UI Light" panose="020B0502040204020203" pitchFamily="34" charset="0"/>
+              </a:rPr>
+            </a:br>
+            <a:r>
+              <a:rPr lang="ru-RU" dirty="0">
+                <a:latin typeface="Segoe UI Light" panose="020B0502040204020203" pitchFamily="34" charset="0"/>
+                <a:cs typeface="Segoe UI Light" panose="020B0502040204020203" pitchFamily="34" charset="0"/>
+              </a:rPr>
+              <a:t>моменты</a:t>
+            </a:r>
+          </a:p>
+        </p:txBody>
+      </p:sp>
+      <p:sp>
+        <p:nvSpPr>
+          <p:cNvPr id="3" name="Объект 2"/>
+          <p:cNvSpPr>
+            <a:spLocks noGrp="1"/>
+          </p:cNvSpPr>
+          <p:nvPr>
+            <p:ph type="subTitle"/>
+          </p:nvPr>
+        </p:nvSpPr>
+        <p:spPr>
+          <a:xfrm>
+            <a:off x="628560" y="1400830"/>
+            <a:ext cx="7886520" cy="3263040"/>
+          </a:xfrm>
+        </p:spPr>
+        <p:txBody>
+          <a:bodyPr numCol="2">
+            <a:noAutofit/>
+          </a:bodyPr>
+          <a:lstStyle/>
+          <a:p>
+            <a:pPr marL="0" indent="0">
+              <a:buNone/>
             </a:pPr>
             <a:r>
-              <a:rPr lang="ru-RU" sz="2400" dirty="0">
-                <a:solidFill>
-                  <a:srgbClr val="FFFF00"/>
-                </a:solidFill>
-              </a:rPr>
-              <a:t>Функция как объект. Паттерн «Фабрика функций»</a:t>
-            </a:r>
-          </a:p>
-          <a:p>
-            <a:pPr marL="342900" lvl="0" indent="-342900">
-              <a:buFont typeface="+mj-lt"/>
-              <a:buAutoNum type="arabicPeriod"/>
+              <a:rPr lang="ru-RU" sz="2000" i="1" u="sng" dirty="0">
+                <a:latin typeface="Segoe UI Light" panose="020B0502040204020203" pitchFamily="34" charset="0"/>
+                <a:cs typeface="Segoe UI Light" panose="020B0502040204020203" pitchFamily="34" charset="0"/>
+              </a:rPr>
+              <a:t>Правила совместной работы:</a:t>
+            </a:r>
+            <a:endParaRPr lang="ru-RU" sz="2000" dirty="0">
+              <a:solidFill>
+                <a:srgbClr val="0070C0"/>
+              </a:solidFill>
+              <a:latin typeface="Segoe UI Light" panose="020B0502040204020203" pitchFamily="34" charset="0"/>
+              <a:cs typeface="Segoe UI Light" panose="020B0502040204020203" pitchFamily="34" charset="0"/>
+            </a:endParaRPr>
+          </a:p>
+          <a:p>
+            <a:pPr marL="0" indent="0">
+              <a:buNone/>
             </a:pPr>
             <a:r>
-              <a:rPr lang="ru-RU" sz="2400" dirty="0">
-                <a:solidFill>
-                  <a:srgbClr val="FFFF00"/>
-                </a:solidFill>
-              </a:rPr>
-              <a:t>Анонимные функции. Сортировка коллекций по ключу</a:t>
-            </a:r>
-          </a:p>
-          <a:p>
-            <a:pPr marL="342900" lvl="0" indent="-342900">
-              <a:buFont typeface="+mj-lt"/>
-              <a:buAutoNum type="arabicPeriod"/>
+              <a:rPr lang="ru-RU" sz="2000" dirty="0">
+                <a:solidFill>
+                  <a:srgbClr val="86AA00"/>
+                </a:solidFill>
+                <a:latin typeface="Segoe UI Light" panose="020B0502040204020203" pitchFamily="34" charset="0"/>
+                <a:cs typeface="Segoe UI Light" panose="020B0502040204020203" pitchFamily="34" charset="0"/>
+              </a:rPr>
+              <a:t> </a:t>
+            </a:r>
+            <a:r>
+              <a:rPr lang="ru-RU" sz="2000" dirty="0">
+                <a:solidFill>
+                  <a:srgbClr val="2D2D2A"/>
+                </a:solidFill>
+                <a:latin typeface="Segoe UI Light" panose="020B0502040204020203" pitchFamily="34" charset="0"/>
+                <a:cs typeface="Segoe UI Light" panose="020B0502040204020203" pitchFamily="34" charset="0"/>
+              </a:rPr>
+              <a:t>Вопросы преподавателю</a:t>
+            </a:r>
+            <a:br>
+              <a:rPr lang="ru-RU" sz="2000" dirty="0">
+                <a:solidFill>
+                  <a:srgbClr val="2D2D2A"/>
+                </a:solidFill>
+                <a:latin typeface="Segoe UI Light" panose="020B0502040204020203" pitchFamily="34" charset="0"/>
+                <a:cs typeface="Segoe UI Light" panose="020B0502040204020203" pitchFamily="34" charset="0"/>
+              </a:rPr>
+            </a:br>
+            <a:r>
+              <a:rPr lang="ru-RU" sz="2000" dirty="0">
+                <a:solidFill>
+                  <a:srgbClr val="86AA00"/>
+                </a:solidFill>
+                <a:latin typeface="Segoe UI Light" panose="020B0502040204020203" pitchFamily="34" charset="0"/>
+                <a:cs typeface="Segoe UI Light" panose="020B0502040204020203" pitchFamily="34" charset="0"/>
+              </a:rPr>
+              <a:t> </a:t>
+            </a:r>
+            <a:r>
+              <a:rPr lang="ru-RU" sz="2000" dirty="0">
+                <a:solidFill>
+                  <a:srgbClr val="2D2D2A"/>
+                </a:solidFill>
+                <a:latin typeface="Segoe UI Light" panose="020B0502040204020203" pitchFamily="34" charset="0"/>
+                <a:cs typeface="Segoe UI Light" panose="020B0502040204020203" pitchFamily="34" charset="0"/>
+              </a:rPr>
+              <a:t>Правило поднятой руки</a:t>
+            </a:r>
+            <a:br>
+              <a:rPr lang="ru-RU" sz="2000" dirty="0">
+                <a:solidFill>
+                  <a:srgbClr val="2D2D2A"/>
+                </a:solidFill>
+                <a:latin typeface="Segoe UI Light" panose="020B0502040204020203" pitchFamily="34" charset="0"/>
+                <a:cs typeface="Segoe UI Light" panose="020B0502040204020203" pitchFamily="34" charset="0"/>
+              </a:rPr>
+            </a:br>
+            <a:r>
+              <a:rPr lang="ru-RU" sz="2000" dirty="0">
+                <a:solidFill>
+                  <a:srgbClr val="86AA00"/>
+                </a:solidFill>
+                <a:latin typeface="Segoe UI Light" panose="020B0502040204020203" pitchFamily="34" charset="0"/>
+                <a:cs typeface="Segoe UI Light" panose="020B0502040204020203" pitchFamily="34" charset="0"/>
+              </a:rPr>
+              <a:t> </a:t>
+            </a:r>
+            <a:r>
+              <a:rPr lang="ru-RU" sz="2000" dirty="0">
+                <a:solidFill>
+                  <a:srgbClr val="2D2D2A"/>
+                </a:solidFill>
+                <a:latin typeface="Segoe UI Light" panose="020B0502040204020203" pitchFamily="34" charset="0"/>
+                <a:cs typeface="Segoe UI Light" panose="020B0502040204020203" pitchFamily="34" charset="0"/>
+              </a:rPr>
+              <a:t>Уважение к мнению других участников</a:t>
+            </a:r>
+            <a:br>
+              <a:rPr lang="ru-RU" sz="2000" dirty="0">
+                <a:solidFill>
+                  <a:srgbClr val="2D2D2A"/>
+                </a:solidFill>
+                <a:latin typeface="Segoe UI Light" panose="020B0502040204020203" pitchFamily="34" charset="0"/>
+                <a:cs typeface="Segoe UI Light" panose="020B0502040204020203" pitchFamily="34" charset="0"/>
+              </a:rPr>
+            </a:br>
+            <a:endParaRPr lang="ru-RU" sz="2000" dirty="0">
+              <a:solidFill>
+                <a:srgbClr val="2D2D2A"/>
+              </a:solidFill>
+              <a:latin typeface="Segoe UI Light" panose="020B0502040204020203" pitchFamily="34" charset="0"/>
+              <a:cs typeface="Segoe UI Light" panose="020B0502040204020203" pitchFamily="34" charset="0"/>
+            </a:endParaRPr>
+          </a:p>
+          <a:p>
+            <a:pPr marL="0" indent="0">
+              <a:buNone/>
             </a:pPr>
             <a:r>
-              <a:rPr lang="ru-RU" sz="2400" dirty="0">
-                <a:solidFill>
-                  <a:srgbClr val="FFFF00"/>
-                </a:solidFill>
-              </a:rPr>
-              <a:t>Применение функций </a:t>
-            </a:r>
-            <a:r>
-              <a:rPr lang="en-US" sz="2400" dirty="0">
-                <a:solidFill>
-                  <a:srgbClr val="FFFF00"/>
-                </a:solidFill>
-              </a:rPr>
-              <a:t>all</a:t>
-            </a:r>
-            <a:r>
-              <a:rPr lang="ru-RU" sz="2400" dirty="0">
-                <a:solidFill>
-                  <a:srgbClr val="FFFF00"/>
-                </a:solidFill>
-              </a:rPr>
-              <a:t> и </a:t>
-            </a:r>
-            <a:r>
-              <a:rPr lang="en-US" sz="2400" dirty="0">
-                <a:solidFill>
-                  <a:srgbClr val="FFFF00"/>
-                </a:solidFill>
-              </a:rPr>
-              <a:t>any</a:t>
-            </a:r>
-            <a:endParaRPr lang="ru-RU" sz="2400" dirty="0">
+              <a:rPr lang="ru-RU" sz="1400" i="1" u="sng" dirty="0">
+                <a:latin typeface="Segoe UI Light" panose="020B0502040204020203" pitchFamily="34" charset="0"/>
+                <a:cs typeface="Segoe UI Light" panose="020B0502040204020203" pitchFamily="34" charset="0"/>
+              </a:rPr>
+              <a:t>Давайте знакомиться</a:t>
+            </a:r>
+          </a:p>
+          <a:p>
+            <a:pPr>
+              <a:buFont typeface="Wingdings" panose="05000000000000000000" pitchFamily="2" charset="2"/>
+              <a:buChar char="q"/>
+            </a:pPr>
+            <a:r>
+              <a:rPr lang="ru-RU" sz="2000" dirty="0">
+                <a:solidFill>
+                  <a:srgbClr val="2D2D2A"/>
+                </a:solidFill>
+                <a:latin typeface="Segoe UI Light" panose="020B0502040204020203" pitchFamily="34" charset="0"/>
+                <a:cs typeface="Segoe UI Light" panose="020B0502040204020203" pitchFamily="34" charset="0"/>
+              </a:rPr>
+              <a:t> Имя</a:t>
+            </a:r>
+          </a:p>
+          <a:p>
+            <a:pPr>
+              <a:buFont typeface="Wingdings" panose="05000000000000000000" pitchFamily="2" charset="2"/>
+              <a:buChar char="q"/>
+            </a:pPr>
+            <a:r>
+              <a:rPr lang="ru-RU" sz="2000" dirty="0">
+                <a:solidFill>
+                  <a:srgbClr val="2D2D2A"/>
+                </a:solidFill>
+                <a:latin typeface="Segoe UI Light" panose="020B0502040204020203" pitchFamily="34" charset="0"/>
+                <a:cs typeface="Segoe UI Light" panose="020B0502040204020203" pitchFamily="34" charset="0"/>
+              </a:rPr>
+              <a:t> Компания</a:t>
+            </a:r>
+          </a:p>
+          <a:p>
+            <a:pPr>
+              <a:buFont typeface="Wingdings" panose="05000000000000000000" pitchFamily="2" charset="2"/>
+              <a:buChar char="q"/>
+            </a:pPr>
+            <a:r>
+              <a:rPr lang="ru-RU" sz="2000" dirty="0">
+                <a:solidFill>
+                  <a:srgbClr val="2D2D2A"/>
+                </a:solidFill>
+                <a:latin typeface="Segoe UI Light" panose="020B0502040204020203" pitchFamily="34" charset="0"/>
+                <a:cs typeface="Segoe UI Light" panose="020B0502040204020203" pitchFamily="34" charset="0"/>
+              </a:rPr>
+              <a:t> Должность, роль</a:t>
+            </a:r>
+          </a:p>
+          <a:p>
+            <a:pPr>
+              <a:buFont typeface="Wingdings" panose="05000000000000000000" pitchFamily="2" charset="2"/>
+              <a:buChar char="q"/>
+            </a:pPr>
+            <a:r>
+              <a:rPr lang="ru-RU" sz="2000" dirty="0">
+                <a:solidFill>
+                  <a:srgbClr val="2D2D2A"/>
+                </a:solidFill>
+                <a:latin typeface="Segoe UI Light" panose="020B0502040204020203" pitchFamily="34" charset="0"/>
+                <a:cs typeface="Segoe UI Light" panose="020B0502040204020203" pitchFamily="34" charset="0"/>
+              </a:rPr>
+              <a:t> Ожидания от курса</a:t>
+            </a:r>
+            <a:br>
+              <a:rPr lang="ru-RU" sz="2000" dirty="0">
+                <a:solidFill>
+                  <a:srgbClr val="2D2D2A"/>
+                </a:solidFill>
+                <a:latin typeface="Segoe UI Light" panose="020B0502040204020203" pitchFamily="34" charset="0"/>
+                <a:cs typeface="Segoe UI Light" panose="020B0502040204020203" pitchFamily="34" charset="0"/>
+              </a:rPr>
+            </a:br>
+            <a:endParaRPr lang="ru-RU" sz="2000" dirty="0">
               <a:solidFill>
-                <a:srgbClr val="FFFF00"/>
+                <a:srgbClr val="2D2D2A"/>
               </a:solidFill>
+              <a:latin typeface="Segoe UI Light" panose="020B0502040204020203" pitchFamily="34" charset="0"/>
+              <a:cs typeface="Segoe UI Light" panose="020B0502040204020203" pitchFamily="34" charset="0"/>
             </a:endParaRPr>
           </a:p>
           <a:p>
-            <a:pPr marL="342900" lvl="0" indent="-342900">
-              <a:buFont typeface="+mj-lt"/>
-              <a:buAutoNum type="arabicPeriod"/>
+            <a:pPr marL="0" indent="0">
+              <a:buNone/>
             </a:pPr>
-            <a:r>
-              <a:rPr lang="ru-RU" sz="2400" dirty="0">
-                <a:solidFill>
-                  <a:srgbClr val="FFFF00"/>
-                </a:solidFill>
-              </a:rPr>
-              <a:t>Функции высшего порядка (</a:t>
-            </a:r>
-            <a:r>
-              <a:rPr lang="en-US" sz="2400" dirty="0">
-                <a:solidFill>
-                  <a:srgbClr val="FFFF00"/>
-                </a:solidFill>
-              </a:rPr>
-              <a:t>map</a:t>
-            </a:r>
-            <a:r>
-              <a:rPr lang="ru-RU" sz="2400" dirty="0">
-                <a:solidFill>
-                  <a:srgbClr val="FFFF00"/>
-                </a:solidFill>
-              </a:rPr>
-              <a:t>, </a:t>
-            </a:r>
-            <a:r>
-              <a:rPr lang="en-US" sz="2400" dirty="0">
-                <a:solidFill>
-                  <a:srgbClr val="FFFF00"/>
-                </a:solidFill>
-              </a:rPr>
-              <a:t>filter</a:t>
-            </a:r>
-            <a:r>
-              <a:rPr lang="ru-RU" sz="2400" dirty="0">
-                <a:solidFill>
-                  <a:srgbClr val="FFFF00"/>
-                </a:solidFill>
-              </a:rPr>
-              <a:t>, </a:t>
-            </a:r>
-            <a:r>
-              <a:rPr lang="en-US" sz="2400" dirty="0">
-                <a:solidFill>
-                  <a:srgbClr val="FFFF00"/>
-                </a:solidFill>
-              </a:rPr>
-              <a:t>reduce</a:t>
-            </a:r>
-            <a:r>
-              <a:rPr lang="ru-RU" sz="2400" dirty="0">
-                <a:solidFill>
-                  <a:srgbClr val="FFFF00"/>
-                </a:solidFill>
-              </a:rPr>
-              <a:t>)</a:t>
-            </a:r>
-          </a:p>
-          <a:p>
-            <a:pPr marL="342900" lvl="0" indent="-342900">
-              <a:buFont typeface="+mj-lt"/>
-              <a:buAutoNum type="arabicPeriod"/>
+            <a:endParaRPr lang="ru-RU" sz="2000" dirty="0">
+              <a:solidFill>
+                <a:srgbClr val="2D2D2A"/>
+              </a:solidFill>
+              <a:latin typeface="Segoe UI Light" panose="020B0502040204020203" pitchFamily="34" charset="0"/>
+              <a:cs typeface="Segoe UI Light" panose="020B0502040204020203" pitchFamily="34" charset="0"/>
+            </a:endParaRPr>
+          </a:p>
+          <a:p>
+            <a:pPr marL="0" indent="0">
+              <a:buNone/>
             </a:pPr>
-            <a:r>
-              <a:rPr lang="ru-RU" sz="2400" dirty="0">
-                <a:solidFill>
-                  <a:srgbClr val="FFFF00"/>
-                </a:solidFill>
-              </a:rPr>
-              <a:t>Модуль </a:t>
-            </a:r>
-            <a:r>
-              <a:rPr lang="en-US" sz="2400" dirty="0" err="1">
-                <a:solidFill>
-                  <a:srgbClr val="FFFF00"/>
-                </a:solidFill>
-              </a:rPr>
-              <a:t>itertools</a:t>
-            </a:r>
-            <a:r>
-              <a:rPr lang="en-US" sz="2400" dirty="0">
-                <a:solidFill>
-                  <a:srgbClr val="FFFF00"/>
-                </a:solidFill>
-              </a:rPr>
-              <a:t> </a:t>
-            </a:r>
-            <a:r>
-              <a:rPr lang="ru-RU" sz="2400" dirty="0">
-                <a:solidFill>
-                  <a:srgbClr val="FFFF00"/>
-                </a:solidFill>
-              </a:rPr>
-              <a:t>и комбинаторика</a:t>
-            </a:r>
-          </a:p>
-          <a:p>
-            <a:pPr marL="342900" lvl="0" indent="-342900">
-              <a:buFont typeface="+mj-lt"/>
-              <a:buAutoNum type="arabicPeriod"/>
+            <a:endParaRPr lang="ru-RU" sz="2000" dirty="0">
+              <a:solidFill>
+                <a:srgbClr val="2D2D2A"/>
+              </a:solidFill>
+              <a:latin typeface="Segoe UI Light" panose="020B0502040204020203" pitchFamily="34" charset="0"/>
+              <a:cs typeface="Segoe UI Light" panose="020B0502040204020203" pitchFamily="34" charset="0"/>
+            </a:endParaRPr>
+          </a:p>
+          <a:p>
+            <a:pPr marL="0" indent="0">
+              <a:buNone/>
             </a:pPr>
-            <a:r>
-              <a:rPr lang="ru-RU" sz="2400" dirty="0">
-                <a:solidFill>
-                  <a:srgbClr val="FFFF00"/>
-                </a:solidFill>
-              </a:rPr>
-              <a:t>Практические задачи</a:t>
-            </a:r>
+            <a:endParaRPr lang="ru-RU" sz="2000" dirty="0">
+              <a:solidFill>
+                <a:srgbClr val="2D2D2A"/>
+              </a:solidFill>
+              <a:latin typeface="Segoe UI Light" panose="020B0502040204020203" pitchFamily="34" charset="0"/>
+              <a:cs typeface="Segoe UI Light" panose="020B0502040204020203" pitchFamily="34" charset="0"/>
+            </a:endParaRPr>
+          </a:p>
+          <a:p>
+            <a:pPr marL="0" indent="0">
+              <a:buNone/>
+            </a:pPr>
+            <a:endParaRPr lang="ru-RU" sz="2000" dirty="0">
+              <a:solidFill>
+                <a:srgbClr val="2D2D2A"/>
+              </a:solidFill>
+              <a:latin typeface="Segoe UI Light" panose="020B0502040204020203" pitchFamily="34" charset="0"/>
+              <a:cs typeface="Segoe UI Light" panose="020B0502040204020203" pitchFamily="34" charset="0"/>
+            </a:endParaRPr>
+          </a:p>
+          <a:p>
+            <a:pPr marL="136922" indent="0">
+              <a:buNone/>
+            </a:pPr>
+            <a:endParaRPr lang="ru-RU" sz="2000" dirty="0">
+              <a:solidFill>
+                <a:srgbClr val="FF0000"/>
+              </a:solidFill>
+              <a:latin typeface="Segoe UI Light" panose="020B0502040204020203" pitchFamily="34" charset="0"/>
+              <a:cs typeface="Segoe UI Light" panose="020B0502040204020203" pitchFamily="34" charset="0"/>
+            </a:endParaRPr>
+          </a:p>
+          <a:p>
+            <a:pPr marL="136922" indent="0">
+              <a:buNone/>
+            </a:pPr>
+            <a:r>
+              <a:rPr lang="ru-RU" sz="2000" dirty="0">
+                <a:solidFill>
+                  <a:srgbClr val="FF0000"/>
+                </a:solidFill>
+                <a:latin typeface="Segoe UI Light" panose="020B0502040204020203" pitchFamily="34" charset="0"/>
+                <a:cs typeface="Segoe UI Light" panose="020B0502040204020203" pitchFamily="34" charset="0"/>
+              </a:rPr>
+              <a:t> </a:t>
+            </a:r>
+            <a:r>
+              <a:rPr lang="ru-RU" sz="2000" dirty="0">
+                <a:latin typeface="Segoe UI Light" panose="020B0502040204020203" pitchFamily="34" charset="0"/>
+                <a:cs typeface="Segoe UI Light" panose="020B0502040204020203" pitchFamily="34" charset="0"/>
+              </a:rPr>
+              <a:t>Мобильные телефоны</a:t>
+            </a:r>
+            <a:br>
+              <a:rPr lang="ru-RU" sz="2000" dirty="0">
+                <a:solidFill>
+                  <a:srgbClr val="2D2D2A"/>
+                </a:solidFill>
+                <a:latin typeface="Segoe UI Light" panose="020B0502040204020203" pitchFamily="34" charset="0"/>
+                <a:cs typeface="Segoe UI Light" panose="020B0502040204020203" pitchFamily="34" charset="0"/>
+              </a:rPr>
+            </a:br>
+            <a:r>
+              <a:rPr lang="ru-RU" sz="2000" dirty="0">
+                <a:solidFill>
+                  <a:srgbClr val="FF0000"/>
+                </a:solidFill>
+                <a:latin typeface="Segoe UI Light" panose="020B0502040204020203" pitchFamily="34" charset="0"/>
+                <a:cs typeface="Segoe UI Light" panose="020B0502040204020203" pitchFamily="34" charset="0"/>
+              </a:rPr>
+              <a:t> </a:t>
+            </a:r>
+            <a:r>
+              <a:rPr lang="ru-RU" sz="2000" dirty="0">
+                <a:solidFill>
+                  <a:srgbClr val="2D2D2A"/>
+                </a:solidFill>
+                <a:latin typeface="Segoe UI Light" panose="020B0502040204020203" pitchFamily="34" charset="0"/>
+                <a:cs typeface="Segoe UI Light" panose="020B0502040204020203" pitchFamily="34" charset="0"/>
+              </a:rPr>
+              <a:t>Опоздания</a:t>
+            </a:r>
+            <a:br>
+              <a:rPr lang="ru-RU" sz="2000" dirty="0">
+                <a:solidFill>
+                  <a:srgbClr val="2D2D2A"/>
+                </a:solidFill>
+                <a:latin typeface="Segoe UI Light" panose="020B0502040204020203" pitchFamily="34" charset="0"/>
+                <a:cs typeface="Segoe UI Light" panose="020B0502040204020203" pitchFamily="34" charset="0"/>
+              </a:rPr>
+            </a:br>
+            <a:r>
+              <a:rPr lang="ru-RU" sz="2000" dirty="0">
+                <a:solidFill>
+                  <a:srgbClr val="FF0000"/>
+                </a:solidFill>
+                <a:latin typeface="Segoe UI Light" panose="020B0502040204020203" pitchFamily="34" charset="0"/>
+                <a:cs typeface="Segoe UI Light" panose="020B0502040204020203" pitchFamily="34" charset="0"/>
+              </a:rPr>
+              <a:t> </a:t>
+            </a:r>
+            <a:r>
+              <a:rPr lang="ru-RU" sz="2000" dirty="0">
+                <a:solidFill>
+                  <a:srgbClr val="2D2D2A"/>
+                </a:solidFill>
+                <a:latin typeface="Segoe UI Light" panose="020B0502040204020203" pitchFamily="34" charset="0"/>
+                <a:cs typeface="Segoe UI Light" panose="020B0502040204020203" pitchFamily="34" charset="0"/>
+              </a:rPr>
+              <a:t>Приватные обсуждения</a:t>
+            </a:r>
+          </a:p>
+          <a:p>
+            <a:pPr marL="136922" indent="0">
+              <a:buNone/>
+            </a:pPr>
+            <a:endParaRPr lang="ru-RU" sz="2000" dirty="0">
+              <a:latin typeface="Segoe UI Light" panose="020B0502040204020203" pitchFamily="34" charset="0"/>
+              <a:cs typeface="Segoe UI Light" panose="020B0502040204020203" pitchFamily="34" charset="0"/>
+            </a:endParaRPr>
           </a:p>
         </p:txBody>
       </p:sp>
     </p:spTree>
     <p:extLst>
       <p:ext uri="{BB962C8B-B14F-4D97-AF65-F5344CB8AC3E}">
-        <p14:creationId xmlns:p14="http://schemas.microsoft.com/office/powerpoint/2010/main" val="2564701675"/>
+        <p14:creationId xmlns:p14="http://schemas.microsoft.com/office/powerpoint/2010/main" val="2783297049"/>
       </p:ext>
     </p:extLst>
   </p:cSld>

--- a/m1/ppt/1.pptx
+++ b/m1/ppt/1.pptx
@@ -6,7 +6,7 @@
     <p:sldMasterId id="2147483681" r:id="rId2"/>
   </p:sldMasterIdLst>
   <p:notesMasterIdLst>
-    <p:notesMasterId r:id="rId23"/>
+    <p:notesMasterId r:id="rId22"/>
   </p:notesMasterIdLst>
   <p:sldIdLst>
     <p:sldId id="431" r:id="rId3"/>
@@ -17,18 +17,17 @@
     <p:sldId id="428" r:id="rId8"/>
     <p:sldId id="318" r:id="rId9"/>
     <p:sldId id="430" r:id="rId10"/>
-    <p:sldId id="501" r:id="rId11"/>
-    <p:sldId id="506" r:id="rId12"/>
-    <p:sldId id="422" r:id="rId13"/>
-    <p:sldId id="423" r:id="rId14"/>
-    <p:sldId id="424" r:id="rId15"/>
-    <p:sldId id="425" r:id="rId16"/>
-    <p:sldId id="426" r:id="rId17"/>
-    <p:sldId id="503" r:id="rId18"/>
-    <p:sldId id="504" r:id="rId19"/>
-    <p:sldId id="257" r:id="rId20"/>
-    <p:sldId id="429" r:id="rId21"/>
-    <p:sldId id="363" r:id="rId22"/>
+    <p:sldId id="506" r:id="rId11"/>
+    <p:sldId id="422" r:id="rId12"/>
+    <p:sldId id="423" r:id="rId13"/>
+    <p:sldId id="424" r:id="rId14"/>
+    <p:sldId id="425" r:id="rId15"/>
+    <p:sldId id="426" r:id="rId16"/>
+    <p:sldId id="503" r:id="rId17"/>
+    <p:sldId id="504" r:id="rId18"/>
+    <p:sldId id="257" r:id="rId19"/>
+    <p:sldId id="429" r:id="rId20"/>
+    <p:sldId id="363" r:id="rId21"/>
   </p:sldIdLst>
   <p:sldSz cx="9144000" cy="5143500" type="screen16x9"/>
   <p:notesSz cx="7559675" cy="10691813"/>
@@ -6374,392 +6373,6 @@
           <a:chExt cx="0" cy="0"/>
         </a:xfrm>
       </p:grpSpPr>
-      <p:sp>
-        <p:nvSpPr>
-          <p:cNvPr id="4" name="Заголовок 1">
-            <a:extLst>
-              <a:ext uri="{FF2B5EF4-FFF2-40B4-BE49-F238E27FC236}">
-                <a16:creationId xmlns:a16="http://schemas.microsoft.com/office/drawing/2014/main" id="{11FA8981-A2D9-4616-9140-06BCE3C18F48}"/>
-              </a:ext>
-            </a:extLst>
-          </p:cNvPr>
-          <p:cNvSpPr txBox="1">
-            <a:spLocks/>
-          </p:cNvSpPr>
-          <p:nvPr/>
-        </p:nvSpPr>
-        <p:spPr>
-          <a:xfrm>
-            <a:off x="318608" y="521892"/>
-            <a:ext cx="7562649" cy="560657"/>
-          </a:xfrm>
-          <a:prstGeom prst="rect">
-            <a:avLst/>
-          </a:prstGeom>
-        </p:spPr>
-        <p:txBody>
-          <a:bodyPr lIns="0" tIns="0" rIns="0" bIns="0" anchor="ctr">
-            <a:noAutofit/>
-          </a:bodyPr>
-          <a:lstStyle>
-            <a:lvl1pPr algn="l" defTabSz="914400" rtl="0" eaLnBrk="1" latinLnBrk="0" hangingPunct="1">
-              <a:lnSpc>
-                <a:spcPct val="90000"/>
-              </a:lnSpc>
-              <a:spcBef>
-                <a:spcPct val="0"/>
-              </a:spcBef>
-              <a:buNone/>
-              <a:defRPr sz="4400" kern="1200">
-                <a:solidFill>
-                  <a:schemeClr val="tx1"/>
-                </a:solidFill>
-                <a:latin typeface="+mj-lt"/>
-                <a:ea typeface="+mj-ea"/>
-                <a:cs typeface="+mj-cs"/>
-              </a:defRPr>
-            </a:lvl1pPr>
-          </a:lstStyle>
-          <a:p>
-            <a:r>
-              <a:rPr lang="ru-RU" sz="3600" b="1" dirty="0">
-                <a:solidFill>
-                  <a:schemeClr val="tx1">
-                    <a:lumMod val="95000"/>
-                    <a:lumOff val="5000"/>
-                  </a:schemeClr>
-                </a:solidFill>
-                <a:latin typeface="Yandex Sans Text Light" panose="02000000000000000000" pitchFamily="2" charset="-52"/>
-              </a:rPr>
-              <a:t>Модуль </a:t>
-            </a:r>
-            <a:r>
-              <a:rPr lang="en-US" sz="3600" b="1" dirty="0">
-                <a:solidFill>
-                  <a:schemeClr val="tx1">
-                    <a:lumMod val="95000"/>
-                    <a:lumOff val="5000"/>
-                  </a:schemeClr>
-                </a:solidFill>
-                <a:latin typeface="Yandex Sans Text Light" panose="02000000000000000000" pitchFamily="2" charset="-52"/>
-              </a:rPr>
-              <a:t>1</a:t>
-            </a:r>
-            <a:r>
-              <a:rPr lang="ru-RU" sz="3600" b="1" dirty="0">
-                <a:solidFill>
-                  <a:schemeClr val="tx1">
-                    <a:lumMod val="95000"/>
-                    <a:lumOff val="5000"/>
-                  </a:schemeClr>
-                </a:solidFill>
-                <a:latin typeface="Yandex Sans Text Light" panose="02000000000000000000" pitchFamily="2" charset="-52"/>
-              </a:rPr>
-              <a:t>. Функциональное программирование</a:t>
-            </a:r>
-          </a:p>
-        </p:txBody>
-      </p:sp>
-      <p:sp>
-        <p:nvSpPr>
-          <p:cNvPr id="5" name="Прямоугольник 4">
-            <a:extLst>
-              <a:ext uri="{FF2B5EF4-FFF2-40B4-BE49-F238E27FC236}">
-                <a16:creationId xmlns:a16="http://schemas.microsoft.com/office/drawing/2014/main" id="{295D0025-0DC1-412B-AED6-ADED939D6CC6}"/>
-              </a:ext>
-            </a:extLst>
-          </p:cNvPr>
-          <p:cNvSpPr/>
-          <p:nvPr/>
-        </p:nvSpPr>
-        <p:spPr>
-          <a:xfrm>
-            <a:off x="178713" y="1974898"/>
-            <a:ext cx="8596793" cy="2308324"/>
-          </a:xfrm>
-          <a:prstGeom prst="rect">
-            <a:avLst/>
-          </a:prstGeom>
-        </p:spPr>
-        <p:txBody>
-          <a:bodyPr wrap="square">
-            <a:spAutoFit/>
-          </a:bodyPr>
-          <a:lstStyle/>
-          <a:p>
-            <a:pPr marL="342900" lvl="0" indent="-342900">
-              <a:buFont typeface="+mj-lt"/>
-              <a:buAutoNum type="arabicPeriod"/>
-            </a:pPr>
-            <a:r>
-              <a:rPr lang="ru-RU" sz="2400" dirty="0">
-                <a:solidFill>
-                  <a:schemeClr val="tx1">
-                    <a:lumMod val="95000"/>
-                    <a:lumOff val="5000"/>
-                  </a:schemeClr>
-                </a:solidFill>
-              </a:rPr>
-              <a:t>Функция как объект. Паттерн «Фабрика функций»</a:t>
-            </a:r>
-          </a:p>
-          <a:p>
-            <a:pPr marL="342900" lvl="0" indent="-342900">
-              <a:buFont typeface="+mj-lt"/>
-              <a:buAutoNum type="arabicPeriod"/>
-            </a:pPr>
-            <a:r>
-              <a:rPr lang="ru-RU" sz="2400" dirty="0">
-                <a:solidFill>
-                  <a:schemeClr val="tx1">
-                    <a:lumMod val="95000"/>
-                    <a:lumOff val="5000"/>
-                  </a:schemeClr>
-                </a:solidFill>
-              </a:rPr>
-              <a:t>Анонимные функции. Сортировка коллекций по ключу</a:t>
-            </a:r>
-          </a:p>
-          <a:p>
-            <a:pPr marL="342900" lvl="0" indent="-342900">
-              <a:buFont typeface="+mj-lt"/>
-              <a:buAutoNum type="arabicPeriod"/>
-            </a:pPr>
-            <a:r>
-              <a:rPr lang="ru-RU" sz="2400" dirty="0">
-                <a:solidFill>
-                  <a:schemeClr val="tx1">
-                    <a:lumMod val="95000"/>
-                    <a:lumOff val="5000"/>
-                  </a:schemeClr>
-                </a:solidFill>
-              </a:rPr>
-              <a:t>Применение функций </a:t>
-            </a:r>
-            <a:r>
-              <a:rPr lang="en-US" sz="2400" dirty="0">
-                <a:solidFill>
-                  <a:schemeClr val="tx1">
-                    <a:lumMod val="95000"/>
-                    <a:lumOff val="5000"/>
-                  </a:schemeClr>
-                </a:solidFill>
-              </a:rPr>
-              <a:t>all</a:t>
-            </a:r>
-            <a:r>
-              <a:rPr lang="ru-RU" sz="2400" dirty="0">
-                <a:solidFill>
-                  <a:schemeClr val="tx1">
-                    <a:lumMod val="95000"/>
-                    <a:lumOff val="5000"/>
-                  </a:schemeClr>
-                </a:solidFill>
-              </a:rPr>
-              <a:t> и </a:t>
-            </a:r>
-            <a:r>
-              <a:rPr lang="en-US" sz="2400" dirty="0">
-                <a:solidFill>
-                  <a:schemeClr val="tx1">
-                    <a:lumMod val="95000"/>
-                    <a:lumOff val="5000"/>
-                  </a:schemeClr>
-                </a:solidFill>
-              </a:rPr>
-              <a:t>any</a:t>
-            </a:r>
-            <a:endParaRPr lang="ru-RU" sz="2400" dirty="0">
-              <a:solidFill>
-                <a:schemeClr val="tx1">
-                  <a:lumMod val="95000"/>
-                  <a:lumOff val="5000"/>
-                </a:schemeClr>
-              </a:solidFill>
-            </a:endParaRPr>
-          </a:p>
-          <a:p>
-            <a:pPr marL="342900" lvl="0" indent="-342900">
-              <a:buFont typeface="+mj-lt"/>
-              <a:buAutoNum type="arabicPeriod"/>
-            </a:pPr>
-            <a:r>
-              <a:rPr lang="ru-RU" sz="2400" dirty="0">
-                <a:solidFill>
-                  <a:schemeClr val="tx1">
-                    <a:lumMod val="95000"/>
-                    <a:lumOff val="5000"/>
-                  </a:schemeClr>
-                </a:solidFill>
-              </a:rPr>
-              <a:t>Функции высшего порядка (</a:t>
-            </a:r>
-            <a:r>
-              <a:rPr lang="en-US" sz="2400" dirty="0">
-                <a:solidFill>
-                  <a:schemeClr val="tx1">
-                    <a:lumMod val="95000"/>
-                    <a:lumOff val="5000"/>
-                  </a:schemeClr>
-                </a:solidFill>
-              </a:rPr>
-              <a:t>map</a:t>
-            </a:r>
-            <a:r>
-              <a:rPr lang="ru-RU" sz="2400" dirty="0">
-                <a:solidFill>
-                  <a:schemeClr val="tx1">
-                    <a:lumMod val="95000"/>
-                    <a:lumOff val="5000"/>
-                  </a:schemeClr>
-                </a:solidFill>
-              </a:rPr>
-              <a:t>, </a:t>
-            </a:r>
-            <a:r>
-              <a:rPr lang="en-US" sz="2400" dirty="0">
-                <a:solidFill>
-                  <a:schemeClr val="tx1">
-                    <a:lumMod val="95000"/>
-                    <a:lumOff val="5000"/>
-                  </a:schemeClr>
-                </a:solidFill>
-              </a:rPr>
-              <a:t>filter</a:t>
-            </a:r>
-            <a:r>
-              <a:rPr lang="ru-RU" sz="2400" dirty="0">
-                <a:solidFill>
-                  <a:schemeClr val="tx1">
-                    <a:lumMod val="95000"/>
-                    <a:lumOff val="5000"/>
-                  </a:schemeClr>
-                </a:solidFill>
-              </a:rPr>
-              <a:t>, </a:t>
-            </a:r>
-            <a:r>
-              <a:rPr lang="en-US" sz="2400" dirty="0">
-                <a:solidFill>
-                  <a:schemeClr val="tx1">
-                    <a:lumMod val="95000"/>
-                    <a:lumOff val="5000"/>
-                  </a:schemeClr>
-                </a:solidFill>
-              </a:rPr>
-              <a:t>reduce</a:t>
-            </a:r>
-            <a:r>
-              <a:rPr lang="ru-RU" sz="2400" dirty="0">
-                <a:solidFill>
-                  <a:schemeClr val="tx1">
-                    <a:lumMod val="95000"/>
-                    <a:lumOff val="5000"/>
-                  </a:schemeClr>
-                </a:solidFill>
-              </a:rPr>
-              <a:t>)</a:t>
-            </a:r>
-          </a:p>
-          <a:p>
-            <a:pPr marL="342900" lvl="0" indent="-342900">
-              <a:buFont typeface="+mj-lt"/>
-              <a:buAutoNum type="arabicPeriod"/>
-            </a:pPr>
-            <a:r>
-              <a:rPr lang="ru-RU" sz="2400" dirty="0">
-                <a:solidFill>
-                  <a:schemeClr val="tx1">
-                    <a:lumMod val="95000"/>
-                    <a:lumOff val="5000"/>
-                  </a:schemeClr>
-                </a:solidFill>
-              </a:rPr>
-              <a:t>Модуль </a:t>
-            </a:r>
-            <a:r>
-              <a:rPr lang="en-US" sz="2400" dirty="0" err="1">
-                <a:solidFill>
-                  <a:schemeClr val="tx1">
-                    <a:lumMod val="95000"/>
-                    <a:lumOff val="5000"/>
-                  </a:schemeClr>
-                </a:solidFill>
-              </a:rPr>
-              <a:t>itertools</a:t>
-            </a:r>
-            <a:r>
-              <a:rPr lang="en-US" sz="2400" dirty="0">
-                <a:solidFill>
-                  <a:schemeClr val="tx1">
-                    <a:lumMod val="95000"/>
-                    <a:lumOff val="5000"/>
-                  </a:schemeClr>
-                </a:solidFill>
-              </a:rPr>
-              <a:t> </a:t>
-            </a:r>
-            <a:r>
-              <a:rPr lang="ru-RU" sz="2400" dirty="0">
-                <a:solidFill>
-                  <a:schemeClr val="tx1">
-                    <a:lumMod val="95000"/>
-                    <a:lumOff val="5000"/>
-                  </a:schemeClr>
-                </a:solidFill>
-              </a:rPr>
-              <a:t>и комбинаторика</a:t>
-            </a:r>
-          </a:p>
-          <a:p>
-            <a:pPr marL="342900" lvl="0" indent="-342900">
-              <a:buFont typeface="+mj-lt"/>
-              <a:buAutoNum type="arabicPeriod"/>
-            </a:pPr>
-            <a:r>
-              <a:rPr lang="ru-RU" sz="2400" dirty="0">
-                <a:solidFill>
-                  <a:schemeClr val="tx1">
-                    <a:lumMod val="95000"/>
-                    <a:lumOff val="5000"/>
-                  </a:schemeClr>
-                </a:solidFill>
-              </a:rPr>
-              <a:t>Практические задачи</a:t>
-            </a:r>
-          </a:p>
-        </p:txBody>
-      </p:sp>
-    </p:spTree>
-    <p:extLst>
-      <p:ext uri="{BB962C8B-B14F-4D97-AF65-F5344CB8AC3E}">
-        <p14:creationId xmlns:p14="http://schemas.microsoft.com/office/powerpoint/2010/main" val="8449535"/>
-      </p:ext>
-    </p:extLst>
-  </p:cSld>
-  <p:clrMapOvr>
-    <a:masterClrMapping/>
-  </p:clrMapOvr>
-</p:sld>
-</file>
-
-<file path=ppt/slides/slide11.xml><?xml version="1.0" encoding="utf-8"?>
-<p:sld xmlns:a="http://schemas.openxmlformats.org/drawingml/2006/main" xmlns:r="http://schemas.openxmlformats.org/officeDocument/2006/relationships" xmlns:p="http://schemas.openxmlformats.org/presentationml/2006/main">
-  <p:cSld>
-    <p:spTree>
-      <p:nvGrpSpPr>
-        <p:cNvPr id="1" name=""/>
-        <p:cNvGrpSpPr/>
-        <p:nvPr/>
-      </p:nvGrpSpPr>
-      <p:grpSpPr>
-        <a:xfrm>
-          <a:off x="0" y="0"/>
-          <a:ext cx="0" cy="0"/>
-          <a:chOff x="0" y="0"/>
-          <a:chExt cx="0" cy="0"/>
-        </a:xfrm>
-      </p:grpSpPr>
       <p:pic>
         <p:nvPicPr>
           <p:cNvPr id="4" name="Рисунок 3">
@@ -7103,7 +6716,7 @@
 </p:sld>
 </file>
 
-<file path=ppt/slides/slide12.xml><?xml version="1.0" encoding="utf-8"?>
+<file path=ppt/slides/slide11.xml><?xml version="1.0" encoding="utf-8"?>
 <p:sld xmlns:a="http://schemas.openxmlformats.org/drawingml/2006/main" xmlns:r="http://schemas.openxmlformats.org/officeDocument/2006/relationships" xmlns:p="http://schemas.openxmlformats.org/presentationml/2006/main">
   <p:cSld>
     <p:spTree>
@@ -7388,7 +7001,7 @@
 </p:sld>
 </file>
 
-<file path=ppt/slides/slide13.xml><?xml version="1.0" encoding="utf-8"?>
+<file path=ppt/slides/slide12.xml><?xml version="1.0" encoding="utf-8"?>
 <p:sld xmlns:a="http://schemas.openxmlformats.org/drawingml/2006/main" xmlns:r="http://schemas.openxmlformats.org/officeDocument/2006/relationships" xmlns:p="http://schemas.openxmlformats.org/presentationml/2006/main">
   <p:cSld>
     <p:spTree>
@@ -7673,7 +7286,7 @@
 </p:sld>
 </file>
 
-<file path=ppt/slides/slide14.xml><?xml version="1.0" encoding="utf-8"?>
+<file path=ppt/slides/slide13.xml><?xml version="1.0" encoding="utf-8"?>
 <p:sld xmlns:a="http://schemas.openxmlformats.org/drawingml/2006/main" xmlns:r="http://schemas.openxmlformats.org/officeDocument/2006/relationships" xmlns:p="http://schemas.openxmlformats.org/presentationml/2006/main">
   <p:cSld>
     <p:spTree>
@@ -7883,7 +7496,7 @@
 </p:sld>
 </file>
 
-<file path=ppt/slides/slide15.xml><?xml version="1.0" encoding="utf-8"?>
+<file path=ppt/slides/slide14.xml><?xml version="1.0" encoding="utf-8"?>
 <p:sld xmlns:a="http://schemas.openxmlformats.org/drawingml/2006/main" xmlns:r="http://schemas.openxmlformats.org/officeDocument/2006/relationships" xmlns:p="http://schemas.openxmlformats.org/presentationml/2006/main">
   <p:cSld>
     <p:spTree>
@@ -8168,7 +7781,7 @@
 </p:sld>
 </file>
 
-<file path=ppt/slides/slide16.xml><?xml version="1.0" encoding="utf-8"?>
+<file path=ppt/slides/slide15.xml><?xml version="1.0" encoding="utf-8"?>
 <p:sld xmlns:a="http://schemas.openxmlformats.org/drawingml/2006/main" xmlns:r="http://schemas.openxmlformats.org/officeDocument/2006/relationships" xmlns:p="http://schemas.openxmlformats.org/presentationml/2006/main">
   <p:cSld>
     <p:spTree>
@@ -8208,7 +7821,7 @@
                 </a:solidFill>
               </a:rPr>
               <a:pPr defTabSz="685800"/>
-              <a:t>16</a:t>
+              <a:t>15</a:t>
             </a:fld>
             <a:endParaRPr lang="ru-RU" dirty="0">
               <a:solidFill>
@@ -8261,7 +7874,7 @@
 </p:sld>
 </file>
 
-<file path=ppt/slides/slide17.xml><?xml version="1.0" encoding="utf-8"?>
+<file path=ppt/slides/slide16.xml><?xml version="1.0" encoding="utf-8"?>
 <p:sld xmlns:a="http://schemas.openxmlformats.org/drawingml/2006/main" xmlns:r="http://schemas.openxmlformats.org/officeDocument/2006/relationships" xmlns:p="http://schemas.openxmlformats.org/presentationml/2006/main">
   <p:cSld>
     <p:spTree>
@@ -8301,7 +7914,7 @@
                 </a:solidFill>
               </a:rPr>
               <a:pPr defTabSz="685800"/>
-              <a:t>17</a:t>
+              <a:t>16</a:t>
             </a:fld>
             <a:endParaRPr lang="ru-RU" dirty="0">
               <a:solidFill>
@@ -8371,7 +7984,7 @@
 </p:sld>
 </file>
 
-<file path=ppt/slides/slide18.xml><?xml version="1.0" encoding="utf-8"?>
+<file path=ppt/slides/slide17.xml><?xml version="1.0" encoding="utf-8"?>
 <p:sld xmlns:a="http://schemas.openxmlformats.org/drawingml/2006/main" xmlns:r="http://schemas.openxmlformats.org/officeDocument/2006/relationships" xmlns:p="http://schemas.openxmlformats.org/presentationml/2006/main">
   <p:cSld>
     <p:spTree>
@@ -8411,7 +8024,7 @@
                 </a:solidFill>
               </a:rPr>
               <a:pPr defTabSz="685800"/>
-              <a:t>18</a:t>
+              <a:t>17</a:t>
             </a:fld>
             <a:endParaRPr lang="ru-RU" dirty="0">
               <a:solidFill>
@@ -8481,7 +8094,7 @@
 </p:sld>
 </file>
 
-<file path=ppt/slides/slide19.xml><?xml version="1.0" encoding="utf-8"?>
+<file path=ppt/slides/slide18.xml><?xml version="1.0" encoding="utf-8"?>
 <p:sld xmlns:a="http://schemas.openxmlformats.org/drawingml/2006/main" xmlns:r="http://schemas.openxmlformats.org/officeDocument/2006/relationships" xmlns:p="http://schemas.openxmlformats.org/presentationml/2006/main">
   <p:cSld>
     <p:spTree>
@@ -8521,7 +8134,7 @@
                 </a:solidFill>
               </a:rPr>
               <a:pPr defTabSz="685800"/>
-              <a:t>19</a:t>
+              <a:t>18</a:t>
             </a:fld>
             <a:endParaRPr lang="ru-RU" dirty="0">
               <a:solidFill>
@@ -8582,6 +8195,292 @@
     <p:extLst>
       <p:ext uri="{BB962C8B-B14F-4D97-AF65-F5344CB8AC3E}">
         <p14:creationId xmlns:p14="http://schemas.microsoft.com/office/powerpoint/2010/main" val="3655367807"/>
+      </p:ext>
+    </p:extLst>
+  </p:cSld>
+  <p:clrMapOvr>
+    <a:masterClrMapping/>
+  </p:clrMapOvr>
+</p:sld>
+</file>
+
+<file path=ppt/slides/slide19.xml><?xml version="1.0" encoding="utf-8"?>
+<p:sld xmlns:a="http://schemas.openxmlformats.org/drawingml/2006/main" xmlns:r="http://schemas.openxmlformats.org/officeDocument/2006/relationships" xmlns:p="http://schemas.openxmlformats.org/presentationml/2006/main">
+  <p:cSld>
+    <p:spTree>
+      <p:nvGrpSpPr>
+        <p:cNvPr id="1" name=""/>
+        <p:cNvGrpSpPr/>
+        <p:nvPr/>
+      </p:nvGrpSpPr>
+      <p:grpSpPr>
+        <a:xfrm>
+          <a:off x="0" y="0"/>
+          <a:ext cx="0" cy="0"/>
+          <a:chOff x="0" y="0"/>
+          <a:chExt cx="0" cy="0"/>
+        </a:xfrm>
+      </p:grpSpPr>
+      <p:sp>
+        <p:nvSpPr>
+          <p:cNvPr id="9" name="Заголовок 1">
+            <a:extLst>
+              <a:ext uri="{FF2B5EF4-FFF2-40B4-BE49-F238E27FC236}">
+                <a16:creationId xmlns:a16="http://schemas.microsoft.com/office/drawing/2014/main" id="{296E8557-2C11-4E65-A7DC-4FD9955DF42A}"/>
+              </a:ext>
+            </a:extLst>
+          </p:cNvPr>
+          <p:cNvSpPr txBox="1">
+            <a:spLocks/>
+          </p:cNvSpPr>
+          <p:nvPr/>
+        </p:nvSpPr>
+        <p:spPr>
+          <a:xfrm>
+            <a:off x="950096" y="2002143"/>
+            <a:ext cx="2738120" cy="954341"/>
+          </a:xfrm>
+          <a:prstGeom prst="rect">
+            <a:avLst/>
+          </a:prstGeom>
+        </p:spPr>
+        <p:txBody>
+          <a:bodyPr vert="horz" lIns="68580" tIns="34290" rIns="68580" bIns="34290" rtlCol="0" anchor="t">
+            <a:normAutofit fontScale="92500" lnSpcReduction="20000"/>
+          </a:bodyPr>
+          <a:lstStyle>
+            <a:lvl1pPr algn="l" defTabSz="457200" rtl="0" eaLnBrk="1" latinLnBrk="0" hangingPunct="1">
+              <a:spcBef>
+                <a:spcPct val="0"/>
+              </a:spcBef>
+              <a:buNone/>
+              <a:defRPr sz="3600" b="1" kern="1200">
+                <a:solidFill>
+                  <a:schemeClr val="accent2"/>
+                </a:solidFill>
+                <a:latin typeface="Open Sans" panose="020B0606030504020204" pitchFamily="34" charset="0"/>
+                <a:ea typeface="Open Sans" panose="020B0606030504020204" pitchFamily="34" charset="0"/>
+                <a:cs typeface="Open Sans" panose="020B0606030504020204" pitchFamily="34" charset="0"/>
+              </a:defRPr>
+            </a:lvl1pPr>
+            <a:lvl2pPr eaLnBrk="1" hangingPunct="1">
+              <a:defRPr>
+                <a:solidFill>
+                  <a:schemeClr val="tx2"/>
+                </a:solidFill>
+              </a:defRPr>
+            </a:lvl2pPr>
+            <a:lvl3pPr eaLnBrk="1" hangingPunct="1">
+              <a:defRPr>
+                <a:solidFill>
+                  <a:schemeClr val="tx2"/>
+                </a:solidFill>
+              </a:defRPr>
+            </a:lvl3pPr>
+            <a:lvl4pPr eaLnBrk="1" hangingPunct="1">
+              <a:defRPr>
+                <a:solidFill>
+                  <a:schemeClr val="tx2"/>
+                </a:solidFill>
+              </a:defRPr>
+            </a:lvl4pPr>
+            <a:lvl5pPr eaLnBrk="1" hangingPunct="1">
+              <a:defRPr>
+                <a:solidFill>
+                  <a:schemeClr val="tx2"/>
+                </a:solidFill>
+              </a:defRPr>
+            </a:lvl5pPr>
+            <a:lvl6pPr eaLnBrk="1" hangingPunct="1">
+              <a:defRPr>
+                <a:solidFill>
+                  <a:schemeClr val="tx2"/>
+                </a:solidFill>
+              </a:defRPr>
+            </a:lvl6pPr>
+            <a:lvl7pPr eaLnBrk="1" hangingPunct="1">
+              <a:defRPr>
+                <a:solidFill>
+                  <a:schemeClr val="tx2"/>
+                </a:solidFill>
+              </a:defRPr>
+            </a:lvl7pPr>
+            <a:lvl8pPr eaLnBrk="1" hangingPunct="1">
+              <a:defRPr>
+                <a:solidFill>
+                  <a:schemeClr val="tx2"/>
+                </a:solidFill>
+              </a:defRPr>
+            </a:lvl8pPr>
+            <a:lvl9pPr eaLnBrk="1" hangingPunct="1">
+              <a:defRPr>
+                <a:solidFill>
+                  <a:schemeClr val="tx2"/>
+                </a:solidFill>
+              </a:defRPr>
+            </a:lvl9pPr>
+          </a:lstStyle>
+          <a:p>
+            <a:r>
+              <a:rPr lang="ru-RU" sz="4350" dirty="0"/>
+              <a:t>Спасибо </a:t>
+            </a:r>
+          </a:p>
+          <a:p>
+            <a:r>
+              <a:rPr lang="ru-RU" sz="2700" dirty="0"/>
+              <a:t>за внимание!</a:t>
+            </a:r>
+          </a:p>
+        </p:txBody>
+      </p:sp>
+      <p:sp>
+        <p:nvSpPr>
+          <p:cNvPr id="10" name="Заголовок 1">
+            <a:extLst>
+              <a:ext uri="{FF2B5EF4-FFF2-40B4-BE49-F238E27FC236}">
+                <a16:creationId xmlns:a16="http://schemas.microsoft.com/office/drawing/2014/main" id="{94F517F1-B040-4C23-A1FC-87F348A889F9}"/>
+              </a:ext>
+            </a:extLst>
+          </p:cNvPr>
+          <p:cNvSpPr txBox="1">
+            <a:spLocks/>
+          </p:cNvSpPr>
+          <p:nvPr/>
+        </p:nvSpPr>
+        <p:spPr>
+          <a:xfrm>
+            <a:off x="950096" y="2907074"/>
+            <a:ext cx="2738120" cy="568158"/>
+          </a:xfrm>
+          <a:prstGeom prst="rect">
+            <a:avLst/>
+          </a:prstGeom>
+        </p:spPr>
+        <p:txBody>
+          <a:bodyPr vert="horz" lIns="68580" tIns="34290" rIns="68580" bIns="34290" rtlCol="0" anchor="t">
+            <a:normAutofit/>
+          </a:bodyPr>
+          <a:lstStyle>
+            <a:lvl1pPr algn="l" defTabSz="457200" rtl="0" eaLnBrk="1" latinLnBrk="0" hangingPunct="1">
+              <a:spcBef>
+                <a:spcPct val="0"/>
+              </a:spcBef>
+              <a:buNone/>
+              <a:defRPr sz="3600" b="1" kern="1200">
+                <a:solidFill>
+                  <a:schemeClr val="accent2"/>
+                </a:solidFill>
+                <a:latin typeface="Open Sans" panose="020B0606030504020204" pitchFamily="34" charset="0"/>
+                <a:ea typeface="Open Sans" panose="020B0606030504020204" pitchFamily="34" charset="0"/>
+                <a:cs typeface="Open Sans" panose="020B0606030504020204" pitchFamily="34" charset="0"/>
+              </a:defRPr>
+            </a:lvl1pPr>
+            <a:lvl2pPr eaLnBrk="1" hangingPunct="1">
+              <a:defRPr>
+                <a:solidFill>
+                  <a:schemeClr val="tx2"/>
+                </a:solidFill>
+              </a:defRPr>
+            </a:lvl2pPr>
+            <a:lvl3pPr eaLnBrk="1" hangingPunct="1">
+              <a:defRPr>
+                <a:solidFill>
+                  <a:schemeClr val="tx2"/>
+                </a:solidFill>
+              </a:defRPr>
+            </a:lvl3pPr>
+            <a:lvl4pPr eaLnBrk="1" hangingPunct="1">
+              <a:defRPr>
+                <a:solidFill>
+                  <a:schemeClr val="tx2"/>
+                </a:solidFill>
+              </a:defRPr>
+            </a:lvl4pPr>
+            <a:lvl5pPr eaLnBrk="1" hangingPunct="1">
+              <a:defRPr>
+                <a:solidFill>
+                  <a:schemeClr val="tx2"/>
+                </a:solidFill>
+              </a:defRPr>
+            </a:lvl5pPr>
+            <a:lvl6pPr eaLnBrk="1" hangingPunct="1">
+              <a:defRPr>
+                <a:solidFill>
+                  <a:schemeClr val="tx2"/>
+                </a:solidFill>
+              </a:defRPr>
+            </a:lvl6pPr>
+            <a:lvl7pPr eaLnBrk="1" hangingPunct="1">
+              <a:defRPr>
+                <a:solidFill>
+                  <a:schemeClr val="tx2"/>
+                </a:solidFill>
+              </a:defRPr>
+            </a:lvl7pPr>
+            <a:lvl8pPr eaLnBrk="1" hangingPunct="1">
+              <a:defRPr>
+                <a:solidFill>
+                  <a:schemeClr val="tx2"/>
+                </a:solidFill>
+              </a:defRPr>
+            </a:lvl8pPr>
+            <a:lvl9pPr eaLnBrk="1" hangingPunct="1">
+              <a:defRPr>
+                <a:solidFill>
+                  <a:schemeClr val="tx2"/>
+                </a:solidFill>
+              </a:defRPr>
+            </a:lvl9pPr>
+          </a:lstStyle>
+          <a:p>
+            <a:r>
+              <a:rPr lang="ru-RU" sz="2400" b="0" dirty="0"/>
+              <a:t>Ваши вопросы…</a:t>
+            </a:r>
+          </a:p>
+        </p:txBody>
+      </p:sp>
+      <p:pic>
+        <p:nvPicPr>
+          <p:cNvPr id="3" name="Рисунок 2">
+            <a:extLst>
+              <a:ext uri="{FF2B5EF4-FFF2-40B4-BE49-F238E27FC236}">
+                <a16:creationId xmlns:a16="http://schemas.microsoft.com/office/drawing/2014/main" id="{C81D53B5-DE19-479B-83BD-E3D8F3DB288E}"/>
+              </a:ext>
+            </a:extLst>
+          </p:cNvPr>
+          <p:cNvPicPr>
+            <a:picLocks noChangeAspect="1"/>
+          </p:cNvPicPr>
+          <p:nvPr/>
+        </p:nvPicPr>
+        <p:blipFill>
+          <a:blip r:embed="rId2">
+            <a:extLst>
+              <a:ext uri="{96DAC541-7B7A-43D3-8B79-37D633B846F1}">
+                <asvg:svgBlip xmlns:asvg="http://schemas.microsoft.com/office/drawing/2016/SVG/main" r:embed="rId3"/>
+              </a:ext>
+            </a:extLst>
+          </a:blip>
+          <a:stretch>
+            <a:fillRect/>
+          </a:stretch>
+        </p:blipFill>
+        <p:spPr>
+          <a:xfrm>
+            <a:off x="3315140" y="259241"/>
+            <a:ext cx="4803326" cy="4803326"/>
+          </a:xfrm>
+          <a:prstGeom prst="rect">
+            <a:avLst/>
+          </a:prstGeom>
+        </p:spPr>
+      </p:pic>
+    </p:spTree>
+    <p:extLst>
+      <p:ext uri="{BB962C8B-B14F-4D97-AF65-F5344CB8AC3E}">
+        <p14:creationId xmlns:p14="http://schemas.microsoft.com/office/powerpoint/2010/main" val="1405911375"/>
       </p:ext>
     </p:extLst>
   </p:cSld>
@@ -10036,292 +9935,6 @@
     <p:extLst>
       <p:ext uri="{BB962C8B-B14F-4D97-AF65-F5344CB8AC3E}">
         <p14:creationId xmlns:p14="http://schemas.microsoft.com/office/powerpoint/2010/main" val="813924170"/>
-      </p:ext>
-    </p:extLst>
-  </p:cSld>
-  <p:clrMapOvr>
-    <a:masterClrMapping/>
-  </p:clrMapOvr>
-</p:sld>
-</file>
-
-<file path=ppt/slides/slide20.xml><?xml version="1.0" encoding="utf-8"?>
-<p:sld xmlns:a="http://schemas.openxmlformats.org/drawingml/2006/main" xmlns:r="http://schemas.openxmlformats.org/officeDocument/2006/relationships" xmlns:p="http://schemas.openxmlformats.org/presentationml/2006/main">
-  <p:cSld>
-    <p:spTree>
-      <p:nvGrpSpPr>
-        <p:cNvPr id="1" name=""/>
-        <p:cNvGrpSpPr/>
-        <p:nvPr/>
-      </p:nvGrpSpPr>
-      <p:grpSpPr>
-        <a:xfrm>
-          <a:off x="0" y="0"/>
-          <a:ext cx="0" cy="0"/>
-          <a:chOff x="0" y="0"/>
-          <a:chExt cx="0" cy="0"/>
-        </a:xfrm>
-      </p:grpSpPr>
-      <p:sp>
-        <p:nvSpPr>
-          <p:cNvPr id="9" name="Заголовок 1">
-            <a:extLst>
-              <a:ext uri="{FF2B5EF4-FFF2-40B4-BE49-F238E27FC236}">
-                <a16:creationId xmlns:a16="http://schemas.microsoft.com/office/drawing/2014/main" id="{296E8557-2C11-4E65-A7DC-4FD9955DF42A}"/>
-              </a:ext>
-            </a:extLst>
-          </p:cNvPr>
-          <p:cNvSpPr txBox="1">
-            <a:spLocks/>
-          </p:cNvSpPr>
-          <p:nvPr/>
-        </p:nvSpPr>
-        <p:spPr>
-          <a:xfrm>
-            <a:off x="950096" y="2002143"/>
-            <a:ext cx="2738120" cy="954341"/>
-          </a:xfrm>
-          <a:prstGeom prst="rect">
-            <a:avLst/>
-          </a:prstGeom>
-        </p:spPr>
-        <p:txBody>
-          <a:bodyPr vert="horz" lIns="68580" tIns="34290" rIns="68580" bIns="34290" rtlCol="0" anchor="t">
-            <a:normAutofit fontScale="92500" lnSpcReduction="20000"/>
-          </a:bodyPr>
-          <a:lstStyle>
-            <a:lvl1pPr algn="l" defTabSz="457200" rtl="0" eaLnBrk="1" latinLnBrk="0" hangingPunct="1">
-              <a:spcBef>
-                <a:spcPct val="0"/>
-              </a:spcBef>
-              <a:buNone/>
-              <a:defRPr sz="3600" b="1" kern="1200">
-                <a:solidFill>
-                  <a:schemeClr val="accent2"/>
-                </a:solidFill>
-                <a:latin typeface="Open Sans" panose="020B0606030504020204" pitchFamily="34" charset="0"/>
-                <a:ea typeface="Open Sans" panose="020B0606030504020204" pitchFamily="34" charset="0"/>
-                <a:cs typeface="Open Sans" panose="020B0606030504020204" pitchFamily="34" charset="0"/>
-              </a:defRPr>
-            </a:lvl1pPr>
-            <a:lvl2pPr eaLnBrk="1" hangingPunct="1">
-              <a:defRPr>
-                <a:solidFill>
-                  <a:schemeClr val="tx2"/>
-                </a:solidFill>
-              </a:defRPr>
-            </a:lvl2pPr>
-            <a:lvl3pPr eaLnBrk="1" hangingPunct="1">
-              <a:defRPr>
-                <a:solidFill>
-                  <a:schemeClr val="tx2"/>
-                </a:solidFill>
-              </a:defRPr>
-            </a:lvl3pPr>
-            <a:lvl4pPr eaLnBrk="1" hangingPunct="1">
-              <a:defRPr>
-                <a:solidFill>
-                  <a:schemeClr val="tx2"/>
-                </a:solidFill>
-              </a:defRPr>
-            </a:lvl4pPr>
-            <a:lvl5pPr eaLnBrk="1" hangingPunct="1">
-              <a:defRPr>
-                <a:solidFill>
-                  <a:schemeClr val="tx2"/>
-                </a:solidFill>
-              </a:defRPr>
-            </a:lvl5pPr>
-            <a:lvl6pPr eaLnBrk="1" hangingPunct="1">
-              <a:defRPr>
-                <a:solidFill>
-                  <a:schemeClr val="tx2"/>
-                </a:solidFill>
-              </a:defRPr>
-            </a:lvl6pPr>
-            <a:lvl7pPr eaLnBrk="1" hangingPunct="1">
-              <a:defRPr>
-                <a:solidFill>
-                  <a:schemeClr val="tx2"/>
-                </a:solidFill>
-              </a:defRPr>
-            </a:lvl7pPr>
-            <a:lvl8pPr eaLnBrk="1" hangingPunct="1">
-              <a:defRPr>
-                <a:solidFill>
-                  <a:schemeClr val="tx2"/>
-                </a:solidFill>
-              </a:defRPr>
-            </a:lvl8pPr>
-            <a:lvl9pPr eaLnBrk="1" hangingPunct="1">
-              <a:defRPr>
-                <a:solidFill>
-                  <a:schemeClr val="tx2"/>
-                </a:solidFill>
-              </a:defRPr>
-            </a:lvl9pPr>
-          </a:lstStyle>
-          <a:p>
-            <a:r>
-              <a:rPr lang="ru-RU" sz="4350" dirty="0"/>
-              <a:t>Спасибо </a:t>
-            </a:r>
-          </a:p>
-          <a:p>
-            <a:r>
-              <a:rPr lang="ru-RU" sz="2700" dirty="0"/>
-              <a:t>за внимание!</a:t>
-            </a:r>
-          </a:p>
-        </p:txBody>
-      </p:sp>
-      <p:sp>
-        <p:nvSpPr>
-          <p:cNvPr id="10" name="Заголовок 1">
-            <a:extLst>
-              <a:ext uri="{FF2B5EF4-FFF2-40B4-BE49-F238E27FC236}">
-                <a16:creationId xmlns:a16="http://schemas.microsoft.com/office/drawing/2014/main" id="{94F517F1-B040-4C23-A1FC-87F348A889F9}"/>
-              </a:ext>
-            </a:extLst>
-          </p:cNvPr>
-          <p:cNvSpPr txBox="1">
-            <a:spLocks/>
-          </p:cNvSpPr>
-          <p:nvPr/>
-        </p:nvSpPr>
-        <p:spPr>
-          <a:xfrm>
-            <a:off x="950096" y="2907074"/>
-            <a:ext cx="2738120" cy="568158"/>
-          </a:xfrm>
-          <a:prstGeom prst="rect">
-            <a:avLst/>
-          </a:prstGeom>
-        </p:spPr>
-        <p:txBody>
-          <a:bodyPr vert="horz" lIns="68580" tIns="34290" rIns="68580" bIns="34290" rtlCol="0" anchor="t">
-            <a:normAutofit/>
-          </a:bodyPr>
-          <a:lstStyle>
-            <a:lvl1pPr algn="l" defTabSz="457200" rtl="0" eaLnBrk="1" latinLnBrk="0" hangingPunct="1">
-              <a:spcBef>
-                <a:spcPct val="0"/>
-              </a:spcBef>
-              <a:buNone/>
-              <a:defRPr sz="3600" b="1" kern="1200">
-                <a:solidFill>
-                  <a:schemeClr val="accent2"/>
-                </a:solidFill>
-                <a:latin typeface="Open Sans" panose="020B0606030504020204" pitchFamily="34" charset="0"/>
-                <a:ea typeface="Open Sans" panose="020B0606030504020204" pitchFamily="34" charset="0"/>
-                <a:cs typeface="Open Sans" panose="020B0606030504020204" pitchFamily="34" charset="0"/>
-              </a:defRPr>
-            </a:lvl1pPr>
-            <a:lvl2pPr eaLnBrk="1" hangingPunct="1">
-              <a:defRPr>
-                <a:solidFill>
-                  <a:schemeClr val="tx2"/>
-                </a:solidFill>
-              </a:defRPr>
-            </a:lvl2pPr>
-            <a:lvl3pPr eaLnBrk="1" hangingPunct="1">
-              <a:defRPr>
-                <a:solidFill>
-                  <a:schemeClr val="tx2"/>
-                </a:solidFill>
-              </a:defRPr>
-            </a:lvl3pPr>
-            <a:lvl4pPr eaLnBrk="1" hangingPunct="1">
-              <a:defRPr>
-                <a:solidFill>
-                  <a:schemeClr val="tx2"/>
-                </a:solidFill>
-              </a:defRPr>
-            </a:lvl4pPr>
-            <a:lvl5pPr eaLnBrk="1" hangingPunct="1">
-              <a:defRPr>
-                <a:solidFill>
-                  <a:schemeClr val="tx2"/>
-                </a:solidFill>
-              </a:defRPr>
-            </a:lvl5pPr>
-            <a:lvl6pPr eaLnBrk="1" hangingPunct="1">
-              <a:defRPr>
-                <a:solidFill>
-                  <a:schemeClr val="tx2"/>
-                </a:solidFill>
-              </a:defRPr>
-            </a:lvl6pPr>
-            <a:lvl7pPr eaLnBrk="1" hangingPunct="1">
-              <a:defRPr>
-                <a:solidFill>
-                  <a:schemeClr val="tx2"/>
-                </a:solidFill>
-              </a:defRPr>
-            </a:lvl7pPr>
-            <a:lvl8pPr eaLnBrk="1" hangingPunct="1">
-              <a:defRPr>
-                <a:solidFill>
-                  <a:schemeClr val="tx2"/>
-                </a:solidFill>
-              </a:defRPr>
-            </a:lvl8pPr>
-            <a:lvl9pPr eaLnBrk="1" hangingPunct="1">
-              <a:defRPr>
-                <a:solidFill>
-                  <a:schemeClr val="tx2"/>
-                </a:solidFill>
-              </a:defRPr>
-            </a:lvl9pPr>
-          </a:lstStyle>
-          <a:p>
-            <a:r>
-              <a:rPr lang="ru-RU" sz="2400" b="0" dirty="0"/>
-              <a:t>Ваши вопросы…</a:t>
-            </a:r>
-          </a:p>
-        </p:txBody>
-      </p:sp>
-      <p:pic>
-        <p:nvPicPr>
-          <p:cNvPr id="3" name="Рисунок 2">
-            <a:extLst>
-              <a:ext uri="{FF2B5EF4-FFF2-40B4-BE49-F238E27FC236}">
-                <a16:creationId xmlns:a16="http://schemas.microsoft.com/office/drawing/2014/main" id="{C81D53B5-DE19-479B-83BD-E3D8F3DB288E}"/>
-              </a:ext>
-            </a:extLst>
-          </p:cNvPr>
-          <p:cNvPicPr>
-            <a:picLocks noChangeAspect="1"/>
-          </p:cNvPicPr>
-          <p:nvPr/>
-        </p:nvPicPr>
-        <p:blipFill>
-          <a:blip r:embed="rId2">
-            <a:extLst>
-              <a:ext uri="{96DAC541-7B7A-43D3-8B79-37D633B846F1}">
-                <asvg:svgBlip xmlns:asvg="http://schemas.microsoft.com/office/drawing/2016/SVG/main" r:embed="rId3"/>
-              </a:ext>
-            </a:extLst>
-          </a:blip>
-          <a:stretch>
-            <a:fillRect/>
-          </a:stretch>
-        </p:blipFill>
-        <p:spPr>
-          <a:xfrm>
-            <a:off x="3315140" y="259241"/>
-            <a:ext cx="4803326" cy="4803326"/>
-          </a:xfrm>
-          <a:prstGeom prst="rect">
-            <a:avLst/>
-          </a:prstGeom>
-        </p:spPr>
-      </p:pic>
-    </p:spTree>
-    <p:extLst>
-      <p:ext uri="{BB962C8B-B14F-4D97-AF65-F5344CB8AC3E}">
-        <p14:creationId xmlns:p14="http://schemas.microsoft.com/office/powerpoint/2010/main" val="1405911375"/>
       </p:ext>
     </p:extLst>
   </p:cSld>
@@ -11127,7 +10740,7 @@
         </p:nvSpPr>
         <p:spPr>
           <a:xfrm>
-            <a:off x="1173641" y="1008182"/>
+            <a:off x="913876" y="1490257"/>
             <a:ext cx="3277589" cy="2369880"/>
           </a:xfrm>
           <a:prstGeom prst="rect">
@@ -11169,13 +10782,22 @@
           </a:p>
           <a:p>
             <a:r>
+              <a:rPr lang="ru-RU" sz="3200" dirty="0">
+                <a:solidFill>
+                  <a:srgbClr val="222222"/>
+                </a:solidFill>
+                <a:latin typeface="Arial" panose="020B0604020202020204" pitchFamily="34" charset="0"/>
+              </a:rPr>
+              <a:t>12.15-13</a:t>
+            </a:r>
+            <a:r>
               <a:rPr lang="en-US" sz="3200" dirty="0">
                 <a:solidFill>
                   <a:srgbClr val="222222"/>
                 </a:solidFill>
                 <a:latin typeface="Arial" panose="020B0604020202020204" pitchFamily="34" charset="0"/>
               </a:rPr>
-              <a:t>9</a:t>
+              <a:t>:</a:t>
             </a:r>
             <a:r>
               <a:rPr lang="ru-RU" sz="3200" dirty="0">
@@ -11184,7 +10806,18 @@
                 </a:solidFill>
                 <a:latin typeface="Arial" panose="020B0604020202020204" pitchFamily="34" charset="0"/>
               </a:rPr>
-              <a:t>.00-1</a:t>
+              <a:t>35</a:t>
+            </a:r>
+          </a:p>
+          <a:p>
+            <a:r>
+              <a:rPr lang="ru-RU" sz="3200">
+                <a:solidFill>
+                  <a:srgbClr val="222222"/>
+                </a:solidFill>
+                <a:latin typeface="Arial" panose="020B0604020202020204" pitchFamily="34" charset="0"/>
+              </a:rPr>
+              <a:t>13.45-15</a:t>
             </a:r>
             <a:r>
               <a:rPr lang="en-US" sz="3200" dirty="0">
@@ -11193,18 +10826,16 @@
                 </a:solidFill>
                 <a:latin typeface="Arial" panose="020B0604020202020204" pitchFamily="34" charset="0"/>
               </a:rPr>
-              <a:t>0:25</a:t>
-            </a:r>
-          </a:p>
-          <a:p>
-            <a:r>
-              <a:rPr lang="en-US" sz="3200" dirty="0">
+              <a:t>:</a:t>
+            </a:r>
+            <a:r>
+              <a:rPr lang="ru-RU" sz="3200" dirty="0">
                 <a:solidFill>
                   <a:srgbClr val="222222"/>
                 </a:solidFill>
                 <a:latin typeface="Arial" panose="020B0604020202020204" pitchFamily="34" charset="0"/>
               </a:rPr>
-              <a:t>10:35-12:00</a:t>
+              <a:t>00</a:t>
             </a:r>
           </a:p>
         </p:txBody>
@@ -11593,430 +11224,364 @@
       </p:grpSpPr>
       <p:sp>
         <p:nvSpPr>
-          <p:cNvPr id="2" name="Заголовок 1"/>
-          <p:cNvSpPr>
-            <a:spLocks noGrp="1"/>
-          </p:cNvSpPr>
-          <p:nvPr>
-            <p:ph type="title"/>
-          </p:nvPr>
-        </p:nvSpPr>
-        <p:spPr/>
-        <p:txBody>
-          <a:bodyPr>
-            <a:normAutofit fontScale="90000"/>
+          <p:cNvPr id="4" name="Заголовок 1">
+            <a:extLst>
+              <a:ext uri="{FF2B5EF4-FFF2-40B4-BE49-F238E27FC236}">
+                <a16:creationId xmlns:a16="http://schemas.microsoft.com/office/drawing/2014/main" id="{11FA8981-A2D9-4616-9140-06BCE3C18F48}"/>
+              </a:ext>
+            </a:extLst>
+          </p:cNvPr>
+          <p:cNvSpPr txBox="1">
+            <a:spLocks/>
+          </p:cNvSpPr>
+          <p:nvPr/>
+        </p:nvSpPr>
+        <p:spPr>
+          <a:xfrm>
+            <a:off x="318608" y="521892"/>
+            <a:ext cx="7562649" cy="560657"/>
+          </a:xfrm>
+          <a:prstGeom prst="rect">
+            <a:avLst/>
+          </a:prstGeom>
+        </p:spPr>
+        <p:txBody>
+          <a:bodyPr lIns="0" tIns="0" rIns="0" bIns="0" anchor="ctr">
+            <a:noAutofit/>
+          </a:bodyPr>
+          <a:lstStyle>
+            <a:lvl1pPr algn="l" defTabSz="914400" rtl="0" eaLnBrk="1" latinLnBrk="0" hangingPunct="1">
+              <a:lnSpc>
+                <a:spcPct val="90000"/>
+              </a:lnSpc>
+              <a:spcBef>
+                <a:spcPct val="0"/>
+              </a:spcBef>
+              <a:buNone/>
+              <a:defRPr sz="4400" kern="1200">
+                <a:solidFill>
+                  <a:schemeClr val="tx1"/>
+                </a:solidFill>
+                <a:latin typeface="+mj-lt"/>
+                <a:ea typeface="+mj-ea"/>
+                <a:cs typeface="+mj-cs"/>
+              </a:defRPr>
+            </a:lvl1pPr>
+          </a:lstStyle>
+          <a:p>
+            <a:r>
+              <a:rPr lang="ru-RU" sz="3600" b="1" dirty="0">
+                <a:solidFill>
+                  <a:schemeClr val="tx1">
+                    <a:lumMod val="95000"/>
+                    <a:lumOff val="5000"/>
+                  </a:schemeClr>
+                </a:solidFill>
+                <a:latin typeface="Yandex Sans Text Light" panose="02000000000000000000" pitchFamily="2" charset="-52"/>
+              </a:rPr>
+              <a:t>Модуль </a:t>
+            </a:r>
+            <a:r>
+              <a:rPr lang="en-US" sz="3600" b="1" dirty="0">
+                <a:solidFill>
+                  <a:schemeClr val="tx1">
+                    <a:lumMod val="95000"/>
+                    <a:lumOff val="5000"/>
+                  </a:schemeClr>
+                </a:solidFill>
+                <a:latin typeface="Yandex Sans Text Light" panose="02000000000000000000" pitchFamily="2" charset="-52"/>
+              </a:rPr>
+              <a:t>1</a:t>
+            </a:r>
+            <a:r>
+              <a:rPr lang="ru-RU" sz="3600" b="1" dirty="0">
+                <a:solidFill>
+                  <a:schemeClr val="tx1">
+                    <a:lumMod val="95000"/>
+                    <a:lumOff val="5000"/>
+                  </a:schemeClr>
+                </a:solidFill>
+                <a:latin typeface="Yandex Sans Text Light" panose="02000000000000000000" pitchFamily="2" charset="-52"/>
+              </a:rPr>
+              <a:t>. Функциональное программирование</a:t>
+            </a:r>
+          </a:p>
+        </p:txBody>
+      </p:sp>
+      <p:sp>
+        <p:nvSpPr>
+          <p:cNvPr id="5" name="Прямоугольник 4">
+            <a:extLst>
+              <a:ext uri="{FF2B5EF4-FFF2-40B4-BE49-F238E27FC236}">
+                <a16:creationId xmlns:a16="http://schemas.microsoft.com/office/drawing/2014/main" id="{295D0025-0DC1-412B-AED6-ADED939D6CC6}"/>
+              </a:ext>
+            </a:extLst>
+          </p:cNvPr>
+          <p:cNvSpPr/>
+          <p:nvPr/>
+        </p:nvSpPr>
+        <p:spPr>
+          <a:xfrm>
+            <a:off x="178713" y="1974898"/>
+            <a:ext cx="8596793" cy="2308324"/>
+          </a:xfrm>
+          <a:prstGeom prst="rect">
+            <a:avLst/>
+          </a:prstGeom>
+        </p:spPr>
+        <p:txBody>
+          <a:bodyPr wrap="square">
+            <a:spAutoFit/>
           </a:bodyPr>
           <a:lstStyle/>
           <a:p>
-            <a:r>
-              <a:rPr lang="ru-RU" dirty="0">
-                <a:latin typeface="Segoe UI Light" panose="020B0502040204020203" pitchFamily="34" charset="0"/>
-                <a:cs typeface="Segoe UI Light" panose="020B0502040204020203" pitchFamily="34" charset="0"/>
-              </a:rPr>
-              <a:t>Организационные </a:t>
-            </a:r>
-            <a:br>
-              <a:rPr lang="en-US" dirty="0">
-                <a:latin typeface="Segoe UI Light" panose="020B0502040204020203" pitchFamily="34" charset="0"/>
-                <a:cs typeface="Segoe UI Light" panose="020B0502040204020203" pitchFamily="34" charset="0"/>
-              </a:rPr>
-            </a:br>
-            <a:r>
-              <a:rPr lang="ru-RU" dirty="0">
-                <a:latin typeface="Segoe UI Light" panose="020B0502040204020203" pitchFamily="34" charset="0"/>
-                <a:cs typeface="Segoe UI Light" panose="020B0502040204020203" pitchFamily="34" charset="0"/>
-              </a:rPr>
-              <a:t>моменты</a:t>
-            </a:r>
-          </a:p>
-        </p:txBody>
-      </p:sp>
-      <p:sp>
-        <p:nvSpPr>
-          <p:cNvPr id="3" name="Объект 2"/>
-          <p:cNvSpPr>
-            <a:spLocks noGrp="1"/>
-          </p:cNvSpPr>
-          <p:nvPr>
-            <p:ph type="subTitle"/>
-          </p:nvPr>
-        </p:nvSpPr>
-        <p:spPr>
-          <a:xfrm>
-            <a:off x="628560" y="1400830"/>
-            <a:ext cx="7886520" cy="3263040"/>
-          </a:xfrm>
-        </p:spPr>
-        <p:txBody>
-          <a:bodyPr numCol="2">
-            <a:noAutofit/>
-          </a:bodyPr>
-          <a:lstStyle/>
-          <a:p>
-            <a:pPr marL="0" indent="0">
-              <a:buNone/>
+            <a:pPr marL="342900" lvl="0" indent="-342900">
+              <a:buFont typeface="+mj-lt"/>
+              <a:buAutoNum type="arabicPeriod"/>
             </a:pPr>
             <a:r>
-              <a:rPr lang="ru-RU" sz="2000" i="1" u="sng" dirty="0">
-                <a:latin typeface="Segoe UI Light" panose="020B0502040204020203" pitchFamily="34" charset="0"/>
-                <a:cs typeface="Segoe UI Light" panose="020B0502040204020203" pitchFamily="34" charset="0"/>
-              </a:rPr>
-              <a:t>Правила совместной работы:</a:t>
-            </a:r>
-            <a:endParaRPr lang="ru-RU" sz="2000" dirty="0">
+              <a:rPr lang="ru-RU" sz="2400" dirty="0">
+                <a:solidFill>
+                  <a:schemeClr val="tx1">
+                    <a:lumMod val="95000"/>
+                    <a:lumOff val="5000"/>
+                  </a:schemeClr>
+                </a:solidFill>
+              </a:rPr>
+              <a:t>Функция как объект. Паттерн «Фабрика функций»</a:t>
+            </a:r>
+          </a:p>
+          <a:p>
+            <a:pPr marL="342900" lvl="0" indent="-342900">
+              <a:buFont typeface="+mj-lt"/>
+              <a:buAutoNum type="arabicPeriod"/>
+            </a:pPr>
+            <a:r>
+              <a:rPr lang="ru-RU" sz="2400" dirty="0">
+                <a:solidFill>
+                  <a:schemeClr val="tx1">
+                    <a:lumMod val="95000"/>
+                    <a:lumOff val="5000"/>
+                  </a:schemeClr>
+                </a:solidFill>
+              </a:rPr>
+              <a:t>Анонимные функции. Сортировка коллекций по ключу</a:t>
+            </a:r>
+          </a:p>
+          <a:p>
+            <a:pPr marL="342900" lvl="0" indent="-342900">
+              <a:buFont typeface="+mj-lt"/>
+              <a:buAutoNum type="arabicPeriod"/>
+            </a:pPr>
+            <a:r>
+              <a:rPr lang="ru-RU" sz="2400" dirty="0">
+                <a:solidFill>
+                  <a:schemeClr val="tx1">
+                    <a:lumMod val="95000"/>
+                    <a:lumOff val="5000"/>
+                  </a:schemeClr>
+                </a:solidFill>
+              </a:rPr>
+              <a:t>Применение функций </a:t>
+            </a:r>
+            <a:r>
+              <a:rPr lang="en-US" sz="2400" dirty="0">
+                <a:solidFill>
+                  <a:schemeClr val="tx1">
+                    <a:lumMod val="95000"/>
+                    <a:lumOff val="5000"/>
+                  </a:schemeClr>
+                </a:solidFill>
+              </a:rPr>
+              <a:t>all</a:t>
+            </a:r>
+            <a:r>
+              <a:rPr lang="ru-RU" sz="2400" dirty="0">
+                <a:solidFill>
+                  <a:schemeClr val="tx1">
+                    <a:lumMod val="95000"/>
+                    <a:lumOff val="5000"/>
+                  </a:schemeClr>
+                </a:solidFill>
+              </a:rPr>
+              <a:t> и </a:t>
+            </a:r>
+            <a:r>
+              <a:rPr lang="en-US" sz="2400" dirty="0">
+                <a:solidFill>
+                  <a:schemeClr val="tx1">
+                    <a:lumMod val="95000"/>
+                    <a:lumOff val="5000"/>
+                  </a:schemeClr>
+                </a:solidFill>
+              </a:rPr>
+              <a:t>any</a:t>
+            </a:r>
+            <a:endParaRPr lang="ru-RU" sz="2400" dirty="0">
               <a:solidFill>
-                <a:srgbClr val="0070C0"/>
+                <a:schemeClr val="tx1">
+                  <a:lumMod val="95000"/>
+                  <a:lumOff val="5000"/>
+                </a:schemeClr>
               </a:solidFill>
-              <a:latin typeface="Segoe UI Light" panose="020B0502040204020203" pitchFamily="34" charset="0"/>
-              <a:cs typeface="Segoe UI Light" panose="020B0502040204020203" pitchFamily="34" charset="0"/>
             </a:endParaRPr>
           </a:p>
           <a:p>
-            <a:pPr marL="0" indent="0">
-              <a:buNone/>
+            <a:pPr marL="342900" lvl="0" indent="-342900">
+              <a:buFont typeface="+mj-lt"/>
+              <a:buAutoNum type="arabicPeriod"/>
             </a:pPr>
             <a:r>
-              <a:rPr lang="ru-RU" sz="2000" dirty="0">
-                <a:solidFill>
-                  <a:srgbClr val="86AA00"/>
-                </a:solidFill>
-                <a:latin typeface="Segoe UI Light" panose="020B0502040204020203" pitchFamily="34" charset="0"/>
-                <a:cs typeface="Segoe UI Light" panose="020B0502040204020203" pitchFamily="34" charset="0"/>
-              </a:rPr>
-              <a:t> </a:t>
-            </a:r>
-            <a:r>
-              <a:rPr lang="ru-RU" sz="2000" dirty="0">
-                <a:solidFill>
-                  <a:srgbClr val="2D2D2A"/>
-                </a:solidFill>
-                <a:latin typeface="Segoe UI Light" panose="020B0502040204020203" pitchFamily="34" charset="0"/>
-                <a:cs typeface="Segoe UI Light" panose="020B0502040204020203" pitchFamily="34" charset="0"/>
-              </a:rPr>
-              <a:t>Вопросы преподавателю</a:t>
-            </a:r>
-            <a:br>
-              <a:rPr lang="ru-RU" sz="2000" dirty="0">
-                <a:solidFill>
-                  <a:srgbClr val="2D2D2A"/>
-                </a:solidFill>
-                <a:latin typeface="Segoe UI Light" panose="020B0502040204020203" pitchFamily="34" charset="0"/>
-                <a:cs typeface="Segoe UI Light" panose="020B0502040204020203" pitchFamily="34" charset="0"/>
-              </a:rPr>
-            </a:br>
-            <a:r>
-              <a:rPr lang="ru-RU" sz="2000" dirty="0">
-                <a:solidFill>
-                  <a:srgbClr val="86AA00"/>
-                </a:solidFill>
-                <a:latin typeface="Segoe UI Light" panose="020B0502040204020203" pitchFamily="34" charset="0"/>
-                <a:cs typeface="Segoe UI Light" panose="020B0502040204020203" pitchFamily="34" charset="0"/>
-              </a:rPr>
-              <a:t> </a:t>
-            </a:r>
-            <a:r>
-              <a:rPr lang="ru-RU" sz="2000" dirty="0">
-                <a:solidFill>
-                  <a:srgbClr val="2D2D2A"/>
-                </a:solidFill>
-                <a:latin typeface="Segoe UI Light" panose="020B0502040204020203" pitchFamily="34" charset="0"/>
-                <a:cs typeface="Segoe UI Light" panose="020B0502040204020203" pitchFamily="34" charset="0"/>
-              </a:rPr>
-              <a:t>Правило поднятой руки</a:t>
-            </a:r>
-            <a:br>
-              <a:rPr lang="ru-RU" sz="2000" dirty="0">
-                <a:solidFill>
-                  <a:srgbClr val="2D2D2A"/>
-                </a:solidFill>
-                <a:latin typeface="Segoe UI Light" panose="020B0502040204020203" pitchFamily="34" charset="0"/>
-                <a:cs typeface="Segoe UI Light" panose="020B0502040204020203" pitchFamily="34" charset="0"/>
-              </a:rPr>
-            </a:br>
-            <a:r>
-              <a:rPr lang="ru-RU" sz="2000" dirty="0">
-                <a:solidFill>
-                  <a:srgbClr val="86AA00"/>
-                </a:solidFill>
-                <a:latin typeface="Segoe UI Light" panose="020B0502040204020203" pitchFamily="34" charset="0"/>
-                <a:cs typeface="Segoe UI Light" panose="020B0502040204020203" pitchFamily="34" charset="0"/>
-              </a:rPr>
-              <a:t> </a:t>
-            </a:r>
-            <a:r>
-              <a:rPr lang="ru-RU" sz="2000" dirty="0">
-                <a:solidFill>
-                  <a:srgbClr val="2D2D2A"/>
-                </a:solidFill>
-                <a:latin typeface="Segoe UI Light" panose="020B0502040204020203" pitchFamily="34" charset="0"/>
-                <a:cs typeface="Segoe UI Light" panose="020B0502040204020203" pitchFamily="34" charset="0"/>
-              </a:rPr>
-              <a:t>Уважение к мнению других участников</a:t>
-            </a:r>
-            <a:br>
-              <a:rPr lang="ru-RU" sz="2000" dirty="0">
-                <a:solidFill>
-                  <a:srgbClr val="2D2D2A"/>
-                </a:solidFill>
-                <a:latin typeface="Segoe UI Light" panose="020B0502040204020203" pitchFamily="34" charset="0"/>
-                <a:cs typeface="Segoe UI Light" panose="020B0502040204020203" pitchFamily="34" charset="0"/>
-              </a:rPr>
-            </a:br>
-            <a:endParaRPr lang="ru-RU" sz="2000" dirty="0">
-              <a:solidFill>
-                <a:srgbClr val="2D2D2A"/>
-              </a:solidFill>
-              <a:latin typeface="Segoe UI Light" panose="020B0502040204020203" pitchFamily="34" charset="0"/>
-              <a:cs typeface="Segoe UI Light" panose="020B0502040204020203" pitchFamily="34" charset="0"/>
-            </a:endParaRPr>
-          </a:p>
-          <a:p>
-            <a:pPr marL="0" indent="0">
-              <a:buNone/>
+              <a:rPr lang="ru-RU" sz="2400" dirty="0">
+                <a:solidFill>
+                  <a:schemeClr val="tx1">
+                    <a:lumMod val="95000"/>
+                    <a:lumOff val="5000"/>
+                  </a:schemeClr>
+                </a:solidFill>
+              </a:rPr>
+              <a:t>Функции высшего порядка (</a:t>
+            </a:r>
+            <a:r>
+              <a:rPr lang="en-US" sz="2400" dirty="0">
+                <a:solidFill>
+                  <a:schemeClr val="tx1">
+                    <a:lumMod val="95000"/>
+                    <a:lumOff val="5000"/>
+                  </a:schemeClr>
+                </a:solidFill>
+              </a:rPr>
+              <a:t>map</a:t>
+            </a:r>
+            <a:r>
+              <a:rPr lang="ru-RU" sz="2400" dirty="0">
+                <a:solidFill>
+                  <a:schemeClr val="tx1">
+                    <a:lumMod val="95000"/>
+                    <a:lumOff val="5000"/>
+                  </a:schemeClr>
+                </a:solidFill>
+              </a:rPr>
+              <a:t>, </a:t>
+            </a:r>
+            <a:r>
+              <a:rPr lang="en-US" sz="2400" dirty="0">
+                <a:solidFill>
+                  <a:schemeClr val="tx1">
+                    <a:lumMod val="95000"/>
+                    <a:lumOff val="5000"/>
+                  </a:schemeClr>
+                </a:solidFill>
+              </a:rPr>
+              <a:t>filter</a:t>
+            </a:r>
+            <a:r>
+              <a:rPr lang="ru-RU" sz="2400" dirty="0">
+                <a:solidFill>
+                  <a:schemeClr val="tx1">
+                    <a:lumMod val="95000"/>
+                    <a:lumOff val="5000"/>
+                  </a:schemeClr>
+                </a:solidFill>
+              </a:rPr>
+              <a:t>, </a:t>
+            </a:r>
+            <a:r>
+              <a:rPr lang="en-US" sz="2400" dirty="0">
+                <a:solidFill>
+                  <a:schemeClr val="tx1">
+                    <a:lumMod val="95000"/>
+                    <a:lumOff val="5000"/>
+                  </a:schemeClr>
+                </a:solidFill>
+              </a:rPr>
+              <a:t>reduce</a:t>
+            </a:r>
+            <a:r>
+              <a:rPr lang="ru-RU" sz="2400" dirty="0">
+                <a:solidFill>
+                  <a:schemeClr val="tx1">
+                    <a:lumMod val="95000"/>
+                    <a:lumOff val="5000"/>
+                  </a:schemeClr>
+                </a:solidFill>
+              </a:rPr>
+              <a:t>)</a:t>
+            </a:r>
+          </a:p>
+          <a:p>
+            <a:pPr marL="342900" lvl="0" indent="-342900">
+              <a:buFont typeface="+mj-lt"/>
+              <a:buAutoNum type="arabicPeriod"/>
             </a:pPr>
             <a:r>
-              <a:rPr lang="ru-RU" sz="1400" i="1" u="sng" dirty="0">
-                <a:latin typeface="Segoe UI Light" panose="020B0502040204020203" pitchFamily="34" charset="0"/>
-                <a:cs typeface="Segoe UI Light" panose="020B0502040204020203" pitchFamily="34" charset="0"/>
-              </a:rPr>
-              <a:t>Давайте знакомиться</a:t>
-            </a:r>
-          </a:p>
-          <a:p>
-            <a:pPr>
-              <a:buFont typeface="Wingdings" panose="05000000000000000000" pitchFamily="2" charset="2"/>
-              <a:buChar char="q"/>
+              <a:rPr lang="ru-RU" sz="2400" dirty="0">
+                <a:solidFill>
+                  <a:schemeClr val="tx1">
+                    <a:lumMod val="95000"/>
+                    <a:lumOff val="5000"/>
+                  </a:schemeClr>
+                </a:solidFill>
+              </a:rPr>
+              <a:t>Модуль </a:t>
+            </a:r>
+            <a:r>
+              <a:rPr lang="en-US" sz="2400" dirty="0" err="1">
+                <a:solidFill>
+                  <a:schemeClr val="tx1">
+                    <a:lumMod val="95000"/>
+                    <a:lumOff val="5000"/>
+                  </a:schemeClr>
+                </a:solidFill>
+              </a:rPr>
+              <a:t>itertools</a:t>
+            </a:r>
+            <a:r>
+              <a:rPr lang="en-US" sz="2400" dirty="0">
+                <a:solidFill>
+                  <a:schemeClr val="tx1">
+                    <a:lumMod val="95000"/>
+                    <a:lumOff val="5000"/>
+                  </a:schemeClr>
+                </a:solidFill>
+              </a:rPr>
+              <a:t> </a:t>
+            </a:r>
+            <a:r>
+              <a:rPr lang="ru-RU" sz="2400" dirty="0">
+                <a:solidFill>
+                  <a:schemeClr val="tx1">
+                    <a:lumMod val="95000"/>
+                    <a:lumOff val="5000"/>
+                  </a:schemeClr>
+                </a:solidFill>
+              </a:rPr>
+              <a:t>и комбинаторика</a:t>
+            </a:r>
+          </a:p>
+          <a:p>
+            <a:pPr marL="342900" lvl="0" indent="-342900">
+              <a:buFont typeface="+mj-lt"/>
+              <a:buAutoNum type="arabicPeriod"/>
             </a:pPr>
             <a:r>
-              <a:rPr lang="ru-RU" sz="2000" dirty="0">
-                <a:solidFill>
-                  <a:srgbClr val="2D2D2A"/>
-                </a:solidFill>
-                <a:latin typeface="Segoe UI Light" panose="020B0502040204020203" pitchFamily="34" charset="0"/>
-                <a:cs typeface="Segoe UI Light" panose="020B0502040204020203" pitchFamily="34" charset="0"/>
-              </a:rPr>
-              <a:t> Имя</a:t>
-            </a:r>
-          </a:p>
-          <a:p>
-            <a:pPr>
-              <a:buFont typeface="Wingdings" panose="05000000000000000000" pitchFamily="2" charset="2"/>
-              <a:buChar char="q"/>
-            </a:pPr>
-            <a:r>
-              <a:rPr lang="ru-RU" sz="2000" dirty="0">
-                <a:solidFill>
-                  <a:srgbClr val="2D2D2A"/>
-                </a:solidFill>
-                <a:latin typeface="Segoe UI Light" panose="020B0502040204020203" pitchFamily="34" charset="0"/>
-                <a:cs typeface="Segoe UI Light" panose="020B0502040204020203" pitchFamily="34" charset="0"/>
-              </a:rPr>
-              <a:t> Компания</a:t>
-            </a:r>
-          </a:p>
-          <a:p>
-            <a:pPr>
-              <a:buFont typeface="Wingdings" panose="05000000000000000000" pitchFamily="2" charset="2"/>
-              <a:buChar char="q"/>
-            </a:pPr>
-            <a:r>
-              <a:rPr lang="ru-RU" sz="2000" dirty="0">
-                <a:solidFill>
-                  <a:srgbClr val="2D2D2A"/>
-                </a:solidFill>
-                <a:latin typeface="Segoe UI Light" panose="020B0502040204020203" pitchFamily="34" charset="0"/>
-                <a:cs typeface="Segoe UI Light" panose="020B0502040204020203" pitchFamily="34" charset="0"/>
-              </a:rPr>
-              <a:t> Должность, роль</a:t>
-            </a:r>
-          </a:p>
-          <a:p>
-            <a:pPr>
-              <a:buFont typeface="Wingdings" panose="05000000000000000000" pitchFamily="2" charset="2"/>
-              <a:buChar char="q"/>
-            </a:pPr>
-            <a:r>
-              <a:rPr lang="ru-RU" sz="2000" dirty="0">
-                <a:solidFill>
-                  <a:srgbClr val="2D2D2A"/>
-                </a:solidFill>
-                <a:latin typeface="Segoe UI Light" panose="020B0502040204020203" pitchFamily="34" charset="0"/>
-                <a:cs typeface="Segoe UI Light" panose="020B0502040204020203" pitchFamily="34" charset="0"/>
-              </a:rPr>
-              <a:t> Ожидания от курса</a:t>
-            </a:r>
-            <a:br>
-              <a:rPr lang="ru-RU" sz="2000" dirty="0">
-                <a:solidFill>
-                  <a:srgbClr val="2D2D2A"/>
-                </a:solidFill>
-                <a:latin typeface="Segoe UI Light" panose="020B0502040204020203" pitchFamily="34" charset="0"/>
-                <a:cs typeface="Segoe UI Light" panose="020B0502040204020203" pitchFamily="34" charset="0"/>
-              </a:rPr>
-            </a:br>
-            <a:endParaRPr lang="ru-RU" sz="2000" dirty="0">
-              <a:solidFill>
-                <a:srgbClr val="2D2D2A"/>
-              </a:solidFill>
-              <a:latin typeface="Segoe UI Light" panose="020B0502040204020203" pitchFamily="34" charset="0"/>
-              <a:cs typeface="Segoe UI Light" panose="020B0502040204020203" pitchFamily="34" charset="0"/>
-            </a:endParaRPr>
-          </a:p>
-          <a:p>
-            <a:pPr marL="0" indent="0">
-              <a:buNone/>
-            </a:pPr>
-            <a:endParaRPr lang="ru-RU" sz="2000" dirty="0">
-              <a:solidFill>
-                <a:srgbClr val="2D2D2A"/>
-              </a:solidFill>
-              <a:latin typeface="Segoe UI Light" panose="020B0502040204020203" pitchFamily="34" charset="0"/>
-              <a:cs typeface="Segoe UI Light" panose="020B0502040204020203" pitchFamily="34" charset="0"/>
-            </a:endParaRPr>
-          </a:p>
-          <a:p>
-            <a:pPr marL="0" indent="0">
-              <a:buNone/>
-            </a:pPr>
-            <a:endParaRPr lang="ru-RU" sz="2000" dirty="0">
-              <a:solidFill>
-                <a:srgbClr val="2D2D2A"/>
-              </a:solidFill>
-              <a:latin typeface="Segoe UI Light" panose="020B0502040204020203" pitchFamily="34" charset="0"/>
-              <a:cs typeface="Segoe UI Light" panose="020B0502040204020203" pitchFamily="34" charset="0"/>
-            </a:endParaRPr>
-          </a:p>
-          <a:p>
-            <a:pPr marL="0" indent="0">
-              <a:buNone/>
-            </a:pPr>
-            <a:endParaRPr lang="ru-RU" sz="2000" dirty="0">
-              <a:solidFill>
-                <a:srgbClr val="2D2D2A"/>
-              </a:solidFill>
-              <a:latin typeface="Segoe UI Light" panose="020B0502040204020203" pitchFamily="34" charset="0"/>
-              <a:cs typeface="Segoe UI Light" panose="020B0502040204020203" pitchFamily="34" charset="0"/>
-            </a:endParaRPr>
-          </a:p>
-          <a:p>
-            <a:pPr marL="0" indent="0">
-              <a:buNone/>
-            </a:pPr>
-            <a:endParaRPr lang="ru-RU" sz="2000" dirty="0">
-              <a:solidFill>
-                <a:srgbClr val="2D2D2A"/>
-              </a:solidFill>
-              <a:latin typeface="Segoe UI Light" panose="020B0502040204020203" pitchFamily="34" charset="0"/>
-              <a:cs typeface="Segoe UI Light" panose="020B0502040204020203" pitchFamily="34" charset="0"/>
-            </a:endParaRPr>
-          </a:p>
-          <a:p>
-            <a:pPr marL="136922" indent="0">
-              <a:buNone/>
-            </a:pPr>
-            <a:endParaRPr lang="ru-RU" sz="2000" dirty="0">
-              <a:solidFill>
-                <a:srgbClr val="FF0000"/>
-              </a:solidFill>
-              <a:latin typeface="Segoe UI Light" panose="020B0502040204020203" pitchFamily="34" charset="0"/>
-              <a:cs typeface="Segoe UI Light" panose="020B0502040204020203" pitchFamily="34" charset="0"/>
-            </a:endParaRPr>
-          </a:p>
-          <a:p>
-            <a:pPr marL="136922" indent="0">
-              <a:buNone/>
-            </a:pPr>
-            <a:r>
-              <a:rPr lang="ru-RU" sz="2000" dirty="0">
-                <a:solidFill>
-                  <a:srgbClr val="FF0000"/>
-                </a:solidFill>
-                <a:latin typeface="Segoe UI Light" panose="020B0502040204020203" pitchFamily="34" charset="0"/>
-                <a:cs typeface="Segoe UI Light" panose="020B0502040204020203" pitchFamily="34" charset="0"/>
-              </a:rPr>
-              <a:t> </a:t>
-            </a:r>
-            <a:r>
-              <a:rPr lang="ru-RU" sz="2000" dirty="0">
-                <a:latin typeface="Segoe UI Light" panose="020B0502040204020203" pitchFamily="34" charset="0"/>
-                <a:cs typeface="Segoe UI Light" panose="020B0502040204020203" pitchFamily="34" charset="0"/>
-              </a:rPr>
-              <a:t>Мобильные телефоны</a:t>
-            </a:r>
-            <a:br>
-              <a:rPr lang="ru-RU" sz="2000" dirty="0">
-                <a:solidFill>
-                  <a:srgbClr val="2D2D2A"/>
-                </a:solidFill>
-                <a:latin typeface="Segoe UI Light" panose="020B0502040204020203" pitchFamily="34" charset="0"/>
-                <a:cs typeface="Segoe UI Light" panose="020B0502040204020203" pitchFamily="34" charset="0"/>
-              </a:rPr>
-            </a:br>
-            <a:r>
-              <a:rPr lang="ru-RU" sz="2000" dirty="0">
-                <a:solidFill>
-                  <a:srgbClr val="FF0000"/>
-                </a:solidFill>
-                <a:latin typeface="Segoe UI Light" panose="020B0502040204020203" pitchFamily="34" charset="0"/>
-                <a:cs typeface="Segoe UI Light" panose="020B0502040204020203" pitchFamily="34" charset="0"/>
-              </a:rPr>
-              <a:t> </a:t>
-            </a:r>
-            <a:r>
-              <a:rPr lang="ru-RU" sz="2000" dirty="0">
-                <a:solidFill>
-                  <a:srgbClr val="2D2D2A"/>
-                </a:solidFill>
-                <a:latin typeface="Segoe UI Light" panose="020B0502040204020203" pitchFamily="34" charset="0"/>
-                <a:cs typeface="Segoe UI Light" panose="020B0502040204020203" pitchFamily="34" charset="0"/>
-              </a:rPr>
-              <a:t>Опоздания</a:t>
-            </a:r>
-            <a:br>
-              <a:rPr lang="ru-RU" sz="2000" dirty="0">
-                <a:solidFill>
-                  <a:srgbClr val="2D2D2A"/>
-                </a:solidFill>
-                <a:latin typeface="Segoe UI Light" panose="020B0502040204020203" pitchFamily="34" charset="0"/>
-                <a:cs typeface="Segoe UI Light" panose="020B0502040204020203" pitchFamily="34" charset="0"/>
-              </a:rPr>
-            </a:br>
-            <a:r>
-              <a:rPr lang="ru-RU" sz="2000" dirty="0">
-                <a:solidFill>
-                  <a:srgbClr val="FF0000"/>
-                </a:solidFill>
-                <a:latin typeface="Segoe UI Light" panose="020B0502040204020203" pitchFamily="34" charset="0"/>
-                <a:cs typeface="Segoe UI Light" panose="020B0502040204020203" pitchFamily="34" charset="0"/>
-              </a:rPr>
-              <a:t> </a:t>
-            </a:r>
-            <a:r>
-              <a:rPr lang="ru-RU" sz="2000" dirty="0">
-                <a:solidFill>
-                  <a:srgbClr val="2D2D2A"/>
-                </a:solidFill>
-                <a:latin typeface="Segoe UI Light" panose="020B0502040204020203" pitchFamily="34" charset="0"/>
-                <a:cs typeface="Segoe UI Light" panose="020B0502040204020203" pitchFamily="34" charset="0"/>
-              </a:rPr>
-              <a:t>Приватные обсуждения</a:t>
-            </a:r>
-          </a:p>
-          <a:p>
-            <a:pPr marL="136922" indent="0">
-              <a:buNone/>
-            </a:pPr>
-            <a:endParaRPr lang="ru-RU" sz="2000" dirty="0">
-              <a:latin typeface="Segoe UI Light" panose="020B0502040204020203" pitchFamily="34" charset="0"/>
-              <a:cs typeface="Segoe UI Light" panose="020B0502040204020203" pitchFamily="34" charset="0"/>
-            </a:endParaRPr>
+              <a:rPr lang="ru-RU" sz="2400" dirty="0">
+                <a:solidFill>
+                  <a:schemeClr val="tx1">
+                    <a:lumMod val="95000"/>
+                    <a:lumOff val="5000"/>
+                  </a:schemeClr>
+                </a:solidFill>
+              </a:rPr>
+              <a:t>Практические задачи</a:t>
+            </a:r>
           </a:p>
         </p:txBody>
       </p:sp>
     </p:spTree>
     <p:extLst>
       <p:ext uri="{BB962C8B-B14F-4D97-AF65-F5344CB8AC3E}">
-        <p14:creationId xmlns:p14="http://schemas.microsoft.com/office/powerpoint/2010/main" val="2783297049"/>
+        <p14:creationId xmlns:p14="http://schemas.microsoft.com/office/powerpoint/2010/main" val="8449535"/>
       </p:ext>
     </p:extLst>
   </p:cSld>

--- a/m1/ppt/1.pptx
+++ b/m1/ppt/1.pptx
@@ -6,28 +6,36 @@
     <p:sldMasterId id="2147483681" r:id="rId2"/>
   </p:sldMasterIdLst>
   <p:notesMasterIdLst>
-    <p:notesMasterId r:id="rId22"/>
+    <p:notesMasterId r:id="rId30"/>
   </p:notesMasterIdLst>
   <p:sldIdLst>
     <p:sldId id="431" r:id="rId3"/>
     <p:sldId id="502" r:id="rId4"/>
-    <p:sldId id="505" r:id="rId5"/>
-    <p:sldId id="332" r:id="rId6"/>
-    <p:sldId id="412" r:id="rId7"/>
-    <p:sldId id="428" r:id="rId8"/>
-    <p:sldId id="318" r:id="rId9"/>
-    <p:sldId id="430" r:id="rId10"/>
-    <p:sldId id="506" r:id="rId11"/>
-    <p:sldId id="422" r:id="rId12"/>
-    <p:sldId id="423" r:id="rId13"/>
-    <p:sldId id="424" r:id="rId14"/>
-    <p:sldId id="425" r:id="rId15"/>
-    <p:sldId id="426" r:id="rId16"/>
-    <p:sldId id="503" r:id="rId17"/>
-    <p:sldId id="504" r:id="rId18"/>
-    <p:sldId id="257" r:id="rId19"/>
-    <p:sldId id="429" r:id="rId20"/>
-    <p:sldId id="363" r:id="rId21"/>
+    <p:sldId id="508" r:id="rId5"/>
+    <p:sldId id="428" r:id="rId6"/>
+    <p:sldId id="332" r:id="rId7"/>
+    <p:sldId id="412" r:id="rId8"/>
+    <p:sldId id="418" r:id="rId9"/>
+    <p:sldId id="429" r:id="rId10"/>
+    <p:sldId id="417" r:id="rId11"/>
+    <p:sldId id="416" r:id="rId12"/>
+    <p:sldId id="318" r:id="rId13"/>
+    <p:sldId id="430" r:id="rId14"/>
+    <p:sldId id="506" r:id="rId15"/>
+    <p:sldId id="422" r:id="rId16"/>
+    <p:sldId id="423" r:id="rId17"/>
+    <p:sldId id="424" r:id="rId18"/>
+    <p:sldId id="425" r:id="rId19"/>
+    <p:sldId id="426" r:id="rId20"/>
+    <p:sldId id="510" r:id="rId21"/>
+    <p:sldId id="511" r:id="rId22"/>
+    <p:sldId id="512" r:id="rId23"/>
+    <p:sldId id="509" r:id="rId24"/>
+    <p:sldId id="503" r:id="rId25"/>
+    <p:sldId id="504" r:id="rId26"/>
+    <p:sldId id="257" r:id="rId27"/>
+    <p:sldId id="300" r:id="rId28"/>
+    <p:sldId id="363" r:id="rId29"/>
   </p:sldIdLst>
   <p:sldSz cx="9144000" cy="5143500" type="screen16x9"/>
   <p:notesSz cx="7559675" cy="10691813"/>
@@ -216,7 +224,7 @@
           <a:p>
             <a:fld id="{7A6A0595-55A8-48ED-89D9-94EF8A794717}" type="datetimeFigureOut">
               <a:rPr lang="ru-RU" smtClean="0"/>
-              <a:t>07.11.2024</a:t>
+              <a:t>11.11.2024</a:t>
             </a:fld>
             <a:endParaRPr lang="ru-RU"/>
           </a:p>
@@ -483,6 +491,106 @@
 </p:notesMaster>
 </file>
 
+<file path=ppt/notesSlides/notesSlide1.xml><?xml version="1.0" encoding="utf-8"?>
+<p:notes xmlns:a="http://schemas.openxmlformats.org/drawingml/2006/main" xmlns:r="http://schemas.openxmlformats.org/officeDocument/2006/relationships" xmlns:p="http://schemas.openxmlformats.org/presentationml/2006/main">
+  <p:cSld>
+    <p:spTree>
+      <p:nvGrpSpPr>
+        <p:cNvPr id="1" name=""/>
+        <p:cNvGrpSpPr/>
+        <p:nvPr/>
+      </p:nvGrpSpPr>
+      <p:grpSpPr>
+        <a:xfrm>
+          <a:off x="0" y="0"/>
+          <a:ext cx="0" cy="0"/>
+          <a:chOff x="0" y="0"/>
+          <a:chExt cx="0" cy="0"/>
+        </a:xfrm>
+      </p:grpSpPr>
+      <p:sp>
+        <p:nvSpPr>
+          <p:cNvPr id="2" name="Образ слайда 1"/>
+          <p:cNvSpPr>
+            <a:spLocks noGrp="1" noRot="1" noChangeAspect="1"/>
+          </p:cNvSpPr>
+          <p:nvPr>
+            <p:ph type="sldImg"/>
+          </p:nvPr>
+        </p:nvSpPr>
+        <p:spPr/>
+      </p:sp>
+      <p:sp>
+        <p:nvSpPr>
+          <p:cNvPr id="3" name="Заметки 2"/>
+          <p:cNvSpPr>
+            <a:spLocks noGrp="1"/>
+          </p:cNvSpPr>
+          <p:nvPr>
+            <p:ph type="body" idx="1"/>
+          </p:nvPr>
+        </p:nvSpPr>
+        <p:spPr/>
+        <p:txBody>
+          <a:bodyPr>
+            <a:normAutofit/>
+          </a:bodyPr>
+          <a:lstStyle/>
+          <a:p>
+            <a:r>
+              <a:rPr lang="en-US" dirty="0"/>
+              <a:t>https</a:t>
+            </a:r>
+            <a:r>
+              <a:rPr lang="en-US"/>
+              <a:t>://www.ibm.com/developerworks/ru/library/l-python_details_03</a:t>
+            </a:r>
+            <a:r>
+              <a:rPr lang="en-US" dirty="0"/>
+              <a:t>/</a:t>
+            </a:r>
+          </a:p>
+          <a:p>
+            <a:r>
+              <a:rPr lang="en-US" dirty="0"/>
+              <a:t>https://habr.com/post/335866/</a:t>
+            </a:r>
+            <a:endParaRPr lang="ru-RU" dirty="0"/>
+          </a:p>
+        </p:txBody>
+      </p:sp>
+      <p:sp>
+        <p:nvSpPr>
+          <p:cNvPr id="4" name="Номер слайда 3"/>
+          <p:cNvSpPr>
+            <a:spLocks noGrp="1"/>
+          </p:cNvSpPr>
+          <p:nvPr>
+            <p:ph type="sldNum" sz="quarter" idx="10"/>
+          </p:nvPr>
+        </p:nvSpPr>
+        <p:spPr/>
+        <p:txBody>
+          <a:bodyPr/>
+          <a:lstStyle/>
+          <a:p>
+            <a:fld id="{5CFA294B-FE41-4427-A7F6-0AF3C028BF82}" type="slidenum">
+              <a:rPr lang="ru-RU" smtClean="0"/>
+              <a:pPr/>
+              <a:t>26</a:t>
+            </a:fld>
+            <a:endParaRPr lang="ru-RU"/>
+          </a:p>
+        </p:txBody>
+      </p:sp>
+    </p:spTree>
+  </p:cSld>
+  <p:clrMapOvr>
+    <a:masterClrMapping/>
+  </p:clrMapOvr>
+</p:notes>
+</file>
+
 <file path=ppt/slideLayouts/slideLayout1.xml><?xml version="1.0" encoding="utf-8"?>
 <p:sldLayout xmlns:a="http://schemas.openxmlformats.org/drawingml/2006/main" xmlns:r="http://schemas.openxmlformats.org/officeDocument/2006/relationships" xmlns:p="http://schemas.openxmlformats.org/presentationml/2006/main" type="blank" preserve="1">
   <p:cSld name="Blank Slide">
@@ -3890,7 +3998,7 @@
           <a:p>
             <a:fld id="{EF790F8C-5FB9-4EFE-BCC7-F735A3026FD8}" type="datetimeFigureOut">
               <a:rPr lang="ru-RU" smtClean="0"/>
-              <a:t>07.11.2024</a:t>
+              <a:t>11.11.2024</a:t>
             </a:fld>
             <a:endParaRPr lang="ru-RU"/>
           </a:p>
@@ -6375,6 +6483,996 @@
       </p:grpSpPr>
       <p:pic>
         <p:nvPicPr>
+          <p:cNvPr id="3078" name="Picture 6" descr="https://media.proglib.io/wp-uploads/2017/06/%D1%8B%D1%8B%D1%8B%D1%8B%D1%8B%D1%8B%D0%B2%D0%B2%D0%B2%D0%B2.png">
+            <a:extLst>
+              <a:ext uri="{FF2B5EF4-FFF2-40B4-BE49-F238E27FC236}">
+                <a16:creationId xmlns:a16="http://schemas.microsoft.com/office/drawing/2014/main" id="{AB4C879B-BCB6-4BF6-AF88-920B95926AB1}"/>
+              </a:ext>
+            </a:extLst>
+          </p:cNvPr>
+          <p:cNvPicPr>
+            <a:picLocks noChangeAspect="1" noChangeArrowheads="1"/>
+          </p:cNvPicPr>
+          <p:nvPr/>
+        </p:nvPicPr>
+        <p:blipFill>
+          <a:blip r:embed="rId2">
+            <a:extLst>
+              <a:ext uri="{28A0092B-C50C-407E-A947-70E740481C1C}">
+                <a14:useLocalDpi xmlns:a14="http://schemas.microsoft.com/office/drawing/2010/main" val="0"/>
+              </a:ext>
+            </a:extLst>
+          </a:blip>
+          <a:srcRect/>
+          <a:stretch>
+            <a:fillRect/>
+          </a:stretch>
+        </p:blipFill>
+        <p:spPr bwMode="auto">
+          <a:xfrm>
+            <a:off x="196914" y="403137"/>
+            <a:ext cx="5615270" cy="2399477"/>
+          </a:xfrm>
+          <a:prstGeom prst="rect">
+            <a:avLst/>
+          </a:prstGeom>
+          <a:noFill/>
+          <a:extLst>
+            <a:ext uri="{909E8E84-426E-40DD-AFC4-6F175D3DCCD1}">
+              <a14:hiddenFill xmlns:a14="http://schemas.microsoft.com/office/drawing/2010/main">
+                <a:solidFill>
+                  <a:srgbClr val="FFFFFF"/>
+                </a:solidFill>
+              </a14:hiddenFill>
+            </a:ext>
+          </a:extLst>
+        </p:spPr>
+      </p:pic>
+      <p:pic>
+        <p:nvPicPr>
+          <p:cNvPr id="3080" name="Picture 8" descr="https://avatars.mds.yandex.net/i?id=abb900f4db78f72edf81592d00f6bfc9d7843256-8971534-images-thumbs&amp;n=13">
+            <a:extLst>
+              <a:ext uri="{FF2B5EF4-FFF2-40B4-BE49-F238E27FC236}">
+                <a16:creationId xmlns:a16="http://schemas.microsoft.com/office/drawing/2014/main" id="{316F4430-A147-42C2-B304-DF42634D591D}"/>
+              </a:ext>
+            </a:extLst>
+          </p:cNvPr>
+          <p:cNvPicPr>
+            <a:picLocks noChangeAspect="1" noChangeArrowheads="1"/>
+          </p:cNvPicPr>
+          <p:nvPr/>
+        </p:nvPicPr>
+        <p:blipFill rotWithShape="1">
+          <a:blip r:embed="rId3">
+            <a:extLst>
+              <a:ext uri="{28A0092B-C50C-407E-A947-70E740481C1C}">
+                <a14:useLocalDpi xmlns:a14="http://schemas.microsoft.com/office/drawing/2010/main" val="0"/>
+              </a:ext>
+            </a:extLst>
+          </a:blip>
+          <a:srcRect b="5889"/>
+          <a:stretch/>
+        </p:blipFill>
+        <p:spPr bwMode="auto">
+          <a:xfrm>
+            <a:off x="439411" y="3058401"/>
+            <a:ext cx="2785886" cy="1964835"/>
+          </a:xfrm>
+          <a:prstGeom prst="rect">
+            <a:avLst/>
+          </a:prstGeom>
+          <a:noFill/>
+          <a:extLst>
+            <a:ext uri="{909E8E84-426E-40DD-AFC4-6F175D3DCCD1}">
+              <a14:hiddenFill xmlns:a14="http://schemas.microsoft.com/office/drawing/2010/main">
+                <a:solidFill>
+                  <a:srgbClr val="FFFFFF"/>
+                </a:solidFill>
+              </a14:hiddenFill>
+            </a:ext>
+          </a:extLst>
+        </p:spPr>
+      </p:pic>
+      <p:pic>
+        <p:nvPicPr>
+          <p:cNvPr id="3082" name="Picture 10" descr="https://avatars.mds.yandex.net/i?id=be629c32172c403418f1e9464ac0a2570ba064ae-9051746-images-thumbs&amp;n=13">
+            <a:extLst>
+              <a:ext uri="{FF2B5EF4-FFF2-40B4-BE49-F238E27FC236}">
+                <a16:creationId xmlns:a16="http://schemas.microsoft.com/office/drawing/2014/main" id="{A4119038-12CA-445C-81B7-93855EEBF32C}"/>
+              </a:ext>
+            </a:extLst>
+          </p:cNvPr>
+          <p:cNvPicPr>
+            <a:picLocks noChangeAspect="1" noChangeArrowheads="1"/>
+          </p:cNvPicPr>
+          <p:nvPr/>
+        </p:nvPicPr>
+        <p:blipFill>
+          <a:blip r:embed="rId4">
+            <a:extLst>
+              <a:ext uri="{28A0092B-C50C-407E-A947-70E740481C1C}">
+                <a14:useLocalDpi xmlns:a14="http://schemas.microsoft.com/office/drawing/2010/main" val="0"/>
+              </a:ext>
+            </a:extLst>
+          </a:blip>
+          <a:srcRect/>
+          <a:stretch>
+            <a:fillRect/>
+          </a:stretch>
+        </p:blipFill>
+        <p:spPr bwMode="auto">
+          <a:xfrm>
+            <a:off x="3495768" y="3113970"/>
+            <a:ext cx="1853698" cy="1853698"/>
+          </a:xfrm>
+          <a:prstGeom prst="rect">
+            <a:avLst/>
+          </a:prstGeom>
+          <a:ln>
+            <a:noFill/>
+          </a:ln>
+          <a:effectLst>
+            <a:outerShdw blurRad="292100" dist="139700" dir="2700000" algn="tl" rotWithShape="0">
+              <a:srgbClr val="333333">
+                <a:alpha val="65000"/>
+              </a:srgbClr>
+            </a:outerShdw>
+          </a:effectLst>
+          <a:extLst>
+            <a:ext uri="{909E8E84-426E-40DD-AFC4-6F175D3DCCD1}">
+              <a14:hiddenFill xmlns:a14="http://schemas.microsoft.com/office/drawing/2010/main">
+                <a:solidFill>
+                  <a:srgbClr val="FFFFFF"/>
+                </a:solidFill>
+              </a14:hiddenFill>
+            </a:ext>
+          </a:extLst>
+        </p:spPr>
+      </p:pic>
+      <p:pic>
+        <p:nvPicPr>
+          <p:cNvPr id="3084" name="Picture 12" descr="https://avatars.mds.yandex.net/i?id=4bb502b539a63d071595f48cee6083b409d6dda5-10695933-images-thumbs&amp;n=13">
+            <a:extLst>
+              <a:ext uri="{FF2B5EF4-FFF2-40B4-BE49-F238E27FC236}">
+                <a16:creationId xmlns:a16="http://schemas.microsoft.com/office/drawing/2014/main" id="{D90435F5-2A4F-4130-B14D-71FE326B0A92}"/>
+              </a:ext>
+            </a:extLst>
+          </p:cNvPr>
+          <p:cNvPicPr>
+            <a:picLocks noChangeAspect="1" noChangeArrowheads="1"/>
+          </p:cNvPicPr>
+          <p:nvPr/>
+        </p:nvPicPr>
+        <p:blipFill>
+          <a:blip r:embed="rId5">
+            <a:extLst>
+              <a:ext uri="{28A0092B-C50C-407E-A947-70E740481C1C}">
+                <a14:useLocalDpi xmlns:a14="http://schemas.microsoft.com/office/drawing/2010/main" val="0"/>
+              </a:ext>
+            </a:extLst>
+          </a:blip>
+          <a:srcRect/>
+          <a:stretch>
+            <a:fillRect/>
+          </a:stretch>
+        </p:blipFill>
+        <p:spPr bwMode="auto">
+          <a:xfrm>
+            <a:off x="5863568" y="3113970"/>
+            <a:ext cx="2785886" cy="1857257"/>
+          </a:xfrm>
+          <a:prstGeom prst="rect">
+            <a:avLst/>
+          </a:prstGeom>
+          <a:noFill/>
+          <a:extLst>
+            <a:ext uri="{909E8E84-426E-40DD-AFC4-6F175D3DCCD1}">
+              <a14:hiddenFill xmlns:a14="http://schemas.microsoft.com/office/drawing/2010/main">
+                <a:solidFill>
+                  <a:srgbClr val="FFFFFF"/>
+                </a:solidFill>
+              </a14:hiddenFill>
+            </a:ext>
+          </a:extLst>
+        </p:spPr>
+      </p:pic>
+      <p:sp>
+        <p:nvSpPr>
+          <p:cNvPr id="11" name="Заголовок 1">
+            <a:extLst>
+              <a:ext uri="{FF2B5EF4-FFF2-40B4-BE49-F238E27FC236}">
+                <a16:creationId xmlns:a16="http://schemas.microsoft.com/office/drawing/2014/main" id="{63103E06-1303-445F-B7B1-69B2A639AD82}"/>
+              </a:ext>
+            </a:extLst>
+          </p:cNvPr>
+          <p:cNvSpPr>
+            <a:spLocks noGrp="1"/>
+          </p:cNvSpPr>
+          <p:nvPr>
+            <p:ph type="title"/>
+          </p:nvPr>
+        </p:nvSpPr>
+        <p:spPr>
+          <a:xfrm>
+            <a:off x="6132172" y="860467"/>
+            <a:ext cx="2409847" cy="1672460"/>
+          </a:xfrm>
+        </p:spPr>
+        <p:txBody>
+          <a:bodyPr>
+            <a:normAutofit/>
+          </a:bodyPr>
+          <a:lstStyle/>
+          <a:p>
+            <a:r>
+              <a:rPr lang="ru-RU" sz="3000" b="1" dirty="0">
+                <a:solidFill>
+                  <a:srgbClr val="0000FF"/>
+                </a:solidFill>
+                <a:latin typeface="Open Sans" pitchFamily="2" charset="0"/>
+                <a:ea typeface="Open Sans" pitchFamily="2" charset="0"/>
+                <a:cs typeface="Open Sans" pitchFamily="2" charset="0"/>
+              </a:rPr>
+              <a:t>БАНДА</a:t>
+            </a:r>
+            <a:br>
+              <a:rPr lang="ru-RU" sz="3000" b="1" dirty="0">
+                <a:solidFill>
+                  <a:srgbClr val="0000FF"/>
+                </a:solidFill>
+                <a:latin typeface="Open Sans" pitchFamily="2" charset="0"/>
+                <a:ea typeface="Open Sans" pitchFamily="2" charset="0"/>
+                <a:cs typeface="Open Sans" pitchFamily="2" charset="0"/>
+              </a:rPr>
+            </a:br>
+            <a:r>
+              <a:rPr lang="ru-RU" sz="3000" b="1" dirty="0">
+                <a:solidFill>
+                  <a:srgbClr val="0000FF"/>
+                </a:solidFill>
+                <a:latin typeface="Open Sans" pitchFamily="2" charset="0"/>
+                <a:ea typeface="Open Sans" pitchFamily="2" charset="0"/>
+                <a:cs typeface="Open Sans" pitchFamily="2" charset="0"/>
+              </a:rPr>
+              <a:t>ЧЕТЫРЕХ</a:t>
+            </a:r>
+          </a:p>
+        </p:txBody>
+      </p:sp>
+    </p:spTree>
+    <p:extLst>
+      <p:ext uri="{BB962C8B-B14F-4D97-AF65-F5344CB8AC3E}">
+        <p14:creationId xmlns:p14="http://schemas.microsoft.com/office/powerpoint/2010/main" val="3764478369"/>
+      </p:ext>
+    </p:extLst>
+  </p:cSld>
+  <p:clrMapOvr>
+    <a:masterClrMapping/>
+  </p:clrMapOvr>
+</p:sld>
+</file>
+
+<file path=ppt/slides/slide11.xml><?xml version="1.0" encoding="utf-8"?>
+<p:sld xmlns:a="http://schemas.openxmlformats.org/drawingml/2006/main" xmlns:r="http://schemas.openxmlformats.org/officeDocument/2006/relationships" xmlns:p="http://schemas.openxmlformats.org/presentationml/2006/main">
+  <p:cSld>
+    <p:spTree>
+      <p:nvGrpSpPr>
+        <p:cNvPr id="1" name=""/>
+        <p:cNvGrpSpPr/>
+        <p:nvPr/>
+      </p:nvGrpSpPr>
+      <p:grpSpPr>
+        <a:xfrm>
+          <a:off x="0" y="0"/>
+          <a:ext cx="0" cy="0"/>
+          <a:chOff x="0" y="0"/>
+          <a:chExt cx="0" cy="0"/>
+        </a:xfrm>
+      </p:grpSpPr>
+      <p:sp>
+        <p:nvSpPr>
+          <p:cNvPr id="16" name="Заголовок 1">
+            <a:extLst>
+              <a:ext uri="{FF2B5EF4-FFF2-40B4-BE49-F238E27FC236}">
+                <a16:creationId xmlns:a16="http://schemas.microsoft.com/office/drawing/2014/main" id="{15C50C77-FCAD-418B-B3A3-8FF571B11E07}"/>
+              </a:ext>
+            </a:extLst>
+          </p:cNvPr>
+          <p:cNvSpPr>
+            <a:spLocks noGrp="1"/>
+          </p:cNvSpPr>
+          <p:nvPr>
+            <p:ph type="title"/>
+          </p:nvPr>
+        </p:nvSpPr>
+        <p:spPr>
+          <a:xfrm>
+            <a:off x="508001" y="284834"/>
+            <a:ext cx="6447501" cy="827823"/>
+          </a:xfrm>
+        </p:spPr>
+        <p:txBody>
+          <a:bodyPr>
+            <a:normAutofit/>
+          </a:bodyPr>
+          <a:lstStyle/>
+          <a:p>
+            <a:r>
+              <a:rPr lang="ru-RU" dirty="0">
+                <a:latin typeface="Yandex Sans Text Light" panose="02000000000000000000" pitchFamily="2" charset="-52"/>
+                <a:ea typeface="Open Sans" pitchFamily="2" charset="0"/>
+                <a:cs typeface="Open Sans" pitchFamily="2" charset="0"/>
+              </a:rPr>
+              <a:t>Учебники</a:t>
+            </a:r>
+          </a:p>
+        </p:txBody>
+      </p:sp>
+      <p:sp>
+        <p:nvSpPr>
+          <p:cNvPr id="4" name="Объект 3">
+            <a:extLst>
+              <a:ext uri="{FF2B5EF4-FFF2-40B4-BE49-F238E27FC236}">
+                <a16:creationId xmlns:a16="http://schemas.microsoft.com/office/drawing/2014/main" id="{53AF3BA1-3208-425F-8BE1-2D57F7D1B468}"/>
+              </a:ext>
+            </a:extLst>
+          </p:cNvPr>
+          <p:cNvSpPr>
+            <a:spLocks noGrp="1"/>
+          </p:cNvSpPr>
+          <p:nvPr>
+            <p:ph idx="1"/>
+          </p:nvPr>
+        </p:nvSpPr>
+        <p:spPr>
+          <a:xfrm>
+            <a:off x="508001" y="1408742"/>
+            <a:ext cx="7479061" cy="2798056"/>
+          </a:xfrm>
+          <a:prstGeom prst="rect">
+            <a:avLst/>
+          </a:prstGeom>
+        </p:spPr>
+        <p:txBody>
+          <a:bodyPr>
+            <a:normAutofit/>
+          </a:bodyPr>
+          <a:lstStyle/>
+          <a:p>
+            <a:pPr marL="342900" indent="-342900">
+              <a:buAutoNum type="arabicPeriod"/>
+            </a:pPr>
+            <a:r>
+              <a:rPr lang="ru-RU" sz="1800" dirty="0">
+                <a:latin typeface="Yandex Sans Text Light" panose="02000000000000000000" pitchFamily="2" charset="-52"/>
+              </a:rPr>
+              <a:t>Документация на английском </a:t>
+            </a:r>
+            <a:r>
+              <a:rPr lang="en-US" sz="1800" dirty="0">
+                <a:latin typeface="Yandex Sans Text Light" panose="02000000000000000000" pitchFamily="2" charset="-52"/>
+                <a:hlinkClick r:id="rId2"/>
+              </a:rPr>
+              <a:t>https://docs.python.org/3/</a:t>
+            </a:r>
+            <a:endParaRPr lang="ru-RU" sz="1800" dirty="0">
+              <a:latin typeface="Yandex Sans Text Light" panose="02000000000000000000" pitchFamily="2" charset="-52"/>
+            </a:endParaRPr>
+          </a:p>
+          <a:p>
+            <a:pPr marL="342900" indent="-342900">
+              <a:buFontTx/>
+              <a:buAutoNum type="arabicPeriod"/>
+            </a:pPr>
+            <a:r>
+              <a:rPr lang="ru-RU" sz="1800" dirty="0" err="1">
+                <a:latin typeface="Yandex Sans Text Light" panose="02000000000000000000" pitchFamily="2" charset="-52"/>
+              </a:rPr>
+              <a:t>Лутц</a:t>
+            </a:r>
+            <a:r>
+              <a:rPr lang="ru-RU" sz="1800" dirty="0">
+                <a:latin typeface="Yandex Sans Text Light" panose="02000000000000000000" pitchFamily="2" charset="-52"/>
+              </a:rPr>
+              <a:t> Марк </a:t>
+            </a:r>
+            <a:r>
+              <a:rPr lang="en-US" sz="1800" dirty="0">
+                <a:latin typeface="Yandex Sans Text Light" panose="02000000000000000000" pitchFamily="2" charset="-52"/>
+              </a:rPr>
+              <a:t>“</a:t>
+            </a:r>
+            <a:r>
+              <a:rPr lang="ru-RU" sz="1800" dirty="0">
+                <a:latin typeface="Yandex Sans Text Light" panose="02000000000000000000" pitchFamily="2" charset="-52"/>
+              </a:rPr>
+              <a:t>Изучаем </a:t>
+            </a:r>
+            <a:r>
+              <a:rPr lang="en-US" sz="1800" dirty="0">
+                <a:latin typeface="Yandex Sans Text Light" panose="02000000000000000000" pitchFamily="2" charset="-52"/>
+              </a:rPr>
+              <a:t>Python”(</a:t>
+            </a:r>
+            <a:r>
+              <a:rPr lang="ru-RU" sz="1800" dirty="0">
+                <a:latin typeface="Yandex Sans Text Light" panose="02000000000000000000" pitchFamily="2" charset="-52"/>
+              </a:rPr>
+              <a:t>том 2)</a:t>
+            </a:r>
+          </a:p>
+          <a:p>
+            <a:pPr marL="342900" indent="-342900">
+              <a:buFontTx/>
+              <a:buAutoNum type="arabicPeriod"/>
+            </a:pPr>
+            <a:r>
+              <a:rPr lang="ru-RU" sz="1800" dirty="0" err="1">
+                <a:latin typeface="Yandex Sans Text Light" panose="02000000000000000000" pitchFamily="2" charset="-52"/>
+              </a:rPr>
+              <a:t>LeetCode</a:t>
+            </a:r>
+            <a:r>
+              <a:rPr lang="ru-RU" sz="1800" dirty="0">
+                <a:latin typeface="Yandex Sans Text Light" panose="02000000000000000000" pitchFamily="2" charset="-52"/>
+              </a:rPr>
+              <a:t> — сайт с задачами для подготовки к собеседованиям.</a:t>
+            </a:r>
+          </a:p>
+          <a:p>
+            <a:pPr marL="342900" indent="-342900">
+              <a:buAutoNum type="arabicPeriod"/>
+            </a:pPr>
+            <a:r>
+              <a:rPr lang="ru-RU" sz="1800" dirty="0" err="1">
+                <a:latin typeface="Yandex Sans Text Light" panose="02000000000000000000" pitchFamily="2" charset="-52"/>
+              </a:rPr>
+              <a:t>Метанит</a:t>
+            </a:r>
+            <a:r>
+              <a:rPr lang="ru-RU" sz="1800" dirty="0">
+                <a:latin typeface="Yandex Sans Text Light" panose="02000000000000000000" pitchFamily="2" charset="-52"/>
+              </a:rPr>
+              <a:t> </a:t>
+            </a:r>
+            <a:r>
+              <a:rPr lang="en-US" sz="1800" dirty="0">
+                <a:solidFill>
+                  <a:schemeClr val="accent1">
+                    <a:lumMod val="75000"/>
+                  </a:schemeClr>
+                </a:solidFill>
+                <a:latin typeface="Yandex Sans Text Light" panose="02000000000000000000" pitchFamily="2" charset="-52"/>
+                <a:ea typeface="Open Sans" pitchFamily="2" charset="0"/>
+                <a:cs typeface="Open Sans" pitchFamily="2" charset="0"/>
+                <a:hlinkClick r:id="rId3"/>
+              </a:rPr>
+              <a:t>https://metanit.com/python/</a:t>
+            </a:r>
+            <a:endParaRPr lang="ru-RU" sz="1800" dirty="0">
+              <a:solidFill>
+                <a:schemeClr val="accent1">
+                  <a:lumMod val="75000"/>
+                </a:schemeClr>
+              </a:solidFill>
+              <a:latin typeface="Yandex Sans Text Light" panose="02000000000000000000" pitchFamily="2" charset="-52"/>
+              <a:ea typeface="Open Sans" pitchFamily="2" charset="0"/>
+              <a:cs typeface="Open Sans" pitchFamily="2" charset="0"/>
+            </a:endParaRPr>
+          </a:p>
+          <a:p>
+            <a:pPr marL="342900" indent="-342900">
+              <a:buAutoNum type="arabicPeriod"/>
+            </a:pPr>
+            <a:r>
+              <a:rPr lang="ru-RU" sz="1800" dirty="0" err="1">
+                <a:latin typeface="Yandex Sans Text Light" panose="02000000000000000000" pitchFamily="2" charset="-52"/>
+              </a:rPr>
+              <a:t>Степик</a:t>
+            </a:r>
+            <a:r>
+              <a:rPr lang="en-US" sz="1800" dirty="0">
+                <a:latin typeface="Yandex Sans Text Light" panose="02000000000000000000" pitchFamily="2" charset="-52"/>
+              </a:rPr>
+              <a:t> </a:t>
+            </a:r>
+            <a:r>
+              <a:rPr lang="en-US" sz="1800" dirty="0">
+                <a:latin typeface="Yandex Sans Text Light" panose="02000000000000000000" pitchFamily="2" charset="-52"/>
+                <a:hlinkClick r:id="rId4"/>
+              </a:rPr>
+              <a:t>https://stepik.org/</a:t>
+            </a:r>
+            <a:endParaRPr lang="en-US" sz="1800" dirty="0">
+              <a:latin typeface="Yandex Sans Text Light" panose="02000000000000000000" pitchFamily="2" charset="-52"/>
+            </a:endParaRPr>
+          </a:p>
+        </p:txBody>
+      </p:sp>
+    </p:spTree>
+    <p:extLst>
+      <p:ext uri="{BB962C8B-B14F-4D97-AF65-F5344CB8AC3E}">
+        <p14:creationId xmlns:p14="http://schemas.microsoft.com/office/powerpoint/2010/main" val="4261881514"/>
+      </p:ext>
+    </p:extLst>
+  </p:cSld>
+  <p:clrMapOvr>
+    <a:masterClrMapping/>
+  </p:clrMapOvr>
+</p:sld>
+</file>
+
+<file path=ppt/slides/slide12.xml><?xml version="1.0" encoding="utf-8"?>
+<p:sld xmlns:a="http://schemas.openxmlformats.org/drawingml/2006/main" xmlns:r="http://schemas.openxmlformats.org/officeDocument/2006/relationships" xmlns:p="http://schemas.openxmlformats.org/presentationml/2006/main">
+  <p:cSld>
+    <p:spTree>
+      <p:nvGrpSpPr>
+        <p:cNvPr id="1" name=""/>
+        <p:cNvGrpSpPr/>
+        <p:nvPr/>
+      </p:nvGrpSpPr>
+      <p:grpSpPr>
+        <a:xfrm>
+          <a:off x="0" y="0"/>
+          <a:ext cx="0" cy="0"/>
+          <a:chOff x="0" y="0"/>
+          <a:chExt cx="0" cy="0"/>
+        </a:xfrm>
+      </p:grpSpPr>
+      <p:sp>
+        <p:nvSpPr>
+          <p:cNvPr id="2" name="Заголовок 1">
+            <a:extLst>
+              <a:ext uri="{FF2B5EF4-FFF2-40B4-BE49-F238E27FC236}">
+                <a16:creationId xmlns:a16="http://schemas.microsoft.com/office/drawing/2014/main" id="{5D01570B-C6CA-45CC-A11F-81156A700023}"/>
+              </a:ext>
+            </a:extLst>
+          </p:cNvPr>
+          <p:cNvSpPr>
+            <a:spLocks noGrp="1"/>
+          </p:cNvSpPr>
+          <p:nvPr>
+            <p:ph type="title"/>
+          </p:nvPr>
+        </p:nvSpPr>
+        <p:spPr>
+          <a:xfrm>
+            <a:off x="423746" y="2275759"/>
+            <a:ext cx="8296508" cy="425624"/>
+          </a:xfrm>
+        </p:spPr>
+        <p:txBody>
+          <a:bodyPr>
+            <a:noAutofit/>
+          </a:bodyPr>
+          <a:lstStyle/>
+          <a:p>
+            <a:r>
+              <a:rPr lang="en-US" sz="3750" dirty="0"/>
+              <a:t>https://github.com/nesrv/pt-2.1</a:t>
+            </a:r>
+            <a:endParaRPr lang="ru-RU" sz="3750" dirty="0"/>
+          </a:p>
+        </p:txBody>
+      </p:sp>
+    </p:spTree>
+    <p:extLst>
+      <p:ext uri="{BB962C8B-B14F-4D97-AF65-F5344CB8AC3E}">
+        <p14:creationId xmlns:p14="http://schemas.microsoft.com/office/powerpoint/2010/main" val="859185646"/>
+      </p:ext>
+    </p:extLst>
+  </p:cSld>
+  <p:clrMapOvr>
+    <a:masterClrMapping/>
+  </p:clrMapOvr>
+</p:sld>
+</file>
+
+<file path=ppt/slides/slide13.xml><?xml version="1.0" encoding="utf-8"?>
+<p:sld xmlns:a="http://schemas.openxmlformats.org/drawingml/2006/main" xmlns:r="http://schemas.openxmlformats.org/officeDocument/2006/relationships" xmlns:p="http://schemas.openxmlformats.org/presentationml/2006/main">
+  <p:cSld>
+    <p:spTree>
+      <p:nvGrpSpPr>
+        <p:cNvPr id="1" name=""/>
+        <p:cNvGrpSpPr/>
+        <p:nvPr/>
+      </p:nvGrpSpPr>
+      <p:grpSpPr>
+        <a:xfrm>
+          <a:off x="0" y="0"/>
+          <a:ext cx="0" cy="0"/>
+          <a:chOff x="0" y="0"/>
+          <a:chExt cx="0" cy="0"/>
+        </a:xfrm>
+      </p:grpSpPr>
+      <p:sp>
+        <p:nvSpPr>
+          <p:cNvPr id="4" name="Заголовок 1">
+            <a:extLst>
+              <a:ext uri="{FF2B5EF4-FFF2-40B4-BE49-F238E27FC236}">
+                <a16:creationId xmlns:a16="http://schemas.microsoft.com/office/drawing/2014/main" id="{11FA8981-A2D9-4616-9140-06BCE3C18F48}"/>
+              </a:ext>
+            </a:extLst>
+          </p:cNvPr>
+          <p:cNvSpPr txBox="1">
+            <a:spLocks/>
+          </p:cNvSpPr>
+          <p:nvPr/>
+        </p:nvSpPr>
+        <p:spPr>
+          <a:xfrm>
+            <a:off x="318608" y="521892"/>
+            <a:ext cx="7562649" cy="560657"/>
+          </a:xfrm>
+          <a:prstGeom prst="rect">
+            <a:avLst/>
+          </a:prstGeom>
+        </p:spPr>
+        <p:txBody>
+          <a:bodyPr lIns="0" tIns="0" rIns="0" bIns="0" anchor="ctr">
+            <a:noAutofit/>
+          </a:bodyPr>
+          <a:lstStyle>
+            <a:lvl1pPr algn="l" defTabSz="914400" rtl="0" eaLnBrk="1" latinLnBrk="0" hangingPunct="1">
+              <a:lnSpc>
+                <a:spcPct val="90000"/>
+              </a:lnSpc>
+              <a:spcBef>
+                <a:spcPct val="0"/>
+              </a:spcBef>
+              <a:buNone/>
+              <a:defRPr sz="4400" kern="1200">
+                <a:solidFill>
+                  <a:schemeClr val="tx1"/>
+                </a:solidFill>
+                <a:latin typeface="+mj-lt"/>
+                <a:ea typeface="+mj-ea"/>
+                <a:cs typeface="+mj-cs"/>
+              </a:defRPr>
+            </a:lvl1pPr>
+          </a:lstStyle>
+          <a:p>
+            <a:r>
+              <a:rPr lang="ru-RU" sz="3600" b="1" dirty="0">
+                <a:solidFill>
+                  <a:schemeClr val="tx1">
+                    <a:lumMod val="95000"/>
+                    <a:lumOff val="5000"/>
+                  </a:schemeClr>
+                </a:solidFill>
+                <a:latin typeface="Yandex Sans Text Light" panose="02000000000000000000" pitchFamily="2" charset="-52"/>
+              </a:rPr>
+              <a:t>Модуль </a:t>
+            </a:r>
+            <a:r>
+              <a:rPr lang="en-US" sz="3600" b="1" dirty="0">
+                <a:solidFill>
+                  <a:schemeClr val="tx1">
+                    <a:lumMod val="95000"/>
+                    <a:lumOff val="5000"/>
+                  </a:schemeClr>
+                </a:solidFill>
+                <a:latin typeface="Yandex Sans Text Light" panose="02000000000000000000" pitchFamily="2" charset="-52"/>
+              </a:rPr>
+              <a:t>1</a:t>
+            </a:r>
+            <a:r>
+              <a:rPr lang="ru-RU" sz="3600" b="1" dirty="0">
+                <a:solidFill>
+                  <a:schemeClr val="tx1">
+                    <a:lumMod val="95000"/>
+                    <a:lumOff val="5000"/>
+                  </a:schemeClr>
+                </a:solidFill>
+                <a:latin typeface="Yandex Sans Text Light" panose="02000000000000000000" pitchFamily="2" charset="-52"/>
+              </a:rPr>
+              <a:t>. Функциональное программирование</a:t>
+            </a:r>
+          </a:p>
+        </p:txBody>
+      </p:sp>
+      <p:sp>
+        <p:nvSpPr>
+          <p:cNvPr id="5" name="Прямоугольник 4">
+            <a:extLst>
+              <a:ext uri="{FF2B5EF4-FFF2-40B4-BE49-F238E27FC236}">
+                <a16:creationId xmlns:a16="http://schemas.microsoft.com/office/drawing/2014/main" id="{295D0025-0DC1-412B-AED6-ADED939D6CC6}"/>
+              </a:ext>
+            </a:extLst>
+          </p:cNvPr>
+          <p:cNvSpPr/>
+          <p:nvPr/>
+        </p:nvSpPr>
+        <p:spPr>
+          <a:xfrm>
+            <a:off x="178713" y="1974898"/>
+            <a:ext cx="8596793" cy="2308324"/>
+          </a:xfrm>
+          <a:prstGeom prst="rect">
+            <a:avLst/>
+          </a:prstGeom>
+        </p:spPr>
+        <p:txBody>
+          <a:bodyPr wrap="square">
+            <a:spAutoFit/>
+          </a:bodyPr>
+          <a:lstStyle/>
+          <a:p>
+            <a:pPr marL="342900" lvl="0" indent="-342900">
+              <a:buFont typeface="+mj-lt"/>
+              <a:buAutoNum type="arabicPeriod"/>
+            </a:pPr>
+            <a:r>
+              <a:rPr lang="ru-RU" sz="2400" dirty="0">
+                <a:solidFill>
+                  <a:schemeClr val="tx1">
+                    <a:lumMod val="95000"/>
+                    <a:lumOff val="5000"/>
+                  </a:schemeClr>
+                </a:solidFill>
+              </a:rPr>
+              <a:t>Функция как объект. Паттерн «Фабрика функций»</a:t>
+            </a:r>
+          </a:p>
+          <a:p>
+            <a:pPr marL="342900" lvl="0" indent="-342900">
+              <a:buFont typeface="+mj-lt"/>
+              <a:buAutoNum type="arabicPeriod"/>
+            </a:pPr>
+            <a:r>
+              <a:rPr lang="ru-RU" sz="2400" dirty="0">
+                <a:solidFill>
+                  <a:schemeClr val="tx1">
+                    <a:lumMod val="95000"/>
+                    <a:lumOff val="5000"/>
+                  </a:schemeClr>
+                </a:solidFill>
+              </a:rPr>
+              <a:t>Анонимные функции. Сортировка коллекций по ключу</a:t>
+            </a:r>
+          </a:p>
+          <a:p>
+            <a:pPr marL="342900" lvl="0" indent="-342900">
+              <a:buFont typeface="+mj-lt"/>
+              <a:buAutoNum type="arabicPeriod"/>
+            </a:pPr>
+            <a:r>
+              <a:rPr lang="ru-RU" sz="2400" dirty="0">
+                <a:solidFill>
+                  <a:schemeClr val="tx1">
+                    <a:lumMod val="95000"/>
+                    <a:lumOff val="5000"/>
+                  </a:schemeClr>
+                </a:solidFill>
+              </a:rPr>
+              <a:t>Применение функций </a:t>
+            </a:r>
+            <a:r>
+              <a:rPr lang="en-US" sz="2400" dirty="0">
+                <a:solidFill>
+                  <a:schemeClr val="tx1">
+                    <a:lumMod val="95000"/>
+                    <a:lumOff val="5000"/>
+                  </a:schemeClr>
+                </a:solidFill>
+              </a:rPr>
+              <a:t>all</a:t>
+            </a:r>
+            <a:r>
+              <a:rPr lang="ru-RU" sz="2400" dirty="0">
+                <a:solidFill>
+                  <a:schemeClr val="tx1">
+                    <a:lumMod val="95000"/>
+                    <a:lumOff val="5000"/>
+                  </a:schemeClr>
+                </a:solidFill>
+              </a:rPr>
+              <a:t> и </a:t>
+            </a:r>
+            <a:r>
+              <a:rPr lang="en-US" sz="2400" dirty="0">
+                <a:solidFill>
+                  <a:schemeClr val="tx1">
+                    <a:lumMod val="95000"/>
+                    <a:lumOff val="5000"/>
+                  </a:schemeClr>
+                </a:solidFill>
+              </a:rPr>
+              <a:t>any</a:t>
+            </a:r>
+            <a:endParaRPr lang="ru-RU" sz="2400" dirty="0">
+              <a:solidFill>
+                <a:schemeClr val="tx1">
+                  <a:lumMod val="95000"/>
+                  <a:lumOff val="5000"/>
+                </a:schemeClr>
+              </a:solidFill>
+            </a:endParaRPr>
+          </a:p>
+          <a:p>
+            <a:pPr marL="342900" lvl="0" indent="-342900">
+              <a:buFont typeface="+mj-lt"/>
+              <a:buAutoNum type="arabicPeriod"/>
+            </a:pPr>
+            <a:r>
+              <a:rPr lang="ru-RU" sz="2400" dirty="0">
+                <a:solidFill>
+                  <a:schemeClr val="tx1">
+                    <a:lumMod val="95000"/>
+                    <a:lumOff val="5000"/>
+                  </a:schemeClr>
+                </a:solidFill>
+              </a:rPr>
+              <a:t>Функции высшего порядка (</a:t>
+            </a:r>
+            <a:r>
+              <a:rPr lang="en-US" sz="2400" dirty="0">
+                <a:solidFill>
+                  <a:schemeClr val="tx1">
+                    <a:lumMod val="95000"/>
+                    <a:lumOff val="5000"/>
+                  </a:schemeClr>
+                </a:solidFill>
+              </a:rPr>
+              <a:t>map</a:t>
+            </a:r>
+            <a:r>
+              <a:rPr lang="ru-RU" sz="2400" dirty="0">
+                <a:solidFill>
+                  <a:schemeClr val="tx1">
+                    <a:lumMod val="95000"/>
+                    <a:lumOff val="5000"/>
+                  </a:schemeClr>
+                </a:solidFill>
+              </a:rPr>
+              <a:t>, </a:t>
+            </a:r>
+            <a:r>
+              <a:rPr lang="en-US" sz="2400" dirty="0">
+                <a:solidFill>
+                  <a:schemeClr val="tx1">
+                    <a:lumMod val="95000"/>
+                    <a:lumOff val="5000"/>
+                  </a:schemeClr>
+                </a:solidFill>
+              </a:rPr>
+              <a:t>filter</a:t>
+            </a:r>
+            <a:r>
+              <a:rPr lang="ru-RU" sz="2400" dirty="0">
+                <a:solidFill>
+                  <a:schemeClr val="tx1">
+                    <a:lumMod val="95000"/>
+                    <a:lumOff val="5000"/>
+                  </a:schemeClr>
+                </a:solidFill>
+              </a:rPr>
+              <a:t>, </a:t>
+            </a:r>
+            <a:r>
+              <a:rPr lang="en-US" sz="2400" dirty="0">
+                <a:solidFill>
+                  <a:schemeClr val="tx1">
+                    <a:lumMod val="95000"/>
+                    <a:lumOff val="5000"/>
+                  </a:schemeClr>
+                </a:solidFill>
+              </a:rPr>
+              <a:t>reduce</a:t>
+            </a:r>
+            <a:r>
+              <a:rPr lang="ru-RU" sz="2400" dirty="0">
+                <a:solidFill>
+                  <a:schemeClr val="tx1">
+                    <a:lumMod val="95000"/>
+                    <a:lumOff val="5000"/>
+                  </a:schemeClr>
+                </a:solidFill>
+              </a:rPr>
+              <a:t>)</a:t>
+            </a:r>
+          </a:p>
+          <a:p>
+            <a:pPr marL="342900" lvl="0" indent="-342900">
+              <a:buFont typeface="+mj-lt"/>
+              <a:buAutoNum type="arabicPeriod"/>
+            </a:pPr>
+            <a:r>
+              <a:rPr lang="ru-RU" sz="2400" dirty="0">
+                <a:solidFill>
+                  <a:schemeClr val="tx1">
+                    <a:lumMod val="95000"/>
+                    <a:lumOff val="5000"/>
+                  </a:schemeClr>
+                </a:solidFill>
+              </a:rPr>
+              <a:t>Модуль </a:t>
+            </a:r>
+            <a:r>
+              <a:rPr lang="en-US" sz="2400" dirty="0" err="1">
+                <a:solidFill>
+                  <a:schemeClr val="tx1">
+                    <a:lumMod val="95000"/>
+                    <a:lumOff val="5000"/>
+                  </a:schemeClr>
+                </a:solidFill>
+              </a:rPr>
+              <a:t>itertools</a:t>
+            </a:r>
+            <a:r>
+              <a:rPr lang="en-US" sz="2400" dirty="0">
+                <a:solidFill>
+                  <a:schemeClr val="tx1">
+                    <a:lumMod val="95000"/>
+                    <a:lumOff val="5000"/>
+                  </a:schemeClr>
+                </a:solidFill>
+              </a:rPr>
+              <a:t> </a:t>
+            </a:r>
+            <a:r>
+              <a:rPr lang="ru-RU" sz="2400" dirty="0">
+                <a:solidFill>
+                  <a:schemeClr val="tx1">
+                    <a:lumMod val="95000"/>
+                    <a:lumOff val="5000"/>
+                  </a:schemeClr>
+                </a:solidFill>
+              </a:rPr>
+              <a:t>и комбинаторика</a:t>
+            </a:r>
+          </a:p>
+          <a:p>
+            <a:pPr marL="342900" lvl="0" indent="-342900">
+              <a:buFont typeface="+mj-lt"/>
+              <a:buAutoNum type="arabicPeriod"/>
+            </a:pPr>
+            <a:r>
+              <a:rPr lang="ru-RU" sz="2400" dirty="0">
+                <a:solidFill>
+                  <a:schemeClr val="tx1">
+                    <a:lumMod val="95000"/>
+                    <a:lumOff val="5000"/>
+                  </a:schemeClr>
+                </a:solidFill>
+              </a:rPr>
+              <a:t>Практические задачи</a:t>
+            </a:r>
+          </a:p>
+        </p:txBody>
+      </p:sp>
+    </p:spTree>
+    <p:extLst>
+      <p:ext uri="{BB962C8B-B14F-4D97-AF65-F5344CB8AC3E}">
+        <p14:creationId xmlns:p14="http://schemas.microsoft.com/office/powerpoint/2010/main" val="8449535"/>
+      </p:ext>
+    </p:extLst>
+  </p:cSld>
+  <p:clrMapOvr>
+    <a:masterClrMapping/>
+  </p:clrMapOvr>
+</p:sld>
+</file>
+
+<file path=ppt/slides/slide14.xml><?xml version="1.0" encoding="utf-8"?>
+<p:sld xmlns:a="http://schemas.openxmlformats.org/drawingml/2006/main" xmlns:r="http://schemas.openxmlformats.org/officeDocument/2006/relationships" xmlns:p="http://schemas.openxmlformats.org/presentationml/2006/main">
+  <p:cSld>
+    <p:spTree>
+      <p:nvGrpSpPr>
+        <p:cNvPr id="1" name=""/>
+        <p:cNvGrpSpPr/>
+        <p:nvPr/>
+      </p:nvGrpSpPr>
+      <p:grpSpPr>
+        <a:xfrm>
+          <a:off x="0" y="0"/>
+          <a:ext cx="0" cy="0"/>
+          <a:chOff x="0" y="0"/>
+          <a:chExt cx="0" cy="0"/>
+        </a:xfrm>
+      </p:grpSpPr>
+      <p:pic>
+        <p:nvPicPr>
           <p:cNvPr id="4" name="Рисунок 3">
             <a:extLst>
               <a:ext uri="{FF2B5EF4-FFF2-40B4-BE49-F238E27FC236}">
@@ -6716,7 +7814,7 @@
 </p:sld>
 </file>
 
-<file path=ppt/slides/slide11.xml><?xml version="1.0" encoding="utf-8"?>
+<file path=ppt/slides/slide15.xml><?xml version="1.0" encoding="utf-8"?>
 <p:sld xmlns:a="http://schemas.openxmlformats.org/drawingml/2006/main" xmlns:r="http://schemas.openxmlformats.org/officeDocument/2006/relationships" xmlns:p="http://schemas.openxmlformats.org/presentationml/2006/main">
   <p:cSld>
     <p:spTree>
@@ -7001,7 +8099,7 @@
 </p:sld>
 </file>
 
-<file path=ppt/slides/slide12.xml><?xml version="1.0" encoding="utf-8"?>
+<file path=ppt/slides/slide16.xml><?xml version="1.0" encoding="utf-8"?>
 <p:sld xmlns:a="http://schemas.openxmlformats.org/drawingml/2006/main" xmlns:r="http://schemas.openxmlformats.org/officeDocument/2006/relationships" xmlns:p="http://schemas.openxmlformats.org/presentationml/2006/main">
   <p:cSld>
     <p:spTree>
@@ -7286,7 +8384,7 @@
 </p:sld>
 </file>
 
-<file path=ppt/slides/slide13.xml><?xml version="1.0" encoding="utf-8"?>
+<file path=ppt/slides/slide17.xml><?xml version="1.0" encoding="utf-8"?>
 <p:sld xmlns:a="http://schemas.openxmlformats.org/drawingml/2006/main" xmlns:r="http://schemas.openxmlformats.org/officeDocument/2006/relationships" xmlns:p="http://schemas.openxmlformats.org/presentationml/2006/main">
   <p:cSld>
     <p:spTree>
@@ -7496,7 +8594,7 @@
 </p:sld>
 </file>
 
-<file path=ppt/slides/slide14.xml><?xml version="1.0" encoding="utf-8"?>
+<file path=ppt/slides/slide18.xml><?xml version="1.0" encoding="utf-8"?>
 <p:sld xmlns:a="http://schemas.openxmlformats.org/drawingml/2006/main" xmlns:r="http://schemas.openxmlformats.org/officeDocument/2006/relationships" xmlns:p="http://schemas.openxmlformats.org/presentationml/2006/main">
   <p:cSld>
     <p:spTree>
@@ -7781,429 +8879,6 @@
 </p:sld>
 </file>
 
-<file path=ppt/slides/slide15.xml><?xml version="1.0" encoding="utf-8"?>
-<p:sld xmlns:a="http://schemas.openxmlformats.org/drawingml/2006/main" xmlns:r="http://schemas.openxmlformats.org/officeDocument/2006/relationships" xmlns:p="http://schemas.openxmlformats.org/presentationml/2006/main">
-  <p:cSld>
-    <p:spTree>
-      <p:nvGrpSpPr>
-        <p:cNvPr id="1" name=""/>
-        <p:cNvGrpSpPr/>
-        <p:nvPr/>
-      </p:nvGrpSpPr>
-      <p:grpSpPr>
-        <a:xfrm>
-          <a:off x="0" y="0"/>
-          <a:ext cx="0" cy="0"/>
-          <a:chOff x="0" y="0"/>
-          <a:chExt cx="0" cy="0"/>
-        </a:xfrm>
-      </p:grpSpPr>
-      <p:sp>
-        <p:nvSpPr>
-          <p:cNvPr id="4" name="Номер слайда 3"/>
-          <p:cNvSpPr>
-            <a:spLocks noGrp="1"/>
-          </p:cNvSpPr>
-          <p:nvPr>
-            <p:ph type="sldNum" sz="quarter" idx="10"/>
-          </p:nvPr>
-        </p:nvSpPr>
-        <p:spPr/>
-        <p:txBody>
-          <a:bodyPr/>
-          <a:lstStyle/>
-          <a:p>
-            <a:pPr defTabSz="685800"/>
-            <a:fld id="{1519AFA1-E01F-4869-9A2C-AE6B64FF5724}" type="slidenum">
-              <a:rPr lang="ru-RU">
-                <a:solidFill>
-                  <a:prstClr val="white"/>
-                </a:solidFill>
-              </a:rPr>
-              <a:pPr defTabSz="685800"/>
-              <a:t>15</a:t>
-            </a:fld>
-            <a:endParaRPr lang="ru-RU" dirty="0">
-              <a:solidFill>
-                <a:prstClr val="white"/>
-              </a:solidFill>
-            </a:endParaRPr>
-          </a:p>
-        </p:txBody>
-      </p:sp>
-      <p:pic>
-        <p:nvPicPr>
-          <p:cNvPr id="2" name="Рисунок 1">
-            <a:extLst>
-              <a:ext uri="{FF2B5EF4-FFF2-40B4-BE49-F238E27FC236}">
-                <a16:creationId xmlns:a16="http://schemas.microsoft.com/office/drawing/2014/main" id="{5F7B6AA1-2CB3-47D6-A3D3-8FD2BCBEA14C}"/>
-              </a:ext>
-            </a:extLst>
-          </p:cNvPr>
-          <p:cNvPicPr>
-            <a:picLocks noChangeAspect="1"/>
-          </p:cNvPicPr>
-          <p:nvPr/>
-        </p:nvPicPr>
-        <p:blipFill>
-          <a:blip r:embed="rId2"/>
-          <a:stretch>
-            <a:fillRect/>
-          </a:stretch>
-        </p:blipFill>
-        <p:spPr>
-          <a:xfrm>
-            <a:off x="1281700" y="440898"/>
-            <a:ext cx="6027506" cy="3922955"/>
-          </a:xfrm>
-          <a:prstGeom prst="rect">
-            <a:avLst/>
-          </a:prstGeom>
-        </p:spPr>
-      </p:pic>
-    </p:spTree>
-    <p:extLst>
-      <p:ext uri="{BB962C8B-B14F-4D97-AF65-F5344CB8AC3E}">
-        <p14:creationId xmlns:p14="http://schemas.microsoft.com/office/powerpoint/2010/main" val="318267734"/>
-      </p:ext>
-    </p:extLst>
-  </p:cSld>
-  <p:clrMapOvr>
-    <a:masterClrMapping/>
-  </p:clrMapOvr>
-</p:sld>
-</file>
-
-<file path=ppt/slides/slide16.xml><?xml version="1.0" encoding="utf-8"?>
-<p:sld xmlns:a="http://schemas.openxmlformats.org/drawingml/2006/main" xmlns:r="http://schemas.openxmlformats.org/officeDocument/2006/relationships" xmlns:p="http://schemas.openxmlformats.org/presentationml/2006/main">
-  <p:cSld>
-    <p:spTree>
-      <p:nvGrpSpPr>
-        <p:cNvPr id="1" name=""/>
-        <p:cNvGrpSpPr/>
-        <p:nvPr/>
-      </p:nvGrpSpPr>
-      <p:grpSpPr>
-        <a:xfrm>
-          <a:off x="0" y="0"/>
-          <a:ext cx="0" cy="0"/>
-          <a:chOff x="0" y="0"/>
-          <a:chExt cx="0" cy="0"/>
-        </a:xfrm>
-      </p:grpSpPr>
-      <p:sp>
-        <p:nvSpPr>
-          <p:cNvPr id="4" name="Номер слайда 3"/>
-          <p:cNvSpPr>
-            <a:spLocks noGrp="1"/>
-          </p:cNvSpPr>
-          <p:nvPr>
-            <p:ph type="sldNum" sz="quarter" idx="10"/>
-          </p:nvPr>
-        </p:nvSpPr>
-        <p:spPr/>
-        <p:txBody>
-          <a:bodyPr/>
-          <a:lstStyle/>
-          <a:p>
-            <a:pPr defTabSz="685800"/>
-            <a:fld id="{1519AFA1-E01F-4869-9A2C-AE6B64FF5724}" type="slidenum">
-              <a:rPr lang="ru-RU">
-                <a:solidFill>
-                  <a:prstClr val="white"/>
-                </a:solidFill>
-              </a:rPr>
-              <a:pPr defTabSz="685800"/>
-              <a:t>16</a:t>
-            </a:fld>
-            <a:endParaRPr lang="ru-RU" dirty="0">
-              <a:solidFill>
-                <a:prstClr val="white"/>
-              </a:solidFill>
-            </a:endParaRPr>
-          </a:p>
-        </p:txBody>
-      </p:sp>
-      <p:pic>
-        <p:nvPicPr>
-          <p:cNvPr id="1026" name="Picture 2" descr="Упрости свой JavaScript – используй map, reduce и filter">
-            <a:extLst>
-              <a:ext uri="{FF2B5EF4-FFF2-40B4-BE49-F238E27FC236}">
-                <a16:creationId xmlns:a16="http://schemas.microsoft.com/office/drawing/2014/main" id="{6D55CB7E-0A22-4323-8B6C-CBDDFD77B62D}"/>
-              </a:ext>
-            </a:extLst>
-          </p:cNvPr>
-          <p:cNvPicPr>
-            <a:picLocks noChangeAspect="1" noChangeArrowheads="1"/>
-          </p:cNvPicPr>
-          <p:nvPr/>
-        </p:nvPicPr>
-        <p:blipFill>
-          <a:blip r:embed="rId2">
-            <a:extLst>
-              <a:ext uri="{28A0092B-C50C-407E-A947-70E740481C1C}">
-                <a14:useLocalDpi xmlns:a14="http://schemas.microsoft.com/office/drawing/2010/main" val="0"/>
-              </a:ext>
-            </a:extLst>
-          </a:blip>
-          <a:srcRect/>
-          <a:stretch>
-            <a:fillRect/>
-          </a:stretch>
-        </p:blipFill>
-        <p:spPr bwMode="auto">
-          <a:xfrm>
-            <a:off x="1194194" y="808894"/>
-            <a:ext cx="6591395" cy="3295697"/>
-          </a:xfrm>
-          <a:prstGeom prst="rect">
-            <a:avLst/>
-          </a:prstGeom>
-          <a:noFill/>
-          <a:extLst>
-            <a:ext uri="{909E8E84-426E-40DD-AFC4-6F175D3DCCD1}">
-              <a14:hiddenFill xmlns:a14="http://schemas.microsoft.com/office/drawing/2010/main">
-                <a:solidFill>
-                  <a:srgbClr val="FFFFFF"/>
-                </a:solidFill>
-              </a14:hiddenFill>
-            </a:ext>
-          </a:extLst>
-        </p:spPr>
-      </p:pic>
-    </p:spTree>
-    <p:extLst>
-      <p:ext uri="{BB962C8B-B14F-4D97-AF65-F5344CB8AC3E}">
-        <p14:creationId xmlns:p14="http://schemas.microsoft.com/office/powerpoint/2010/main" val="3443249366"/>
-      </p:ext>
-    </p:extLst>
-  </p:cSld>
-  <p:clrMapOvr>
-    <a:masterClrMapping/>
-  </p:clrMapOvr>
-</p:sld>
-</file>
-
-<file path=ppt/slides/slide17.xml><?xml version="1.0" encoding="utf-8"?>
-<p:sld xmlns:a="http://schemas.openxmlformats.org/drawingml/2006/main" xmlns:r="http://schemas.openxmlformats.org/officeDocument/2006/relationships" xmlns:p="http://schemas.openxmlformats.org/presentationml/2006/main">
-  <p:cSld>
-    <p:spTree>
-      <p:nvGrpSpPr>
-        <p:cNvPr id="1" name=""/>
-        <p:cNvGrpSpPr/>
-        <p:nvPr/>
-      </p:nvGrpSpPr>
-      <p:grpSpPr>
-        <a:xfrm>
-          <a:off x="0" y="0"/>
-          <a:ext cx="0" cy="0"/>
-          <a:chOff x="0" y="0"/>
-          <a:chExt cx="0" cy="0"/>
-        </a:xfrm>
-      </p:grpSpPr>
-      <p:sp>
-        <p:nvSpPr>
-          <p:cNvPr id="4" name="Номер слайда 3"/>
-          <p:cNvSpPr>
-            <a:spLocks noGrp="1"/>
-          </p:cNvSpPr>
-          <p:nvPr>
-            <p:ph type="sldNum" sz="quarter" idx="10"/>
-          </p:nvPr>
-        </p:nvSpPr>
-        <p:spPr/>
-        <p:txBody>
-          <a:bodyPr/>
-          <a:lstStyle/>
-          <a:p>
-            <a:pPr defTabSz="685800"/>
-            <a:fld id="{1519AFA1-E01F-4869-9A2C-AE6B64FF5724}" type="slidenum">
-              <a:rPr lang="ru-RU">
-                <a:solidFill>
-                  <a:prstClr val="white"/>
-                </a:solidFill>
-              </a:rPr>
-              <a:pPr defTabSz="685800"/>
-              <a:t>17</a:t>
-            </a:fld>
-            <a:endParaRPr lang="ru-RU" dirty="0">
-              <a:solidFill>
-                <a:prstClr val="white"/>
-              </a:solidFill>
-            </a:endParaRPr>
-          </a:p>
-        </p:txBody>
-      </p:sp>
-      <p:pic>
-        <p:nvPicPr>
-          <p:cNvPr id="1028" name="Picture 4" descr="Picture background">
-            <a:extLst>
-              <a:ext uri="{FF2B5EF4-FFF2-40B4-BE49-F238E27FC236}">
-                <a16:creationId xmlns:a16="http://schemas.microsoft.com/office/drawing/2014/main" id="{0DFAB1FD-E889-4A5E-805C-79807796E17E}"/>
-              </a:ext>
-            </a:extLst>
-          </p:cNvPr>
-          <p:cNvPicPr>
-            <a:picLocks noChangeAspect="1" noChangeArrowheads="1"/>
-          </p:cNvPicPr>
-          <p:nvPr/>
-        </p:nvPicPr>
-        <p:blipFill>
-          <a:blip r:embed="rId2">
-            <a:extLst>
-              <a:ext uri="{28A0092B-C50C-407E-A947-70E740481C1C}">
-                <a14:useLocalDpi xmlns:a14="http://schemas.microsoft.com/office/drawing/2010/main" val="0"/>
-              </a:ext>
-            </a:extLst>
-          </a:blip>
-          <a:srcRect/>
-          <a:stretch>
-            <a:fillRect/>
-          </a:stretch>
-        </p:blipFill>
-        <p:spPr bwMode="auto">
-          <a:xfrm>
-            <a:off x="395653" y="829761"/>
-            <a:ext cx="7860323" cy="2966044"/>
-          </a:xfrm>
-          <a:prstGeom prst="rect">
-            <a:avLst/>
-          </a:prstGeom>
-          <a:noFill/>
-          <a:extLst>
-            <a:ext uri="{909E8E84-426E-40DD-AFC4-6F175D3DCCD1}">
-              <a14:hiddenFill xmlns:a14="http://schemas.microsoft.com/office/drawing/2010/main">
-                <a:solidFill>
-                  <a:srgbClr val="FFFFFF"/>
-                </a:solidFill>
-              </a14:hiddenFill>
-            </a:ext>
-          </a:extLst>
-        </p:spPr>
-      </p:pic>
-    </p:spTree>
-    <p:extLst>
-      <p:ext uri="{BB962C8B-B14F-4D97-AF65-F5344CB8AC3E}">
-        <p14:creationId xmlns:p14="http://schemas.microsoft.com/office/powerpoint/2010/main" val="3136094227"/>
-      </p:ext>
-    </p:extLst>
-  </p:cSld>
-  <p:clrMapOvr>
-    <a:masterClrMapping/>
-  </p:clrMapOvr>
-</p:sld>
-</file>
-
-<file path=ppt/slides/slide18.xml><?xml version="1.0" encoding="utf-8"?>
-<p:sld xmlns:a="http://schemas.openxmlformats.org/drawingml/2006/main" xmlns:r="http://schemas.openxmlformats.org/officeDocument/2006/relationships" xmlns:p="http://schemas.openxmlformats.org/presentationml/2006/main">
-  <p:cSld>
-    <p:spTree>
-      <p:nvGrpSpPr>
-        <p:cNvPr id="1" name=""/>
-        <p:cNvGrpSpPr/>
-        <p:nvPr/>
-      </p:nvGrpSpPr>
-      <p:grpSpPr>
-        <a:xfrm>
-          <a:off x="0" y="0"/>
-          <a:ext cx="0" cy="0"/>
-          <a:chOff x="0" y="0"/>
-          <a:chExt cx="0" cy="0"/>
-        </a:xfrm>
-      </p:grpSpPr>
-      <p:sp>
-        <p:nvSpPr>
-          <p:cNvPr id="4" name="Номер слайда 3"/>
-          <p:cNvSpPr>
-            <a:spLocks noGrp="1"/>
-          </p:cNvSpPr>
-          <p:nvPr>
-            <p:ph type="sldNum" sz="quarter" idx="10"/>
-          </p:nvPr>
-        </p:nvSpPr>
-        <p:spPr/>
-        <p:txBody>
-          <a:bodyPr/>
-          <a:lstStyle/>
-          <a:p>
-            <a:pPr defTabSz="685800"/>
-            <a:fld id="{1519AFA1-E01F-4869-9A2C-AE6B64FF5724}" type="slidenum">
-              <a:rPr lang="ru-RU">
-                <a:solidFill>
-                  <a:prstClr val="white"/>
-                </a:solidFill>
-              </a:rPr>
-              <a:pPr defTabSz="685800"/>
-              <a:t>18</a:t>
-            </a:fld>
-            <a:endParaRPr lang="ru-RU" dirty="0">
-              <a:solidFill>
-                <a:prstClr val="white"/>
-              </a:solidFill>
-            </a:endParaRPr>
-          </a:p>
-        </p:txBody>
-      </p:sp>
-      <p:pic>
-        <p:nvPicPr>
-          <p:cNvPr id="2050" name="Picture 2" descr="Picture background">
-            <a:extLst>
-              <a:ext uri="{FF2B5EF4-FFF2-40B4-BE49-F238E27FC236}">
-                <a16:creationId xmlns:a16="http://schemas.microsoft.com/office/drawing/2014/main" id="{9C208089-D6CD-4C90-814B-7EEA531FD8CC}"/>
-              </a:ext>
-            </a:extLst>
-          </p:cNvPr>
-          <p:cNvPicPr>
-            <a:picLocks noChangeAspect="1" noChangeArrowheads="1"/>
-          </p:cNvPicPr>
-          <p:nvPr/>
-        </p:nvPicPr>
-        <p:blipFill>
-          <a:blip r:embed="rId2">
-            <a:extLst>
-              <a:ext uri="{28A0092B-C50C-407E-A947-70E740481C1C}">
-                <a14:useLocalDpi xmlns:a14="http://schemas.microsoft.com/office/drawing/2010/main" val="0"/>
-              </a:ext>
-            </a:extLst>
-          </a:blip>
-          <a:srcRect/>
-          <a:stretch>
-            <a:fillRect/>
-          </a:stretch>
-        </p:blipFill>
-        <p:spPr bwMode="auto">
-          <a:xfrm>
-            <a:off x="1536114" y="835270"/>
-            <a:ext cx="6071773" cy="3349595"/>
-          </a:xfrm>
-          <a:prstGeom prst="rect">
-            <a:avLst/>
-          </a:prstGeom>
-          <a:noFill/>
-          <a:extLst>
-            <a:ext uri="{909E8E84-426E-40DD-AFC4-6F175D3DCCD1}">
-              <a14:hiddenFill xmlns:a14="http://schemas.microsoft.com/office/drawing/2010/main">
-                <a:solidFill>
-                  <a:srgbClr val="FFFFFF"/>
-                </a:solidFill>
-              </a14:hiddenFill>
-            </a:ext>
-          </a:extLst>
-        </p:spPr>
-      </p:pic>
-    </p:spTree>
-    <p:extLst>
-      <p:ext uri="{BB962C8B-B14F-4D97-AF65-F5344CB8AC3E}">
-        <p14:creationId xmlns:p14="http://schemas.microsoft.com/office/powerpoint/2010/main" val="3655367807"/>
-      </p:ext>
-    </p:extLst>
-  </p:cSld>
-  <p:clrMapOvr>
-    <a:masterClrMapping/>
-  </p:clrMapOvr>
-</p:sld>
-</file>
-
 <file path=ppt/slides/slide19.xml><?xml version="1.0" encoding="utf-8"?>
 <p:sld xmlns:a="http://schemas.openxmlformats.org/drawingml/2006/main" xmlns:r="http://schemas.openxmlformats.org/officeDocument/2006/relationships" xmlns:p="http://schemas.openxmlformats.org/presentationml/2006/main">
   <p:cSld>
@@ -8223,264 +8898,227 @@
       </p:grpSpPr>
       <p:sp>
         <p:nvSpPr>
-          <p:cNvPr id="9" name="Заголовок 1">
+          <p:cNvPr id="3" name="Подзаголовок 2">
             <a:extLst>
               <a:ext uri="{FF2B5EF4-FFF2-40B4-BE49-F238E27FC236}">
-                <a16:creationId xmlns:a16="http://schemas.microsoft.com/office/drawing/2014/main" id="{296E8557-2C11-4E65-A7DC-4FD9955DF42A}"/>
+                <a16:creationId xmlns:a16="http://schemas.microsoft.com/office/drawing/2014/main" id="{A73D9F3D-681D-44E9-AA62-0864EB5C3B81}"/>
               </a:ext>
             </a:extLst>
           </p:cNvPr>
-          <p:cNvSpPr txBox="1">
-            <a:spLocks/>
+          <p:cNvSpPr>
+            <a:spLocks noGrp="1"/>
           </p:cNvSpPr>
-          <p:nvPr/>
+          <p:nvPr>
+            <p:ph type="subTitle"/>
+          </p:nvPr>
         </p:nvSpPr>
         <p:spPr>
           <a:xfrm>
-            <a:off x="950096" y="2002143"/>
-            <a:ext cx="2738120" cy="954341"/>
-          </a:xfrm>
-          <a:prstGeom prst="rect">
-            <a:avLst/>
-          </a:prstGeom>
+            <a:off x="232410" y="248940"/>
+            <a:ext cx="5139690" cy="1496040"/>
+          </a:xfrm>
         </p:spPr>
         <p:txBody>
-          <a:bodyPr vert="horz" lIns="68580" tIns="34290" rIns="68580" bIns="34290" rtlCol="0" anchor="t">
-            <a:normAutofit fontScale="92500" lnSpcReduction="20000"/>
-          </a:bodyPr>
-          <a:lstStyle>
-            <a:lvl1pPr algn="l" defTabSz="457200" rtl="0" eaLnBrk="1" latinLnBrk="0" hangingPunct="1">
-              <a:spcBef>
-                <a:spcPct val="0"/>
-              </a:spcBef>
+          <a:bodyPr/>
+          <a:lstStyle/>
+          <a:p>
+            <a:pPr marL="270" indent="0">
               <a:buNone/>
-              <a:defRPr sz="3600" b="1" kern="1200">
-                <a:solidFill>
-                  <a:schemeClr val="accent2"/>
-                </a:solidFill>
-                <a:latin typeface="Open Sans" panose="020B0606030504020204" pitchFamily="34" charset="0"/>
-                <a:ea typeface="Open Sans" panose="020B0606030504020204" pitchFamily="34" charset="0"/>
-                <a:cs typeface="Open Sans" panose="020B0606030504020204" pitchFamily="34" charset="0"/>
-              </a:defRPr>
-            </a:lvl1pPr>
-            <a:lvl2pPr eaLnBrk="1" hangingPunct="1">
-              <a:defRPr>
-                <a:solidFill>
-                  <a:schemeClr val="tx2"/>
-                </a:solidFill>
-              </a:defRPr>
-            </a:lvl2pPr>
-            <a:lvl3pPr eaLnBrk="1" hangingPunct="1">
-              <a:defRPr>
-                <a:solidFill>
-                  <a:schemeClr val="tx2"/>
-                </a:solidFill>
-              </a:defRPr>
-            </a:lvl3pPr>
-            <a:lvl4pPr eaLnBrk="1" hangingPunct="1">
-              <a:defRPr>
-                <a:solidFill>
-                  <a:schemeClr val="tx2"/>
-                </a:solidFill>
-              </a:defRPr>
-            </a:lvl4pPr>
-            <a:lvl5pPr eaLnBrk="1" hangingPunct="1">
-              <a:defRPr>
-                <a:solidFill>
-                  <a:schemeClr val="tx2"/>
-                </a:solidFill>
-              </a:defRPr>
-            </a:lvl5pPr>
-            <a:lvl6pPr eaLnBrk="1" hangingPunct="1">
-              <a:defRPr>
-                <a:solidFill>
-                  <a:schemeClr val="tx2"/>
-                </a:solidFill>
-              </a:defRPr>
-            </a:lvl6pPr>
-            <a:lvl7pPr eaLnBrk="1" hangingPunct="1">
-              <a:defRPr>
-                <a:solidFill>
-                  <a:schemeClr val="tx2"/>
-                </a:solidFill>
-              </a:defRPr>
-            </a:lvl7pPr>
-            <a:lvl8pPr eaLnBrk="1" hangingPunct="1">
-              <a:defRPr>
-                <a:solidFill>
-                  <a:schemeClr val="tx2"/>
-                </a:solidFill>
-              </a:defRPr>
-            </a:lvl8pPr>
-            <a:lvl9pPr eaLnBrk="1" hangingPunct="1">
-              <a:defRPr>
-                <a:solidFill>
-                  <a:schemeClr val="tx2"/>
-                </a:solidFill>
-              </a:defRPr>
-            </a:lvl9pPr>
-          </a:lstStyle>
-          <a:p>
-            <a:r>
-              <a:rPr lang="ru-RU" sz="4350" dirty="0"/>
-              <a:t>Спасибо </a:t>
-            </a:r>
-          </a:p>
-          <a:p>
-            <a:r>
-              <a:rPr lang="ru-RU" sz="2700" dirty="0"/>
-              <a:t>за внимание!</a:t>
+            </a:pPr>
+            <a:r>
+              <a:rPr lang="ru-RU" sz="2400" b="1" dirty="0"/>
+              <a:t>ОБЪЕКТ ПЕРВОГО КЛАССА </a:t>
+            </a:r>
+            <a:r>
+              <a:rPr lang="ru-RU" sz="1800" b="1" dirty="0"/>
+              <a:t>– </a:t>
+            </a:r>
+          </a:p>
+          <a:p>
+            <a:pPr marL="270" indent="0">
+              <a:buNone/>
+            </a:pPr>
+            <a:r>
+              <a:rPr lang="ru-RU" sz="1800" b="1" dirty="0"/>
+              <a:t>сущность, которая может быть динамически создана, уничтожена, передана в функцию, возвращена как значение и обладать всеми правами, которыми обладают другие переменные в языке программирования.</a:t>
             </a:r>
           </a:p>
         </p:txBody>
       </p:sp>
       <p:sp>
         <p:nvSpPr>
-          <p:cNvPr id="10" name="Заголовок 1">
+          <p:cNvPr id="4" name="Прямоугольник 3">
             <a:extLst>
               <a:ext uri="{FF2B5EF4-FFF2-40B4-BE49-F238E27FC236}">
-                <a16:creationId xmlns:a16="http://schemas.microsoft.com/office/drawing/2014/main" id="{94F517F1-B040-4C23-A1FC-87F348A889F9}"/>
+                <a16:creationId xmlns:a16="http://schemas.microsoft.com/office/drawing/2014/main" id="{7E136B08-73AE-4E75-B42A-100FDD08B74C}"/>
               </a:ext>
             </a:extLst>
           </p:cNvPr>
-          <p:cNvSpPr txBox="1">
-            <a:spLocks/>
-          </p:cNvSpPr>
+          <p:cNvSpPr/>
           <p:nvPr/>
         </p:nvSpPr>
         <p:spPr>
           <a:xfrm>
-            <a:off x="950096" y="2907074"/>
-            <a:ext cx="2738120" cy="568158"/>
+            <a:off x="102870" y="2032238"/>
+            <a:ext cx="7379970" cy="2862322"/>
           </a:xfrm>
           <a:prstGeom prst="rect">
             <a:avLst/>
           </a:prstGeom>
         </p:spPr>
         <p:txBody>
-          <a:bodyPr vert="horz" lIns="68580" tIns="34290" rIns="68580" bIns="34290" rtlCol="0" anchor="t">
-            <a:normAutofit/>
+          <a:bodyPr wrap="square">
+            <a:spAutoFit/>
           </a:bodyPr>
-          <a:lstStyle>
-            <a:lvl1pPr algn="l" defTabSz="457200" rtl="0" eaLnBrk="1" latinLnBrk="0" hangingPunct="1">
-              <a:spcBef>
-                <a:spcPct val="0"/>
-              </a:spcBef>
-              <a:buNone/>
-              <a:defRPr sz="3600" b="1" kern="1200">
-                <a:solidFill>
-                  <a:schemeClr val="accent2"/>
-                </a:solidFill>
-                <a:latin typeface="Open Sans" panose="020B0606030504020204" pitchFamily="34" charset="0"/>
-                <a:ea typeface="Open Sans" panose="020B0606030504020204" pitchFamily="34" charset="0"/>
-                <a:cs typeface="Open Sans" panose="020B0606030504020204" pitchFamily="34" charset="0"/>
-              </a:defRPr>
-            </a:lvl1pPr>
-            <a:lvl2pPr eaLnBrk="1" hangingPunct="1">
-              <a:defRPr>
-                <a:solidFill>
-                  <a:schemeClr val="tx2"/>
-                </a:solidFill>
-              </a:defRPr>
-            </a:lvl2pPr>
-            <a:lvl3pPr eaLnBrk="1" hangingPunct="1">
-              <a:defRPr>
-                <a:solidFill>
-                  <a:schemeClr val="tx2"/>
-                </a:solidFill>
-              </a:defRPr>
-            </a:lvl3pPr>
-            <a:lvl4pPr eaLnBrk="1" hangingPunct="1">
-              <a:defRPr>
-                <a:solidFill>
-                  <a:schemeClr val="tx2"/>
-                </a:solidFill>
-              </a:defRPr>
-            </a:lvl4pPr>
-            <a:lvl5pPr eaLnBrk="1" hangingPunct="1">
-              <a:defRPr>
-                <a:solidFill>
-                  <a:schemeClr val="tx2"/>
-                </a:solidFill>
-              </a:defRPr>
-            </a:lvl5pPr>
-            <a:lvl6pPr eaLnBrk="1" hangingPunct="1">
-              <a:defRPr>
-                <a:solidFill>
-                  <a:schemeClr val="tx2"/>
-                </a:solidFill>
-              </a:defRPr>
-            </a:lvl6pPr>
-            <a:lvl7pPr eaLnBrk="1" hangingPunct="1">
-              <a:defRPr>
-                <a:solidFill>
-                  <a:schemeClr val="tx2"/>
-                </a:solidFill>
-              </a:defRPr>
-            </a:lvl7pPr>
-            <a:lvl8pPr eaLnBrk="1" hangingPunct="1">
-              <a:defRPr>
-                <a:solidFill>
-                  <a:schemeClr val="tx2"/>
-                </a:solidFill>
-              </a:defRPr>
-            </a:lvl8pPr>
-            <a:lvl9pPr eaLnBrk="1" hangingPunct="1">
-              <a:defRPr>
-                <a:solidFill>
-                  <a:schemeClr val="tx2"/>
-                </a:solidFill>
-              </a:defRPr>
-            </a:lvl9pPr>
-          </a:lstStyle>
-          <a:p>
-            <a:r>
-              <a:rPr lang="ru-RU" sz="2400" b="0" dirty="0"/>
-              <a:t>Ваши вопросы…</a:t>
-            </a:r>
+          <a:lstStyle/>
+          <a:p>
+            <a:pPr marL="285750" indent="-285750" fontAlgn="base">
+              <a:buFont typeface="Wingdings" panose="05000000000000000000" pitchFamily="2" charset="2"/>
+              <a:buChar char="v"/>
+            </a:pPr>
+            <a:r>
+              <a:rPr lang="ru-RU" dirty="0">
+                <a:solidFill>
+                  <a:srgbClr val="3B4045"/>
+                </a:solidFill>
+                <a:latin typeface="-apple-system"/>
+              </a:rPr>
+              <a:t>В зависимости от языка это может означать:</a:t>
+            </a:r>
+          </a:p>
+          <a:p>
+            <a:pPr marL="285750" indent="-285750" fontAlgn="base">
+              <a:buFont typeface="Wingdings" panose="05000000000000000000" pitchFamily="2" charset="2"/>
+              <a:buChar char="v"/>
+            </a:pPr>
+            <a:r>
+              <a:rPr lang="ru-RU" dirty="0">
+                <a:solidFill>
+                  <a:srgbClr val="3B4045"/>
+                </a:solidFill>
+                <a:latin typeface="inherit"/>
+              </a:rPr>
+              <a:t>возможность выражения в виде анонимного литерального значения</a:t>
+            </a:r>
+          </a:p>
+          <a:p>
+            <a:pPr marL="285750" indent="-285750" fontAlgn="base">
+              <a:buFont typeface="Wingdings" panose="05000000000000000000" pitchFamily="2" charset="2"/>
+              <a:buChar char="v"/>
+            </a:pPr>
+            <a:r>
+              <a:rPr lang="ru-RU" dirty="0">
+                <a:solidFill>
+                  <a:srgbClr val="3B4045"/>
+                </a:solidFill>
+                <a:latin typeface="inherit"/>
+              </a:rPr>
+              <a:t>возможность хранения в переменных</a:t>
+            </a:r>
+          </a:p>
+          <a:p>
+            <a:pPr marL="285750" indent="-285750" fontAlgn="base">
+              <a:buFont typeface="Wingdings" panose="05000000000000000000" pitchFamily="2" charset="2"/>
+              <a:buChar char="v"/>
+            </a:pPr>
+            <a:r>
+              <a:rPr lang="ru-RU" dirty="0">
+                <a:solidFill>
+                  <a:srgbClr val="3B4045"/>
+                </a:solidFill>
+                <a:latin typeface="inherit"/>
+              </a:rPr>
+              <a:t>возможность хранения в структурах данных</a:t>
+            </a:r>
+          </a:p>
+          <a:p>
+            <a:pPr marL="285750" indent="-285750" fontAlgn="base">
+              <a:buFont typeface="Wingdings" panose="05000000000000000000" pitchFamily="2" charset="2"/>
+              <a:buChar char="v"/>
+            </a:pPr>
+            <a:r>
+              <a:rPr lang="ru-RU" dirty="0">
+                <a:solidFill>
+                  <a:srgbClr val="3B4045"/>
+                </a:solidFill>
+                <a:latin typeface="inherit"/>
+              </a:rPr>
+              <a:t>имеющие внутреннюю идентификацию (независимо от любого заданного имени)</a:t>
+            </a:r>
+          </a:p>
+          <a:p>
+            <a:pPr marL="285750" indent="-285750" fontAlgn="base">
+              <a:buFont typeface="Wingdings" panose="05000000000000000000" pitchFamily="2" charset="2"/>
+              <a:buChar char="v"/>
+            </a:pPr>
+            <a:r>
+              <a:rPr lang="ru-RU" dirty="0">
+                <a:solidFill>
+                  <a:srgbClr val="3B4045"/>
+                </a:solidFill>
+                <a:latin typeface="inherit"/>
+              </a:rPr>
+              <a:t>сопоставимость по равенству с другими объектами</a:t>
+            </a:r>
+          </a:p>
+          <a:p>
+            <a:pPr marL="285750" indent="-285750" fontAlgn="base">
+              <a:buFont typeface="Wingdings" panose="05000000000000000000" pitchFamily="2" charset="2"/>
+              <a:buChar char="v"/>
+            </a:pPr>
+            <a:r>
+              <a:rPr lang="ru-RU" b="1" dirty="0">
+                <a:solidFill>
+                  <a:srgbClr val="0000FF"/>
+                </a:solidFill>
+                <a:latin typeface="inherit"/>
+              </a:rPr>
+              <a:t>возможность передачи в качестве параметра процедуре / функции</a:t>
+            </a:r>
+          </a:p>
+          <a:p>
+            <a:pPr marL="285750" indent="-285750" fontAlgn="base">
+              <a:buFont typeface="Wingdings" panose="05000000000000000000" pitchFamily="2" charset="2"/>
+              <a:buChar char="v"/>
+            </a:pPr>
+            <a:r>
+              <a:rPr lang="ru-RU" b="1" dirty="0">
+                <a:solidFill>
+                  <a:srgbClr val="0000FF"/>
+                </a:solidFill>
+                <a:latin typeface="inherit"/>
+              </a:rPr>
+              <a:t>возвращается как результат процедуры / функции</a:t>
+            </a:r>
+          </a:p>
+          <a:p>
+            <a:pPr marL="285750" indent="-285750" fontAlgn="base">
+              <a:buFont typeface="Wingdings" panose="05000000000000000000" pitchFamily="2" charset="2"/>
+              <a:buChar char="v"/>
+            </a:pPr>
+            <a:r>
+              <a:rPr lang="ru-RU" dirty="0">
+                <a:solidFill>
+                  <a:srgbClr val="3B4045"/>
+                </a:solidFill>
+                <a:latin typeface="inherit"/>
+              </a:rPr>
+              <a:t>возможность создания во время выполнения</a:t>
+            </a:r>
+            <a:endParaRPr lang="ru-RU" b="0" i="0" dirty="0">
+              <a:solidFill>
+                <a:srgbClr val="3B4045"/>
+              </a:solidFill>
+              <a:effectLst/>
+              <a:latin typeface="inherit"/>
+            </a:endParaRPr>
           </a:p>
         </p:txBody>
       </p:sp>
-      <p:pic>
-        <p:nvPicPr>
-          <p:cNvPr id="3" name="Рисунок 2">
-            <a:extLst>
-              <a:ext uri="{FF2B5EF4-FFF2-40B4-BE49-F238E27FC236}">
-                <a16:creationId xmlns:a16="http://schemas.microsoft.com/office/drawing/2014/main" id="{C81D53B5-DE19-479B-83BD-E3D8F3DB288E}"/>
-              </a:ext>
-            </a:extLst>
-          </p:cNvPr>
-          <p:cNvPicPr>
-            <a:picLocks noChangeAspect="1"/>
-          </p:cNvPicPr>
-          <p:nvPr/>
-        </p:nvPicPr>
-        <p:blipFill>
-          <a:blip r:embed="rId2">
-            <a:extLst>
-              <a:ext uri="{96DAC541-7B7A-43D3-8B79-37D633B846F1}">
-                <asvg:svgBlip xmlns:asvg="http://schemas.microsoft.com/office/drawing/2016/SVG/main" r:embed="rId3"/>
-              </a:ext>
-            </a:extLst>
-          </a:blip>
-          <a:stretch>
-            <a:fillRect/>
-          </a:stretch>
-        </p:blipFill>
-        <p:spPr>
-          <a:xfrm>
-            <a:off x="3315140" y="259241"/>
-            <a:ext cx="4803326" cy="4803326"/>
-          </a:xfrm>
-          <a:prstGeom prst="rect">
-            <a:avLst/>
-          </a:prstGeom>
-        </p:spPr>
-      </p:pic>
     </p:spTree>
     <p:extLst>
       <p:ext uri="{BB962C8B-B14F-4D97-AF65-F5344CB8AC3E}">
-        <p14:creationId xmlns:p14="http://schemas.microsoft.com/office/powerpoint/2010/main" val="1405911375"/>
+        <p14:creationId xmlns:p14="http://schemas.microsoft.com/office/powerpoint/2010/main" val="1645944262"/>
       </p:ext>
     </p:extLst>
   </p:cSld>
@@ -9935,6 +10573,2728 @@
     <p:extLst>
       <p:ext uri="{BB962C8B-B14F-4D97-AF65-F5344CB8AC3E}">
         <p14:creationId xmlns:p14="http://schemas.microsoft.com/office/powerpoint/2010/main" val="813924170"/>
+      </p:ext>
+    </p:extLst>
+  </p:cSld>
+  <p:clrMapOvr>
+    <a:masterClrMapping/>
+  </p:clrMapOvr>
+</p:sld>
+</file>
+
+<file path=ppt/slides/slide20.xml><?xml version="1.0" encoding="utf-8"?>
+<p:sld xmlns:a="http://schemas.openxmlformats.org/drawingml/2006/main" xmlns:r="http://schemas.openxmlformats.org/officeDocument/2006/relationships" xmlns:p="http://schemas.openxmlformats.org/presentationml/2006/main">
+  <p:cSld>
+    <p:spTree>
+      <p:nvGrpSpPr>
+        <p:cNvPr id="1" name=""/>
+        <p:cNvGrpSpPr/>
+        <p:nvPr/>
+      </p:nvGrpSpPr>
+      <p:grpSpPr>
+        <a:xfrm>
+          <a:off x="0" y="0"/>
+          <a:ext cx="0" cy="0"/>
+          <a:chOff x="0" y="0"/>
+          <a:chExt cx="0" cy="0"/>
+        </a:xfrm>
+      </p:grpSpPr>
+      <p:sp>
+        <p:nvSpPr>
+          <p:cNvPr id="3" name="Подзаголовок 2">
+            <a:extLst>
+              <a:ext uri="{FF2B5EF4-FFF2-40B4-BE49-F238E27FC236}">
+                <a16:creationId xmlns:a16="http://schemas.microsoft.com/office/drawing/2014/main" id="{A73D9F3D-681D-44E9-AA62-0864EB5C3B81}"/>
+              </a:ext>
+            </a:extLst>
+          </p:cNvPr>
+          <p:cNvSpPr>
+            <a:spLocks noGrp="1"/>
+          </p:cNvSpPr>
+          <p:nvPr>
+            <p:ph type="subTitle"/>
+          </p:nvPr>
+        </p:nvSpPr>
+        <p:spPr>
+          <a:xfrm>
+            <a:off x="232410" y="248940"/>
+            <a:ext cx="5139690" cy="673080"/>
+          </a:xfrm>
+        </p:spPr>
+        <p:txBody>
+          <a:bodyPr/>
+          <a:lstStyle/>
+          <a:p>
+            <a:pPr marL="270" indent="0">
+              <a:buNone/>
+            </a:pPr>
+            <a:r>
+              <a:rPr lang="ru-RU" sz="2400" b="1" dirty="0"/>
+              <a:t>ОБЪЕКТ ВТОРОГО КЛАССА </a:t>
+            </a:r>
+            <a:r>
+              <a:rPr lang="ru-RU" sz="1800" b="1" dirty="0"/>
+              <a:t>–  </a:t>
+            </a:r>
+            <a:r>
+              <a:rPr lang="en-US" sz="1800" b="1" dirty="0"/>
+              <a:t>?</a:t>
+            </a:r>
+            <a:endParaRPr lang="ru-RU" sz="1800" b="1" dirty="0"/>
+          </a:p>
+        </p:txBody>
+      </p:sp>
+      <p:sp>
+        <p:nvSpPr>
+          <p:cNvPr id="2" name="Прямоугольник 1">
+            <a:extLst>
+              <a:ext uri="{FF2B5EF4-FFF2-40B4-BE49-F238E27FC236}">
+                <a16:creationId xmlns:a16="http://schemas.microsoft.com/office/drawing/2014/main" id="{8F5E2A33-21F0-4F0B-80FC-7BB595250440}"/>
+              </a:ext>
+            </a:extLst>
+          </p:cNvPr>
+          <p:cNvSpPr/>
+          <p:nvPr/>
+        </p:nvSpPr>
+        <p:spPr>
+          <a:xfrm>
+            <a:off x="232410" y="1460599"/>
+            <a:ext cx="6362700" cy="2062103"/>
+          </a:xfrm>
+          <a:prstGeom prst="rect">
+            <a:avLst/>
+          </a:prstGeom>
+        </p:spPr>
+        <p:txBody>
+          <a:bodyPr wrap="square">
+            <a:spAutoFit/>
+          </a:bodyPr>
+          <a:lstStyle/>
+          <a:p>
+            <a:r>
+              <a:rPr lang="ru-RU" sz="3200" dirty="0">
+                <a:solidFill>
+                  <a:srgbClr val="222222"/>
+                </a:solidFill>
+                <a:latin typeface="-apple-system"/>
+              </a:rPr>
+              <a:t>Сущности, которые не являются объектами первого класса, называются объектами второго класса.</a:t>
+            </a:r>
+            <a:endParaRPr lang="ru-RU" sz="3200" dirty="0"/>
+          </a:p>
+        </p:txBody>
+      </p:sp>
+    </p:spTree>
+    <p:extLst>
+      <p:ext uri="{BB962C8B-B14F-4D97-AF65-F5344CB8AC3E}">
+        <p14:creationId xmlns:p14="http://schemas.microsoft.com/office/powerpoint/2010/main" val="3377182338"/>
+      </p:ext>
+    </p:extLst>
+  </p:cSld>
+  <p:clrMapOvr>
+    <a:masterClrMapping/>
+  </p:clrMapOvr>
+  <p:timing>
+    <p:tnLst>
+      <p:par>
+        <p:cTn id="1" dur="indefinite" restart="never" nodeType="tmRoot">
+          <p:childTnLst>
+            <p:seq concurrent="1" nextAc="seek">
+              <p:cTn id="2" dur="indefinite" nodeType="mainSeq">
+                <p:childTnLst>
+                  <p:par>
+                    <p:cTn id="3" fill="hold">
+                      <p:stCondLst>
+                        <p:cond delay="indefinite"/>
+                      </p:stCondLst>
+                      <p:childTnLst>
+                        <p:par>
+                          <p:cTn id="4" fill="hold">
+                            <p:stCondLst>
+                              <p:cond delay="0"/>
+                            </p:stCondLst>
+                            <p:childTnLst>
+                              <p:par>
+                                <p:cTn id="5" presetID="1" presetClass="entr" presetSubtype="0" fill="hold" grpId="0" nodeType="clickEffect">
+                                  <p:stCondLst>
+                                    <p:cond delay="0"/>
+                                  </p:stCondLst>
+                                  <p:childTnLst>
+                                    <p:set>
+                                      <p:cBhvr>
+                                        <p:cTn id="6" dur="1" fill="hold">
+                                          <p:stCondLst>
+                                            <p:cond delay="0"/>
+                                          </p:stCondLst>
+                                        </p:cTn>
+                                        <p:tgtEl>
+                                          <p:spTgt spid="2"/>
+                                        </p:tgtEl>
+                                        <p:attrNameLst>
+                                          <p:attrName>style.visibility</p:attrName>
+                                        </p:attrNameLst>
+                                      </p:cBhvr>
+                                      <p:to>
+                                        <p:strVal val="visible"/>
+                                      </p:to>
+                                    </p:set>
+                                  </p:childTnLst>
+                                </p:cTn>
+                              </p:par>
+                            </p:childTnLst>
+                          </p:cTn>
+                        </p:par>
+                      </p:childTnLst>
+                    </p:cTn>
+                  </p:par>
+                </p:childTnLst>
+              </p:cTn>
+              <p:prevCondLst>
+                <p:cond evt="onPrev" delay="0">
+                  <p:tgtEl>
+                    <p:sldTgt/>
+                  </p:tgtEl>
+                </p:cond>
+              </p:prevCondLst>
+              <p:nextCondLst>
+                <p:cond evt="onNext" delay="0">
+                  <p:tgtEl>
+                    <p:sldTgt/>
+                  </p:tgtEl>
+                </p:cond>
+              </p:nextCondLst>
+            </p:seq>
+          </p:childTnLst>
+        </p:cTn>
+      </p:par>
+    </p:tnLst>
+    <p:bldLst>
+      <p:bldP spid="2" grpId="0"/>
+    </p:bldLst>
+  </p:timing>
+</p:sld>
+</file>
+
+<file path=ppt/slides/slide21.xml><?xml version="1.0" encoding="utf-8"?>
+<p:sld xmlns:a="http://schemas.openxmlformats.org/drawingml/2006/main" xmlns:r="http://schemas.openxmlformats.org/officeDocument/2006/relationships" xmlns:p="http://schemas.openxmlformats.org/presentationml/2006/main">
+  <p:cSld>
+    <p:spTree>
+      <p:nvGrpSpPr>
+        <p:cNvPr id="1" name=""/>
+        <p:cNvGrpSpPr/>
+        <p:nvPr/>
+      </p:nvGrpSpPr>
+      <p:grpSpPr>
+        <a:xfrm>
+          <a:off x="0" y="0"/>
+          <a:ext cx="0" cy="0"/>
+          <a:chOff x="0" y="0"/>
+          <a:chExt cx="0" cy="0"/>
+        </a:xfrm>
+      </p:grpSpPr>
+      <p:sp>
+        <p:nvSpPr>
+          <p:cNvPr id="3" name="Подзаголовок 2">
+            <a:extLst>
+              <a:ext uri="{FF2B5EF4-FFF2-40B4-BE49-F238E27FC236}">
+                <a16:creationId xmlns:a16="http://schemas.microsoft.com/office/drawing/2014/main" id="{0A5E7528-1409-4F9C-A48B-B94DBBAF7190}"/>
+              </a:ext>
+            </a:extLst>
+          </p:cNvPr>
+          <p:cNvSpPr>
+            <a:spLocks noGrp="1"/>
+          </p:cNvSpPr>
+          <p:nvPr>
+            <p:ph type="subTitle"/>
+          </p:nvPr>
+        </p:nvSpPr>
+        <p:spPr>
+          <a:xfrm>
+            <a:off x="178980" y="0"/>
+            <a:ext cx="5871300" cy="1633200"/>
+          </a:xfrm>
+        </p:spPr>
+        <p:txBody>
+          <a:bodyPr/>
+          <a:lstStyle/>
+          <a:p>
+            <a:pPr marL="270" indent="0">
+              <a:buNone/>
+            </a:pPr>
+            <a:r>
+              <a:rPr lang="ru-RU" sz="2000" b="1" dirty="0">
+                <a:solidFill>
+                  <a:srgbClr val="0000FF"/>
+                </a:solidFill>
+              </a:rPr>
+              <a:t>Уровень абстракции — один из способов сокрытия деталей реализации определенного набора функциональных возможностей.</a:t>
+            </a:r>
+          </a:p>
+        </p:txBody>
+      </p:sp>
+      <p:pic>
+        <p:nvPicPr>
+          <p:cNvPr id="4" name="Picture 2" descr="Языки сверхвысокого уровня: Python, R, Haskell, Lisp И Др - презентация  онлайн">
+            <a:extLst>
+              <a:ext uri="{FF2B5EF4-FFF2-40B4-BE49-F238E27FC236}">
+                <a16:creationId xmlns:a16="http://schemas.microsoft.com/office/drawing/2014/main" id="{D471EDBD-9B13-465B-A177-DA732C614C17}"/>
+              </a:ext>
+            </a:extLst>
+          </p:cNvPr>
+          <p:cNvPicPr>
+            <a:picLocks noChangeAspect="1" noChangeArrowheads="1"/>
+          </p:cNvPicPr>
+          <p:nvPr/>
+        </p:nvPicPr>
+        <p:blipFill rotWithShape="1">
+          <a:blip r:embed="rId2">
+            <a:extLst>
+              <a:ext uri="{28A0092B-C50C-407E-A947-70E740481C1C}">
+                <a14:useLocalDpi xmlns:a14="http://schemas.microsoft.com/office/drawing/2010/main" val="0"/>
+              </a:ext>
+            </a:extLst>
+          </a:blip>
+          <a:srcRect l="1323" r="3097" b="12205"/>
+          <a:stretch/>
+        </p:blipFill>
+        <p:spPr bwMode="auto">
+          <a:xfrm>
+            <a:off x="710933" y="1499074"/>
+            <a:ext cx="5339347" cy="2753625"/>
+          </a:xfrm>
+          <a:prstGeom prst="rect">
+            <a:avLst/>
+          </a:prstGeom>
+          <a:ln>
+            <a:noFill/>
+          </a:ln>
+          <a:effectLst>
+            <a:outerShdw blurRad="190500" algn="tl" rotWithShape="0">
+              <a:srgbClr val="000000">
+                <a:alpha val="70000"/>
+              </a:srgbClr>
+            </a:outerShdw>
+          </a:effectLst>
+          <a:extLst>
+            <a:ext uri="{909E8E84-426E-40DD-AFC4-6F175D3DCCD1}">
+              <a14:hiddenFill xmlns:a14="http://schemas.microsoft.com/office/drawing/2010/main">
+                <a:solidFill>
+                  <a:srgbClr val="FFFFFF"/>
+                </a:solidFill>
+              </a14:hiddenFill>
+            </a:ext>
+          </a:extLst>
+        </p:spPr>
+      </p:pic>
+      <p:sp>
+        <p:nvSpPr>
+          <p:cNvPr id="5" name="Прямоугольник 4">
+            <a:extLst>
+              <a:ext uri="{FF2B5EF4-FFF2-40B4-BE49-F238E27FC236}">
+                <a16:creationId xmlns:a16="http://schemas.microsoft.com/office/drawing/2014/main" id="{1E0878A9-991A-4D7E-977D-E4647F375E08}"/>
+              </a:ext>
+            </a:extLst>
+          </p:cNvPr>
+          <p:cNvSpPr/>
+          <p:nvPr/>
+        </p:nvSpPr>
+        <p:spPr>
+          <a:xfrm>
+            <a:off x="710933" y="4427714"/>
+            <a:ext cx="4740400" cy="400110"/>
+          </a:xfrm>
+          <a:prstGeom prst="rect">
+            <a:avLst/>
+          </a:prstGeom>
+        </p:spPr>
+        <p:txBody>
+          <a:bodyPr wrap="none">
+            <a:spAutoFit/>
+          </a:bodyPr>
+          <a:lstStyle/>
+          <a:p>
+            <a:r>
+              <a:rPr lang="ru-RU" sz="2000" b="1" dirty="0">
+                <a:solidFill>
+                  <a:srgbClr val="FF0000"/>
+                </a:solidFill>
+                <a:latin typeface="Onest"/>
+              </a:rPr>
+              <a:t>как нужно сделать</a:t>
+            </a:r>
+            <a:r>
+              <a:rPr lang="en-US" sz="2000" b="1" dirty="0">
+                <a:solidFill>
+                  <a:srgbClr val="FF0000"/>
+                </a:solidFill>
+                <a:latin typeface="Onest"/>
+              </a:rPr>
+              <a:t> -&gt; </a:t>
+            </a:r>
+            <a:r>
+              <a:rPr lang="ru-RU" sz="2000" b="1" dirty="0">
+                <a:solidFill>
+                  <a:srgbClr val="FF0000"/>
+                </a:solidFill>
+                <a:latin typeface="Onest"/>
+              </a:rPr>
+              <a:t>что нужно сделать</a:t>
+            </a:r>
+            <a:r>
+              <a:rPr lang="en-US" sz="2000" b="1" dirty="0">
+                <a:solidFill>
+                  <a:srgbClr val="FF0000"/>
+                </a:solidFill>
+                <a:latin typeface="Onest"/>
+              </a:rPr>
+              <a:t> </a:t>
+            </a:r>
+            <a:endParaRPr lang="ru-RU" sz="2000" b="1" dirty="0">
+              <a:solidFill>
+                <a:srgbClr val="FF0000"/>
+              </a:solidFill>
+            </a:endParaRPr>
+          </a:p>
+        </p:txBody>
+      </p:sp>
+    </p:spTree>
+    <p:extLst>
+      <p:ext uri="{BB962C8B-B14F-4D97-AF65-F5344CB8AC3E}">
+        <p14:creationId xmlns:p14="http://schemas.microsoft.com/office/powerpoint/2010/main" val="1621748590"/>
+      </p:ext>
+    </p:extLst>
+  </p:cSld>
+  <p:clrMapOvr>
+    <a:masterClrMapping/>
+  </p:clrMapOvr>
+  <p:timing>
+    <p:tnLst>
+      <p:par>
+        <p:cTn id="1" dur="indefinite" restart="never" nodeType="tmRoot">
+          <p:childTnLst>
+            <p:seq concurrent="1" nextAc="seek">
+              <p:cTn id="2" dur="indefinite" nodeType="mainSeq">
+                <p:childTnLst>
+                  <p:par>
+                    <p:cTn id="3" fill="hold">
+                      <p:stCondLst>
+                        <p:cond delay="indefinite"/>
+                      </p:stCondLst>
+                      <p:childTnLst>
+                        <p:par>
+                          <p:cTn id="4" fill="hold">
+                            <p:stCondLst>
+                              <p:cond delay="0"/>
+                            </p:stCondLst>
+                            <p:childTnLst>
+                              <p:par>
+                                <p:cTn id="5" presetID="1" presetClass="entr" presetSubtype="0" fill="hold" nodeType="clickEffect">
+                                  <p:stCondLst>
+                                    <p:cond delay="0"/>
+                                  </p:stCondLst>
+                                  <p:childTnLst>
+                                    <p:set>
+                                      <p:cBhvr>
+                                        <p:cTn id="6" dur="1" fill="hold">
+                                          <p:stCondLst>
+                                            <p:cond delay="0"/>
+                                          </p:stCondLst>
+                                        </p:cTn>
+                                        <p:tgtEl>
+                                          <p:spTgt spid="4"/>
+                                        </p:tgtEl>
+                                        <p:attrNameLst>
+                                          <p:attrName>style.visibility</p:attrName>
+                                        </p:attrNameLst>
+                                      </p:cBhvr>
+                                      <p:to>
+                                        <p:strVal val="visible"/>
+                                      </p:to>
+                                    </p:set>
+                                  </p:childTnLst>
+                                </p:cTn>
+                              </p:par>
+                            </p:childTnLst>
+                          </p:cTn>
+                        </p:par>
+                      </p:childTnLst>
+                    </p:cTn>
+                  </p:par>
+                  <p:par>
+                    <p:cTn id="7" fill="hold">
+                      <p:stCondLst>
+                        <p:cond delay="indefinite"/>
+                      </p:stCondLst>
+                      <p:childTnLst>
+                        <p:par>
+                          <p:cTn id="8" fill="hold">
+                            <p:stCondLst>
+                              <p:cond delay="0"/>
+                            </p:stCondLst>
+                            <p:childTnLst>
+                              <p:par>
+                                <p:cTn id="9" presetID="1" presetClass="entr" presetSubtype="0" fill="hold" grpId="0" nodeType="clickEffect">
+                                  <p:stCondLst>
+                                    <p:cond delay="0"/>
+                                  </p:stCondLst>
+                                  <p:childTnLst>
+                                    <p:set>
+                                      <p:cBhvr>
+                                        <p:cTn id="10" dur="1" fill="hold">
+                                          <p:stCondLst>
+                                            <p:cond delay="0"/>
+                                          </p:stCondLst>
+                                        </p:cTn>
+                                        <p:tgtEl>
+                                          <p:spTgt spid="5"/>
+                                        </p:tgtEl>
+                                        <p:attrNameLst>
+                                          <p:attrName>style.visibility</p:attrName>
+                                        </p:attrNameLst>
+                                      </p:cBhvr>
+                                      <p:to>
+                                        <p:strVal val="visible"/>
+                                      </p:to>
+                                    </p:set>
+                                  </p:childTnLst>
+                                </p:cTn>
+                              </p:par>
+                            </p:childTnLst>
+                          </p:cTn>
+                        </p:par>
+                      </p:childTnLst>
+                    </p:cTn>
+                  </p:par>
+                </p:childTnLst>
+              </p:cTn>
+              <p:prevCondLst>
+                <p:cond evt="onPrev" delay="0">
+                  <p:tgtEl>
+                    <p:sldTgt/>
+                  </p:tgtEl>
+                </p:cond>
+              </p:prevCondLst>
+              <p:nextCondLst>
+                <p:cond evt="onNext" delay="0">
+                  <p:tgtEl>
+                    <p:sldTgt/>
+                  </p:tgtEl>
+                </p:cond>
+              </p:nextCondLst>
+            </p:seq>
+          </p:childTnLst>
+        </p:cTn>
+      </p:par>
+    </p:tnLst>
+    <p:bldLst>
+      <p:bldP spid="5" grpId="0"/>
+    </p:bldLst>
+  </p:timing>
+</p:sld>
+</file>
+
+<file path=ppt/slides/slide22.xml><?xml version="1.0" encoding="utf-8"?>
+<p:sld xmlns:a="http://schemas.openxmlformats.org/drawingml/2006/main" xmlns:r="http://schemas.openxmlformats.org/officeDocument/2006/relationships" xmlns:p="http://schemas.openxmlformats.org/presentationml/2006/main">
+  <p:cSld>
+    <p:spTree>
+      <p:nvGrpSpPr>
+        <p:cNvPr id="1" name=""/>
+        <p:cNvGrpSpPr/>
+        <p:nvPr/>
+      </p:nvGrpSpPr>
+      <p:grpSpPr>
+        <a:xfrm>
+          <a:off x="0" y="0"/>
+          <a:ext cx="0" cy="0"/>
+          <a:chOff x="0" y="0"/>
+          <a:chExt cx="0" cy="0"/>
+        </a:xfrm>
+      </p:grpSpPr>
+      <p:sp>
+        <p:nvSpPr>
+          <p:cNvPr id="4" name="Заголовок 1">
+            <a:extLst>
+              <a:ext uri="{FF2B5EF4-FFF2-40B4-BE49-F238E27FC236}">
+                <a16:creationId xmlns:a16="http://schemas.microsoft.com/office/drawing/2014/main" id="{BE78263B-B504-4C64-8834-9C8F733C10CC}"/>
+              </a:ext>
+            </a:extLst>
+          </p:cNvPr>
+          <p:cNvSpPr>
+            <a:spLocks noGrp="1"/>
+          </p:cNvSpPr>
+          <p:nvPr>
+            <p:ph type="title"/>
+          </p:nvPr>
+        </p:nvSpPr>
+        <p:spPr>
+          <a:xfrm>
+            <a:off x="107504" y="0"/>
+            <a:ext cx="8928992" cy="620688"/>
+          </a:xfrm>
+        </p:spPr>
+        <p:txBody>
+          <a:bodyPr>
+            <a:normAutofit/>
+          </a:bodyPr>
+          <a:lstStyle/>
+          <a:p>
+            <a:r>
+              <a:rPr lang="ru-RU" sz="2800" b="1" dirty="0">
+                <a:solidFill>
+                  <a:srgbClr val="0000FF"/>
+                </a:solidFill>
+              </a:rPr>
+              <a:t>Действия с функциями</a:t>
+            </a:r>
+          </a:p>
+        </p:txBody>
+      </p:sp>
+      <p:sp>
+        <p:nvSpPr>
+          <p:cNvPr id="5" name="Содержимое 2">
+            <a:extLst>
+              <a:ext uri="{FF2B5EF4-FFF2-40B4-BE49-F238E27FC236}">
+                <a16:creationId xmlns:a16="http://schemas.microsoft.com/office/drawing/2014/main" id="{41D08D8F-DE9F-406D-B2E2-04B325EB9B5D}"/>
+              </a:ext>
+            </a:extLst>
+          </p:cNvPr>
+          <p:cNvSpPr>
+            <a:spLocks noGrp="1"/>
+          </p:cNvSpPr>
+          <p:nvPr>
+            <p:ph idx="1"/>
+          </p:nvPr>
+        </p:nvSpPr>
+        <p:spPr>
+          <a:xfrm>
+            <a:off x="0" y="742608"/>
+            <a:ext cx="9150796" cy="3906356"/>
+          </a:xfrm>
+        </p:spPr>
+        <p:txBody>
+          <a:bodyPr>
+            <a:normAutofit fontScale="92500" lnSpcReduction="10000"/>
+          </a:bodyPr>
+          <a:lstStyle/>
+          <a:p>
+            <a:pPr marL="360000" indent="-360000"/>
+            <a:r>
+              <a:rPr lang="ru-RU" sz="1600" b="1" dirty="0"/>
+              <a:t>Функцию можно</a:t>
+            </a:r>
+            <a:r>
+              <a:rPr lang="en-US" sz="1600" b="1" dirty="0"/>
+              <a:t>:</a:t>
+            </a:r>
+            <a:r>
+              <a:rPr lang="ru-RU" sz="1600" b="1" dirty="0"/>
+              <a:t> определить, вызвать.</a:t>
+            </a:r>
+          </a:p>
+          <a:p>
+            <a:pPr marL="360000" indent="-360000"/>
+            <a:r>
+              <a:rPr lang="ru-RU" sz="1600" b="1" dirty="0"/>
+              <a:t>Блок функции начинается с ключевого слова </a:t>
+            </a:r>
+            <a:r>
+              <a:rPr lang="ru-RU" sz="1600" b="1" i="1" dirty="0" err="1"/>
+              <a:t>def</a:t>
+            </a:r>
+            <a:r>
+              <a:rPr lang="ru-RU" sz="1600" b="1" dirty="0"/>
+              <a:t>, после которого следуют имя функции и круглые скобки ( </a:t>
+            </a:r>
+            <a:r>
+              <a:rPr lang="ru-RU" sz="1600" b="1" dirty="0">
+                <a:solidFill>
+                  <a:srgbClr val="FF0000"/>
+                </a:solidFill>
+              </a:rPr>
+              <a:t>()</a:t>
+            </a:r>
+            <a:r>
+              <a:rPr lang="ru-RU" sz="1600" b="1" dirty="0"/>
+              <a:t> ).</a:t>
+            </a:r>
+          </a:p>
+          <a:p>
+            <a:pPr marL="360000" indent="-360000"/>
+            <a:r>
+              <a:rPr lang="ru-RU" sz="1600" b="1" dirty="0"/>
+              <a:t>Имена функций подчиняются тем же правилам, что и имена переменных</a:t>
+            </a:r>
+          </a:p>
+          <a:p>
+            <a:pPr marL="360000" indent="-360000"/>
+            <a:r>
+              <a:rPr lang="ru-RU" sz="1600" b="1" dirty="0"/>
+              <a:t>Аргументы, которые принимает функция, должны находиться внутри скобок.</a:t>
+            </a:r>
+          </a:p>
+          <a:p>
+            <a:pPr marL="360000" indent="-360000"/>
+            <a:r>
+              <a:rPr lang="ru-RU" sz="1600" b="1" dirty="0"/>
+              <a:t>Далее идёт двоеточие ( </a:t>
+            </a:r>
+            <a:r>
+              <a:rPr lang="ru-RU" sz="1600" b="1" dirty="0">
+                <a:solidFill>
+                  <a:srgbClr val="FF0000"/>
+                </a:solidFill>
+              </a:rPr>
+              <a:t>:</a:t>
+            </a:r>
+            <a:r>
+              <a:rPr lang="ru-RU" sz="1600" b="1" dirty="0"/>
+              <a:t> ). </a:t>
+            </a:r>
+          </a:p>
+          <a:p>
+            <a:pPr marL="360000" indent="-360000"/>
+            <a:r>
+              <a:rPr lang="ru-RU" sz="1600" b="1" dirty="0"/>
+              <a:t>Само тело функции начинается с новой строки с отступом.</a:t>
+            </a:r>
+          </a:p>
+          <a:p>
+            <a:pPr marL="360000" indent="-360000"/>
+            <a:r>
+              <a:rPr lang="ru-RU" sz="1600" b="1" dirty="0"/>
+              <a:t>Функции, вычисляющие какое-либо значение, возвращают его с помощью инструкции </a:t>
+            </a:r>
+            <a:r>
+              <a:rPr lang="ru-RU" sz="1600" b="1" i="1" dirty="0" err="1"/>
+              <a:t>return</a:t>
+            </a:r>
+            <a:r>
+              <a:rPr lang="ru-RU" sz="1600" b="1" i="1" dirty="0"/>
+              <a:t>.</a:t>
+            </a:r>
+          </a:p>
+          <a:p>
+            <a:pPr marL="360000" indent="-360000"/>
+            <a:r>
+              <a:rPr lang="ru-RU" sz="1600" b="1" dirty="0"/>
+              <a:t>Функции, известные как </a:t>
+            </a:r>
+            <a:r>
+              <a:rPr lang="ru-RU" sz="1600" b="1" i="1" u="sng" dirty="0"/>
+              <a:t>генераторы</a:t>
+            </a:r>
+            <a:r>
+              <a:rPr lang="ru-RU" sz="1600" b="1" i="1" dirty="0"/>
+              <a:t>, </a:t>
+            </a:r>
+            <a:r>
+              <a:rPr lang="ru-RU" sz="1600" b="1" dirty="0"/>
+              <a:t>для передачи возвращаемого значения могут также использовать инструкцию </a:t>
+            </a:r>
+            <a:r>
+              <a:rPr lang="ru-RU" sz="1600" b="1" i="1" dirty="0" err="1"/>
+              <a:t>yield</a:t>
+            </a:r>
+            <a:r>
+              <a:rPr lang="ru-RU" sz="1600" b="1" dirty="0"/>
+              <a:t> и сохранять свое состояние так, чтобы работа функции могла быть возобновлена позднее </a:t>
+            </a:r>
+          </a:p>
+        </p:txBody>
+      </p:sp>
+    </p:spTree>
+    <p:extLst>
+      <p:ext uri="{BB962C8B-B14F-4D97-AF65-F5344CB8AC3E}">
+        <p14:creationId xmlns:p14="http://schemas.microsoft.com/office/powerpoint/2010/main" val="4030291963"/>
+      </p:ext>
+    </p:extLst>
+  </p:cSld>
+  <p:clrMapOvr>
+    <a:masterClrMapping/>
+  </p:clrMapOvr>
+</p:sld>
+</file>
+
+<file path=ppt/slides/slide23.xml><?xml version="1.0" encoding="utf-8"?>
+<p:sld xmlns:a="http://schemas.openxmlformats.org/drawingml/2006/main" xmlns:r="http://schemas.openxmlformats.org/officeDocument/2006/relationships" xmlns:p="http://schemas.openxmlformats.org/presentationml/2006/main">
+  <p:cSld>
+    <p:spTree>
+      <p:nvGrpSpPr>
+        <p:cNvPr id="1" name=""/>
+        <p:cNvGrpSpPr/>
+        <p:nvPr/>
+      </p:nvGrpSpPr>
+      <p:grpSpPr>
+        <a:xfrm>
+          <a:off x="0" y="0"/>
+          <a:ext cx="0" cy="0"/>
+          <a:chOff x="0" y="0"/>
+          <a:chExt cx="0" cy="0"/>
+        </a:xfrm>
+      </p:grpSpPr>
+      <p:sp>
+        <p:nvSpPr>
+          <p:cNvPr id="4" name="Номер слайда 3"/>
+          <p:cNvSpPr>
+            <a:spLocks noGrp="1"/>
+          </p:cNvSpPr>
+          <p:nvPr>
+            <p:ph type="sldNum" sz="quarter" idx="10"/>
+          </p:nvPr>
+        </p:nvSpPr>
+        <p:spPr/>
+        <p:txBody>
+          <a:bodyPr/>
+          <a:lstStyle/>
+          <a:p>
+            <a:pPr defTabSz="685800"/>
+            <a:fld id="{1519AFA1-E01F-4869-9A2C-AE6B64FF5724}" type="slidenum">
+              <a:rPr lang="ru-RU">
+                <a:solidFill>
+                  <a:prstClr val="white"/>
+                </a:solidFill>
+              </a:rPr>
+              <a:pPr defTabSz="685800"/>
+              <a:t>23</a:t>
+            </a:fld>
+            <a:endParaRPr lang="ru-RU" dirty="0">
+              <a:solidFill>
+                <a:prstClr val="white"/>
+              </a:solidFill>
+            </a:endParaRPr>
+          </a:p>
+        </p:txBody>
+      </p:sp>
+      <p:pic>
+        <p:nvPicPr>
+          <p:cNvPr id="2" name="Рисунок 1">
+            <a:extLst>
+              <a:ext uri="{FF2B5EF4-FFF2-40B4-BE49-F238E27FC236}">
+                <a16:creationId xmlns:a16="http://schemas.microsoft.com/office/drawing/2014/main" id="{5F7B6AA1-2CB3-47D6-A3D3-8FD2BCBEA14C}"/>
+              </a:ext>
+            </a:extLst>
+          </p:cNvPr>
+          <p:cNvPicPr>
+            <a:picLocks noChangeAspect="1"/>
+          </p:cNvPicPr>
+          <p:nvPr/>
+        </p:nvPicPr>
+        <p:blipFill>
+          <a:blip r:embed="rId2"/>
+          <a:stretch>
+            <a:fillRect/>
+          </a:stretch>
+        </p:blipFill>
+        <p:spPr>
+          <a:xfrm>
+            <a:off x="1281700" y="440898"/>
+            <a:ext cx="6027506" cy="3922955"/>
+          </a:xfrm>
+          <a:prstGeom prst="rect">
+            <a:avLst/>
+          </a:prstGeom>
+        </p:spPr>
+      </p:pic>
+    </p:spTree>
+    <p:extLst>
+      <p:ext uri="{BB962C8B-B14F-4D97-AF65-F5344CB8AC3E}">
+        <p14:creationId xmlns:p14="http://schemas.microsoft.com/office/powerpoint/2010/main" val="318267734"/>
+      </p:ext>
+    </p:extLst>
+  </p:cSld>
+  <p:clrMapOvr>
+    <a:masterClrMapping/>
+  </p:clrMapOvr>
+</p:sld>
+</file>
+
+<file path=ppt/slides/slide24.xml><?xml version="1.0" encoding="utf-8"?>
+<p:sld xmlns:a="http://schemas.openxmlformats.org/drawingml/2006/main" xmlns:r="http://schemas.openxmlformats.org/officeDocument/2006/relationships" xmlns:p="http://schemas.openxmlformats.org/presentationml/2006/main">
+  <p:cSld>
+    <p:spTree>
+      <p:nvGrpSpPr>
+        <p:cNvPr id="1" name=""/>
+        <p:cNvGrpSpPr/>
+        <p:nvPr/>
+      </p:nvGrpSpPr>
+      <p:grpSpPr>
+        <a:xfrm>
+          <a:off x="0" y="0"/>
+          <a:ext cx="0" cy="0"/>
+          <a:chOff x="0" y="0"/>
+          <a:chExt cx="0" cy="0"/>
+        </a:xfrm>
+      </p:grpSpPr>
+      <p:sp>
+        <p:nvSpPr>
+          <p:cNvPr id="4" name="Номер слайда 3"/>
+          <p:cNvSpPr>
+            <a:spLocks noGrp="1"/>
+          </p:cNvSpPr>
+          <p:nvPr>
+            <p:ph type="sldNum" sz="quarter" idx="10"/>
+          </p:nvPr>
+        </p:nvSpPr>
+        <p:spPr/>
+        <p:txBody>
+          <a:bodyPr/>
+          <a:lstStyle/>
+          <a:p>
+            <a:pPr defTabSz="685800"/>
+            <a:fld id="{1519AFA1-E01F-4869-9A2C-AE6B64FF5724}" type="slidenum">
+              <a:rPr lang="ru-RU">
+                <a:solidFill>
+                  <a:prstClr val="white"/>
+                </a:solidFill>
+              </a:rPr>
+              <a:pPr defTabSz="685800"/>
+              <a:t>24</a:t>
+            </a:fld>
+            <a:endParaRPr lang="ru-RU" dirty="0">
+              <a:solidFill>
+                <a:prstClr val="white"/>
+              </a:solidFill>
+            </a:endParaRPr>
+          </a:p>
+        </p:txBody>
+      </p:sp>
+      <p:pic>
+        <p:nvPicPr>
+          <p:cNvPr id="1026" name="Picture 2" descr="Упрости свой JavaScript – используй map, reduce и filter">
+            <a:extLst>
+              <a:ext uri="{FF2B5EF4-FFF2-40B4-BE49-F238E27FC236}">
+                <a16:creationId xmlns:a16="http://schemas.microsoft.com/office/drawing/2014/main" id="{6D55CB7E-0A22-4323-8B6C-CBDDFD77B62D}"/>
+              </a:ext>
+            </a:extLst>
+          </p:cNvPr>
+          <p:cNvPicPr>
+            <a:picLocks noChangeAspect="1" noChangeArrowheads="1"/>
+          </p:cNvPicPr>
+          <p:nvPr/>
+        </p:nvPicPr>
+        <p:blipFill>
+          <a:blip r:embed="rId2">
+            <a:extLst>
+              <a:ext uri="{28A0092B-C50C-407E-A947-70E740481C1C}">
+                <a14:useLocalDpi xmlns:a14="http://schemas.microsoft.com/office/drawing/2010/main" val="0"/>
+              </a:ext>
+            </a:extLst>
+          </a:blip>
+          <a:srcRect/>
+          <a:stretch>
+            <a:fillRect/>
+          </a:stretch>
+        </p:blipFill>
+        <p:spPr bwMode="auto">
+          <a:xfrm>
+            <a:off x="1194194" y="808894"/>
+            <a:ext cx="6591395" cy="3295697"/>
+          </a:xfrm>
+          <a:prstGeom prst="rect">
+            <a:avLst/>
+          </a:prstGeom>
+          <a:noFill/>
+          <a:extLst>
+            <a:ext uri="{909E8E84-426E-40DD-AFC4-6F175D3DCCD1}">
+              <a14:hiddenFill xmlns:a14="http://schemas.microsoft.com/office/drawing/2010/main">
+                <a:solidFill>
+                  <a:srgbClr val="FFFFFF"/>
+                </a:solidFill>
+              </a14:hiddenFill>
+            </a:ext>
+          </a:extLst>
+        </p:spPr>
+      </p:pic>
+    </p:spTree>
+    <p:extLst>
+      <p:ext uri="{BB962C8B-B14F-4D97-AF65-F5344CB8AC3E}">
+        <p14:creationId xmlns:p14="http://schemas.microsoft.com/office/powerpoint/2010/main" val="3443249366"/>
+      </p:ext>
+    </p:extLst>
+  </p:cSld>
+  <p:clrMapOvr>
+    <a:masterClrMapping/>
+  </p:clrMapOvr>
+</p:sld>
+</file>
+
+<file path=ppt/slides/slide25.xml><?xml version="1.0" encoding="utf-8"?>
+<p:sld xmlns:a="http://schemas.openxmlformats.org/drawingml/2006/main" xmlns:r="http://schemas.openxmlformats.org/officeDocument/2006/relationships" xmlns:p="http://schemas.openxmlformats.org/presentationml/2006/main">
+  <p:cSld>
+    <p:spTree>
+      <p:nvGrpSpPr>
+        <p:cNvPr id="1" name=""/>
+        <p:cNvGrpSpPr/>
+        <p:nvPr/>
+      </p:nvGrpSpPr>
+      <p:grpSpPr>
+        <a:xfrm>
+          <a:off x="0" y="0"/>
+          <a:ext cx="0" cy="0"/>
+          <a:chOff x="0" y="0"/>
+          <a:chExt cx="0" cy="0"/>
+        </a:xfrm>
+      </p:grpSpPr>
+      <p:sp>
+        <p:nvSpPr>
+          <p:cNvPr id="4" name="Номер слайда 3"/>
+          <p:cNvSpPr>
+            <a:spLocks noGrp="1"/>
+          </p:cNvSpPr>
+          <p:nvPr>
+            <p:ph type="sldNum" sz="quarter" idx="10"/>
+          </p:nvPr>
+        </p:nvSpPr>
+        <p:spPr/>
+        <p:txBody>
+          <a:bodyPr/>
+          <a:lstStyle/>
+          <a:p>
+            <a:pPr defTabSz="685800"/>
+            <a:fld id="{1519AFA1-E01F-4869-9A2C-AE6B64FF5724}" type="slidenum">
+              <a:rPr lang="ru-RU">
+                <a:solidFill>
+                  <a:prstClr val="white"/>
+                </a:solidFill>
+              </a:rPr>
+              <a:pPr defTabSz="685800"/>
+              <a:t>25</a:t>
+            </a:fld>
+            <a:endParaRPr lang="ru-RU" dirty="0">
+              <a:solidFill>
+                <a:prstClr val="white"/>
+              </a:solidFill>
+            </a:endParaRPr>
+          </a:p>
+        </p:txBody>
+      </p:sp>
+      <p:pic>
+        <p:nvPicPr>
+          <p:cNvPr id="1028" name="Picture 4" descr="Picture background">
+            <a:extLst>
+              <a:ext uri="{FF2B5EF4-FFF2-40B4-BE49-F238E27FC236}">
+                <a16:creationId xmlns:a16="http://schemas.microsoft.com/office/drawing/2014/main" id="{0DFAB1FD-E889-4A5E-805C-79807796E17E}"/>
+              </a:ext>
+            </a:extLst>
+          </p:cNvPr>
+          <p:cNvPicPr>
+            <a:picLocks noChangeAspect="1" noChangeArrowheads="1"/>
+          </p:cNvPicPr>
+          <p:nvPr/>
+        </p:nvPicPr>
+        <p:blipFill>
+          <a:blip r:embed="rId2">
+            <a:extLst>
+              <a:ext uri="{28A0092B-C50C-407E-A947-70E740481C1C}">
+                <a14:useLocalDpi xmlns:a14="http://schemas.microsoft.com/office/drawing/2010/main" val="0"/>
+              </a:ext>
+            </a:extLst>
+          </a:blip>
+          <a:srcRect/>
+          <a:stretch>
+            <a:fillRect/>
+          </a:stretch>
+        </p:blipFill>
+        <p:spPr bwMode="auto">
+          <a:xfrm>
+            <a:off x="395653" y="829761"/>
+            <a:ext cx="7860323" cy="2966044"/>
+          </a:xfrm>
+          <a:prstGeom prst="rect">
+            <a:avLst/>
+          </a:prstGeom>
+          <a:noFill/>
+          <a:extLst>
+            <a:ext uri="{909E8E84-426E-40DD-AFC4-6F175D3DCCD1}">
+              <a14:hiddenFill xmlns:a14="http://schemas.microsoft.com/office/drawing/2010/main">
+                <a:solidFill>
+                  <a:srgbClr val="FFFFFF"/>
+                </a:solidFill>
+              </a14:hiddenFill>
+            </a:ext>
+          </a:extLst>
+        </p:spPr>
+      </p:pic>
+    </p:spTree>
+    <p:extLst>
+      <p:ext uri="{BB962C8B-B14F-4D97-AF65-F5344CB8AC3E}">
+        <p14:creationId xmlns:p14="http://schemas.microsoft.com/office/powerpoint/2010/main" val="3136094227"/>
+      </p:ext>
+    </p:extLst>
+  </p:cSld>
+  <p:clrMapOvr>
+    <a:masterClrMapping/>
+  </p:clrMapOvr>
+</p:sld>
+</file>
+
+<file path=ppt/slides/slide26.xml><?xml version="1.0" encoding="utf-8"?>
+<p:sld xmlns:a="http://schemas.openxmlformats.org/drawingml/2006/main" xmlns:r="http://schemas.openxmlformats.org/officeDocument/2006/relationships" xmlns:p="http://schemas.openxmlformats.org/presentationml/2006/main">
+  <p:cSld>
+    <p:spTree>
+      <p:nvGrpSpPr>
+        <p:cNvPr id="1" name=""/>
+        <p:cNvGrpSpPr/>
+        <p:nvPr/>
+      </p:nvGrpSpPr>
+      <p:grpSpPr>
+        <a:xfrm>
+          <a:off x="0" y="0"/>
+          <a:ext cx="0" cy="0"/>
+          <a:chOff x="0" y="0"/>
+          <a:chExt cx="0" cy="0"/>
+        </a:xfrm>
+      </p:grpSpPr>
+      <p:sp>
+        <p:nvSpPr>
+          <p:cNvPr id="2" name="Заголовок 1"/>
+          <p:cNvSpPr>
+            <a:spLocks noGrp="1"/>
+          </p:cNvSpPr>
+          <p:nvPr>
+            <p:ph type="title"/>
+          </p:nvPr>
+        </p:nvSpPr>
+        <p:spPr>
+          <a:xfrm>
+            <a:off x="348343" y="0"/>
+            <a:ext cx="6796567" cy="939683"/>
+          </a:xfrm>
+        </p:spPr>
+        <p:txBody>
+          <a:bodyPr>
+            <a:normAutofit/>
+          </a:bodyPr>
+          <a:lstStyle/>
+          <a:p>
+            <a:r>
+              <a:rPr lang="ru-RU" sz="3200" b="1" dirty="0" err="1">
+                <a:solidFill>
+                  <a:srgbClr val="0000FF"/>
+                </a:solidFill>
+              </a:rPr>
+              <a:t>Карринг</a:t>
+            </a:r>
+            <a:r>
+              <a:rPr lang="ru-RU" sz="3200" b="1" dirty="0">
+                <a:solidFill>
+                  <a:srgbClr val="0000FF"/>
+                </a:solidFill>
+              </a:rPr>
+              <a:t> (</a:t>
+            </a:r>
+            <a:r>
+              <a:rPr lang="en-US" sz="3200" b="1" dirty="0" err="1">
+                <a:solidFill>
+                  <a:srgbClr val="0000FF"/>
+                </a:solidFill>
+              </a:rPr>
+              <a:t>curring</a:t>
+            </a:r>
+            <a:r>
+              <a:rPr lang="ru-RU" sz="3200" b="1" dirty="0">
+                <a:solidFill>
+                  <a:srgbClr val="0000FF"/>
+                </a:solidFill>
+              </a:rPr>
+              <a:t>)</a:t>
+            </a:r>
+          </a:p>
+        </p:txBody>
+      </p:sp>
+      <p:sp>
+        <p:nvSpPr>
+          <p:cNvPr id="3" name="Содержимое 2"/>
+          <p:cNvSpPr>
+            <a:spLocks noGrp="1"/>
+          </p:cNvSpPr>
+          <p:nvPr>
+            <p:ph idx="1"/>
+          </p:nvPr>
+        </p:nvSpPr>
+        <p:spPr>
+          <a:xfrm>
+            <a:off x="335374" y="773338"/>
+            <a:ext cx="8210658" cy="634971"/>
+          </a:xfrm>
+        </p:spPr>
+        <p:txBody>
+          <a:bodyPr>
+            <a:normAutofit/>
+          </a:bodyPr>
+          <a:lstStyle/>
+          <a:p>
+            <a:r>
+              <a:rPr lang="ru-RU" sz="1600" b="1" dirty="0" err="1"/>
+              <a:t>Карринг</a:t>
+            </a:r>
+            <a:r>
+              <a:rPr lang="ru-RU" sz="1600" dirty="0"/>
+              <a:t> (или </a:t>
+            </a:r>
+            <a:r>
+              <a:rPr lang="ru-RU" sz="1600" dirty="0" err="1"/>
+              <a:t>каррирование</a:t>
+            </a:r>
+            <a:r>
+              <a:rPr lang="ru-RU" sz="1600" dirty="0"/>
+              <a:t>) </a:t>
+            </a:r>
+            <a:r>
+              <a:rPr lang="en-US" sz="1600" dirty="0"/>
+              <a:t>–</a:t>
+            </a:r>
+            <a:r>
+              <a:rPr lang="ru-RU" sz="1600" dirty="0"/>
+              <a:t> преобразование функции от многих переменных в функцию, берущую свои аргументы по одному. </a:t>
+            </a:r>
+            <a:endParaRPr lang="en-US" sz="1600" dirty="0"/>
+          </a:p>
+        </p:txBody>
+      </p:sp>
+      <p:sp>
+        <p:nvSpPr>
+          <p:cNvPr id="6" name="Прямоугольник 5">
+            <a:extLst>
+              <a:ext uri="{FF2B5EF4-FFF2-40B4-BE49-F238E27FC236}">
+                <a16:creationId xmlns:a16="http://schemas.microsoft.com/office/drawing/2014/main" id="{13D86769-4D87-4575-8689-AE7AD158B531}"/>
+              </a:ext>
+            </a:extLst>
+          </p:cNvPr>
+          <p:cNvSpPr/>
+          <p:nvPr/>
+        </p:nvSpPr>
+        <p:spPr>
+          <a:xfrm>
+            <a:off x="335373" y="1526006"/>
+            <a:ext cx="7787435" cy="3477875"/>
+          </a:xfrm>
+          <a:prstGeom prst="rect">
+            <a:avLst/>
+          </a:prstGeom>
+        </p:spPr>
+        <p:txBody>
+          <a:bodyPr wrap="square">
+            <a:spAutoFit/>
+          </a:bodyPr>
+          <a:lstStyle/>
+          <a:p>
+            <a:r>
+              <a:rPr lang="en-US" sz="2000" b="1" dirty="0">
+                <a:solidFill>
+                  <a:srgbClr val="569CD6"/>
+                </a:solidFill>
+                <a:effectLst>
+                  <a:outerShdw blurRad="38100" dist="38100" dir="2700000" algn="tl">
+                    <a:srgbClr val="000000">
+                      <a:alpha val="43137"/>
+                    </a:srgbClr>
+                  </a:outerShdw>
+                </a:effectLst>
+                <a:latin typeface="Consolas" panose="020B0609020204030204" pitchFamily="49" charset="0"/>
+              </a:rPr>
+              <a:t>def</a:t>
+            </a:r>
+            <a:r>
+              <a:rPr lang="en-US" sz="2000" b="1" dirty="0">
+                <a:solidFill>
+                  <a:srgbClr val="CCCCCC"/>
+                </a:solidFill>
+                <a:effectLst>
+                  <a:outerShdw blurRad="38100" dist="38100" dir="2700000" algn="tl">
+                    <a:srgbClr val="000000">
+                      <a:alpha val="43137"/>
+                    </a:srgbClr>
+                  </a:outerShdw>
+                </a:effectLst>
+                <a:latin typeface="Consolas" panose="020B0609020204030204" pitchFamily="49" charset="0"/>
+              </a:rPr>
+              <a:t> </a:t>
+            </a:r>
+            <a:r>
+              <a:rPr lang="en-US" sz="2000" b="1" dirty="0" err="1">
+                <a:solidFill>
+                  <a:srgbClr val="DCDCAA"/>
+                </a:solidFill>
+                <a:effectLst>
+                  <a:outerShdw blurRad="38100" dist="38100" dir="2700000" algn="tl">
+                    <a:srgbClr val="000000">
+                      <a:alpha val="43137"/>
+                    </a:srgbClr>
+                  </a:outerShdw>
+                </a:effectLst>
+                <a:latin typeface="Consolas" panose="020B0609020204030204" pitchFamily="49" charset="0"/>
+              </a:rPr>
+              <a:t>greet_curried</a:t>
+            </a:r>
+            <a:r>
+              <a:rPr lang="en-US" sz="2000" b="1" dirty="0">
+                <a:solidFill>
+                  <a:srgbClr val="CCCCCC"/>
+                </a:solidFill>
+                <a:effectLst>
+                  <a:outerShdw blurRad="38100" dist="38100" dir="2700000" algn="tl">
+                    <a:srgbClr val="000000">
+                      <a:alpha val="43137"/>
+                    </a:srgbClr>
+                  </a:outerShdw>
+                </a:effectLst>
+                <a:latin typeface="Consolas" panose="020B0609020204030204" pitchFamily="49" charset="0"/>
+              </a:rPr>
+              <a:t>(</a:t>
+            </a:r>
+            <a:r>
+              <a:rPr lang="en-US" sz="2000" b="1" dirty="0">
+                <a:solidFill>
+                  <a:srgbClr val="9CDCFE"/>
+                </a:solidFill>
+                <a:effectLst>
+                  <a:outerShdw blurRad="38100" dist="38100" dir="2700000" algn="tl">
+                    <a:srgbClr val="000000">
+                      <a:alpha val="43137"/>
+                    </a:srgbClr>
+                  </a:outerShdw>
+                </a:effectLst>
+                <a:latin typeface="Consolas" panose="020B0609020204030204" pitchFamily="49" charset="0"/>
+              </a:rPr>
+              <a:t>greeting</a:t>
+            </a:r>
+            <a:r>
+              <a:rPr lang="en-US" sz="2000" b="1" dirty="0">
+                <a:solidFill>
+                  <a:srgbClr val="CCCCCC"/>
+                </a:solidFill>
+                <a:effectLst>
+                  <a:outerShdw blurRad="38100" dist="38100" dir="2700000" algn="tl">
+                    <a:srgbClr val="000000">
+                      <a:alpha val="43137"/>
+                    </a:srgbClr>
+                  </a:outerShdw>
+                </a:effectLst>
+                <a:latin typeface="Consolas" panose="020B0609020204030204" pitchFamily="49" charset="0"/>
+              </a:rPr>
+              <a:t>):</a:t>
+            </a:r>
+          </a:p>
+          <a:p>
+            <a:r>
+              <a:rPr lang="en-US" sz="2000" b="1" dirty="0">
+                <a:solidFill>
+                  <a:srgbClr val="CCCCCC"/>
+                </a:solidFill>
+                <a:effectLst>
+                  <a:outerShdw blurRad="38100" dist="38100" dir="2700000" algn="tl">
+                    <a:srgbClr val="000000">
+                      <a:alpha val="43137"/>
+                    </a:srgbClr>
+                  </a:outerShdw>
+                </a:effectLst>
+                <a:latin typeface="Consolas" panose="020B0609020204030204" pitchFamily="49" charset="0"/>
+              </a:rPr>
+              <a:t>    </a:t>
+            </a:r>
+            <a:r>
+              <a:rPr lang="en-US" sz="2000" b="1" dirty="0">
+                <a:solidFill>
+                  <a:srgbClr val="569CD6"/>
+                </a:solidFill>
+                <a:effectLst>
+                  <a:outerShdw blurRad="38100" dist="38100" dir="2700000" algn="tl">
+                    <a:srgbClr val="000000">
+                      <a:alpha val="43137"/>
+                    </a:srgbClr>
+                  </a:outerShdw>
+                </a:effectLst>
+                <a:latin typeface="Consolas" panose="020B0609020204030204" pitchFamily="49" charset="0"/>
+              </a:rPr>
+              <a:t>def</a:t>
+            </a:r>
+            <a:r>
+              <a:rPr lang="en-US" sz="2000" b="1" dirty="0">
+                <a:solidFill>
+                  <a:srgbClr val="CCCCCC"/>
+                </a:solidFill>
+                <a:effectLst>
+                  <a:outerShdw blurRad="38100" dist="38100" dir="2700000" algn="tl">
+                    <a:srgbClr val="000000">
+                      <a:alpha val="43137"/>
+                    </a:srgbClr>
+                  </a:outerShdw>
+                </a:effectLst>
+                <a:latin typeface="Consolas" panose="020B0609020204030204" pitchFamily="49" charset="0"/>
+              </a:rPr>
+              <a:t> </a:t>
+            </a:r>
+            <a:r>
+              <a:rPr lang="en-US" sz="2000" b="1" dirty="0">
+                <a:solidFill>
+                  <a:srgbClr val="DCDCAA"/>
+                </a:solidFill>
+                <a:effectLst>
+                  <a:outerShdw blurRad="38100" dist="38100" dir="2700000" algn="tl">
+                    <a:srgbClr val="000000">
+                      <a:alpha val="43137"/>
+                    </a:srgbClr>
+                  </a:outerShdw>
+                </a:effectLst>
+                <a:latin typeface="Consolas" panose="020B0609020204030204" pitchFamily="49" charset="0"/>
+              </a:rPr>
+              <a:t>greet</a:t>
+            </a:r>
+            <a:r>
+              <a:rPr lang="en-US" sz="2000" b="1" dirty="0">
+                <a:solidFill>
+                  <a:srgbClr val="CCCCCC"/>
+                </a:solidFill>
+                <a:effectLst>
+                  <a:outerShdw blurRad="38100" dist="38100" dir="2700000" algn="tl">
+                    <a:srgbClr val="000000">
+                      <a:alpha val="43137"/>
+                    </a:srgbClr>
+                  </a:outerShdw>
+                </a:effectLst>
+                <a:latin typeface="Consolas" panose="020B0609020204030204" pitchFamily="49" charset="0"/>
+              </a:rPr>
+              <a:t>(</a:t>
+            </a:r>
+            <a:r>
+              <a:rPr lang="en-US" sz="2000" b="1" dirty="0">
+                <a:solidFill>
+                  <a:srgbClr val="9CDCFE"/>
+                </a:solidFill>
+                <a:effectLst>
+                  <a:outerShdw blurRad="38100" dist="38100" dir="2700000" algn="tl">
+                    <a:srgbClr val="000000">
+                      <a:alpha val="43137"/>
+                    </a:srgbClr>
+                  </a:outerShdw>
+                </a:effectLst>
+                <a:latin typeface="Consolas" panose="020B0609020204030204" pitchFamily="49" charset="0"/>
+              </a:rPr>
+              <a:t>name</a:t>
+            </a:r>
+            <a:r>
+              <a:rPr lang="en-US" sz="2000" b="1" dirty="0">
+                <a:solidFill>
+                  <a:srgbClr val="CCCCCC"/>
+                </a:solidFill>
+                <a:effectLst>
+                  <a:outerShdw blurRad="38100" dist="38100" dir="2700000" algn="tl">
+                    <a:srgbClr val="000000">
+                      <a:alpha val="43137"/>
+                    </a:srgbClr>
+                  </a:outerShdw>
+                </a:effectLst>
+                <a:latin typeface="Consolas" panose="020B0609020204030204" pitchFamily="49" charset="0"/>
+              </a:rPr>
+              <a:t>):</a:t>
+            </a:r>
+          </a:p>
+          <a:p>
+            <a:r>
+              <a:rPr lang="en-US" sz="2000" b="1" dirty="0">
+                <a:solidFill>
+                  <a:srgbClr val="CCCCCC"/>
+                </a:solidFill>
+                <a:effectLst>
+                  <a:outerShdw blurRad="38100" dist="38100" dir="2700000" algn="tl">
+                    <a:srgbClr val="000000">
+                      <a:alpha val="43137"/>
+                    </a:srgbClr>
+                  </a:outerShdw>
+                </a:effectLst>
+                <a:latin typeface="Consolas" panose="020B0609020204030204" pitchFamily="49" charset="0"/>
+              </a:rPr>
+              <a:t>        </a:t>
+            </a:r>
+            <a:r>
+              <a:rPr lang="en-US" sz="2000" b="1" dirty="0">
+                <a:solidFill>
+                  <a:srgbClr val="DCDCAA"/>
+                </a:solidFill>
+                <a:effectLst>
+                  <a:outerShdw blurRad="38100" dist="38100" dir="2700000" algn="tl">
+                    <a:srgbClr val="000000">
+                      <a:alpha val="43137"/>
+                    </a:srgbClr>
+                  </a:outerShdw>
+                </a:effectLst>
+                <a:latin typeface="Consolas" panose="020B0609020204030204" pitchFamily="49" charset="0"/>
+              </a:rPr>
+              <a:t>print</a:t>
+            </a:r>
+            <a:r>
+              <a:rPr lang="en-US" sz="2000" b="1" dirty="0">
+                <a:solidFill>
+                  <a:srgbClr val="CCCCCC"/>
+                </a:solidFill>
+                <a:effectLst>
+                  <a:outerShdw blurRad="38100" dist="38100" dir="2700000" algn="tl">
+                    <a:srgbClr val="000000">
+                      <a:alpha val="43137"/>
+                    </a:srgbClr>
+                  </a:outerShdw>
+                </a:effectLst>
+                <a:latin typeface="Consolas" panose="020B0609020204030204" pitchFamily="49" charset="0"/>
+              </a:rPr>
+              <a:t>(</a:t>
+            </a:r>
+            <a:r>
+              <a:rPr lang="en-US" sz="2000" b="1" dirty="0">
+                <a:solidFill>
+                  <a:srgbClr val="9CDCFE"/>
+                </a:solidFill>
+                <a:effectLst>
+                  <a:outerShdw blurRad="38100" dist="38100" dir="2700000" algn="tl">
+                    <a:srgbClr val="000000">
+                      <a:alpha val="43137"/>
+                    </a:srgbClr>
+                  </a:outerShdw>
+                </a:effectLst>
+                <a:latin typeface="Consolas" panose="020B0609020204030204" pitchFamily="49" charset="0"/>
+              </a:rPr>
+              <a:t>greeting</a:t>
+            </a:r>
+            <a:r>
+              <a:rPr lang="en-US" sz="2000" b="1" dirty="0">
+                <a:solidFill>
+                  <a:srgbClr val="CCCCCC"/>
+                </a:solidFill>
+                <a:effectLst>
+                  <a:outerShdw blurRad="38100" dist="38100" dir="2700000" algn="tl">
+                    <a:srgbClr val="000000">
+                      <a:alpha val="43137"/>
+                    </a:srgbClr>
+                  </a:outerShdw>
+                </a:effectLst>
+                <a:latin typeface="Consolas" panose="020B0609020204030204" pitchFamily="49" charset="0"/>
+              </a:rPr>
+              <a:t> </a:t>
+            </a:r>
+            <a:r>
+              <a:rPr lang="en-US" sz="2000" b="1" dirty="0">
+                <a:solidFill>
+                  <a:srgbClr val="D4D4D4"/>
+                </a:solidFill>
+                <a:effectLst>
+                  <a:outerShdw blurRad="38100" dist="38100" dir="2700000" algn="tl">
+                    <a:srgbClr val="000000">
+                      <a:alpha val="43137"/>
+                    </a:srgbClr>
+                  </a:outerShdw>
+                </a:effectLst>
+                <a:latin typeface="Consolas" panose="020B0609020204030204" pitchFamily="49" charset="0"/>
+              </a:rPr>
+              <a:t>+</a:t>
+            </a:r>
+            <a:r>
+              <a:rPr lang="en-US" sz="2000" b="1" dirty="0">
+                <a:solidFill>
+                  <a:srgbClr val="CCCCCC"/>
+                </a:solidFill>
+                <a:effectLst>
+                  <a:outerShdw blurRad="38100" dist="38100" dir="2700000" algn="tl">
+                    <a:srgbClr val="000000">
+                      <a:alpha val="43137"/>
+                    </a:srgbClr>
+                  </a:outerShdw>
+                </a:effectLst>
+                <a:latin typeface="Consolas" panose="020B0609020204030204" pitchFamily="49" charset="0"/>
+              </a:rPr>
+              <a:t> </a:t>
+            </a:r>
+            <a:r>
+              <a:rPr lang="en-US" sz="2000" b="1" dirty="0">
+                <a:solidFill>
+                  <a:srgbClr val="CE9178"/>
+                </a:solidFill>
+                <a:effectLst>
+                  <a:outerShdw blurRad="38100" dist="38100" dir="2700000" algn="tl">
+                    <a:srgbClr val="000000">
+                      <a:alpha val="43137"/>
+                    </a:srgbClr>
+                  </a:outerShdw>
+                </a:effectLst>
+                <a:latin typeface="Consolas" panose="020B0609020204030204" pitchFamily="49" charset="0"/>
+              </a:rPr>
+              <a:t>", "</a:t>
+            </a:r>
+            <a:r>
+              <a:rPr lang="en-US" sz="2000" b="1" dirty="0">
+                <a:solidFill>
+                  <a:srgbClr val="CCCCCC"/>
+                </a:solidFill>
+                <a:effectLst>
+                  <a:outerShdw blurRad="38100" dist="38100" dir="2700000" algn="tl">
+                    <a:srgbClr val="000000">
+                      <a:alpha val="43137"/>
+                    </a:srgbClr>
+                  </a:outerShdw>
+                </a:effectLst>
+                <a:latin typeface="Consolas" panose="020B0609020204030204" pitchFamily="49" charset="0"/>
+              </a:rPr>
+              <a:t> </a:t>
+            </a:r>
+            <a:r>
+              <a:rPr lang="en-US" sz="2000" b="1" dirty="0">
+                <a:solidFill>
+                  <a:srgbClr val="D4D4D4"/>
+                </a:solidFill>
+                <a:effectLst>
+                  <a:outerShdw blurRad="38100" dist="38100" dir="2700000" algn="tl">
+                    <a:srgbClr val="000000">
+                      <a:alpha val="43137"/>
+                    </a:srgbClr>
+                  </a:outerShdw>
+                </a:effectLst>
+                <a:latin typeface="Consolas" panose="020B0609020204030204" pitchFamily="49" charset="0"/>
+              </a:rPr>
+              <a:t>+</a:t>
+            </a:r>
+            <a:r>
+              <a:rPr lang="en-US" sz="2000" b="1" dirty="0">
+                <a:solidFill>
+                  <a:srgbClr val="CCCCCC"/>
+                </a:solidFill>
+                <a:effectLst>
+                  <a:outerShdw blurRad="38100" dist="38100" dir="2700000" algn="tl">
+                    <a:srgbClr val="000000">
+                      <a:alpha val="43137"/>
+                    </a:srgbClr>
+                  </a:outerShdw>
+                </a:effectLst>
+                <a:latin typeface="Consolas" panose="020B0609020204030204" pitchFamily="49" charset="0"/>
+              </a:rPr>
+              <a:t> </a:t>
+            </a:r>
+            <a:r>
+              <a:rPr lang="en-US" sz="2000" b="1" dirty="0">
+                <a:solidFill>
+                  <a:srgbClr val="9CDCFE"/>
+                </a:solidFill>
+                <a:effectLst>
+                  <a:outerShdw blurRad="38100" dist="38100" dir="2700000" algn="tl">
+                    <a:srgbClr val="000000">
+                      <a:alpha val="43137"/>
+                    </a:srgbClr>
+                  </a:outerShdw>
+                </a:effectLst>
+                <a:latin typeface="Consolas" panose="020B0609020204030204" pitchFamily="49" charset="0"/>
+              </a:rPr>
+              <a:t>name</a:t>
+            </a:r>
+            <a:r>
+              <a:rPr lang="en-US" sz="2000" b="1" dirty="0">
+                <a:solidFill>
+                  <a:srgbClr val="CCCCCC"/>
+                </a:solidFill>
+                <a:effectLst>
+                  <a:outerShdw blurRad="38100" dist="38100" dir="2700000" algn="tl">
+                    <a:srgbClr val="000000">
+                      <a:alpha val="43137"/>
+                    </a:srgbClr>
+                  </a:outerShdw>
+                </a:effectLst>
+                <a:latin typeface="Consolas" panose="020B0609020204030204" pitchFamily="49" charset="0"/>
+              </a:rPr>
+              <a:t>)</a:t>
+            </a:r>
+          </a:p>
+          <a:p>
+            <a:r>
+              <a:rPr lang="en-US" sz="2000" b="1" dirty="0">
+                <a:solidFill>
+                  <a:srgbClr val="CCCCCC"/>
+                </a:solidFill>
+                <a:effectLst>
+                  <a:outerShdw blurRad="38100" dist="38100" dir="2700000" algn="tl">
+                    <a:srgbClr val="000000">
+                      <a:alpha val="43137"/>
+                    </a:srgbClr>
+                  </a:outerShdw>
+                </a:effectLst>
+                <a:latin typeface="Consolas" panose="020B0609020204030204" pitchFamily="49" charset="0"/>
+              </a:rPr>
+              <a:t>    </a:t>
+            </a:r>
+            <a:r>
+              <a:rPr lang="en-US" sz="2000" b="1" dirty="0">
+                <a:solidFill>
+                  <a:srgbClr val="C586C0"/>
+                </a:solidFill>
+                <a:effectLst>
+                  <a:outerShdw blurRad="38100" dist="38100" dir="2700000" algn="tl">
+                    <a:srgbClr val="000000">
+                      <a:alpha val="43137"/>
+                    </a:srgbClr>
+                  </a:outerShdw>
+                </a:effectLst>
+                <a:latin typeface="Consolas" panose="020B0609020204030204" pitchFamily="49" charset="0"/>
+              </a:rPr>
+              <a:t>return</a:t>
+            </a:r>
+            <a:r>
+              <a:rPr lang="en-US" sz="2000" b="1" dirty="0">
+                <a:solidFill>
+                  <a:srgbClr val="CCCCCC"/>
+                </a:solidFill>
+                <a:effectLst>
+                  <a:outerShdw blurRad="38100" dist="38100" dir="2700000" algn="tl">
+                    <a:srgbClr val="000000">
+                      <a:alpha val="43137"/>
+                    </a:srgbClr>
+                  </a:outerShdw>
+                </a:effectLst>
+                <a:latin typeface="Consolas" panose="020B0609020204030204" pitchFamily="49" charset="0"/>
+              </a:rPr>
+              <a:t> </a:t>
+            </a:r>
+            <a:r>
+              <a:rPr lang="en-US" sz="2000" b="1" dirty="0">
+                <a:solidFill>
+                  <a:srgbClr val="DCDCAA"/>
+                </a:solidFill>
+                <a:effectLst>
+                  <a:outerShdw blurRad="38100" dist="38100" dir="2700000" algn="tl">
+                    <a:srgbClr val="000000">
+                      <a:alpha val="43137"/>
+                    </a:srgbClr>
+                  </a:outerShdw>
+                </a:effectLst>
+                <a:latin typeface="Consolas" panose="020B0609020204030204" pitchFamily="49" charset="0"/>
+              </a:rPr>
+              <a:t>greet</a:t>
+            </a:r>
+            <a:endParaRPr lang="en-US" sz="2000" b="1" dirty="0">
+              <a:solidFill>
+                <a:srgbClr val="CCCCCC"/>
+              </a:solidFill>
+              <a:effectLst>
+                <a:outerShdw blurRad="38100" dist="38100" dir="2700000" algn="tl">
+                  <a:srgbClr val="000000">
+                    <a:alpha val="43137"/>
+                  </a:srgbClr>
+                </a:outerShdw>
+              </a:effectLst>
+              <a:latin typeface="Consolas" panose="020B0609020204030204" pitchFamily="49" charset="0"/>
+            </a:endParaRPr>
+          </a:p>
+          <a:p>
+            <a:br>
+              <a:rPr lang="en-US" sz="2000" b="1" dirty="0">
+                <a:solidFill>
+                  <a:srgbClr val="CCCCCC"/>
+                </a:solidFill>
+                <a:effectLst>
+                  <a:outerShdw blurRad="38100" dist="38100" dir="2700000" algn="tl">
+                    <a:srgbClr val="000000">
+                      <a:alpha val="43137"/>
+                    </a:srgbClr>
+                  </a:outerShdw>
+                </a:effectLst>
+                <a:latin typeface="Consolas" panose="020B0609020204030204" pitchFamily="49" charset="0"/>
+              </a:rPr>
+            </a:br>
+            <a:r>
+              <a:rPr lang="en-US" sz="2000" b="1" dirty="0" err="1">
+                <a:solidFill>
+                  <a:srgbClr val="9CDCFE"/>
+                </a:solidFill>
+                <a:effectLst>
+                  <a:outerShdw blurRad="38100" dist="38100" dir="2700000" algn="tl">
+                    <a:srgbClr val="000000">
+                      <a:alpha val="43137"/>
+                    </a:srgbClr>
+                  </a:outerShdw>
+                </a:effectLst>
+                <a:latin typeface="Consolas" panose="020B0609020204030204" pitchFamily="49" charset="0"/>
+              </a:rPr>
+              <a:t>greet_hello</a:t>
+            </a:r>
+            <a:r>
+              <a:rPr lang="en-US" sz="2000" b="1" dirty="0">
+                <a:solidFill>
+                  <a:srgbClr val="CCCCCC"/>
+                </a:solidFill>
+                <a:effectLst>
+                  <a:outerShdw blurRad="38100" dist="38100" dir="2700000" algn="tl">
+                    <a:srgbClr val="000000">
+                      <a:alpha val="43137"/>
+                    </a:srgbClr>
+                  </a:outerShdw>
+                </a:effectLst>
+                <a:latin typeface="Consolas" panose="020B0609020204030204" pitchFamily="49" charset="0"/>
+              </a:rPr>
+              <a:t> </a:t>
+            </a:r>
+            <a:r>
+              <a:rPr lang="en-US" sz="2000" b="1" dirty="0">
+                <a:solidFill>
+                  <a:srgbClr val="D4D4D4"/>
+                </a:solidFill>
+                <a:effectLst>
+                  <a:outerShdw blurRad="38100" dist="38100" dir="2700000" algn="tl">
+                    <a:srgbClr val="000000">
+                      <a:alpha val="43137"/>
+                    </a:srgbClr>
+                  </a:outerShdw>
+                </a:effectLst>
+                <a:latin typeface="Consolas" panose="020B0609020204030204" pitchFamily="49" charset="0"/>
+              </a:rPr>
+              <a:t>=</a:t>
+            </a:r>
+            <a:r>
+              <a:rPr lang="en-US" sz="2000" b="1" dirty="0">
+                <a:solidFill>
+                  <a:srgbClr val="CCCCCC"/>
+                </a:solidFill>
+                <a:effectLst>
+                  <a:outerShdw blurRad="38100" dist="38100" dir="2700000" algn="tl">
+                    <a:srgbClr val="000000">
+                      <a:alpha val="43137"/>
+                    </a:srgbClr>
+                  </a:outerShdw>
+                </a:effectLst>
+                <a:latin typeface="Consolas" panose="020B0609020204030204" pitchFamily="49" charset="0"/>
+              </a:rPr>
+              <a:t> </a:t>
+            </a:r>
+            <a:r>
+              <a:rPr lang="en-US" sz="2000" b="1" dirty="0" err="1">
+                <a:solidFill>
+                  <a:srgbClr val="DCDCAA"/>
+                </a:solidFill>
+                <a:effectLst>
+                  <a:outerShdw blurRad="38100" dist="38100" dir="2700000" algn="tl">
+                    <a:srgbClr val="000000">
+                      <a:alpha val="43137"/>
+                    </a:srgbClr>
+                  </a:outerShdw>
+                </a:effectLst>
+                <a:latin typeface="Consolas" panose="020B0609020204030204" pitchFamily="49" charset="0"/>
+              </a:rPr>
+              <a:t>greet_curried</a:t>
+            </a:r>
+            <a:r>
+              <a:rPr lang="en-US" sz="2000" b="1" dirty="0">
+                <a:solidFill>
+                  <a:srgbClr val="CCCCCC"/>
+                </a:solidFill>
+                <a:effectLst>
+                  <a:outerShdw blurRad="38100" dist="38100" dir="2700000" algn="tl">
+                    <a:srgbClr val="000000">
+                      <a:alpha val="43137"/>
+                    </a:srgbClr>
+                  </a:outerShdw>
+                </a:effectLst>
+                <a:latin typeface="Consolas" panose="020B0609020204030204" pitchFamily="49" charset="0"/>
+              </a:rPr>
+              <a:t>(</a:t>
+            </a:r>
+            <a:r>
+              <a:rPr lang="en-US" sz="2000" b="1" dirty="0">
+                <a:solidFill>
+                  <a:srgbClr val="CE9178"/>
+                </a:solidFill>
+                <a:effectLst>
+                  <a:outerShdw blurRad="38100" dist="38100" dir="2700000" algn="tl">
+                    <a:srgbClr val="000000">
+                      <a:alpha val="43137"/>
+                    </a:srgbClr>
+                  </a:outerShdw>
+                </a:effectLst>
+                <a:latin typeface="Consolas" panose="020B0609020204030204" pitchFamily="49" charset="0"/>
+              </a:rPr>
+              <a:t>"Hello"</a:t>
+            </a:r>
+            <a:r>
+              <a:rPr lang="en-US" sz="2000" b="1" dirty="0">
+                <a:solidFill>
+                  <a:srgbClr val="CCCCCC"/>
+                </a:solidFill>
+                <a:effectLst>
+                  <a:outerShdw blurRad="38100" dist="38100" dir="2700000" algn="tl">
+                    <a:srgbClr val="000000">
+                      <a:alpha val="43137"/>
+                    </a:srgbClr>
+                  </a:outerShdw>
+                </a:effectLst>
+                <a:latin typeface="Consolas" panose="020B0609020204030204" pitchFamily="49" charset="0"/>
+              </a:rPr>
+              <a:t>) </a:t>
+            </a:r>
+            <a:r>
+              <a:rPr lang="en-US" sz="2000" b="1" dirty="0">
+                <a:solidFill>
+                  <a:srgbClr val="6A9955"/>
+                </a:solidFill>
+                <a:effectLst>
+                  <a:outerShdw blurRad="38100" dist="38100" dir="2700000" algn="tl">
+                    <a:srgbClr val="000000">
+                      <a:alpha val="43137"/>
+                    </a:srgbClr>
+                  </a:outerShdw>
+                </a:effectLst>
+                <a:latin typeface="Consolas" panose="020B0609020204030204" pitchFamily="49" charset="0"/>
+              </a:rPr>
+              <a:t># </a:t>
+            </a:r>
+            <a:r>
+              <a:rPr lang="ru-RU" sz="2000" b="1" dirty="0" err="1">
+                <a:solidFill>
+                  <a:srgbClr val="6A9955"/>
+                </a:solidFill>
+                <a:effectLst>
+                  <a:outerShdw blurRad="38100" dist="38100" dir="2700000" algn="tl">
+                    <a:srgbClr val="000000">
+                      <a:alpha val="43137"/>
+                    </a:srgbClr>
+                  </a:outerShdw>
+                </a:effectLst>
+                <a:latin typeface="Consolas" panose="020B0609020204030204" pitchFamily="49" charset="0"/>
+              </a:rPr>
+              <a:t>каррирование</a:t>
+            </a:r>
+            <a:endParaRPr lang="ru-RU" sz="2000" b="1" dirty="0">
+              <a:solidFill>
+                <a:srgbClr val="CCCCCC"/>
+              </a:solidFill>
+              <a:effectLst>
+                <a:outerShdw blurRad="38100" dist="38100" dir="2700000" algn="tl">
+                  <a:srgbClr val="000000">
+                    <a:alpha val="43137"/>
+                  </a:srgbClr>
+                </a:outerShdw>
+              </a:effectLst>
+              <a:latin typeface="Consolas" panose="020B0609020204030204" pitchFamily="49" charset="0"/>
+            </a:endParaRPr>
+          </a:p>
+          <a:p>
+            <a:r>
+              <a:rPr lang="en-US" sz="2000" b="1" dirty="0" err="1">
+                <a:solidFill>
+                  <a:srgbClr val="9CDCFE"/>
+                </a:solidFill>
+                <a:effectLst>
+                  <a:outerShdw blurRad="38100" dist="38100" dir="2700000" algn="tl">
+                    <a:srgbClr val="000000">
+                      <a:alpha val="43137"/>
+                    </a:srgbClr>
+                  </a:outerShdw>
+                </a:effectLst>
+                <a:latin typeface="Consolas" panose="020B0609020204030204" pitchFamily="49" charset="0"/>
+              </a:rPr>
+              <a:t>greet_hello</a:t>
+            </a:r>
+            <a:r>
+              <a:rPr lang="en-US" sz="2000" b="1" dirty="0">
+                <a:solidFill>
+                  <a:srgbClr val="CCCCCC"/>
+                </a:solidFill>
+                <a:effectLst>
+                  <a:outerShdw blurRad="38100" dist="38100" dir="2700000" algn="tl">
+                    <a:srgbClr val="000000">
+                      <a:alpha val="43137"/>
+                    </a:srgbClr>
+                  </a:outerShdw>
+                </a:effectLst>
+                <a:latin typeface="Consolas" panose="020B0609020204030204" pitchFamily="49" charset="0"/>
+              </a:rPr>
+              <a:t>(</a:t>
+            </a:r>
+            <a:r>
+              <a:rPr lang="en-US" sz="2000" b="1" dirty="0">
+                <a:solidFill>
+                  <a:srgbClr val="CE9178"/>
+                </a:solidFill>
+                <a:effectLst>
+                  <a:outerShdw blurRad="38100" dist="38100" dir="2700000" algn="tl">
+                    <a:srgbClr val="000000">
+                      <a:alpha val="43137"/>
+                    </a:srgbClr>
+                  </a:outerShdw>
+                </a:effectLst>
+                <a:latin typeface="Consolas" panose="020B0609020204030204" pitchFamily="49" charset="0"/>
+              </a:rPr>
+              <a:t>"</a:t>
+            </a:r>
+            <a:r>
+              <a:rPr lang="ru-RU" sz="2000" b="1" dirty="0">
+                <a:solidFill>
+                  <a:srgbClr val="CE9178"/>
+                </a:solidFill>
+                <a:effectLst>
+                  <a:outerShdw blurRad="38100" dist="38100" dir="2700000" algn="tl">
+                    <a:srgbClr val="000000">
+                      <a:alpha val="43137"/>
+                    </a:srgbClr>
+                  </a:outerShdw>
+                </a:effectLst>
+                <a:latin typeface="Consolas" panose="020B0609020204030204" pitchFamily="49" charset="0"/>
+              </a:rPr>
+              <a:t>Игорь"</a:t>
+            </a:r>
+            <a:r>
+              <a:rPr lang="ru-RU" sz="2000" b="1" dirty="0">
+                <a:solidFill>
+                  <a:srgbClr val="CCCCCC"/>
+                </a:solidFill>
+                <a:effectLst>
+                  <a:outerShdw blurRad="38100" dist="38100" dir="2700000" algn="tl">
+                    <a:srgbClr val="000000">
+                      <a:alpha val="43137"/>
+                    </a:srgbClr>
+                  </a:outerShdw>
+                </a:effectLst>
+                <a:latin typeface="Consolas" panose="020B0609020204030204" pitchFamily="49" charset="0"/>
+              </a:rPr>
+              <a:t>)        </a:t>
+            </a:r>
+            <a:r>
+              <a:rPr lang="ru-RU" sz="2000" b="1" dirty="0">
+                <a:solidFill>
+                  <a:srgbClr val="6A9955"/>
+                </a:solidFill>
+                <a:effectLst>
+                  <a:outerShdw blurRad="38100" dist="38100" dir="2700000" algn="tl">
+                    <a:srgbClr val="000000">
+                      <a:alpha val="43137"/>
+                    </a:srgbClr>
+                  </a:outerShdw>
+                </a:effectLst>
+                <a:latin typeface="Consolas" panose="020B0609020204030204" pitchFamily="49" charset="0"/>
+              </a:rPr>
+              <a:t># </a:t>
+            </a:r>
+            <a:r>
+              <a:rPr lang="en-US" sz="2000" b="1" dirty="0">
+                <a:solidFill>
+                  <a:srgbClr val="6A9955"/>
+                </a:solidFill>
+                <a:effectLst>
+                  <a:outerShdw blurRad="38100" dist="38100" dir="2700000" algn="tl">
+                    <a:srgbClr val="000000">
+                      <a:alpha val="43137"/>
+                    </a:srgbClr>
+                  </a:outerShdw>
+                </a:effectLst>
+                <a:latin typeface="Consolas" panose="020B0609020204030204" pitchFamily="49" charset="0"/>
+              </a:rPr>
+              <a:t>Hello, </a:t>
+            </a:r>
+            <a:r>
+              <a:rPr lang="ru-RU" sz="2000" b="1" dirty="0">
+                <a:solidFill>
+                  <a:srgbClr val="6A9955"/>
+                </a:solidFill>
+                <a:effectLst>
+                  <a:outerShdw blurRad="38100" dist="38100" dir="2700000" algn="tl">
+                    <a:srgbClr val="000000">
+                      <a:alpha val="43137"/>
+                    </a:srgbClr>
+                  </a:outerShdw>
+                </a:effectLst>
+                <a:latin typeface="Consolas" panose="020B0609020204030204" pitchFamily="49" charset="0"/>
+              </a:rPr>
+              <a:t>Игорь </a:t>
+            </a:r>
+            <a:endParaRPr lang="ru-RU" sz="2000" b="1" dirty="0">
+              <a:solidFill>
+                <a:srgbClr val="CCCCCC"/>
+              </a:solidFill>
+              <a:effectLst>
+                <a:outerShdw blurRad="38100" dist="38100" dir="2700000" algn="tl">
+                  <a:srgbClr val="000000">
+                    <a:alpha val="43137"/>
+                  </a:srgbClr>
+                </a:outerShdw>
+              </a:effectLst>
+              <a:latin typeface="Consolas" panose="020B0609020204030204" pitchFamily="49" charset="0"/>
+            </a:endParaRPr>
+          </a:p>
+          <a:p>
+            <a:r>
+              <a:rPr lang="en-US" sz="2000" b="1" dirty="0" err="1">
+                <a:solidFill>
+                  <a:srgbClr val="9CDCFE"/>
+                </a:solidFill>
+                <a:effectLst>
+                  <a:outerShdw blurRad="38100" dist="38100" dir="2700000" algn="tl">
+                    <a:srgbClr val="000000">
+                      <a:alpha val="43137"/>
+                    </a:srgbClr>
+                  </a:outerShdw>
+                </a:effectLst>
+                <a:latin typeface="Consolas" panose="020B0609020204030204" pitchFamily="49" charset="0"/>
+              </a:rPr>
+              <a:t>greet_hello</a:t>
+            </a:r>
+            <a:r>
+              <a:rPr lang="en-US" sz="2000" b="1" dirty="0">
+                <a:solidFill>
+                  <a:srgbClr val="CCCCCC"/>
+                </a:solidFill>
+                <a:effectLst>
+                  <a:outerShdw blurRad="38100" dist="38100" dir="2700000" algn="tl">
+                    <a:srgbClr val="000000">
+                      <a:alpha val="43137"/>
+                    </a:srgbClr>
+                  </a:outerShdw>
+                </a:effectLst>
+                <a:latin typeface="Consolas" panose="020B0609020204030204" pitchFamily="49" charset="0"/>
+              </a:rPr>
+              <a:t>(</a:t>
+            </a:r>
+            <a:r>
+              <a:rPr lang="en-US" sz="2000" b="1" dirty="0">
+                <a:solidFill>
+                  <a:srgbClr val="CE9178"/>
+                </a:solidFill>
+                <a:effectLst>
+                  <a:outerShdw blurRad="38100" dist="38100" dir="2700000" algn="tl">
+                    <a:srgbClr val="000000">
+                      <a:alpha val="43137"/>
+                    </a:srgbClr>
+                  </a:outerShdw>
+                </a:effectLst>
+                <a:latin typeface="Consolas" panose="020B0609020204030204" pitchFamily="49" charset="0"/>
+              </a:rPr>
+              <a:t>"</a:t>
+            </a:r>
+            <a:r>
+              <a:rPr lang="ru-RU" sz="2000" b="1" dirty="0">
+                <a:solidFill>
+                  <a:srgbClr val="CE9178"/>
+                </a:solidFill>
+                <a:effectLst>
+                  <a:outerShdw blurRad="38100" dist="38100" dir="2700000" algn="tl">
+                    <a:srgbClr val="000000">
+                      <a:alpha val="43137"/>
+                    </a:srgbClr>
+                  </a:outerShdw>
+                </a:effectLst>
+                <a:latin typeface="Consolas" panose="020B0609020204030204" pitchFamily="49" charset="0"/>
+              </a:rPr>
+              <a:t>Роман"</a:t>
+            </a:r>
+            <a:r>
+              <a:rPr lang="ru-RU" sz="2000" b="1" dirty="0">
+                <a:solidFill>
+                  <a:srgbClr val="CCCCCC"/>
+                </a:solidFill>
+                <a:effectLst>
+                  <a:outerShdw blurRad="38100" dist="38100" dir="2700000" algn="tl">
+                    <a:srgbClr val="000000">
+                      <a:alpha val="43137"/>
+                    </a:srgbClr>
+                  </a:outerShdw>
+                </a:effectLst>
+                <a:latin typeface="Consolas" panose="020B0609020204030204" pitchFamily="49" charset="0"/>
+              </a:rPr>
+              <a:t>)    </a:t>
+            </a:r>
+            <a:r>
+              <a:rPr lang="ru-RU" sz="2000" b="1" dirty="0">
+                <a:solidFill>
+                  <a:srgbClr val="6A9955"/>
+                </a:solidFill>
+                <a:effectLst>
+                  <a:outerShdw blurRad="38100" dist="38100" dir="2700000" algn="tl">
+                    <a:srgbClr val="000000">
+                      <a:alpha val="43137"/>
+                    </a:srgbClr>
+                  </a:outerShdw>
+                </a:effectLst>
+                <a:latin typeface="Consolas" panose="020B0609020204030204" pitchFamily="49" charset="0"/>
+              </a:rPr>
+              <a:t># </a:t>
+            </a:r>
+            <a:r>
+              <a:rPr lang="en-US" sz="2000" b="1" dirty="0">
+                <a:solidFill>
+                  <a:srgbClr val="6A9955"/>
+                </a:solidFill>
+                <a:effectLst>
+                  <a:outerShdw blurRad="38100" dist="38100" dir="2700000" algn="tl">
+                    <a:srgbClr val="000000">
+                      <a:alpha val="43137"/>
+                    </a:srgbClr>
+                  </a:outerShdw>
+                </a:effectLst>
+                <a:latin typeface="Consolas" panose="020B0609020204030204" pitchFamily="49" charset="0"/>
+              </a:rPr>
+              <a:t>Hello, </a:t>
+            </a:r>
+            <a:r>
+              <a:rPr lang="ru-RU" sz="2000" b="1" dirty="0">
+                <a:solidFill>
+                  <a:srgbClr val="6A9955"/>
+                </a:solidFill>
+                <a:effectLst>
+                  <a:outerShdw blurRad="38100" dist="38100" dir="2700000" algn="tl">
+                    <a:srgbClr val="000000">
+                      <a:alpha val="43137"/>
+                    </a:srgbClr>
+                  </a:outerShdw>
+                </a:effectLst>
+                <a:latin typeface="Consolas" panose="020B0609020204030204" pitchFamily="49" charset="0"/>
+              </a:rPr>
+              <a:t>Роман</a:t>
+            </a:r>
+            <a:endParaRPr lang="ru-RU" sz="2000" b="1" dirty="0">
+              <a:solidFill>
+                <a:srgbClr val="CCCCCC"/>
+              </a:solidFill>
+              <a:effectLst>
+                <a:outerShdw blurRad="38100" dist="38100" dir="2700000" algn="tl">
+                  <a:srgbClr val="000000">
+                    <a:alpha val="43137"/>
+                  </a:srgbClr>
+                </a:outerShdw>
+              </a:effectLst>
+              <a:latin typeface="Consolas" panose="020B0609020204030204" pitchFamily="49" charset="0"/>
+            </a:endParaRPr>
+          </a:p>
+          <a:p>
+            <a:br>
+              <a:rPr lang="ru-RU" sz="2000" b="1" dirty="0">
+                <a:solidFill>
+                  <a:srgbClr val="CCCCCC"/>
+                </a:solidFill>
+                <a:effectLst>
+                  <a:outerShdw blurRad="38100" dist="38100" dir="2700000" algn="tl">
+                    <a:srgbClr val="000000">
+                      <a:alpha val="43137"/>
+                    </a:srgbClr>
+                  </a:outerShdw>
+                </a:effectLst>
+                <a:latin typeface="Consolas" panose="020B0609020204030204" pitchFamily="49" charset="0"/>
+              </a:rPr>
+            </a:br>
+            <a:r>
+              <a:rPr lang="ru-RU" sz="2000" b="1" dirty="0">
+                <a:solidFill>
+                  <a:srgbClr val="6A9955"/>
+                </a:solidFill>
+                <a:effectLst>
+                  <a:outerShdw blurRad="38100" dist="38100" dir="2700000" algn="tl">
+                    <a:srgbClr val="000000">
+                      <a:alpha val="43137"/>
+                    </a:srgbClr>
+                  </a:outerShdw>
+                </a:effectLst>
+                <a:latin typeface="Consolas" panose="020B0609020204030204" pitchFamily="49" charset="0"/>
+              </a:rPr>
+              <a:t># вызов напрямую </a:t>
+            </a:r>
+            <a:r>
+              <a:rPr lang="en-US" sz="2000" b="1" dirty="0" err="1">
+                <a:solidFill>
+                  <a:srgbClr val="6A9955"/>
+                </a:solidFill>
+                <a:effectLst>
+                  <a:outerShdw blurRad="38100" dist="38100" dir="2700000" algn="tl">
+                    <a:srgbClr val="000000">
+                      <a:alpha val="43137"/>
+                    </a:srgbClr>
+                  </a:outerShdw>
+                </a:effectLst>
+                <a:latin typeface="Consolas" panose="020B0609020204030204" pitchFamily="49" charset="0"/>
+              </a:rPr>
+              <a:t>greet_curried</a:t>
+            </a:r>
+            <a:r>
+              <a:rPr lang="en-US" sz="2000" b="1" dirty="0">
+                <a:solidFill>
+                  <a:srgbClr val="6A9955"/>
+                </a:solidFill>
+                <a:effectLst>
+                  <a:outerShdw blurRad="38100" dist="38100" dir="2700000" algn="tl">
+                    <a:srgbClr val="000000">
+                      <a:alpha val="43137"/>
+                    </a:srgbClr>
+                  </a:outerShdw>
+                </a:effectLst>
+                <a:latin typeface="Consolas" panose="020B0609020204030204" pitchFamily="49" charset="0"/>
+              </a:rPr>
+              <a:t>:</a:t>
+            </a:r>
+            <a:endParaRPr lang="en-US" sz="2000" b="1" dirty="0">
+              <a:solidFill>
+                <a:srgbClr val="CCCCCC"/>
+              </a:solidFill>
+              <a:effectLst>
+                <a:outerShdw blurRad="38100" dist="38100" dir="2700000" algn="tl">
+                  <a:srgbClr val="000000">
+                    <a:alpha val="43137"/>
+                  </a:srgbClr>
+                </a:outerShdw>
+              </a:effectLst>
+              <a:latin typeface="Consolas" panose="020B0609020204030204" pitchFamily="49" charset="0"/>
+            </a:endParaRPr>
+          </a:p>
+          <a:p>
+            <a:r>
+              <a:rPr lang="en-US" sz="2000" b="1" dirty="0" err="1">
+                <a:solidFill>
+                  <a:srgbClr val="DCDCAA"/>
+                </a:solidFill>
+                <a:effectLst>
+                  <a:outerShdw blurRad="38100" dist="38100" dir="2700000" algn="tl">
+                    <a:srgbClr val="000000">
+                      <a:alpha val="43137"/>
+                    </a:srgbClr>
+                  </a:outerShdw>
+                </a:effectLst>
+                <a:latin typeface="Consolas" panose="020B0609020204030204" pitchFamily="49" charset="0"/>
+              </a:rPr>
+              <a:t>greet_curried</a:t>
+            </a:r>
+            <a:r>
+              <a:rPr lang="en-US" sz="2000" b="1" dirty="0">
+                <a:solidFill>
+                  <a:srgbClr val="CCCCCC"/>
+                </a:solidFill>
+                <a:effectLst>
+                  <a:outerShdw blurRad="38100" dist="38100" dir="2700000" algn="tl">
+                    <a:srgbClr val="000000">
+                      <a:alpha val="43137"/>
+                    </a:srgbClr>
+                  </a:outerShdw>
+                </a:effectLst>
+                <a:latin typeface="Consolas" panose="020B0609020204030204" pitchFamily="49" charset="0"/>
+              </a:rPr>
+              <a:t>(</a:t>
+            </a:r>
+            <a:r>
+              <a:rPr lang="en-US" sz="2000" b="1" dirty="0">
+                <a:solidFill>
+                  <a:srgbClr val="CE9178"/>
+                </a:solidFill>
+                <a:effectLst>
+                  <a:outerShdw blurRad="38100" dist="38100" dir="2700000" algn="tl">
+                    <a:srgbClr val="000000">
+                      <a:alpha val="43137"/>
+                    </a:srgbClr>
+                  </a:outerShdw>
+                </a:effectLst>
+                <a:latin typeface="Consolas" panose="020B0609020204030204" pitchFamily="49" charset="0"/>
+              </a:rPr>
+              <a:t>"Hi"</a:t>
+            </a:r>
+            <a:r>
+              <a:rPr lang="en-US" sz="2000" b="1" dirty="0">
+                <a:solidFill>
+                  <a:srgbClr val="CCCCCC"/>
+                </a:solidFill>
+                <a:effectLst>
+                  <a:outerShdw blurRad="38100" dist="38100" dir="2700000" algn="tl">
+                    <a:srgbClr val="000000">
+                      <a:alpha val="43137"/>
+                    </a:srgbClr>
+                  </a:outerShdw>
+                </a:effectLst>
+                <a:latin typeface="Consolas" panose="020B0609020204030204" pitchFamily="49" charset="0"/>
+              </a:rPr>
+              <a:t>)(</a:t>
+            </a:r>
+            <a:r>
+              <a:rPr lang="en-US" sz="2000" b="1" dirty="0">
+                <a:solidFill>
+                  <a:srgbClr val="CE9178"/>
+                </a:solidFill>
+                <a:effectLst>
+                  <a:outerShdw blurRad="38100" dist="38100" dir="2700000" algn="tl">
+                    <a:srgbClr val="000000">
+                      <a:alpha val="43137"/>
+                    </a:srgbClr>
+                  </a:outerShdw>
+                </a:effectLst>
+                <a:latin typeface="Consolas" panose="020B0609020204030204" pitchFamily="49" charset="0"/>
+              </a:rPr>
+              <a:t>"</a:t>
+            </a:r>
+            <a:r>
+              <a:rPr lang="ru-RU" sz="2000" b="1" dirty="0">
+                <a:solidFill>
+                  <a:srgbClr val="CE9178"/>
+                </a:solidFill>
+                <a:effectLst>
+                  <a:outerShdw blurRad="38100" dist="38100" dir="2700000" algn="tl">
+                    <a:srgbClr val="000000">
+                      <a:alpha val="43137"/>
+                    </a:srgbClr>
+                  </a:outerShdw>
+                </a:effectLst>
+                <a:latin typeface="Consolas" panose="020B0609020204030204" pitchFamily="49" charset="0"/>
+              </a:rPr>
+              <a:t>Сергей"</a:t>
+            </a:r>
+            <a:r>
+              <a:rPr lang="ru-RU" sz="2000" b="1" dirty="0">
+                <a:solidFill>
+                  <a:srgbClr val="CCCCCC"/>
+                </a:solidFill>
+                <a:effectLst>
+                  <a:outerShdw blurRad="38100" dist="38100" dir="2700000" algn="tl">
+                    <a:srgbClr val="000000">
+                      <a:alpha val="43137"/>
+                    </a:srgbClr>
+                  </a:outerShdw>
+                </a:effectLst>
+                <a:latin typeface="Consolas" panose="020B0609020204030204" pitchFamily="49" charset="0"/>
+              </a:rPr>
+              <a:t>)  </a:t>
+            </a:r>
+            <a:r>
+              <a:rPr lang="ru-RU" sz="2000" b="1" dirty="0">
+                <a:solidFill>
+                  <a:srgbClr val="6A9955"/>
+                </a:solidFill>
+                <a:effectLst>
+                  <a:outerShdw blurRad="38100" dist="38100" dir="2700000" algn="tl">
+                    <a:srgbClr val="000000">
+                      <a:alpha val="43137"/>
+                    </a:srgbClr>
+                  </a:outerShdw>
+                </a:effectLst>
+                <a:latin typeface="Consolas" panose="020B0609020204030204" pitchFamily="49" charset="0"/>
+              </a:rPr>
+              <a:t># </a:t>
+            </a:r>
+            <a:r>
+              <a:rPr lang="en-US" sz="2000" b="1" dirty="0">
+                <a:solidFill>
+                  <a:srgbClr val="6A9955"/>
+                </a:solidFill>
+                <a:effectLst>
+                  <a:outerShdw blurRad="38100" dist="38100" dir="2700000" algn="tl">
+                    <a:srgbClr val="000000">
+                      <a:alpha val="43137"/>
+                    </a:srgbClr>
+                  </a:outerShdw>
+                </a:effectLst>
+                <a:latin typeface="Consolas" panose="020B0609020204030204" pitchFamily="49" charset="0"/>
+              </a:rPr>
+              <a:t>Hi, </a:t>
+            </a:r>
+            <a:r>
+              <a:rPr lang="ru-RU" sz="2000" b="1" dirty="0">
+                <a:solidFill>
+                  <a:srgbClr val="6A9955"/>
+                </a:solidFill>
+                <a:effectLst>
+                  <a:outerShdw blurRad="38100" dist="38100" dir="2700000" algn="tl">
+                    <a:srgbClr val="000000">
+                      <a:alpha val="43137"/>
+                    </a:srgbClr>
+                  </a:outerShdw>
+                </a:effectLst>
+                <a:latin typeface="Consolas" panose="020B0609020204030204" pitchFamily="49" charset="0"/>
+              </a:rPr>
+              <a:t>Сергей </a:t>
+            </a:r>
+            <a:endParaRPr lang="ru-RU" sz="2000" b="1" dirty="0">
+              <a:solidFill>
+                <a:srgbClr val="CCCCCC"/>
+              </a:solidFill>
+              <a:effectLst>
+                <a:outerShdw blurRad="38100" dist="38100" dir="2700000" algn="tl">
+                  <a:srgbClr val="000000">
+                    <a:alpha val="43137"/>
+                  </a:srgbClr>
+                </a:outerShdw>
+              </a:effectLst>
+              <a:latin typeface="Consolas" panose="020B0609020204030204" pitchFamily="49" charset="0"/>
+            </a:endParaRPr>
+          </a:p>
+        </p:txBody>
+      </p:sp>
+    </p:spTree>
+  </p:cSld>
+  <p:clrMapOvr>
+    <a:masterClrMapping/>
+  </p:clrMapOvr>
+</p:sld>
+</file>
+
+<file path=ppt/slides/slide27.xml><?xml version="1.0" encoding="utf-8"?>
+<p:sld xmlns:a="http://schemas.openxmlformats.org/drawingml/2006/main" xmlns:r="http://schemas.openxmlformats.org/officeDocument/2006/relationships" xmlns:p="http://schemas.openxmlformats.org/presentationml/2006/main">
+  <p:cSld>
+    <p:spTree>
+      <p:nvGrpSpPr>
+        <p:cNvPr id="1" name=""/>
+        <p:cNvGrpSpPr/>
+        <p:nvPr/>
+      </p:nvGrpSpPr>
+      <p:grpSpPr>
+        <a:xfrm>
+          <a:off x="0" y="0"/>
+          <a:ext cx="0" cy="0"/>
+          <a:chOff x="0" y="0"/>
+          <a:chExt cx="0" cy="0"/>
+        </a:xfrm>
+      </p:grpSpPr>
+      <p:sp>
+        <p:nvSpPr>
+          <p:cNvPr id="9" name="Заголовок 1">
+            <a:extLst>
+              <a:ext uri="{FF2B5EF4-FFF2-40B4-BE49-F238E27FC236}">
+                <a16:creationId xmlns:a16="http://schemas.microsoft.com/office/drawing/2014/main" id="{296E8557-2C11-4E65-A7DC-4FD9955DF42A}"/>
+              </a:ext>
+            </a:extLst>
+          </p:cNvPr>
+          <p:cNvSpPr txBox="1">
+            <a:spLocks/>
+          </p:cNvSpPr>
+          <p:nvPr/>
+        </p:nvSpPr>
+        <p:spPr>
+          <a:xfrm>
+            <a:off x="950096" y="2002143"/>
+            <a:ext cx="2738120" cy="954341"/>
+          </a:xfrm>
+          <a:prstGeom prst="rect">
+            <a:avLst/>
+          </a:prstGeom>
+        </p:spPr>
+        <p:txBody>
+          <a:bodyPr vert="horz" lIns="68580" tIns="34290" rIns="68580" bIns="34290" rtlCol="0" anchor="t">
+            <a:normAutofit fontScale="92500" lnSpcReduction="20000"/>
+          </a:bodyPr>
+          <a:lstStyle>
+            <a:lvl1pPr algn="l" defTabSz="457200" rtl="0" eaLnBrk="1" latinLnBrk="0" hangingPunct="1">
+              <a:spcBef>
+                <a:spcPct val="0"/>
+              </a:spcBef>
+              <a:buNone/>
+              <a:defRPr sz="3600" b="1" kern="1200">
+                <a:solidFill>
+                  <a:schemeClr val="accent2"/>
+                </a:solidFill>
+                <a:latin typeface="Open Sans" panose="020B0606030504020204" pitchFamily="34" charset="0"/>
+                <a:ea typeface="Open Sans" panose="020B0606030504020204" pitchFamily="34" charset="0"/>
+                <a:cs typeface="Open Sans" panose="020B0606030504020204" pitchFamily="34" charset="0"/>
+              </a:defRPr>
+            </a:lvl1pPr>
+            <a:lvl2pPr eaLnBrk="1" hangingPunct="1">
+              <a:defRPr>
+                <a:solidFill>
+                  <a:schemeClr val="tx2"/>
+                </a:solidFill>
+              </a:defRPr>
+            </a:lvl2pPr>
+            <a:lvl3pPr eaLnBrk="1" hangingPunct="1">
+              <a:defRPr>
+                <a:solidFill>
+                  <a:schemeClr val="tx2"/>
+                </a:solidFill>
+              </a:defRPr>
+            </a:lvl3pPr>
+            <a:lvl4pPr eaLnBrk="1" hangingPunct="1">
+              <a:defRPr>
+                <a:solidFill>
+                  <a:schemeClr val="tx2"/>
+                </a:solidFill>
+              </a:defRPr>
+            </a:lvl4pPr>
+            <a:lvl5pPr eaLnBrk="1" hangingPunct="1">
+              <a:defRPr>
+                <a:solidFill>
+                  <a:schemeClr val="tx2"/>
+                </a:solidFill>
+              </a:defRPr>
+            </a:lvl5pPr>
+            <a:lvl6pPr eaLnBrk="1" hangingPunct="1">
+              <a:defRPr>
+                <a:solidFill>
+                  <a:schemeClr val="tx2"/>
+                </a:solidFill>
+              </a:defRPr>
+            </a:lvl6pPr>
+            <a:lvl7pPr eaLnBrk="1" hangingPunct="1">
+              <a:defRPr>
+                <a:solidFill>
+                  <a:schemeClr val="tx2"/>
+                </a:solidFill>
+              </a:defRPr>
+            </a:lvl7pPr>
+            <a:lvl8pPr eaLnBrk="1" hangingPunct="1">
+              <a:defRPr>
+                <a:solidFill>
+                  <a:schemeClr val="tx2"/>
+                </a:solidFill>
+              </a:defRPr>
+            </a:lvl8pPr>
+            <a:lvl9pPr eaLnBrk="1" hangingPunct="1">
+              <a:defRPr>
+                <a:solidFill>
+                  <a:schemeClr val="tx2"/>
+                </a:solidFill>
+              </a:defRPr>
+            </a:lvl9pPr>
+          </a:lstStyle>
+          <a:p>
+            <a:r>
+              <a:rPr lang="ru-RU" sz="4350" dirty="0"/>
+              <a:t>Спасибо </a:t>
+            </a:r>
+          </a:p>
+          <a:p>
+            <a:r>
+              <a:rPr lang="ru-RU" sz="2700" dirty="0"/>
+              <a:t>за внимание!</a:t>
+            </a:r>
+          </a:p>
+        </p:txBody>
+      </p:sp>
+      <p:sp>
+        <p:nvSpPr>
+          <p:cNvPr id="10" name="Заголовок 1">
+            <a:extLst>
+              <a:ext uri="{FF2B5EF4-FFF2-40B4-BE49-F238E27FC236}">
+                <a16:creationId xmlns:a16="http://schemas.microsoft.com/office/drawing/2014/main" id="{94F517F1-B040-4C23-A1FC-87F348A889F9}"/>
+              </a:ext>
+            </a:extLst>
+          </p:cNvPr>
+          <p:cNvSpPr txBox="1">
+            <a:spLocks/>
+          </p:cNvSpPr>
+          <p:nvPr/>
+        </p:nvSpPr>
+        <p:spPr>
+          <a:xfrm>
+            <a:off x="950096" y="2907074"/>
+            <a:ext cx="2738120" cy="568158"/>
+          </a:xfrm>
+          <a:prstGeom prst="rect">
+            <a:avLst/>
+          </a:prstGeom>
+        </p:spPr>
+        <p:txBody>
+          <a:bodyPr vert="horz" lIns="68580" tIns="34290" rIns="68580" bIns="34290" rtlCol="0" anchor="t">
+            <a:normAutofit/>
+          </a:bodyPr>
+          <a:lstStyle>
+            <a:lvl1pPr algn="l" defTabSz="457200" rtl="0" eaLnBrk="1" latinLnBrk="0" hangingPunct="1">
+              <a:spcBef>
+                <a:spcPct val="0"/>
+              </a:spcBef>
+              <a:buNone/>
+              <a:defRPr sz="3600" b="1" kern="1200">
+                <a:solidFill>
+                  <a:schemeClr val="accent2"/>
+                </a:solidFill>
+                <a:latin typeface="Open Sans" panose="020B0606030504020204" pitchFamily="34" charset="0"/>
+                <a:ea typeface="Open Sans" panose="020B0606030504020204" pitchFamily="34" charset="0"/>
+                <a:cs typeface="Open Sans" panose="020B0606030504020204" pitchFamily="34" charset="0"/>
+              </a:defRPr>
+            </a:lvl1pPr>
+            <a:lvl2pPr eaLnBrk="1" hangingPunct="1">
+              <a:defRPr>
+                <a:solidFill>
+                  <a:schemeClr val="tx2"/>
+                </a:solidFill>
+              </a:defRPr>
+            </a:lvl2pPr>
+            <a:lvl3pPr eaLnBrk="1" hangingPunct="1">
+              <a:defRPr>
+                <a:solidFill>
+                  <a:schemeClr val="tx2"/>
+                </a:solidFill>
+              </a:defRPr>
+            </a:lvl3pPr>
+            <a:lvl4pPr eaLnBrk="1" hangingPunct="1">
+              <a:defRPr>
+                <a:solidFill>
+                  <a:schemeClr val="tx2"/>
+                </a:solidFill>
+              </a:defRPr>
+            </a:lvl4pPr>
+            <a:lvl5pPr eaLnBrk="1" hangingPunct="1">
+              <a:defRPr>
+                <a:solidFill>
+                  <a:schemeClr val="tx2"/>
+                </a:solidFill>
+              </a:defRPr>
+            </a:lvl5pPr>
+            <a:lvl6pPr eaLnBrk="1" hangingPunct="1">
+              <a:defRPr>
+                <a:solidFill>
+                  <a:schemeClr val="tx2"/>
+                </a:solidFill>
+              </a:defRPr>
+            </a:lvl6pPr>
+            <a:lvl7pPr eaLnBrk="1" hangingPunct="1">
+              <a:defRPr>
+                <a:solidFill>
+                  <a:schemeClr val="tx2"/>
+                </a:solidFill>
+              </a:defRPr>
+            </a:lvl7pPr>
+            <a:lvl8pPr eaLnBrk="1" hangingPunct="1">
+              <a:defRPr>
+                <a:solidFill>
+                  <a:schemeClr val="tx2"/>
+                </a:solidFill>
+              </a:defRPr>
+            </a:lvl8pPr>
+            <a:lvl9pPr eaLnBrk="1" hangingPunct="1">
+              <a:defRPr>
+                <a:solidFill>
+                  <a:schemeClr val="tx2"/>
+                </a:solidFill>
+              </a:defRPr>
+            </a:lvl9pPr>
+          </a:lstStyle>
+          <a:p>
+            <a:r>
+              <a:rPr lang="ru-RU" sz="2400" b="0" dirty="0"/>
+              <a:t>Ваши вопросы…</a:t>
+            </a:r>
+          </a:p>
+        </p:txBody>
+      </p:sp>
+      <p:pic>
+        <p:nvPicPr>
+          <p:cNvPr id="3" name="Рисунок 2">
+            <a:extLst>
+              <a:ext uri="{FF2B5EF4-FFF2-40B4-BE49-F238E27FC236}">
+                <a16:creationId xmlns:a16="http://schemas.microsoft.com/office/drawing/2014/main" id="{C81D53B5-DE19-479B-83BD-E3D8F3DB288E}"/>
+              </a:ext>
+            </a:extLst>
+          </p:cNvPr>
+          <p:cNvPicPr>
+            <a:picLocks noChangeAspect="1"/>
+          </p:cNvPicPr>
+          <p:nvPr/>
+        </p:nvPicPr>
+        <p:blipFill>
+          <a:blip r:embed="rId2">
+            <a:extLst>
+              <a:ext uri="{96DAC541-7B7A-43D3-8B79-37D633B846F1}">
+                <asvg:svgBlip xmlns:asvg="http://schemas.microsoft.com/office/drawing/2016/SVG/main" r:embed="rId3"/>
+              </a:ext>
+            </a:extLst>
+          </a:blip>
+          <a:stretch>
+            <a:fillRect/>
+          </a:stretch>
+        </p:blipFill>
+        <p:spPr>
+          <a:xfrm>
+            <a:off x="3315140" y="259241"/>
+            <a:ext cx="4803326" cy="4803326"/>
+          </a:xfrm>
+          <a:prstGeom prst="rect">
+            <a:avLst/>
+          </a:prstGeom>
+        </p:spPr>
+      </p:pic>
+    </p:spTree>
+    <p:extLst>
+      <p:ext uri="{BB962C8B-B14F-4D97-AF65-F5344CB8AC3E}">
+        <p14:creationId xmlns:p14="http://schemas.microsoft.com/office/powerpoint/2010/main" val="1405911375"/>
       </p:ext>
     </p:extLst>
   </p:cSld>
@@ -10013,8 +13373,8 @@
         </p:nvSpPr>
         <p:spPr>
           <a:xfrm>
-            <a:off x="628560" y="1400830"/>
-            <a:ext cx="7886520" cy="3263040"/>
+            <a:off x="312345" y="1400830"/>
+            <a:ext cx="8311081" cy="3263040"/>
           </a:xfrm>
         </p:spPr>
         <p:txBody>
@@ -10023,9 +13383,6 @@
           </a:bodyPr>
           <a:lstStyle/>
           <a:p>
-            <a:pPr marL="0" indent="0">
-              <a:buNone/>
-            </a:pPr>
             <a:r>
               <a:rPr lang="ru-RU" sz="2000" i="1" u="sng" dirty="0">
                 <a:latin typeface="Segoe UI Light" panose="020B0502040204020203" pitchFamily="34" charset="0"/>
@@ -10042,9 +13399,6 @@
             </a:endParaRPr>
           </a:p>
           <a:p>
-            <a:pPr marL="0" indent="0">
-              <a:buNone/>
-            </a:pPr>
             <a:r>
               <a:rPr lang="ru-RU" sz="2000" dirty="0">
                 <a:solidFill>
@@ -10141,55 +13495,33 @@
             </a:endParaRPr>
           </a:p>
           <a:p>
-            <a:pPr marL="0" indent="0">
-              <a:buNone/>
-            </a:pPr>
-            <a:r>
-              <a:rPr lang="ru-RU" sz="1400" i="1" u="sng" dirty="0">
+            <a:br>
+              <a:rPr lang="ru-RU" sz="2000" dirty="0">
+                <a:solidFill>
+                  <a:srgbClr val="2D2D2A"/>
+                </a:solidFill>
                 <a:latin typeface="Segoe UI Light" panose="020B0502040204020203" pitchFamily="34" charset="0"/>
                 <a:cs typeface="Segoe UI Light" panose="020B0502040204020203" pitchFamily="34" charset="0"/>
               </a:rPr>
-              <a:t>Давайте знакомиться</a:t>
-            </a:r>
-          </a:p>
-          <a:p>
-            <a:pPr>
-              <a:buFont typeface="Wingdings" panose="05000000000000000000" pitchFamily="2" charset="2"/>
-              <a:buChar char="q"/>
-            </a:pPr>
+            </a:br>
             <a:r>
               <a:rPr lang="ru-RU" sz="2000" dirty="0">
                 <a:solidFill>
-                  <a:srgbClr val="2D2D2A"/>
+                  <a:srgbClr val="FF0000"/>
                 </a:solidFill>
                 <a:latin typeface="Segoe UI Light" panose="020B0502040204020203" pitchFamily="34" charset="0"/>
                 <a:cs typeface="Segoe UI Light" panose="020B0502040204020203" pitchFamily="34" charset="0"/>
               </a:rPr>
-              <a:t> Имя</a:t>
-            </a:r>
-          </a:p>
-          <a:p>
-            <a:pPr>
-              <a:buFont typeface="Wingdings" panose="05000000000000000000" pitchFamily="2" charset="2"/>
-              <a:buChar char="q"/>
-            </a:pPr>
+              <a:t> </a:t>
+            </a:r>
             <a:r>
               <a:rPr lang="ru-RU" sz="2000" dirty="0">
-                <a:solidFill>
-                  <a:srgbClr val="2D2D2A"/>
-                </a:solidFill>
                 <a:latin typeface="Segoe UI Light" panose="020B0502040204020203" pitchFamily="34" charset="0"/>
                 <a:cs typeface="Segoe UI Light" panose="020B0502040204020203" pitchFamily="34" charset="0"/>
               </a:rPr>
-              <a:t> Компания</a:t>
-            </a:r>
-          </a:p>
-          <a:p>
-            <a:pPr>
-              <a:buFont typeface="Wingdings" panose="05000000000000000000" pitchFamily="2" charset="2"/>
-              <a:buChar char="q"/>
-            </a:pPr>
-            <a:r>
+              <a:t>Мобильные телефоны</a:t>
+            </a:r>
+            <a:br>
               <a:rPr lang="ru-RU" sz="2000" dirty="0">
                 <a:solidFill>
                   <a:srgbClr val="2D2D2A"/>
@@ -10197,23 +13529,26 @@
                 <a:latin typeface="Segoe UI Light" panose="020B0502040204020203" pitchFamily="34" charset="0"/>
                 <a:cs typeface="Segoe UI Light" panose="020B0502040204020203" pitchFamily="34" charset="0"/>
               </a:rPr>
-              <a:t> Должность, роль</a:t>
-            </a:r>
-          </a:p>
-          <a:p>
-            <a:pPr>
-              <a:buFont typeface="Wingdings" panose="05000000000000000000" pitchFamily="2" charset="2"/>
-              <a:buChar char="q"/>
-            </a:pPr>
+            </a:br>
             <a:r>
               <a:rPr lang="ru-RU" sz="2000" dirty="0">
                 <a:solidFill>
-                  <a:srgbClr val="2D2D2A"/>
+                  <a:srgbClr val="FF0000"/>
                 </a:solidFill>
                 <a:latin typeface="Segoe UI Light" panose="020B0502040204020203" pitchFamily="34" charset="0"/>
                 <a:cs typeface="Segoe UI Light" panose="020B0502040204020203" pitchFamily="34" charset="0"/>
               </a:rPr>
-              <a:t> Ожидания от курса</a:t>
+              <a:t> </a:t>
+            </a:r>
+            <a:r>
+              <a:rPr lang="ru-RU" sz="2000" dirty="0">
+                <a:solidFill>
+                  <a:srgbClr val="2D2D2A"/>
+                </a:solidFill>
+                <a:latin typeface="Segoe UI Light" panose="020B0502040204020203" pitchFamily="34" charset="0"/>
+                <a:cs typeface="Segoe UI Light" panose="020B0502040204020203" pitchFamily="34" charset="0"/>
+              </a:rPr>
+              <a:t>Опоздания</a:t>
             </a:r>
             <a:br>
               <a:rPr lang="ru-RU" sz="2000" dirty="0">
@@ -10224,6 +13559,28 @@
                 <a:cs typeface="Segoe UI Light" panose="020B0502040204020203" pitchFamily="34" charset="0"/>
               </a:rPr>
             </a:br>
+            <a:r>
+              <a:rPr lang="ru-RU" sz="2000" dirty="0">
+                <a:solidFill>
+                  <a:srgbClr val="FF0000"/>
+                </a:solidFill>
+                <a:latin typeface="Segoe UI Light" panose="020B0502040204020203" pitchFamily="34" charset="0"/>
+                <a:cs typeface="Segoe UI Light" panose="020B0502040204020203" pitchFamily="34" charset="0"/>
+              </a:rPr>
+              <a:t> </a:t>
+            </a:r>
+            <a:r>
+              <a:rPr lang="ru-RU" sz="2000" dirty="0">
+                <a:solidFill>
+                  <a:srgbClr val="2D2D2A"/>
+                </a:solidFill>
+                <a:latin typeface="Segoe UI Light" panose="020B0502040204020203" pitchFamily="34" charset="0"/>
+                <a:cs typeface="Segoe UI Light" panose="020B0502040204020203" pitchFamily="34" charset="0"/>
+              </a:rPr>
+              <a:t>Приватные обсуждения</a:t>
+            </a:r>
+          </a:p>
+          <a:p>
             <a:endParaRPr lang="ru-RU" sz="2000" dirty="0">
               <a:solidFill>
                 <a:srgbClr val="2D2D2A"/>
@@ -10233,9 +13590,6 @@
             </a:endParaRPr>
           </a:p>
           <a:p>
-            <a:pPr marL="0" indent="0">
-              <a:buNone/>
-            </a:pPr>
             <a:endParaRPr lang="ru-RU" sz="2000" dirty="0">
               <a:solidFill>
                 <a:srgbClr val="2D2D2A"/>
@@ -10245,9 +13599,370 @@
             </a:endParaRPr>
           </a:p>
           <a:p>
-            <a:pPr marL="0" indent="0">
-              <a:buNone/>
+            <a:pPr lvl="0"/>
+            <a:endParaRPr lang="en-US" sz="1800" i="1" u="sng" dirty="0">
+              <a:solidFill>
+                <a:prstClr val="black"/>
+              </a:solidFill>
+              <a:latin typeface="Segoe UI Light" panose="020B0502040204020203" pitchFamily="34" charset="0"/>
+              <a:cs typeface="Segoe UI Light" panose="020B0502040204020203" pitchFamily="34" charset="0"/>
+            </a:endParaRPr>
+          </a:p>
+          <a:p>
+            <a:pPr lvl="0"/>
+            <a:r>
+              <a:rPr lang="ru-RU" sz="1800" i="1" u="sng" dirty="0">
+                <a:solidFill>
+                  <a:prstClr val="black"/>
+                </a:solidFill>
+                <a:latin typeface="Segoe UI Light" panose="020B0502040204020203" pitchFamily="34" charset="0"/>
+                <a:cs typeface="Segoe UI Light" panose="020B0502040204020203" pitchFamily="34" charset="0"/>
+              </a:rPr>
+              <a:t>Давайте знакомиться</a:t>
+            </a:r>
+          </a:p>
+          <a:p>
+            <a:pPr lvl="0">
+              <a:buFont typeface="Wingdings" panose="05000000000000000000" pitchFamily="2" charset="2"/>
+              <a:buChar char="q"/>
             </a:pPr>
+            <a:r>
+              <a:rPr lang="ru-RU" sz="2000" dirty="0">
+                <a:solidFill>
+                  <a:srgbClr val="2D2D2A"/>
+                </a:solidFill>
+                <a:latin typeface="Segoe UI Light" panose="020B0502040204020203" pitchFamily="34" charset="0"/>
+                <a:cs typeface="Segoe UI Light" panose="020B0502040204020203" pitchFamily="34" charset="0"/>
+              </a:rPr>
+              <a:t> Имя</a:t>
+            </a:r>
+          </a:p>
+          <a:p>
+            <a:pPr lvl="0">
+              <a:buFont typeface="Wingdings" panose="05000000000000000000" pitchFamily="2" charset="2"/>
+              <a:buChar char="q"/>
+            </a:pPr>
+            <a:r>
+              <a:rPr lang="ru-RU" sz="2000" dirty="0">
+                <a:solidFill>
+                  <a:srgbClr val="2D2D2A"/>
+                </a:solidFill>
+                <a:latin typeface="Segoe UI Light" panose="020B0502040204020203" pitchFamily="34" charset="0"/>
+                <a:cs typeface="Segoe UI Light" panose="020B0502040204020203" pitchFamily="34" charset="0"/>
+              </a:rPr>
+              <a:t> Грейд</a:t>
+            </a:r>
+          </a:p>
+          <a:p>
+            <a:pPr lvl="0"/>
+            <a:r>
+              <a:rPr lang="en-US" sz="1350" dirty="0">
+                <a:solidFill>
+                  <a:srgbClr val="0000FF"/>
+                </a:solidFill>
+                <a:latin typeface="Segoe UI Light" panose="020B0502040204020203" pitchFamily="34" charset="0"/>
+                <a:cs typeface="Segoe UI Light" panose="020B0502040204020203" pitchFamily="34" charset="0"/>
+              </a:rPr>
+              <a:t>(</a:t>
+            </a:r>
+            <a:r>
+              <a:rPr lang="ru-RU" sz="1350" dirty="0">
+                <a:solidFill>
+                  <a:srgbClr val="0000FF"/>
+                </a:solidFill>
+                <a:latin typeface="Segoe UI Light" panose="020B0502040204020203" pitchFamily="34" charset="0"/>
+                <a:cs typeface="Segoe UI Light" panose="020B0502040204020203" pitchFamily="34" charset="0"/>
+              </a:rPr>
+              <a:t>пример</a:t>
+            </a:r>
+            <a:r>
+              <a:rPr lang="en-US" sz="1350" dirty="0">
+                <a:solidFill>
+                  <a:srgbClr val="0000FF"/>
+                </a:solidFill>
+                <a:latin typeface="Segoe UI Light" panose="020B0502040204020203" pitchFamily="34" charset="0"/>
+                <a:cs typeface="Segoe UI Light" panose="020B0502040204020203" pitchFamily="34" charset="0"/>
+              </a:rPr>
+              <a:t>:</a:t>
+            </a:r>
+            <a:r>
+              <a:rPr lang="ru-RU" sz="1350" dirty="0">
+                <a:solidFill>
+                  <a:srgbClr val="0000FF"/>
+                </a:solidFill>
+                <a:latin typeface="Segoe UI Light" panose="020B0502040204020203" pitchFamily="34" charset="0"/>
+                <a:cs typeface="Segoe UI Light" panose="020B0502040204020203" pitchFamily="34" charset="0"/>
+              </a:rPr>
+              <a:t> </a:t>
+            </a:r>
+            <a:r>
+              <a:rPr lang="en-US" sz="1350" dirty="0">
+                <a:solidFill>
+                  <a:srgbClr val="0000FF"/>
+                </a:solidFill>
+                <a:latin typeface="Segoe UI Light" panose="020B0502040204020203" pitchFamily="34" charset="0"/>
+                <a:cs typeface="Segoe UI Light" panose="020B0502040204020203" pitchFamily="34" charset="0"/>
+              </a:rPr>
+              <a:t>C#</a:t>
+            </a:r>
+            <a:r>
+              <a:rPr lang="ru-RU" sz="1350" dirty="0">
+                <a:solidFill>
+                  <a:srgbClr val="0000FF"/>
+                </a:solidFill>
+                <a:latin typeface="Segoe UI Light" panose="020B0502040204020203" pitchFamily="34" charset="0"/>
+                <a:cs typeface="Segoe UI Light" panose="020B0502040204020203" pitchFamily="34" charset="0"/>
+              </a:rPr>
+              <a:t> базовый уровень, базы данных </a:t>
+            </a:r>
+            <a:r>
+              <a:rPr lang="en-US" sz="1350" dirty="0">
+                <a:solidFill>
+                  <a:srgbClr val="0000FF"/>
+                </a:solidFill>
+                <a:latin typeface="Segoe UI Light" panose="020B0502040204020203" pitchFamily="34" charset="0"/>
+                <a:cs typeface="Segoe UI Light" panose="020B0502040204020203" pitchFamily="34" charset="0"/>
+              </a:rPr>
+              <a:t>(Oracle, </a:t>
+            </a:r>
+            <a:r>
+              <a:rPr lang="en-US" sz="1350" dirty="0" err="1">
+                <a:solidFill>
+                  <a:srgbClr val="0000FF"/>
+                </a:solidFill>
+                <a:latin typeface="Segoe UI Light" panose="020B0502040204020203" pitchFamily="34" charset="0"/>
+                <a:cs typeface="Segoe UI Light" panose="020B0502040204020203" pitchFamily="34" charset="0"/>
+              </a:rPr>
+              <a:t>Pg</a:t>
+            </a:r>
+            <a:r>
+              <a:rPr lang="en-US" sz="1350" dirty="0">
+                <a:solidFill>
+                  <a:srgbClr val="0000FF"/>
+                </a:solidFill>
+                <a:latin typeface="Segoe UI Light" panose="020B0502040204020203" pitchFamily="34" charset="0"/>
+                <a:cs typeface="Segoe UI Light" panose="020B0502040204020203" pitchFamily="34" charset="0"/>
+              </a:rPr>
+              <a:t>) </a:t>
+            </a:r>
+            <a:r>
+              <a:rPr lang="ru-RU" sz="1350" dirty="0">
+                <a:solidFill>
+                  <a:srgbClr val="0000FF"/>
+                </a:solidFill>
+                <a:latin typeface="Segoe UI Light" panose="020B0502040204020203" pitchFamily="34" charset="0"/>
+                <a:cs typeface="Segoe UI Light" panose="020B0502040204020203" pitchFamily="34" charset="0"/>
+              </a:rPr>
+              <a:t>средний уровень, </a:t>
+            </a:r>
+            <a:r>
+              <a:rPr lang="en-US" sz="1350" dirty="0">
+                <a:solidFill>
+                  <a:srgbClr val="0000FF"/>
+                </a:solidFill>
+                <a:latin typeface="Segoe UI Light" panose="020B0502040204020203" pitchFamily="34" charset="0"/>
+                <a:cs typeface="Segoe UI Light" panose="020B0502040204020203" pitchFamily="34" charset="0"/>
+              </a:rPr>
+              <a:t>JS – </a:t>
+            </a:r>
+            <a:r>
+              <a:rPr lang="ru-RU" sz="1350" dirty="0">
+                <a:solidFill>
+                  <a:srgbClr val="0000FF"/>
+                </a:solidFill>
+                <a:latin typeface="Segoe UI Light" panose="020B0502040204020203" pitchFamily="34" charset="0"/>
+                <a:cs typeface="Segoe UI Light" panose="020B0502040204020203" pitchFamily="34" charset="0"/>
+              </a:rPr>
+              <a:t>нач. уровень и </a:t>
+            </a:r>
+            <a:r>
+              <a:rPr lang="ru-RU" sz="1350" dirty="0" err="1">
+                <a:solidFill>
+                  <a:srgbClr val="0000FF"/>
+                </a:solidFill>
+                <a:latin typeface="Segoe UI Light" panose="020B0502040204020203" pitchFamily="34" charset="0"/>
+                <a:cs typeface="Segoe UI Light" panose="020B0502040204020203" pitchFamily="34" charset="0"/>
+              </a:rPr>
+              <a:t>тд</a:t>
+            </a:r>
+            <a:r>
+              <a:rPr lang="ru-RU" sz="1350" dirty="0">
+                <a:solidFill>
+                  <a:srgbClr val="0000FF"/>
+                </a:solidFill>
+                <a:latin typeface="Segoe UI Light" panose="020B0502040204020203" pitchFamily="34" charset="0"/>
+                <a:cs typeface="Segoe UI Light" panose="020B0502040204020203" pitchFamily="34" charset="0"/>
+              </a:rPr>
+              <a:t>) </a:t>
+            </a:r>
+            <a:endParaRPr lang="ru-RU" sz="2000" dirty="0">
+              <a:solidFill>
+                <a:srgbClr val="0000FF"/>
+              </a:solidFill>
+              <a:latin typeface="Segoe UI Light" panose="020B0502040204020203" pitchFamily="34" charset="0"/>
+              <a:cs typeface="Segoe UI Light" panose="020B0502040204020203" pitchFamily="34" charset="0"/>
+            </a:endParaRPr>
+          </a:p>
+          <a:p>
+            <a:pPr lvl="0">
+              <a:buFont typeface="Wingdings" panose="05000000000000000000" pitchFamily="2" charset="2"/>
+              <a:buChar char="q"/>
+            </a:pPr>
+            <a:r>
+              <a:rPr lang="ru-RU" sz="2000" dirty="0">
+                <a:solidFill>
+                  <a:srgbClr val="2D2D2A"/>
+                </a:solidFill>
+                <a:latin typeface="Segoe UI Light" panose="020B0502040204020203" pitchFamily="34" charset="0"/>
+                <a:cs typeface="Segoe UI Light" panose="020B0502040204020203" pitchFamily="34" charset="0"/>
+              </a:rPr>
+              <a:t> Должность </a:t>
+            </a:r>
+            <a:r>
+              <a:rPr lang="ru-RU" sz="1500" dirty="0">
+                <a:solidFill>
+                  <a:srgbClr val="0000FF"/>
+                </a:solidFill>
+                <a:latin typeface="Segoe UI Light" panose="020B0502040204020203" pitchFamily="34" charset="0"/>
+                <a:cs typeface="Segoe UI Light" panose="020B0502040204020203" pitchFamily="34" charset="0"/>
+              </a:rPr>
+              <a:t>(пример</a:t>
+            </a:r>
+            <a:r>
+              <a:rPr lang="en-US" sz="1500" dirty="0">
+                <a:solidFill>
+                  <a:srgbClr val="0000FF"/>
+                </a:solidFill>
+                <a:latin typeface="Segoe UI Light" panose="020B0502040204020203" pitchFamily="34" charset="0"/>
+                <a:cs typeface="Segoe UI Light" panose="020B0502040204020203" pitchFamily="34" charset="0"/>
+              </a:rPr>
+              <a:t>:</a:t>
+            </a:r>
+            <a:r>
+              <a:rPr lang="ru-RU" sz="1500" dirty="0">
+                <a:solidFill>
+                  <a:srgbClr val="0000FF"/>
+                </a:solidFill>
+                <a:latin typeface="Segoe UI Light" panose="020B0502040204020203" pitchFamily="34" charset="0"/>
+                <a:cs typeface="Segoe UI Light" panose="020B0502040204020203" pitchFamily="34" charset="0"/>
+              </a:rPr>
+              <a:t> системный инженер</a:t>
+            </a:r>
+            <a:r>
+              <a:rPr lang="en-US" sz="1500" dirty="0">
+                <a:solidFill>
+                  <a:srgbClr val="0000FF"/>
+                </a:solidFill>
+                <a:latin typeface="Segoe UI Light" panose="020B0502040204020203" pitchFamily="34" charset="0"/>
+                <a:cs typeface="Segoe UI Light" panose="020B0502040204020203" pitchFamily="34" charset="0"/>
+              </a:rPr>
+              <a:t>,</a:t>
+            </a:r>
+            <a:r>
+              <a:rPr lang="ru-RU" sz="1500" dirty="0">
+                <a:solidFill>
+                  <a:srgbClr val="0000FF"/>
+                </a:solidFill>
+                <a:latin typeface="Segoe UI Light" panose="020B0502040204020203" pitchFamily="34" charset="0"/>
+                <a:cs typeface="Segoe UI Light" panose="020B0502040204020203" pitchFamily="34" charset="0"/>
+              </a:rPr>
+              <a:t> </a:t>
+            </a:r>
+            <a:r>
+              <a:rPr lang="en-US" sz="1500" dirty="0">
+                <a:solidFill>
+                  <a:srgbClr val="0000FF"/>
+                </a:solidFill>
+                <a:latin typeface="Segoe UI Light" panose="020B0502040204020203" pitchFamily="34" charset="0"/>
+                <a:cs typeface="Segoe UI Light" panose="020B0502040204020203" pitchFamily="34" charset="0"/>
+              </a:rPr>
+              <a:t>Java-</a:t>
+            </a:r>
+            <a:r>
+              <a:rPr lang="ru-RU" sz="1500" dirty="0">
+                <a:solidFill>
+                  <a:srgbClr val="0000FF"/>
+                </a:solidFill>
+                <a:latin typeface="Segoe UI Light" panose="020B0502040204020203" pitchFamily="34" charset="0"/>
+                <a:cs typeface="Segoe UI Light" panose="020B0502040204020203" pitchFamily="34" charset="0"/>
+              </a:rPr>
+              <a:t>программист</a:t>
+            </a:r>
+            <a:r>
+              <a:rPr lang="en-US" sz="1500" dirty="0">
+                <a:solidFill>
+                  <a:srgbClr val="0000FF"/>
+                </a:solidFill>
+                <a:latin typeface="Segoe UI Light" panose="020B0502040204020203" pitchFamily="34" charset="0"/>
+                <a:cs typeface="Segoe UI Light" panose="020B0502040204020203" pitchFamily="34" charset="0"/>
+              </a:rPr>
+              <a:t>, </a:t>
+            </a:r>
+            <a:r>
+              <a:rPr lang="ru-RU" sz="1500" dirty="0" err="1">
+                <a:solidFill>
+                  <a:srgbClr val="0000FF"/>
+                </a:solidFill>
+                <a:latin typeface="Segoe UI Light" panose="020B0502040204020203" pitchFamily="34" charset="0"/>
+                <a:cs typeface="Segoe UI Light" panose="020B0502040204020203" pitchFamily="34" charset="0"/>
+              </a:rPr>
+              <a:t>девопс</a:t>
+            </a:r>
+            <a:r>
+              <a:rPr lang="ru-RU" sz="1500" dirty="0">
+                <a:solidFill>
+                  <a:srgbClr val="0000FF"/>
+                </a:solidFill>
+                <a:latin typeface="Segoe UI Light" panose="020B0502040204020203" pitchFamily="34" charset="0"/>
+                <a:cs typeface="Segoe UI Light" panose="020B0502040204020203" pitchFamily="34" charset="0"/>
+              </a:rPr>
+              <a:t> и </a:t>
+            </a:r>
+            <a:r>
+              <a:rPr lang="ru-RU" sz="1500" dirty="0" err="1">
+                <a:solidFill>
+                  <a:srgbClr val="0000FF"/>
+                </a:solidFill>
+                <a:latin typeface="Segoe UI Light" panose="020B0502040204020203" pitchFamily="34" charset="0"/>
+                <a:cs typeface="Segoe UI Light" panose="020B0502040204020203" pitchFamily="34" charset="0"/>
+              </a:rPr>
+              <a:t>тп</a:t>
+            </a:r>
+            <a:r>
+              <a:rPr lang="ru-RU" sz="1500" dirty="0">
+                <a:solidFill>
+                  <a:srgbClr val="0000FF"/>
+                </a:solidFill>
+                <a:latin typeface="Segoe UI Light" panose="020B0502040204020203" pitchFamily="34" charset="0"/>
+                <a:cs typeface="Segoe UI Light" panose="020B0502040204020203" pitchFamily="34" charset="0"/>
+              </a:rPr>
+              <a:t>)</a:t>
+            </a:r>
+            <a:endParaRPr lang="ru-RU" sz="2000" dirty="0">
+              <a:solidFill>
+                <a:srgbClr val="0000FF"/>
+              </a:solidFill>
+              <a:latin typeface="Segoe UI Light" panose="020B0502040204020203" pitchFamily="34" charset="0"/>
+              <a:cs typeface="Segoe UI Light" panose="020B0502040204020203" pitchFamily="34" charset="0"/>
+            </a:endParaRPr>
+          </a:p>
+          <a:p>
+            <a:pPr lvl="0">
+              <a:buFont typeface="Wingdings" panose="05000000000000000000" pitchFamily="2" charset="2"/>
+              <a:buChar char="q"/>
+            </a:pPr>
+            <a:r>
+              <a:rPr lang="ru-RU" sz="2000" dirty="0">
+                <a:solidFill>
+                  <a:srgbClr val="2D2D2A"/>
+                </a:solidFill>
+                <a:latin typeface="Segoe UI Light" panose="020B0502040204020203" pitchFamily="34" charset="0"/>
+                <a:cs typeface="Segoe UI Light" panose="020B0502040204020203" pitchFamily="34" charset="0"/>
+              </a:rPr>
+              <a:t> Ожидания от курса</a:t>
+            </a:r>
+          </a:p>
+          <a:p>
             <a:endParaRPr lang="ru-RU" sz="2000" dirty="0">
               <a:solidFill>
                 <a:srgbClr val="2D2D2A"/>
@@ -10257,9 +13972,6 @@
             </a:endParaRPr>
           </a:p>
           <a:p>
-            <a:pPr marL="0" indent="0">
-              <a:buNone/>
-            </a:pPr>
             <a:endParaRPr lang="ru-RU" sz="2000" dirty="0">
               <a:solidFill>
                 <a:srgbClr val="2D2D2A"/>
@@ -10269,21 +13981,7 @@
             </a:endParaRPr>
           </a:p>
           <a:p>
-            <a:pPr marL="0" indent="0">
-              <a:buNone/>
-            </a:pPr>
-            <a:endParaRPr lang="ru-RU" sz="2000" dirty="0">
-              <a:solidFill>
-                <a:srgbClr val="2D2D2A"/>
-              </a:solidFill>
-              <a:latin typeface="Segoe UI Light" panose="020B0502040204020203" pitchFamily="34" charset="0"/>
-              <a:cs typeface="Segoe UI Light" panose="020B0502040204020203" pitchFamily="34" charset="0"/>
-            </a:endParaRPr>
-          </a:p>
-          <a:p>
-            <a:pPr marL="136922" indent="0">
-              <a:buNone/>
-            </a:pPr>
+            <a:pPr marL="136919"/>
             <a:endParaRPr lang="ru-RU" sz="2000" dirty="0">
               <a:solidFill>
                 <a:srgbClr val="FF0000"/>
@@ -10293,89 +13991,7 @@
             </a:endParaRPr>
           </a:p>
           <a:p>
-            <a:pPr marL="136922" indent="0">
-              <a:buNone/>
-            </a:pPr>
-            <a:r>
-              <a:rPr lang="ru-RU" sz="2000" dirty="0">
-                <a:solidFill>
-                  <a:srgbClr val="FF0000"/>
-                </a:solidFill>
-                <a:latin typeface="Segoe UI Light" panose="020B0502040204020203" pitchFamily="34" charset="0"/>
-                <a:cs typeface="Segoe UI Light" panose="020B0502040204020203" pitchFamily="34" charset="0"/>
-              </a:rPr>
-              <a:t> </a:t>
-            </a:r>
-            <a:r>
-              <a:rPr lang="ru-RU" sz="2000" dirty="0">
-                <a:latin typeface="Segoe UI Light" panose="020B0502040204020203" pitchFamily="34" charset="0"/>
-                <a:cs typeface="Segoe UI Light" panose="020B0502040204020203" pitchFamily="34" charset="0"/>
-              </a:rPr>
-              <a:t>Мобильные телефоны</a:t>
-            </a:r>
-            <a:br>
-              <a:rPr lang="ru-RU" sz="2000" dirty="0">
-                <a:solidFill>
-                  <a:srgbClr val="2D2D2A"/>
-                </a:solidFill>
-                <a:latin typeface="Segoe UI Light" panose="020B0502040204020203" pitchFamily="34" charset="0"/>
-                <a:cs typeface="Segoe UI Light" panose="020B0502040204020203" pitchFamily="34" charset="0"/>
-              </a:rPr>
-            </a:br>
-            <a:r>
-              <a:rPr lang="ru-RU" sz="2000" dirty="0">
-                <a:solidFill>
-                  <a:srgbClr val="FF0000"/>
-                </a:solidFill>
-                <a:latin typeface="Segoe UI Light" panose="020B0502040204020203" pitchFamily="34" charset="0"/>
-                <a:cs typeface="Segoe UI Light" panose="020B0502040204020203" pitchFamily="34" charset="0"/>
-              </a:rPr>
-              <a:t> </a:t>
-            </a:r>
-            <a:r>
-              <a:rPr lang="ru-RU" sz="2000" dirty="0">
-                <a:solidFill>
-                  <a:srgbClr val="2D2D2A"/>
-                </a:solidFill>
-                <a:latin typeface="Segoe UI Light" panose="020B0502040204020203" pitchFamily="34" charset="0"/>
-                <a:cs typeface="Segoe UI Light" panose="020B0502040204020203" pitchFamily="34" charset="0"/>
-              </a:rPr>
-              <a:t>Опоздания</a:t>
-            </a:r>
-            <a:br>
-              <a:rPr lang="ru-RU" sz="2000" dirty="0">
-                <a:solidFill>
-                  <a:srgbClr val="2D2D2A"/>
-                </a:solidFill>
-                <a:latin typeface="Segoe UI Light" panose="020B0502040204020203" pitchFamily="34" charset="0"/>
-                <a:cs typeface="Segoe UI Light" panose="020B0502040204020203" pitchFamily="34" charset="0"/>
-              </a:rPr>
-            </a:br>
-            <a:r>
-              <a:rPr lang="ru-RU" sz="2000" dirty="0">
-                <a:solidFill>
-                  <a:srgbClr val="FF0000"/>
-                </a:solidFill>
-                <a:latin typeface="Segoe UI Light" panose="020B0502040204020203" pitchFamily="34" charset="0"/>
-                <a:cs typeface="Segoe UI Light" panose="020B0502040204020203" pitchFamily="34" charset="0"/>
-              </a:rPr>
-              <a:t> </a:t>
-            </a:r>
-            <a:r>
-              <a:rPr lang="ru-RU" sz="2000" dirty="0">
-                <a:solidFill>
-                  <a:srgbClr val="2D2D2A"/>
-                </a:solidFill>
-                <a:latin typeface="Segoe UI Light" panose="020B0502040204020203" pitchFamily="34" charset="0"/>
-                <a:cs typeface="Segoe UI Light" panose="020B0502040204020203" pitchFamily="34" charset="0"/>
-              </a:rPr>
-              <a:t>Приватные обсуждения</a:t>
-            </a:r>
-          </a:p>
-          <a:p>
-            <a:pPr marL="136922" indent="0">
-              <a:buNone/>
-            </a:pPr>
+            <a:pPr marL="136919"/>
             <a:endParaRPr lang="ru-RU" sz="2000" dirty="0">
               <a:latin typeface="Segoe UI Light" panose="020B0502040204020203" pitchFamily="34" charset="0"/>
               <a:cs typeface="Segoe UI Light" panose="020B0502040204020203" pitchFamily="34" charset="0"/>
@@ -10386,7 +14002,7 @@
     </p:spTree>
     <p:extLst>
       <p:ext uri="{BB962C8B-B14F-4D97-AF65-F5344CB8AC3E}">
-        <p14:creationId xmlns:p14="http://schemas.microsoft.com/office/powerpoint/2010/main" val="1761173560"/>
+        <p14:creationId xmlns:p14="http://schemas.microsoft.com/office/powerpoint/2010/main" val="3417400113"/>
       </p:ext>
     </p:extLst>
   </p:cSld>
@@ -10397,6 +14013,256 @@
 </file>
 
 <file path=ppt/slides/slide4.xml><?xml version="1.0" encoding="utf-8"?>
+<p:sld xmlns:a="http://schemas.openxmlformats.org/drawingml/2006/main" xmlns:r="http://schemas.openxmlformats.org/officeDocument/2006/relationships" xmlns:p="http://schemas.openxmlformats.org/presentationml/2006/main">
+  <p:cSld>
+    <p:spTree>
+      <p:nvGrpSpPr>
+        <p:cNvPr id="1" name=""/>
+        <p:cNvGrpSpPr/>
+        <p:nvPr/>
+      </p:nvGrpSpPr>
+      <p:grpSpPr>
+        <a:xfrm>
+          <a:off x="0" y="0"/>
+          <a:ext cx="0" cy="0"/>
+          <a:chOff x="0" y="0"/>
+          <a:chExt cx="0" cy="0"/>
+        </a:xfrm>
+      </p:grpSpPr>
+      <p:sp>
+        <p:nvSpPr>
+          <p:cNvPr id="2" name="Заголовок 1">
+            <a:extLst>
+              <a:ext uri="{FF2B5EF4-FFF2-40B4-BE49-F238E27FC236}">
+                <a16:creationId xmlns:a16="http://schemas.microsoft.com/office/drawing/2014/main" id="{1BDFFE72-A644-4C7E-B940-81ED83CC4F50}"/>
+              </a:ext>
+            </a:extLst>
+          </p:cNvPr>
+          <p:cNvSpPr>
+            <a:spLocks noGrp="1"/>
+          </p:cNvSpPr>
+          <p:nvPr>
+            <p:ph type="title"/>
+          </p:nvPr>
+        </p:nvSpPr>
+        <p:spPr>
+          <a:xfrm>
+            <a:off x="240371" y="218359"/>
+            <a:ext cx="6796567" cy="464255"/>
+          </a:xfrm>
+        </p:spPr>
+        <p:txBody>
+          <a:bodyPr>
+            <a:normAutofit/>
+          </a:bodyPr>
+          <a:lstStyle/>
+          <a:p>
+            <a:r>
+              <a:rPr lang="ru-RU" sz="2400" dirty="0">
+                <a:latin typeface="Yandex Sans Text Light" panose="02000000000000000000" pitchFamily="2" charset="-52"/>
+              </a:rPr>
+              <a:t>Организационные вопросы</a:t>
+            </a:r>
+          </a:p>
+        </p:txBody>
+      </p:sp>
+      <p:sp>
+        <p:nvSpPr>
+          <p:cNvPr id="3" name="Прямоугольник 2">
+            <a:extLst>
+              <a:ext uri="{FF2B5EF4-FFF2-40B4-BE49-F238E27FC236}">
+                <a16:creationId xmlns:a16="http://schemas.microsoft.com/office/drawing/2014/main" id="{11E820E9-B1B7-4A46-B832-21CB88E5D9BA}"/>
+              </a:ext>
+            </a:extLst>
+          </p:cNvPr>
+          <p:cNvSpPr/>
+          <p:nvPr/>
+        </p:nvSpPr>
+        <p:spPr>
+          <a:xfrm>
+            <a:off x="913876" y="1490257"/>
+            <a:ext cx="3277589" cy="2369880"/>
+          </a:xfrm>
+          <a:prstGeom prst="rect">
+            <a:avLst/>
+          </a:prstGeom>
+        </p:spPr>
+        <p:txBody>
+          <a:bodyPr wrap="square">
+            <a:spAutoFit/>
+          </a:bodyPr>
+          <a:lstStyle/>
+          <a:p>
+            <a:r>
+              <a:rPr lang="ru-RU" sz="2800" dirty="0">
+                <a:solidFill>
+                  <a:srgbClr val="175A9F"/>
+                </a:solidFill>
+                <a:latin typeface="Arial" panose="020B0604020202020204" pitchFamily="34" charset="0"/>
+              </a:rPr>
+              <a:t>Дневной регламент</a:t>
+            </a:r>
+            <a:r>
+              <a:rPr lang="en-US" sz="2800" dirty="0">
+                <a:solidFill>
+                  <a:srgbClr val="175A9F"/>
+                </a:solidFill>
+                <a:latin typeface="Arial" panose="020B0604020202020204" pitchFamily="34" charset="0"/>
+              </a:rPr>
+              <a:t>:</a:t>
+            </a:r>
+          </a:p>
+          <a:p>
+            <a:endParaRPr lang="en-US" sz="2800" dirty="0">
+              <a:solidFill>
+                <a:srgbClr val="222222"/>
+              </a:solidFill>
+              <a:latin typeface="Arial" panose="020B0604020202020204" pitchFamily="34" charset="0"/>
+            </a:endParaRPr>
+          </a:p>
+          <a:p>
+            <a:r>
+              <a:rPr lang="ru-RU" sz="3200" dirty="0">
+                <a:solidFill>
+                  <a:srgbClr val="222222"/>
+                </a:solidFill>
+                <a:latin typeface="Arial" panose="020B0604020202020204" pitchFamily="34" charset="0"/>
+              </a:rPr>
+              <a:t>12.15-13</a:t>
+            </a:r>
+            <a:r>
+              <a:rPr lang="en-US" sz="3200" dirty="0">
+                <a:solidFill>
+                  <a:srgbClr val="222222"/>
+                </a:solidFill>
+                <a:latin typeface="Arial" panose="020B0604020202020204" pitchFamily="34" charset="0"/>
+              </a:rPr>
+              <a:t>:</a:t>
+            </a:r>
+            <a:r>
+              <a:rPr lang="ru-RU" sz="3200" dirty="0">
+                <a:solidFill>
+                  <a:srgbClr val="222222"/>
+                </a:solidFill>
+                <a:latin typeface="Arial" panose="020B0604020202020204" pitchFamily="34" charset="0"/>
+              </a:rPr>
+              <a:t>3</a:t>
+            </a:r>
+            <a:r>
+              <a:rPr lang="en-US" sz="3200" dirty="0">
+                <a:solidFill>
+                  <a:srgbClr val="222222"/>
+                </a:solidFill>
+                <a:latin typeface="Arial" panose="020B0604020202020204" pitchFamily="34" charset="0"/>
+              </a:rPr>
+              <a:t>0</a:t>
+            </a:r>
+            <a:endParaRPr lang="ru-RU" sz="3200" dirty="0">
+              <a:solidFill>
+                <a:srgbClr val="222222"/>
+              </a:solidFill>
+              <a:latin typeface="Arial" panose="020B0604020202020204" pitchFamily="34" charset="0"/>
+            </a:endParaRPr>
+          </a:p>
+          <a:p>
+            <a:r>
+              <a:rPr lang="ru-RU" sz="3200" dirty="0">
+                <a:solidFill>
+                  <a:srgbClr val="222222"/>
+                </a:solidFill>
+                <a:latin typeface="Arial" panose="020B0604020202020204" pitchFamily="34" charset="0"/>
+              </a:rPr>
+              <a:t>13.4</a:t>
+            </a:r>
+            <a:r>
+              <a:rPr lang="en-US" sz="3200" dirty="0">
+                <a:solidFill>
+                  <a:srgbClr val="222222"/>
+                </a:solidFill>
+                <a:latin typeface="Arial" panose="020B0604020202020204" pitchFamily="34" charset="0"/>
+              </a:rPr>
+              <a:t>0</a:t>
+            </a:r>
+            <a:r>
+              <a:rPr lang="ru-RU" sz="3200" dirty="0">
+                <a:solidFill>
+                  <a:srgbClr val="222222"/>
+                </a:solidFill>
+                <a:latin typeface="Arial" panose="020B0604020202020204" pitchFamily="34" charset="0"/>
+              </a:rPr>
+              <a:t>-15</a:t>
+            </a:r>
+            <a:r>
+              <a:rPr lang="en-US" sz="3200" dirty="0">
+                <a:solidFill>
+                  <a:srgbClr val="222222"/>
+                </a:solidFill>
+                <a:latin typeface="Arial" panose="020B0604020202020204" pitchFamily="34" charset="0"/>
+              </a:rPr>
+              <a:t>:</a:t>
+            </a:r>
+            <a:r>
+              <a:rPr lang="ru-RU" sz="3200" dirty="0">
+                <a:solidFill>
+                  <a:srgbClr val="222222"/>
+                </a:solidFill>
+                <a:latin typeface="Arial" panose="020B0604020202020204" pitchFamily="34" charset="0"/>
+              </a:rPr>
+              <a:t>00</a:t>
+            </a:r>
+          </a:p>
+        </p:txBody>
+      </p:sp>
+      <p:pic>
+        <p:nvPicPr>
+          <p:cNvPr id="4" name="Рисунок 3">
+            <a:extLst>
+              <a:ext uri="{FF2B5EF4-FFF2-40B4-BE49-F238E27FC236}">
+                <a16:creationId xmlns:a16="http://schemas.microsoft.com/office/drawing/2014/main" id="{DA65DD5C-3C7D-4847-86B2-C90EDFF24E90}"/>
+              </a:ext>
+            </a:extLst>
+          </p:cNvPr>
+          <p:cNvPicPr>
+            <a:picLocks noChangeAspect="1"/>
+          </p:cNvPicPr>
+          <p:nvPr/>
+        </p:nvPicPr>
+        <p:blipFill>
+          <a:blip r:embed="rId2">
+            <a:extLst>
+              <a:ext uri="{96DAC541-7B7A-43D3-8B79-37D633B846F1}">
+                <asvg:svgBlip xmlns:asvg="http://schemas.microsoft.com/office/drawing/2016/SVG/main" r:embed="rId3"/>
+              </a:ext>
+            </a:extLst>
+          </a:blip>
+          <a:stretch>
+            <a:fillRect/>
+          </a:stretch>
+        </p:blipFill>
+        <p:spPr>
+          <a:xfrm>
+            <a:off x="4864970" y="154146"/>
+            <a:ext cx="2274830" cy="2274830"/>
+          </a:xfrm>
+          <a:prstGeom prst="rect">
+            <a:avLst/>
+          </a:prstGeom>
+        </p:spPr>
+      </p:pic>
+    </p:spTree>
+    <p:extLst>
+      <p:ext uri="{BB962C8B-B14F-4D97-AF65-F5344CB8AC3E}">
+        <p14:creationId xmlns:p14="http://schemas.microsoft.com/office/powerpoint/2010/main" val="181745621"/>
+      </p:ext>
+    </p:extLst>
+  </p:cSld>
+  <p:clrMapOvr>
+    <a:masterClrMapping/>
+  </p:clrMapOvr>
+</p:sld>
+</file>
+
+<file path=ppt/slides/slide5.xml><?xml version="1.0" encoding="utf-8"?>
 <p:sld xmlns:a="http://schemas.openxmlformats.org/drawingml/2006/main" xmlns:r="http://schemas.openxmlformats.org/officeDocument/2006/relationships" xmlns:p="http://schemas.openxmlformats.org/presentationml/2006/main" show="0">
   <p:cSld>
     <p:spTree>
@@ -10574,7 +14440,7 @@
 </p:sld>
 </file>
 
-<file path=ppt/slides/slide5.xml><?xml version="1.0" encoding="utf-8"?>
+<file path=ppt/slides/slide6.xml><?xml version="1.0" encoding="utf-8"?>
 <p:sld xmlns:a="http://schemas.openxmlformats.org/drawingml/2006/main" xmlns:r="http://schemas.openxmlformats.org/officeDocument/2006/relationships" xmlns:p="http://schemas.openxmlformats.org/presentationml/2006/main" show="0">
   <p:cSld>
     <p:spTree>
@@ -10672,7 +14538,7 @@
 </p:sld>
 </file>
 
-<file path=ppt/slides/slide6.xml><?xml version="1.0" encoding="utf-8"?>
+<file path=ppt/slides/slide7.xml><?xml version="1.0" encoding="utf-8"?>
 <p:sld xmlns:a="http://schemas.openxmlformats.org/drawingml/2006/main" xmlns:r="http://schemas.openxmlformats.org/officeDocument/2006/relationships" xmlns:p="http://schemas.openxmlformats.org/presentationml/2006/main">
   <p:cSld>
     <p:spTree>
@@ -10689,12 +14555,59 @@
           <a:chExt cx="0" cy="0"/>
         </a:xfrm>
       </p:grpSpPr>
+      <p:pic>
+        <p:nvPicPr>
+          <p:cNvPr id="5122" name="Picture 2" descr="История IT. ООП — Записки преподавателя">
+            <a:extLst>
+              <a:ext uri="{FF2B5EF4-FFF2-40B4-BE49-F238E27FC236}">
+                <a16:creationId xmlns:a16="http://schemas.microsoft.com/office/drawing/2014/main" id="{768D422A-E933-4A8F-865B-C5799836D3D3}"/>
+              </a:ext>
+            </a:extLst>
+          </p:cNvPr>
+          <p:cNvPicPr>
+            <a:picLocks noChangeAspect="1" noChangeArrowheads="1"/>
+          </p:cNvPicPr>
+          <p:nvPr/>
+        </p:nvPicPr>
+        <p:blipFill>
+          <a:blip r:embed="rId2">
+            <a:extLst>
+              <a:ext uri="{28A0092B-C50C-407E-A947-70E740481C1C}">
+                <a14:useLocalDpi xmlns:a14="http://schemas.microsoft.com/office/drawing/2010/main" val="0"/>
+              </a:ext>
+            </a:extLst>
+          </a:blip>
+          <a:srcRect/>
+          <a:stretch>
+            <a:fillRect/>
+          </a:stretch>
+        </p:blipFill>
+        <p:spPr bwMode="auto">
+          <a:xfrm>
+            <a:off x="338013" y="1172120"/>
+            <a:ext cx="5127617" cy="2799260"/>
+          </a:xfrm>
+          <a:prstGeom prst="rect">
+            <a:avLst/>
+          </a:prstGeom>
+          <a:noFill/>
+          <a:extLst>
+            <a:ext uri="{909E8E84-426E-40DD-AFC4-6F175D3DCCD1}">
+              <a14:hiddenFill xmlns:a14="http://schemas.microsoft.com/office/drawing/2010/main">
+                <a:solidFill>
+                  <a:srgbClr val="FFFFFF"/>
+                </a:solidFill>
+              </a14:hiddenFill>
+            </a:ext>
+          </a:extLst>
+        </p:spPr>
+      </p:pic>
       <p:sp>
         <p:nvSpPr>
-          <p:cNvPr id="2" name="Заголовок 1">
+          <p:cNvPr id="5" name="Заголовок 1">
             <a:extLst>
               <a:ext uri="{FF2B5EF4-FFF2-40B4-BE49-F238E27FC236}">
-                <a16:creationId xmlns:a16="http://schemas.microsoft.com/office/drawing/2014/main" id="{1BDFFE72-A644-4C7E-B940-81ED83CC4F50}"/>
+                <a16:creationId xmlns:a16="http://schemas.microsoft.com/office/drawing/2014/main" id="{306CEFFC-2B88-43E9-AAC8-849925260F1C}"/>
               </a:ext>
             </a:extLst>
           </p:cNvPr>
@@ -10707,8 +14620,8 @@
         </p:nvSpPr>
         <p:spPr>
           <a:xfrm>
-            <a:off x="240371" y="218359"/>
-            <a:ext cx="6796567" cy="464255"/>
+            <a:off x="1143115" y="4224072"/>
+            <a:ext cx="2593181" cy="588088"/>
           </a:xfrm>
         </p:spPr>
         <p:txBody>
@@ -10718,418 +14631,181 @@
           <a:lstStyle/>
           <a:p>
             <a:r>
-              <a:rPr lang="ru-RU" sz="2400" dirty="0">
-                <a:latin typeface="Yandex Sans Text Light" panose="02000000000000000000" pitchFamily="2" charset="-52"/>
-              </a:rPr>
-              <a:t>Организационные вопросы</a:t>
+              <a:rPr lang="ru-RU" dirty="0">
+                <a:latin typeface="Open Sans" pitchFamily="2" charset="0"/>
+                <a:ea typeface="Open Sans" pitchFamily="2" charset="0"/>
+                <a:cs typeface="Open Sans" pitchFamily="2" charset="0"/>
+              </a:rPr>
+              <a:t>Принципы ООП</a:t>
             </a:r>
           </a:p>
         </p:txBody>
       </p:sp>
       <p:sp>
         <p:nvSpPr>
-          <p:cNvPr id="3" name="Прямоугольник 2">
+          <p:cNvPr id="8" name="Заголовок 1">
             <a:extLst>
               <a:ext uri="{FF2B5EF4-FFF2-40B4-BE49-F238E27FC236}">
-                <a16:creationId xmlns:a16="http://schemas.microsoft.com/office/drawing/2014/main" id="{11E820E9-B1B7-4A46-B832-21CB88E5D9BA}"/>
+                <a16:creationId xmlns:a16="http://schemas.microsoft.com/office/drawing/2014/main" id="{C2CACF9E-7CD0-4052-8606-1E35BB7F48A4}"/>
               </a:ext>
             </a:extLst>
           </p:cNvPr>
-          <p:cNvSpPr/>
+          <p:cNvSpPr txBox="1">
+            <a:spLocks/>
+          </p:cNvSpPr>
           <p:nvPr/>
         </p:nvSpPr>
         <p:spPr>
           <a:xfrm>
-            <a:off x="913876" y="1490257"/>
-            <a:ext cx="3277589" cy="2369880"/>
+            <a:off x="338013" y="263109"/>
+            <a:ext cx="3921567" cy="588088"/>
           </a:xfrm>
           <a:prstGeom prst="rect">
             <a:avLst/>
           </a:prstGeom>
         </p:spPr>
         <p:txBody>
-          <a:bodyPr wrap="square">
-            <a:spAutoFit/>
+          <a:bodyPr>
+            <a:normAutofit fontScale="85000" lnSpcReduction="20000"/>
           </a:bodyPr>
-          <a:lstStyle/>
-          <a:p>
-            <a:r>
-              <a:rPr lang="ru-RU" sz="2800" dirty="0">
-                <a:solidFill>
-                  <a:srgbClr val="175A9F"/>
-                </a:solidFill>
-                <a:latin typeface="Arial" panose="020B0604020202020204" pitchFamily="34" charset="0"/>
-              </a:rPr>
-              <a:t>Дневной регламент</a:t>
-            </a:r>
-            <a:r>
-              <a:rPr lang="en-US" sz="2800" dirty="0">
-                <a:solidFill>
-                  <a:srgbClr val="175A9F"/>
-                </a:solidFill>
-                <a:latin typeface="Arial" panose="020B0604020202020204" pitchFamily="34" charset="0"/>
-              </a:rPr>
-              <a:t>:</a:t>
-            </a:r>
-          </a:p>
-          <a:p>
-            <a:endParaRPr lang="en-US" sz="2800" dirty="0">
-              <a:solidFill>
-                <a:srgbClr val="222222"/>
-              </a:solidFill>
-              <a:latin typeface="Arial" panose="020B0604020202020204" pitchFamily="34" charset="0"/>
-            </a:endParaRPr>
-          </a:p>
-          <a:p>
-            <a:r>
-              <a:rPr lang="ru-RU" sz="3200" dirty="0">
-                <a:solidFill>
-                  <a:srgbClr val="222222"/>
-                </a:solidFill>
-                <a:latin typeface="Arial" panose="020B0604020202020204" pitchFamily="34" charset="0"/>
-              </a:rPr>
-              <a:t>12.15-13</a:t>
-            </a:r>
-            <a:r>
-              <a:rPr lang="en-US" sz="3200" dirty="0">
-                <a:solidFill>
-                  <a:srgbClr val="222222"/>
-                </a:solidFill>
-                <a:latin typeface="Arial" panose="020B0604020202020204" pitchFamily="34" charset="0"/>
-              </a:rPr>
-              <a:t>:</a:t>
-            </a:r>
-            <a:r>
-              <a:rPr lang="ru-RU" sz="3200" dirty="0">
-                <a:solidFill>
-                  <a:srgbClr val="222222"/>
-                </a:solidFill>
-                <a:latin typeface="Arial" panose="020B0604020202020204" pitchFamily="34" charset="0"/>
-              </a:rPr>
-              <a:t>35</a:t>
-            </a:r>
-          </a:p>
-          <a:p>
-            <a:r>
-              <a:rPr lang="ru-RU" sz="3200">
-                <a:solidFill>
-                  <a:srgbClr val="222222"/>
-                </a:solidFill>
-                <a:latin typeface="Arial" panose="020B0604020202020204" pitchFamily="34" charset="0"/>
-              </a:rPr>
-              <a:t>13.45-15</a:t>
-            </a:r>
-            <a:r>
-              <a:rPr lang="en-US" sz="3200" dirty="0">
-                <a:solidFill>
-                  <a:srgbClr val="222222"/>
-                </a:solidFill>
-                <a:latin typeface="Arial" panose="020B0604020202020204" pitchFamily="34" charset="0"/>
-              </a:rPr>
-              <a:t>:</a:t>
-            </a:r>
-            <a:r>
-              <a:rPr lang="ru-RU" sz="3200" dirty="0">
-                <a:solidFill>
-                  <a:srgbClr val="222222"/>
-                </a:solidFill>
-                <a:latin typeface="Arial" panose="020B0604020202020204" pitchFamily="34" charset="0"/>
-              </a:rPr>
-              <a:t>00</a:t>
+          <a:lstStyle>
+            <a:lvl1pPr algn="l" defTabSz="457200" rtl="0" eaLnBrk="1" latinLnBrk="0" hangingPunct="1">
+              <a:spcBef>
+                <a:spcPct val="0"/>
+              </a:spcBef>
+              <a:buNone/>
+              <a:defRPr sz="3000" b="1" kern="1200">
+                <a:solidFill>
+                  <a:schemeClr val="accent2"/>
+                </a:solidFill>
+                <a:latin typeface="Open Sans" panose="020B0606030504020204" pitchFamily="34" charset="0"/>
+                <a:ea typeface="Open Sans" panose="020B0606030504020204" pitchFamily="34" charset="0"/>
+                <a:cs typeface="Open Sans" panose="020B0606030504020204" pitchFamily="34" charset="0"/>
+              </a:defRPr>
+            </a:lvl1pPr>
+            <a:lvl2pPr eaLnBrk="1" hangingPunct="1">
+              <a:defRPr>
+                <a:solidFill>
+                  <a:schemeClr val="tx2"/>
+                </a:solidFill>
+              </a:defRPr>
+            </a:lvl2pPr>
+            <a:lvl3pPr eaLnBrk="1" hangingPunct="1">
+              <a:defRPr>
+                <a:solidFill>
+                  <a:schemeClr val="tx2"/>
+                </a:solidFill>
+              </a:defRPr>
+            </a:lvl3pPr>
+            <a:lvl4pPr eaLnBrk="1" hangingPunct="1">
+              <a:defRPr>
+                <a:solidFill>
+                  <a:schemeClr val="tx2"/>
+                </a:solidFill>
+              </a:defRPr>
+            </a:lvl4pPr>
+            <a:lvl5pPr eaLnBrk="1" hangingPunct="1">
+              <a:defRPr>
+                <a:solidFill>
+                  <a:schemeClr val="tx2"/>
+                </a:solidFill>
+              </a:defRPr>
+            </a:lvl5pPr>
+            <a:lvl6pPr eaLnBrk="1" hangingPunct="1">
+              <a:defRPr>
+                <a:solidFill>
+                  <a:schemeClr val="tx2"/>
+                </a:solidFill>
+              </a:defRPr>
+            </a:lvl6pPr>
+            <a:lvl7pPr eaLnBrk="1" hangingPunct="1">
+              <a:defRPr>
+                <a:solidFill>
+                  <a:schemeClr val="tx2"/>
+                </a:solidFill>
+              </a:defRPr>
+            </a:lvl7pPr>
+            <a:lvl8pPr eaLnBrk="1" hangingPunct="1">
+              <a:defRPr>
+                <a:solidFill>
+                  <a:schemeClr val="tx2"/>
+                </a:solidFill>
+              </a:defRPr>
+            </a:lvl8pPr>
+            <a:lvl9pPr eaLnBrk="1" hangingPunct="1">
+              <a:defRPr>
+                <a:solidFill>
+                  <a:schemeClr val="tx2"/>
+                </a:solidFill>
+              </a:defRPr>
+            </a:lvl9pPr>
+          </a:lstStyle>
+          <a:p>
+            <a:r>
+              <a:rPr lang="ru-RU" sz="2250" dirty="0">
+                <a:solidFill>
+                  <a:srgbClr val="0000FF"/>
+                </a:solidFill>
+                <a:latin typeface="Open Sans" pitchFamily="2" charset="0"/>
+                <a:ea typeface="Open Sans" pitchFamily="2" charset="0"/>
+                <a:cs typeface="Open Sans" pitchFamily="2" charset="0"/>
+              </a:rPr>
+              <a:t>ПРИОБРЕТАЕМЫЕ ЗНАНИЯ, УМЕНИЯ, НАВЫКИ</a:t>
             </a:r>
           </a:p>
         </p:txBody>
       </p:sp>
       <p:pic>
         <p:nvPicPr>
-          <p:cNvPr id="4" name="Рисунок 3">
+          <p:cNvPr id="5124" name="Picture 4" descr="https://avatars.mds.yandex.net/i?id=4abe4e2926b4c60379774ff65004052280337059-4481820-images-thumbs&amp;n=13">
             <a:extLst>
               <a:ext uri="{FF2B5EF4-FFF2-40B4-BE49-F238E27FC236}">
-                <a16:creationId xmlns:a16="http://schemas.microsoft.com/office/drawing/2014/main" id="{DA65DD5C-3C7D-4847-86B2-C90EDFF24E90}"/>
+                <a16:creationId xmlns:a16="http://schemas.microsoft.com/office/drawing/2014/main" id="{57CA1393-C671-44CF-9E0C-9CB3463FC70A}"/>
               </a:ext>
             </a:extLst>
           </p:cNvPr>
           <p:cNvPicPr>
-            <a:picLocks noChangeAspect="1"/>
+            <a:picLocks noChangeAspect="1" noChangeArrowheads="1"/>
           </p:cNvPicPr>
           <p:nvPr/>
         </p:nvPicPr>
         <p:blipFill>
-          <a:blip r:embed="rId2">
+          <a:blip r:embed="rId3">
             <a:extLst>
-              <a:ext uri="{96DAC541-7B7A-43D3-8B79-37D633B846F1}">
-                <asvg:svgBlip xmlns:asvg="http://schemas.microsoft.com/office/drawing/2016/SVG/main" r:embed="rId3"/>
+              <a:ext uri="{28A0092B-C50C-407E-A947-70E740481C1C}">
+                <a14:useLocalDpi xmlns:a14="http://schemas.microsoft.com/office/drawing/2010/main" val="0"/>
               </a:ext>
             </a:extLst>
           </a:blip>
+          <a:srcRect/>
           <a:stretch>
             <a:fillRect/>
           </a:stretch>
         </p:blipFill>
-        <p:spPr>
-          <a:xfrm>
-            <a:off x="4864970" y="154146"/>
-            <a:ext cx="2274830" cy="2274830"/>
+        <p:spPr bwMode="auto">
+          <a:xfrm>
+            <a:off x="5586581" y="2682079"/>
+            <a:ext cx="3443120" cy="1936755"/>
           </a:xfrm>
           <a:prstGeom prst="rect">
             <a:avLst/>
           </a:prstGeom>
+          <a:noFill/>
+          <a:extLst>
+            <a:ext uri="{909E8E84-426E-40DD-AFC4-6F175D3DCCD1}">
+              <a14:hiddenFill xmlns:a14="http://schemas.microsoft.com/office/drawing/2010/main">
+                <a:solidFill>
+                  <a:srgbClr val="FFFFFF"/>
+                </a:solidFill>
+              </a14:hiddenFill>
+            </a:ext>
+          </a:extLst>
         </p:spPr>
       </p:pic>
     </p:spTree>
     <p:extLst>
       <p:ext uri="{BB962C8B-B14F-4D97-AF65-F5344CB8AC3E}">
-        <p14:creationId xmlns:p14="http://schemas.microsoft.com/office/powerpoint/2010/main" val="181745621"/>
-      </p:ext>
-    </p:extLst>
-  </p:cSld>
-  <p:clrMapOvr>
-    <a:masterClrMapping/>
-  </p:clrMapOvr>
-</p:sld>
-</file>
-
-<file path=ppt/slides/slide7.xml><?xml version="1.0" encoding="utf-8"?>
-<p:sld xmlns:a="http://schemas.openxmlformats.org/drawingml/2006/main" xmlns:r="http://schemas.openxmlformats.org/officeDocument/2006/relationships" xmlns:p="http://schemas.openxmlformats.org/presentationml/2006/main" show="0">
-  <p:cSld>
-    <p:spTree>
-      <p:nvGrpSpPr>
-        <p:cNvPr id="1" name=""/>
-        <p:cNvGrpSpPr/>
-        <p:nvPr/>
-      </p:nvGrpSpPr>
-      <p:grpSpPr>
-        <a:xfrm>
-          <a:off x="0" y="0"/>
-          <a:ext cx="0" cy="0"/>
-          <a:chOff x="0" y="0"/>
-          <a:chExt cx="0" cy="0"/>
-        </a:xfrm>
-      </p:grpSpPr>
-      <p:sp>
-        <p:nvSpPr>
-          <p:cNvPr id="16" name="Заголовок 1">
-            <a:extLst>
-              <a:ext uri="{FF2B5EF4-FFF2-40B4-BE49-F238E27FC236}">
-                <a16:creationId xmlns:a16="http://schemas.microsoft.com/office/drawing/2014/main" id="{15C50C77-FCAD-418B-B3A3-8FF571B11E07}"/>
-              </a:ext>
-            </a:extLst>
-          </p:cNvPr>
-          <p:cNvSpPr>
-            <a:spLocks noGrp="1"/>
-          </p:cNvSpPr>
-          <p:nvPr>
-            <p:ph type="title"/>
-          </p:nvPr>
-        </p:nvSpPr>
-        <p:spPr>
-          <a:xfrm>
-            <a:off x="508001" y="284834"/>
-            <a:ext cx="6447501" cy="827823"/>
-          </a:xfrm>
-        </p:spPr>
-        <p:txBody>
-          <a:bodyPr>
-            <a:normAutofit/>
-          </a:bodyPr>
-          <a:lstStyle/>
-          <a:p>
-            <a:r>
-              <a:rPr lang="ru-RU" dirty="0">
-                <a:latin typeface="Yandex Sans Text Light" panose="02000000000000000000" pitchFamily="2" charset="-52"/>
-                <a:ea typeface="Open Sans" pitchFamily="2" charset="0"/>
-                <a:cs typeface="Open Sans" pitchFamily="2" charset="0"/>
-              </a:rPr>
-              <a:t>Учебники</a:t>
-            </a:r>
-          </a:p>
-        </p:txBody>
-      </p:sp>
-      <p:sp>
-        <p:nvSpPr>
-          <p:cNvPr id="4" name="Объект 3">
-            <a:extLst>
-              <a:ext uri="{FF2B5EF4-FFF2-40B4-BE49-F238E27FC236}">
-                <a16:creationId xmlns:a16="http://schemas.microsoft.com/office/drawing/2014/main" id="{53AF3BA1-3208-425F-8BE1-2D57F7D1B468}"/>
-              </a:ext>
-            </a:extLst>
-          </p:cNvPr>
-          <p:cNvSpPr>
-            <a:spLocks noGrp="1"/>
-          </p:cNvSpPr>
-          <p:nvPr>
-            <p:ph idx="1"/>
-          </p:nvPr>
-        </p:nvSpPr>
-        <p:spPr>
-          <a:xfrm>
-            <a:off x="508001" y="1408742"/>
-            <a:ext cx="7479061" cy="2798056"/>
-          </a:xfrm>
-          <a:prstGeom prst="rect">
-            <a:avLst/>
-          </a:prstGeom>
-        </p:spPr>
-        <p:txBody>
-          <a:bodyPr>
-            <a:normAutofit/>
-          </a:bodyPr>
-          <a:lstStyle/>
-          <a:p>
-            <a:pPr marL="342900" indent="-342900">
-              <a:buAutoNum type="arabicPeriod"/>
-            </a:pPr>
-            <a:r>
-              <a:rPr lang="ru-RU" sz="1800" dirty="0">
-                <a:latin typeface="Yandex Sans Text Light" panose="02000000000000000000" pitchFamily="2" charset="-52"/>
-              </a:rPr>
-              <a:t>Документация на английском </a:t>
-            </a:r>
-            <a:r>
-              <a:rPr lang="en-US" sz="1800" dirty="0">
-                <a:latin typeface="Yandex Sans Text Light" panose="02000000000000000000" pitchFamily="2" charset="-52"/>
-                <a:hlinkClick r:id="rId2"/>
-              </a:rPr>
-              <a:t>https://docs.python.org/3/</a:t>
-            </a:r>
-            <a:endParaRPr lang="ru-RU" sz="1800" dirty="0">
-              <a:latin typeface="Yandex Sans Text Light" panose="02000000000000000000" pitchFamily="2" charset="-52"/>
-            </a:endParaRPr>
-          </a:p>
-          <a:p>
-            <a:pPr marL="342900" indent="-342900">
-              <a:buFontTx/>
-              <a:buAutoNum type="arabicPeriod"/>
-            </a:pPr>
-            <a:r>
-              <a:rPr lang="ru-RU" sz="1800" dirty="0" err="1">
-                <a:latin typeface="Yandex Sans Text Light" panose="02000000000000000000" pitchFamily="2" charset="-52"/>
-              </a:rPr>
-              <a:t>Лутц</a:t>
-            </a:r>
-            <a:r>
-              <a:rPr lang="ru-RU" sz="1800" dirty="0">
-                <a:latin typeface="Yandex Sans Text Light" panose="02000000000000000000" pitchFamily="2" charset="-52"/>
-              </a:rPr>
-              <a:t> Марк </a:t>
-            </a:r>
-            <a:r>
-              <a:rPr lang="en-US" sz="1800" dirty="0">
-                <a:latin typeface="Yandex Sans Text Light" panose="02000000000000000000" pitchFamily="2" charset="-52"/>
-              </a:rPr>
-              <a:t>“</a:t>
-            </a:r>
-            <a:r>
-              <a:rPr lang="ru-RU" sz="1800" dirty="0">
-                <a:latin typeface="Yandex Sans Text Light" panose="02000000000000000000" pitchFamily="2" charset="-52"/>
-              </a:rPr>
-              <a:t>Изучаем </a:t>
-            </a:r>
-            <a:r>
-              <a:rPr lang="en-US" sz="1800" dirty="0">
-                <a:latin typeface="Yandex Sans Text Light" panose="02000000000000000000" pitchFamily="2" charset="-52"/>
-              </a:rPr>
-              <a:t>Python”(</a:t>
-            </a:r>
-            <a:r>
-              <a:rPr lang="ru-RU" sz="1800" dirty="0">
-                <a:latin typeface="Yandex Sans Text Light" panose="02000000000000000000" pitchFamily="2" charset="-52"/>
-              </a:rPr>
-              <a:t>том 2)</a:t>
-            </a:r>
-          </a:p>
-          <a:p>
-            <a:pPr marL="342900" indent="-342900">
-              <a:buFontTx/>
-              <a:buAutoNum type="arabicPeriod"/>
-            </a:pPr>
-            <a:r>
-              <a:rPr lang="ru-RU" sz="1800" dirty="0" err="1">
-                <a:latin typeface="Yandex Sans Text Light" panose="02000000000000000000" pitchFamily="2" charset="-52"/>
-              </a:rPr>
-              <a:t>LeetCode</a:t>
-            </a:r>
-            <a:r>
-              <a:rPr lang="ru-RU" sz="1800" dirty="0">
-                <a:latin typeface="Yandex Sans Text Light" panose="02000000000000000000" pitchFamily="2" charset="-52"/>
-              </a:rPr>
-              <a:t> — сайт с задачами для подготовки к собеседованиям.</a:t>
-            </a:r>
-          </a:p>
-          <a:p>
-            <a:pPr marL="342900" indent="-342900">
-              <a:buAutoNum type="arabicPeriod"/>
-            </a:pPr>
-            <a:r>
-              <a:rPr lang="ru-RU" sz="1800" dirty="0" err="1">
-                <a:latin typeface="Yandex Sans Text Light" panose="02000000000000000000" pitchFamily="2" charset="-52"/>
-              </a:rPr>
-              <a:t>Метанит</a:t>
-            </a:r>
-            <a:r>
-              <a:rPr lang="ru-RU" sz="1800" dirty="0">
-                <a:latin typeface="Yandex Sans Text Light" panose="02000000000000000000" pitchFamily="2" charset="-52"/>
-              </a:rPr>
-              <a:t> </a:t>
-            </a:r>
-            <a:r>
-              <a:rPr lang="en-US" sz="1800" dirty="0">
-                <a:solidFill>
-                  <a:schemeClr val="accent1">
-                    <a:lumMod val="75000"/>
-                  </a:schemeClr>
-                </a:solidFill>
-                <a:latin typeface="Yandex Sans Text Light" panose="02000000000000000000" pitchFamily="2" charset="-52"/>
-                <a:ea typeface="Open Sans" pitchFamily="2" charset="0"/>
-                <a:cs typeface="Open Sans" pitchFamily="2" charset="0"/>
-                <a:hlinkClick r:id="rId3"/>
-              </a:rPr>
-              <a:t>https://metanit.com/python/</a:t>
-            </a:r>
-            <a:endParaRPr lang="ru-RU" sz="1800" dirty="0">
-              <a:solidFill>
-                <a:schemeClr val="accent1">
-                  <a:lumMod val="75000"/>
-                </a:schemeClr>
-              </a:solidFill>
-              <a:latin typeface="Yandex Sans Text Light" panose="02000000000000000000" pitchFamily="2" charset="-52"/>
-              <a:ea typeface="Open Sans" pitchFamily="2" charset="0"/>
-              <a:cs typeface="Open Sans" pitchFamily="2" charset="0"/>
-            </a:endParaRPr>
-          </a:p>
-          <a:p>
-            <a:pPr marL="342900" indent="-342900">
-              <a:buAutoNum type="arabicPeriod"/>
-            </a:pPr>
-            <a:r>
-              <a:rPr lang="ru-RU" sz="1800" dirty="0" err="1">
-                <a:latin typeface="Yandex Sans Text Light" panose="02000000000000000000" pitchFamily="2" charset="-52"/>
-              </a:rPr>
-              <a:t>Степик</a:t>
-            </a:r>
-            <a:r>
-              <a:rPr lang="en-US" sz="1800" dirty="0">
-                <a:latin typeface="Yandex Sans Text Light" panose="02000000000000000000" pitchFamily="2" charset="-52"/>
-              </a:rPr>
-              <a:t> </a:t>
-            </a:r>
-            <a:r>
-              <a:rPr lang="en-US" sz="1800" dirty="0">
-                <a:latin typeface="Yandex Sans Text Light" panose="02000000000000000000" pitchFamily="2" charset="-52"/>
-                <a:hlinkClick r:id="rId4"/>
-              </a:rPr>
-              <a:t>https://stepik.org/</a:t>
-            </a:r>
-            <a:endParaRPr lang="en-US" sz="1800" dirty="0">
-              <a:latin typeface="Yandex Sans Text Light" panose="02000000000000000000" pitchFamily="2" charset="-52"/>
-            </a:endParaRPr>
-          </a:p>
-        </p:txBody>
-      </p:sp>
-    </p:spTree>
-    <p:extLst>
-      <p:ext uri="{BB962C8B-B14F-4D97-AF65-F5344CB8AC3E}">
-        <p14:creationId xmlns:p14="http://schemas.microsoft.com/office/powerpoint/2010/main" val="4261881514"/>
+        <p14:creationId xmlns:p14="http://schemas.microsoft.com/office/powerpoint/2010/main" val="2412146162"/>
       </p:ext>
     </p:extLst>
   </p:cSld>
@@ -11158,10 +14834,90 @@
       </p:grpSpPr>
       <p:sp>
         <p:nvSpPr>
-          <p:cNvPr id="2" name="Заголовок 1">
+          <p:cNvPr id="4" name="Номер слайда 3"/>
+          <p:cNvSpPr>
+            <a:spLocks noGrp="1"/>
+          </p:cNvSpPr>
+          <p:nvPr>
+            <p:ph type="sldNum" sz="quarter" idx="10"/>
+          </p:nvPr>
+        </p:nvSpPr>
+        <p:spPr/>
+        <p:txBody>
+          <a:bodyPr/>
+          <a:lstStyle/>
+          <a:p>
+            <a:pPr defTabSz="685800"/>
+            <a:fld id="{1519AFA1-E01F-4869-9A2C-AE6B64FF5724}" type="slidenum">
+              <a:rPr lang="ru-RU">
+                <a:solidFill>
+                  <a:prstClr val="white"/>
+                </a:solidFill>
+              </a:rPr>
+              <a:pPr defTabSz="685800"/>
+              <a:t>8</a:t>
+            </a:fld>
+            <a:endParaRPr lang="ru-RU" dirty="0">
+              <a:solidFill>
+                <a:prstClr val="white"/>
+              </a:solidFill>
+            </a:endParaRPr>
+          </a:p>
+        </p:txBody>
+      </p:sp>
+      <p:pic>
+        <p:nvPicPr>
+          <p:cNvPr id="2050" name="Picture 2" descr="Picture background">
             <a:extLst>
               <a:ext uri="{FF2B5EF4-FFF2-40B4-BE49-F238E27FC236}">
-                <a16:creationId xmlns:a16="http://schemas.microsoft.com/office/drawing/2014/main" id="{5D01570B-C6CA-45CC-A11F-81156A700023}"/>
+                <a16:creationId xmlns:a16="http://schemas.microsoft.com/office/drawing/2014/main" id="{9C208089-D6CD-4C90-814B-7EEA531FD8CC}"/>
+              </a:ext>
+            </a:extLst>
+          </p:cNvPr>
+          <p:cNvPicPr>
+            <a:picLocks noChangeAspect="1" noChangeArrowheads="1"/>
+          </p:cNvPicPr>
+          <p:nvPr/>
+        </p:nvPicPr>
+        <p:blipFill>
+          <a:blip r:embed="rId2">
+            <a:extLst>
+              <a:ext uri="{28A0092B-C50C-407E-A947-70E740481C1C}">
+                <a14:useLocalDpi xmlns:a14="http://schemas.microsoft.com/office/drawing/2010/main" val="0"/>
+              </a:ext>
+            </a:extLst>
+          </a:blip>
+          <a:srcRect/>
+          <a:stretch>
+            <a:fillRect/>
+          </a:stretch>
+        </p:blipFill>
+        <p:spPr bwMode="auto">
+          <a:xfrm>
+            <a:off x="880794" y="896952"/>
+            <a:ext cx="6071773" cy="3349595"/>
+          </a:xfrm>
+          <a:prstGeom prst="rect">
+            <a:avLst/>
+          </a:prstGeom>
+          <a:noFill/>
+          <a:extLst>
+            <a:ext uri="{909E8E84-426E-40DD-AFC4-6F175D3DCCD1}">
+              <a14:hiddenFill xmlns:a14="http://schemas.microsoft.com/office/drawing/2010/main">
+                <a:solidFill>
+                  <a:srgbClr val="FFFFFF"/>
+                </a:solidFill>
+              </a14:hiddenFill>
+            </a:ext>
+          </a:extLst>
+        </p:spPr>
+      </p:pic>
+      <p:sp>
+        <p:nvSpPr>
+          <p:cNvPr id="5" name="Заголовок 1">
+            <a:extLst>
+              <a:ext uri="{FF2B5EF4-FFF2-40B4-BE49-F238E27FC236}">
+                <a16:creationId xmlns:a16="http://schemas.microsoft.com/office/drawing/2014/main" id="{D7B89386-F90D-4A2F-817B-222F3C11094D}"/>
               </a:ext>
             </a:extLst>
           </p:cNvPr>
@@ -11174,28 +14930,34 @@
         </p:nvSpPr>
         <p:spPr>
           <a:xfrm>
-            <a:off x="423746" y="2275759"/>
-            <a:ext cx="8296508" cy="425624"/>
+            <a:off x="258123" y="110256"/>
+            <a:ext cx="6796567" cy="588088"/>
           </a:xfrm>
         </p:spPr>
         <p:txBody>
           <a:bodyPr>
-            <a:noAutofit/>
+            <a:normAutofit/>
           </a:bodyPr>
           <a:lstStyle/>
           <a:p>
             <a:r>
-              <a:rPr lang="en-US" sz="3750" dirty="0"/>
-              <a:t>https://github.com/nesrv/pt-2.1</a:t>
-            </a:r>
-            <a:endParaRPr lang="ru-RU" sz="3750" dirty="0"/>
+              <a:rPr lang="ru-RU" dirty="0">
+                <a:solidFill>
+                  <a:srgbClr val="0000FF"/>
+                </a:solidFill>
+                <a:latin typeface="Open Sans" pitchFamily="2" charset="0"/>
+                <a:ea typeface="Open Sans" pitchFamily="2" charset="0"/>
+                <a:cs typeface="Open Sans" pitchFamily="2" charset="0"/>
+              </a:rPr>
+              <a:t>ФУНКЦИИ ВЫСШЕГО ПОРЯДКА</a:t>
+            </a:r>
           </a:p>
         </p:txBody>
       </p:sp>
     </p:spTree>
     <p:extLst>
       <p:ext uri="{BB962C8B-B14F-4D97-AF65-F5344CB8AC3E}">
-        <p14:creationId xmlns:p14="http://schemas.microsoft.com/office/powerpoint/2010/main" val="859185646"/>
+        <p14:creationId xmlns:p14="http://schemas.microsoft.com/office/powerpoint/2010/main" val="2405728375"/>
       </p:ext>
     </p:extLst>
   </p:cSld>
@@ -11222,358 +14984,240 @@
           <a:chExt cx="0" cy="0"/>
         </a:xfrm>
       </p:grpSpPr>
-      <p:sp>
-        <p:nvSpPr>
-          <p:cNvPr id="4" name="Заголовок 1">
+      <p:pic>
+        <p:nvPicPr>
+          <p:cNvPr id="4" name="Рисунок 3">
             <a:extLst>
               <a:ext uri="{FF2B5EF4-FFF2-40B4-BE49-F238E27FC236}">
-                <a16:creationId xmlns:a16="http://schemas.microsoft.com/office/drawing/2014/main" id="{11FA8981-A2D9-4616-9140-06BCE3C18F48}"/>
+                <a16:creationId xmlns:a16="http://schemas.microsoft.com/office/drawing/2014/main" id="{BDB846E5-435D-4AE5-8974-FB5B29D05350}"/>
               </a:ext>
             </a:extLst>
           </p:cNvPr>
-          <p:cNvSpPr txBox="1">
-            <a:spLocks/>
-          </p:cNvSpPr>
+          <p:cNvPicPr>
+            <a:picLocks noChangeAspect="1"/>
+          </p:cNvPicPr>
           <p:nvPr/>
-        </p:nvSpPr>
-        <p:spPr>
-          <a:xfrm>
-            <a:off x="318608" y="521892"/>
-            <a:ext cx="7562649" cy="560657"/>
+        </p:nvPicPr>
+        <p:blipFill>
+          <a:blip r:embed="rId2"/>
+          <a:stretch>
+            <a:fillRect/>
+          </a:stretch>
+        </p:blipFill>
+        <p:spPr>
+          <a:xfrm>
+            <a:off x="473433" y="822921"/>
+            <a:ext cx="6812344" cy="2244605"/>
+          </a:xfrm>
+          <a:prstGeom prst="round2DiagRect">
+            <a:avLst>
+              <a:gd name="adj1" fmla="val 16667"/>
+              <a:gd name="adj2" fmla="val 0"/>
+            </a:avLst>
+          </a:prstGeom>
+          <a:ln w="88900" cap="sq">
+            <a:solidFill>
+              <a:srgbClr val="FFFFFF"/>
+            </a:solidFill>
+            <a:miter lim="800000"/>
+          </a:ln>
+          <a:effectLst>
+            <a:outerShdw blurRad="254000" algn="tl" rotWithShape="0">
+              <a:srgbClr val="000000">
+                <a:alpha val="43000"/>
+              </a:srgbClr>
+            </a:outerShdw>
+          </a:effectLst>
+        </p:spPr>
+      </p:pic>
+      <p:pic>
+        <p:nvPicPr>
+          <p:cNvPr id="3076" name="Picture 4" descr="https://avatars.mds.yandex.net/i?id=351024f95db5b32b477b7e927acec7902d9634d2-7993564-images-thumbs&amp;n=13">
+            <a:extLst>
+              <a:ext uri="{FF2B5EF4-FFF2-40B4-BE49-F238E27FC236}">
+                <a16:creationId xmlns:a16="http://schemas.microsoft.com/office/drawing/2014/main" id="{45EDF028-FA51-45EC-81B3-87CB6BD01580}"/>
+              </a:ext>
+            </a:extLst>
+          </p:cNvPr>
+          <p:cNvPicPr>
+            <a:picLocks noChangeAspect="1" noChangeArrowheads="1"/>
+          </p:cNvPicPr>
+          <p:nvPr/>
+        </p:nvPicPr>
+        <p:blipFill>
+          <a:blip r:embed="rId3">
+            <a:extLst>
+              <a:ext uri="{28A0092B-C50C-407E-A947-70E740481C1C}">
+                <a14:useLocalDpi xmlns:a14="http://schemas.microsoft.com/office/drawing/2010/main" val="0"/>
+              </a:ext>
+            </a:extLst>
+          </a:blip>
+          <a:srcRect/>
+          <a:stretch>
+            <a:fillRect/>
+          </a:stretch>
+        </p:blipFill>
+        <p:spPr bwMode="auto">
+          <a:xfrm>
+            <a:off x="258122" y="3316679"/>
+            <a:ext cx="1902590" cy="1499578"/>
           </a:xfrm>
           <a:prstGeom prst="rect">
             <a:avLst/>
           </a:prstGeom>
-        </p:spPr>
-        <p:txBody>
-          <a:bodyPr lIns="0" tIns="0" rIns="0" bIns="0" anchor="ctr">
-            <a:noAutofit/>
-          </a:bodyPr>
-          <a:lstStyle>
-            <a:lvl1pPr algn="l" defTabSz="914400" rtl="0" eaLnBrk="1" latinLnBrk="0" hangingPunct="1">
-              <a:lnSpc>
-                <a:spcPct val="90000"/>
-              </a:lnSpc>
-              <a:spcBef>
-                <a:spcPct val="0"/>
-              </a:spcBef>
-              <a:buNone/>
-              <a:defRPr sz="4400" kern="1200">
-                <a:solidFill>
-                  <a:schemeClr val="tx1"/>
-                </a:solidFill>
-                <a:latin typeface="+mj-lt"/>
-                <a:ea typeface="+mj-ea"/>
-                <a:cs typeface="+mj-cs"/>
-              </a:defRPr>
-            </a:lvl1pPr>
-          </a:lstStyle>
-          <a:p>
-            <a:r>
-              <a:rPr lang="ru-RU" sz="3600" b="1" dirty="0">
-                <a:solidFill>
-                  <a:schemeClr val="tx1">
-                    <a:lumMod val="95000"/>
-                    <a:lumOff val="5000"/>
-                  </a:schemeClr>
-                </a:solidFill>
-                <a:latin typeface="Yandex Sans Text Light" panose="02000000000000000000" pitchFamily="2" charset="-52"/>
-              </a:rPr>
-              <a:t>Модуль </a:t>
-            </a:r>
-            <a:r>
-              <a:rPr lang="en-US" sz="3600" b="1" dirty="0">
-                <a:solidFill>
-                  <a:schemeClr val="tx1">
-                    <a:lumMod val="95000"/>
-                    <a:lumOff val="5000"/>
-                  </a:schemeClr>
-                </a:solidFill>
-                <a:latin typeface="Yandex Sans Text Light" panose="02000000000000000000" pitchFamily="2" charset="-52"/>
-              </a:rPr>
-              <a:t>1</a:t>
-            </a:r>
-            <a:r>
-              <a:rPr lang="ru-RU" sz="3600" b="1" dirty="0">
-                <a:solidFill>
-                  <a:schemeClr val="tx1">
-                    <a:lumMod val="95000"/>
-                    <a:lumOff val="5000"/>
-                  </a:schemeClr>
-                </a:solidFill>
-                <a:latin typeface="Yandex Sans Text Light" panose="02000000000000000000" pitchFamily="2" charset="-52"/>
-              </a:rPr>
-              <a:t>. Функциональное программирование</a:t>
-            </a:r>
-          </a:p>
-        </p:txBody>
-      </p:sp>
-      <p:sp>
-        <p:nvSpPr>
-          <p:cNvPr id="5" name="Прямоугольник 4">
+          <a:ln>
+            <a:noFill/>
+          </a:ln>
+          <a:effectLst>
+            <a:outerShdw blurRad="292100" dist="139700" dir="2700000" algn="tl" rotWithShape="0">
+              <a:srgbClr val="333333">
+                <a:alpha val="65000"/>
+              </a:srgbClr>
+            </a:outerShdw>
+          </a:effectLst>
+          <a:extLst>
+            <a:ext uri="{909E8E84-426E-40DD-AFC4-6F175D3DCCD1}">
+              <a14:hiddenFill xmlns:a14="http://schemas.microsoft.com/office/drawing/2010/main">
+                <a:solidFill>
+                  <a:srgbClr val="FFFFFF"/>
+                </a:solidFill>
+              </a14:hiddenFill>
+            </a:ext>
+          </a:extLst>
+        </p:spPr>
+      </p:pic>
+      <p:pic>
+        <p:nvPicPr>
+          <p:cNvPr id="4098" name="Picture 2" descr="https://avatars.mds.yandex.net/i?id=9c807f7045ccedda5198088c94d531230baa7da0-9065850-images-thumbs&amp;n=13">
             <a:extLst>
               <a:ext uri="{FF2B5EF4-FFF2-40B4-BE49-F238E27FC236}">
-                <a16:creationId xmlns:a16="http://schemas.microsoft.com/office/drawing/2014/main" id="{295D0025-0DC1-412B-AED6-ADED939D6CC6}"/>
+                <a16:creationId xmlns:a16="http://schemas.microsoft.com/office/drawing/2014/main" id="{0172BB12-29DB-45B0-9473-1F5D2B55B7E6}"/>
               </a:ext>
             </a:extLst>
           </p:cNvPr>
-          <p:cNvSpPr/>
+          <p:cNvPicPr>
+            <a:picLocks noChangeAspect="1" noChangeArrowheads="1"/>
+          </p:cNvPicPr>
           <p:nvPr/>
-        </p:nvSpPr>
-        <p:spPr>
-          <a:xfrm>
-            <a:off x="178713" y="1974898"/>
-            <a:ext cx="8596793" cy="2308324"/>
+        </p:nvPicPr>
+        <p:blipFill>
+          <a:blip r:embed="rId4">
+            <a:extLst>
+              <a:ext uri="{28A0092B-C50C-407E-A947-70E740481C1C}">
+                <a14:useLocalDpi xmlns:a14="http://schemas.microsoft.com/office/drawing/2010/main" val="0"/>
+              </a:ext>
+            </a:extLst>
+          </a:blip>
+          <a:srcRect/>
+          <a:stretch>
+            <a:fillRect/>
+          </a:stretch>
+        </p:blipFill>
+        <p:spPr bwMode="auto">
+          <a:xfrm>
+            <a:off x="6042596" y="3386726"/>
+            <a:ext cx="2649324" cy="1429531"/>
           </a:xfrm>
           <a:prstGeom prst="rect">
             <a:avLst/>
           </a:prstGeom>
+          <a:noFill/>
+          <a:extLst>
+            <a:ext uri="{909E8E84-426E-40DD-AFC4-6F175D3DCCD1}">
+              <a14:hiddenFill xmlns:a14="http://schemas.microsoft.com/office/drawing/2010/main">
+                <a:solidFill>
+                  <a:srgbClr val="FFFFFF"/>
+                </a:solidFill>
+              </a14:hiddenFill>
+            </a:ext>
+          </a:extLst>
+        </p:spPr>
+      </p:pic>
+      <p:pic>
+        <p:nvPicPr>
+          <p:cNvPr id="4100" name="Picture 4" descr="https://avatars.mds.yandex.net/i?id=c87ad55079f84d9e15b710209d7bc6fa7b894b75-9858704-images-thumbs&amp;n=13">
+            <a:extLst>
+              <a:ext uri="{FF2B5EF4-FFF2-40B4-BE49-F238E27FC236}">
+                <a16:creationId xmlns:a16="http://schemas.microsoft.com/office/drawing/2014/main" id="{A430D347-1F9C-40F5-8625-D975CCC55352}"/>
+              </a:ext>
+            </a:extLst>
+          </p:cNvPr>
+          <p:cNvPicPr>
+            <a:picLocks noChangeAspect="1" noChangeArrowheads="1"/>
+          </p:cNvPicPr>
+          <p:nvPr/>
+        </p:nvPicPr>
+        <p:blipFill>
+          <a:blip r:embed="rId5">
+            <a:extLst>
+              <a:ext uri="{28A0092B-C50C-407E-A947-70E740481C1C}">
+                <a14:useLocalDpi xmlns:a14="http://schemas.microsoft.com/office/drawing/2010/main" val="0"/>
+              </a:ext>
+            </a:extLst>
+          </a:blip>
+          <a:srcRect/>
+          <a:stretch>
+            <a:fillRect/>
+          </a:stretch>
+        </p:blipFill>
+        <p:spPr bwMode="auto">
+          <a:xfrm>
+            <a:off x="2741211" y="3334048"/>
+            <a:ext cx="2779141" cy="1464839"/>
+          </a:xfrm>
+          <a:prstGeom prst="rect">
+            <a:avLst/>
+          </a:prstGeom>
+          <a:noFill/>
+          <a:extLst>
+            <a:ext uri="{909E8E84-426E-40DD-AFC4-6F175D3DCCD1}">
+              <a14:hiddenFill xmlns:a14="http://schemas.microsoft.com/office/drawing/2010/main">
+                <a:solidFill>
+                  <a:srgbClr val="FFFFFF"/>
+                </a:solidFill>
+              </a14:hiddenFill>
+            </a:ext>
+          </a:extLst>
+        </p:spPr>
+      </p:pic>
+      <p:sp>
+        <p:nvSpPr>
+          <p:cNvPr id="7" name="Заголовок 1">
+            <a:extLst>
+              <a:ext uri="{FF2B5EF4-FFF2-40B4-BE49-F238E27FC236}">
+                <a16:creationId xmlns:a16="http://schemas.microsoft.com/office/drawing/2014/main" id="{4D97F7B4-E0FF-4FA7-8EB9-0BBCBD51E82D}"/>
+              </a:ext>
+            </a:extLst>
+          </p:cNvPr>
+          <p:cNvSpPr>
+            <a:spLocks noGrp="1"/>
+          </p:cNvSpPr>
+          <p:nvPr>
+            <p:ph type="title"/>
+          </p:nvPr>
+        </p:nvSpPr>
+        <p:spPr>
+          <a:xfrm>
+            <a:off x="258123" y="110256"/>
+            <a:ext cx="6796567" cy="588088"/>
+          </a:xfrm>
         </p:spPr>
         <p:txBody>
-          <a:bodyPr wrap="square">
-            <a:spAutoFit/>
+          <a:bodyPr>
+            <a:normAutofit/>
           </a:bodyPr>
           <a:lstStyle/>
           <a:p>
-            <a:pPr marL="342900" lvl="0" indent="-342900">
-              <a:buFont typeface="+mj-lt"/>
-              <a:buAutoNum type="arabicPeriod"/>
-            </a:pPr>
-            <a:r>
-              <a:rPr lang="ru-RU" sz="2400" dirty="0">
-                <a:solidFill>
-                  <a:schemeClr val="tx1">
-                    <a:lumMod val="95000"/>
-                    <a:lumOff val="5000"/>
-                  </a:schemeClr>
-                </a:solidFill>
-              </a:rPr>
-              <a:t>Функция как объект. Паттерн «Фабрика функций»</a:t>
-            </a:r>
-          </a:p>
-          <a:p>
-            <a:pPr marL="342900" lvl="0" indent="-342900">
-              <a:buFont typeface="+mj-lt"/>
-              <a:buAutoNum type="arabicPeriod"/>
-            </a:pPr>
-            <a:r>
-              <a:rPr lang="ru-RU" sz="2400" dirty="0">
-                <a:solidFill>
-                  <a:schemeClr val="tx1">
-                    <a:lumMod val="95000"/>
-                    <a:lumOff val="5000"/>
-                  </a:schemeClr>
-                </a:solidFill>
-              </a:rPr>
-              <a:t>Анонимные функции. Сортировка коллекций по ключу</a:t>
-            </a:r>
-          </a:p>
-          <a:p>
-            <a:pPr marL="342900" lvl="0" indent="-342900">
-              <a:buFont typeface="+mj-lt"/>
-              <a:buAutoNum type="arabicPeriod"/>
-            </a:pPr>
-            <a:r>
-              <a:rPr lang="ru-RU" sz="2400" dirty="0">
-                <a:solidFill>
-                  <a:schemeClr val="tx1">
-                    <a:lumMod val="95000"/>
-                    <a:lumOff val="5000"/>
-                  </a:schemeClr>
-                </a:solidFill>
-              </a:rPr>
-              <a:t>Применение функций </a:t>
-            </a:r>
-            <a:r>
-              <a:rPr lang="en-US" sz="2400" dirty="0">
-                <a:solidFill>
-                  <a:schemeClr val="tx1">
-                    <a:lumMod val="95000"/>
-                    <a:lumOff val="5000"/>
-                  </a:schemeClr>
-                </a:solidFill>
-              </a:rPr>
-              <a:t>all</a:t>
-            </a:r>
-            <a:r>
-              <a:rPr lang="ru-RU" sz="2400" dirty="0">
-                <a:solidFill>
-                  <a:schemeClr val="tx1">
-                    <a:lumMod val="95000"/>
-                    <a:lumOff val="5000"/>
-                  </a:schemeClr>
-                </a:solidFill>
-              </a:rPr>
-              <a:t> и </a:t>
-            </a:r>
-            <a:r>
-              <a:rPr lang="en-US" sz="2400" dirty="0">
-                <a:solidFill>
-                  <a:schemeClr val="tx1">
-                    <a:lumMod val="95000"/>
-                    <a:lumOff val="5000"/>
-                  </a:schemeClr>
-                </a:solidFill>
-              </a:rPr>
-              <a:t>any</a:t>
-            </a:r>
-            <a:endParaRPr lang="ru-RU" sz="2400" dirty="0">
-              <a:solidFill>
-                <a:schemeClr val="tx1">
-                  <a:lumMod val="95000"/>
-                  <a:lumOff val="5000"/>
-                </a:schemeClr>
-              </a:solidFill>
-            </a:endParaRPr>
-          </a:p>
-          <a:p>
-            <a:pPr marL="342900" lvl="0" indent="-342900">
-              <a:buFont typeface="+mj-lt"/>
-              <a:buAutoNum type="arabicPeriod"/>
-            </a:pPr>
-            <a:r>
-              <a:rPr lang="ru-RU" sz="2400" dirty="0">
-                <a:solidFill>
-                  <a:schemeClr val="tx1">
-                    <a:lumMod val="95000"/>
-                    <a:lumOff val="5000"/>
-                  </a:schemeClr>
-                </a:solidFill>
-              </a:rPr>
-              <a:t>Функции высшего порядка (</a:t>
-            </a:r>
-            <a:r>
-              <a:rPr lang="en-US" sz="2400" dirty="0">
-                <a:solidFill>
-                  <a:schemeClr val="tx1">
-                    <a:lumMod val="95000"/>
-                    <a:lumOff val="5000"/>
-                  </a:schemeClr>
-                </a:solidFill>
-              </a:rPr>
-              <a:t>map</a:t>
-            </a:r>
-            <a:r>
-              <a:rPr lang="ru-RU" sz="2400" dirty="0">
-                <a:solidFill>
-                  <a:schemeClr val="tx1">
-                    <a:lumMod val="95000"/>
-                    <a:lumOff val="5000"/>
-                  </a:schemeClr>
-                </a:solidFill>
-              </a:rPr>
-              <a:t>, </a:t>
-            </a:r>
-            <a:r>
-              <a:rPr lang="en-US" sz="2400" dirty="0">
-                <a:solidFill>
-                  <a:schemeClr val="tx1">
-                    <a:lumMod val="95000"/>
-                    <a:lumOff val="5000"/>
-                  </a:schemeClr>
-                </a:solidFill>
-              </a:rPr>
-              <a:t>filter</a:t>
-            </a:r>
-            <a:r>
-              <a:rPr lang="ru-RU" sz="2400" dirty="0">
-                <a:solidFill>
-                  <a:schemeClr val="tx1">
-                    <a:lumMod val="95000"/>
-                    <a:lumOff val="5000"/>
-                  </a:schemeClr>
-                </a:solidFill>
-              </a:rPr>
-              <a:t>, </a:t>
-            </a:r>
-            <a:r>
-              <a:rPr lang="en-US" sz="2400" dirty="0">
-                <a:solidFill>
-                  <a:schemeClr val="tx1">
-                    <a:lumMod val="95000"/>
-                    <a:lumOff val="5000"/>
-                  </a:schemeClr>
-                </a:solidFill>
-              </a:rPr>
-              <a:t>reduce</a:t>
-            </a:r>
-            <a:r>
-              <a:rPr lang="ru-RU" sz="2400" dirty="0">
-                <a:solidFill>
-                  <a:schemeClr val="tx1">
-                    <a:lumMod val="95000"/>
-                    <a:lumOff val="5000"/>
-                  </a:schemeClr>
-                </a:solidFill>
-              </a:rPr>
-              <a:t>)</a:t>
-            </a:r>
-          </a:p>
-          <a:p>
-            <a:pPr marL="342900" lvl="0" indent="-342900">
-              <a:buFont typeface="+mj-lt"/>
-              <a:buAutoNum type="arabicPeriod"/>
-            </a:pPr>
-            <a:r>
-              <a:rPr lang="ru-RU" sz="2400" dirty="0">
-                <a:solidFill>
-                  <a:schemeClr val="tx1">
-                    <a:lumMod val="95000"/>
-                    <a:lumOff val="5000"/>
-                  </a:schemeClr>
-                </a:solidFill>
-              </a:rPr>
-              <a:t>Модуль </a:t>
-            </a:r>
-            <a:r>
-              <a:rPr lang="en-US" sz="2400" dirty="0" err="1">
-                <a:solidFill>
-                  <a:schemeClr val="tx1">
-                    <a:lumMod val="95000"/>
-                    <a:lumOff val="5000"/>
-                  </a:schemeClr>
-                </a:solidFill>
-              </a:rPr>
-              <a:t>itertools</a:t>
-            </a:r>
-            <a:r>
-              <a:rPr lang="en-US" sz="2400" dirty="0">
-                <a:solidFill>
-                  <a:schemeClr val="tx1">
-                    <a:lumMod val="95000"/>
-                    <a:lumOff val="5000"/>
-                  </a:schemeClr>
-                </a:solidFill>
-              </a:rPr>
-              <a:t> </a:t>
-            </a:r>
-            <a:r>
-              <a:rPr lang="ru-RU" sz="2400" dirty="0">
-                <a:solidFill>
-                  <a:schemeClr val="tx1">
-                    <a:lumMod val="95000"/>
-                    <a:lumOff val="5000"/>
-                  </a:schemeClr>
-                </a:solidFill>
-              </a:rPr>
-              <a:t>и комбинаторика</a:t>
-            </a:r>
-          </a:p>
-          <a:p>
-            <a:pPr marL="342900" lvl="0" indent="-342900">
-              <a:buFont typeface="+mj-lt"/>
-              <a:buAutoNum type="arabicPeriod"/>
-            </a:pPr>
-            <a:r>
-              <a:rPr lang="ru-RU" sz="2400" dirty="0">
-                <a:solidFill>
-                  <a:schemeClr val="tx1">
-                    <a:lumMod val="95000"/>
-                    <a:lumOff val="5000"/>
-                  </a:schemeClr>
-                </a:solidFill>
-              </a:rPr>
-              <a:t>Практические задачи</a:t>
+            <a:r>
+              <a:rPr lang="ru-RU" dirty="0">
+                <a:solidFill>
+                  <a:srgbClr val="0000FF"/>
+                </a:solidFill>
+                <a:latin typeface="Open Sans" pitchFamily="2" charset="0"/>
+                <a:ea typeface="Open Sans" pitchFamily="2" charset="0"/>
+                <a:cs typeface="Open Sans" pitchFamily="2" charset="0"/>
+              </a:rPr>
+              <a:t>ОО ДИЗАЙН (ПРИНЦИПЫ ДЯДИ БОБА)</a:t>
             </a:r>
           </a:p>
         </p:txBody>
@@ -11581,7 +15225,7 @@
     </p:spTree>
     <p:extLst>
       <p:ext uri="{BB962C8B-B14F-4D97-AF65-F5344CB8AC3E}">
-        <p14:creationId xmlns:p14="http://schemas.microsoft.com/office/powerpoint/2010/main" val="8449535"/>
+        <p14:creationId xmlns:p14="http://schemas.microsoft.com/office/powerpoint/2010/main" val="238443053"/>
       </p:ext>
     </p:extLst>
   </p:cSld>
